--- a/技术分享/浅尝docker.pptx
+++ b/技术分享/浅尝docker.pptx
@@ -144,6 +144,10 @@
 </p:cmAuthorLst>
 </file>
 
+<file path=ppt/revisionInfo.xml><?xml version="1.0" encoding="utf-8"?>
+<p1510:revInfo xmlns:a="http://schemas.openxmlformats.org/drawingml/2006/main" xmlns:r="http://schemas.openxmlformats.org/officeDocument/2006/relationships" xmlns:p1510="http://schemas.microsoft.com/office/powerpoint/2015/10/main"/>
+</file>
+
 <file path=ppt/slideLayouts/slideLayout1.xml><?xml version="1.0" encoding="utf-8"?>
 <p:sldLayout xmlns:a="http://schemas.openxmlformats.org/drawingml/2006/main" xmlns:r="http://schemas.openxmlformats.org/officeDocument/2006/relationships" xmlns:p="http://schemas.openxmlformats.org/presentationml/2006/main" type="title" preserve="1">
   <p:cSld name="标题幻灯片">
@@ -273,7 +277,7 @@
           <a:p>
             <a:fld id="{5F4A20D9-F5E9-F742-AD7A-FDCE7EDE5BD5}" type="datetimeFigureOut">
               <a:rPr kumimoji="1" lang="zh-CN" altLang="en-US" smtClean="0"/>
-              <a:t>2019/2/19</a:t>
+              <a:t>2019/2/25</a:t>
             </a:fld>
             <a:endParaRPr kumimoji="1" lang="zh-CN" altLang="en-US"/>
           </a:p>
@@ -436,7 +440,7 @@
           <a:p>
             <a:fld id="{5F4A20D9-F5E9-F742-AD7A-FDCE7EDE5BD5}" type="datetimeFigureOut">
               <a:rPr kumimoji="1" lang="zh-CN" altLang="en-US" smtClean="0"/>
-              <a:t>2019/2/19</a:t>
+              <a:t>2019/2/25</a:t>
             </a:fld>
             <a:endParaRPr kumimoji="1" lang="zh-CN" altLang="en-US"/>
           </a:p>
@@ -609,7 +613,7 @@
           <a:p>
             <a:fld id="{5F4A20D9-F5E9-F742-AD7A-FDCE7EDE5BD5}" type="datetimeFigureOut">
               <a:rPr kumimoji="1" lang="zh-CN" altLang="en-US" smtClean="0"/>
-              <a:t>2019/2/19</a:t>
+              <a:t>2019/2/25</a:t>
             </a:fld>
             <a:endParaRPr kumimoji="1" lang="zh-CN" altLang="en-US"/>
           </a:p>
@@ -825,7 +829,7 @@
           <a:p>
             <a:fld id="{5F4A20D9-F5E9-F742-AD7A-FDCE7EDE5BD5}" type="datetimeFigureOut">
               <a:rPr kumimoji="1" lang="zh-CN" altLang="en-US" smtClean="0"/>
-              <a:t>2019/2/19</a:t>
+              <a:t>2019/2/25</a:t>
             </a:fld>
             <a:endParaRPr kumimoji="1" lang="zh-CN" altLang="en-US"/>
           </a:p>
@@ -1065,7 +1069,7 @@
           <a:p>
             <a:fld id="{5F4A20D9-F5E9-F742-AD7A-FDCE7EDE5BD5}" type="datetimeFigureOut">
               <a:rPr kumimoji="1" lang="zh-CN" altLang="en-US" smtClean="0"/>
-              <a:t>2019/2/19</a:t>
+              <a:t>2019/2/25</a:t>
             </a:fld>
             <a:endParaRPr kumimoji="1" lang="zh-CN" altLang="en-US"/>
           </a:p>
@@ -1289,7 +1293,7 @@
           <a:p>
             <a:fld id="{5F4A20D9-F5E9-F742-AD7A-FDCE7EDE5BD5}" type="datetimeFigureOut">
               <a:rPr kumimoji="1" lang="zh-CN" altLang="en-US" smtClean="0"/>
-              <a:t>2019/2/19</a:t>
+              <a:t>2019/2/25</a:t>
             </a:fld>
             <a:endParaRPr kumimoji="1" lang="zh-CN" altLang="en-US"/>
           </a:p>
@@ -1648,7 +1652,7 @@
           <a:p>
             <a:fld id="{5F4A20D9-F5E9-F742-AD7A-FDCE7EDE5BD5}" type="datetimeFigureOut">
               <a:rPr kumimoji="1" lang="zh-CN" altLang="en-US" smtClean="0"/>
-              <a:t>2019/2/19</a:t>
+              <a:t>2019/2/25</a:t>
             </a:fld>
             <a:endParaRPr kumimoji="1" lang="zh-CN" altLang="en-US"/>
           </a:p>
@@ -1760,7 +1764,7 @@
           <a:p>
             <a:fld id="{5F4A20D9-F5E9-F742-AD7A-FDCE7EDE5BD5}" type="datetimeFigureOut">
               <a:rPr kumimoji="1" lang="zh-CN" altLang="en-US" smtClean="0"/>
-              <a:t>2019/2/19</a:t>
+              <a:t>2019/2/25</a:t>
             </a:fld>
             <a:endParaRPr kumimoji="1" lang="zh-CN" altLang="en-US"/>
           </a:p>
@@ -1850,7 +1854,7 @@
           <a:p>
             <a:fld id="{5F4A20D9-F5E9-F742-AD7A-FDCE7EDE5BD5}" type="datetimeFigureOut">
               <a:rPr kumimoji="1" lang="zh-CN" altLang="en-US" smtClean="0"/>
-              <a:t>2019/2/19</a:t>
+              <a:t>2019/2/25</a:t>
             </a:fld>
             <a:endParaRPr kumimoji="1" lang="zh-CN" altLang="en-US"/>
           </a:p>
@@ -2120,7 +2124,7 @@
           <a:p>
             <a:fld id="{5F4A20D9-F5E9-F742-AD7A-FDCE7EDE5BD5}" type="datetimeFigureOut">
               <a:rPr kumimoji="1" lang="zh-CN" altLang="en-US" smtClean="0"/>
-              <a:t>2019/2/19</a:t>
+              <a:t>2019/2/25</a:t>
             </a:fld>
             <a:endParaRPr kumimoji="1" lang="zh-CN" altLang="en-US"/>
           </a:p>
@@ -2367,7 +2371,7 @@
           <a:p>
             <a:fld id="{5F4A20D9-F5E9-F742-AD7A-FDCE7EDE5BD5}" type="datetimeFigureOut">
               <a:rPr kumimoji="1" lang="zh-CN" altLang="en-US" smtClean="0"/>
-              <a:t>2019/2/19</a:t>
+              <a:t>2019/2/25</a:t>
             </a:fld>
             <a:endParaRPr kumimoji="1" lang="zh-CN" altLang="en-US"/>
           </a:p>
@@ -2573,7 +2577,7 @@
           <a:p>
             <a:fld id="{5F4A20D9-F5E9-F742-AD7A-FDCE7EDE5BD5}" type="datetimeFigureOut">
               <a:rPr kumimoji="1" lang="zh-CN" altLang="en-US" smtClean="0"/>
-              <a:t>2019/2/19</a:t>
+              <a:t>2019/2/25</a:t>
             </a:fld>
             <a:endParaRPr kumimoji="1" lang="zh-CN" altLang="en-US"/>
           </a:p>
@@ -3332,10 +3336,6 @@
             <a:r>
               <a:rPr lang="zh-CN" altLang="en-US" sz="1800" dirty="0"/>
               <a:t>，</a:t>
-            </a:r>
-            <a:r>
-              <a:rPr lang="en-US" altLang="zh-CN" sz="1800" dirty="0"/>
-              <a:t> </a:t>
             </a:r>
             <a:r>
               <a:rPr lang="en-US" altLang="zh-CN" sz="1800" dirty="0" err="1"/>
@@ -6169,7 +6169,7 @@
             </a:pPr>
             <a:r>
               <a:rPr lang="zh-CN" altLang="en-US" sz="1800" dirty="0"/>
-              <a:t>中的进程，能看到独立的它自己的隔离的某些特定系统资源；复杂来说，可以去看看 </a:t>
+              <a:t>中的进程，能看到独立的它自己的隔离的某些特定系统资源；复杂的话，可以去看看 </a:t>
             </a:r>
             <a:r>
               <a:rPr lang="en-US" altLang="zh-CN" sz="1800" dirty="0"/>
@@ -8817,7 +8817,7 @@
         </p:spPr>
         <p:txBody>
           <a:bodyPr>
-            <a:normAutofit/>
+            <a:normAutofit lnSpcReduction="10000"/>
           </a:bodyPr>
           <a:lstStyle/>
           <a:p>
@@ -8830,103 +8830,16 @@
             </a:r>
           </a:p>
           <a:p>
-            <a:pPr marL="0" indent="0">
-              <a:buNone/>
-            </a:pPr>
             <a:r>
               <a:rPr lang="en-US" altLang="zh-CN" sz="1800" dirty="0"/>
-              <a:t>Mesos</a:t>
-            </a:r>
-            <a:r>
-              <a:rPr lang="zh-CN" altLang="en-US" sz="1800" dirty="0"/>
-              <a:t>是一个开源的分布式弹性资源管理系统。目前，</a:t>
-            </a:r>
+              <a:t>Apache Mesos abstracts CPU, memory, storage, and other compute resources away from machines (physical or virtual), enabling fault-tolerant and elastic distributed systems to easily be built and run effectively.</a:t>
+            </a:r>
+          </a:p>
+          <a:p>
             <a:r>
               <a:rPr lang="en-US" altLang="zh-CN" sz="1800" dirty="0"/>
-              <a:t>Twitter</a:t>
-            </a:r>
-            <a:r>
-              <a:rPr lang="zh-CN" altLang="en-US" sz="1800" dirty="0"/>
-              <a:t>、</a:t>
-            </a:r>
-            <a:r>
-              <a:rPr lang="en-US" altLang="zh-CN" sz="1800" dirty="0"/>
-              <a:t>Apple</a:t>
-            </a:r>
-            <a:r>
-              <a:rPr lang="zh-CN" altLang="en-US" sz="1800" dirty="0"/>
-              <a:t>等公司在大量使用</a:t>
-            </a:r>
-            <a:r>
-              <a:rPr lang="en-US" altLang="zh-CN" sz="1800" dirty="0"/>
-              <a:t>Mesos</a:t>
-            </a:r>
-            <a:r>
-              <a:rPr lang="zh-CN" altLang="en-US" sz="1800" dirty="0"/>
-              <a:t>管理集群资源。国内也有一些公司在使用</a:t>
-            </a:r>
-            <a:r>
-              <a:rPr lang="en-US" altLang="zh-CN" sz="1800" dirty="0"/>
-              <a:t>Mesos</a:t>
-            </a:r>
-            <a:r>
-              <a:rPr lang="zh-CN" altLang="en-US" sz="1800" dirty="0"/>
-              <a:t>，比如豆瓣、爱奇艺等。</a:t>
-            </a:r>
-          </a:p>
-          <a:p>
-            <a:pPr marL="0" indent="0">
-              <a:buNone/>
-            </a:pPr>
-            <a:r>
-              <a:rPr lang="en-US" altLang="zh-CN" sz="1800" dirty="0"/>
-              <a:t>Mesos</a:t>
-            </a:r>
-            <a:r>
-              <a:rPr lang="zh-CN" altLang="en-US" sz="1800" dirty="0"/>
-              <a:t>是仿照</a:t>
-            </a:r>
-            <a:r>
-              <a:rPr lang="en-US" altLang="zh-CN" sz="1800" dirty="0"/>
-              <a:t>Google</a:t>
-            </a:r>
-            <a:r>
-              <a:rPr lang="zh-CN" altLang="en-US" sz="1800" dirty="0"/>
-              <a:t>内部的资源管理系统</a:t>
-            </a:r>
-            <a:r>
-              <a:rPr lang="en-US" altLang="zh-CN" sz="1800" dirty="0"/>
-              <a:t>Borg</a:t>
-            </a:r>
-            <a:r>
-              <a:rPr lang="zh-CN" altLang="en-US" sz="1800" dirty="0"/>
-              <a:t>实现的。</a:t>
-            </a:r>
-            <a:r>
-              <a:rPr lang="en-US" altLang="zh-CN" sz="1800" dirty="0"/>
-              <a:t>Mesos</a:t>
-            </a:r>
-            <a:r>
-              <a:rPr lang="zh-CN" altLang="en-US" sz="1800" dirty="0"/>
-              <a:t>对</a:t>
-            </a:r>
-            <a:r>
-              <a:rPr lang="en-US" altLang="zh-CN" sz="1800" dirty="0"/>
-              <a:t>Docker</a:t>
-            </a:r>
-            <a:r>
-              <a:rPr lang="zh-CN" altLang="en-US" sz="1800" dirty="0"/>
-              <a:t>的支持较好，其采用的资源分配算法叫做</a:t>
-            </a:r>
-            <a:r>
-              <a:rPr lang="en-US" altLang="zh-CN" sz="1800" dirty="0"/>
-              <a:t>DRF</a:t>
-            </a:r>
-            <a:r>
-              <a:rPr lang="zh-CN" altLang="en-US" sz="1800" dirty="0"/>
-              <a:t>。</a:t>
-            </a:r>
-            <a:endParaRPr lang="en-US" altLang="zh-CN" sz="1800" dirty="0"/>
+              <a:t>Mesos is built using the same principles as the Linux kernel, only at a different level of abstraction. The Mesos kernel runs on every machine and provides applications (e.g., Hadoop, Spark, Kafka, Elastic Search) with API’s for resource management and scheduling across entire datacenter and cloud environments.</a:t>
+            </a:r>
           </a:p>
           <a:p>
             <a:pPr marL="0" indent="0">

--- a/技术分享/浅尝docker.pptx
+++ b/技术分享/浅尝docker.pptx
@@ -24,8 +24,7 @@
     <p:sldId id="299" r:id="rId18"/>
     <p:sldId id="300" r:id="rId19"/>
     <p:sldId id="292" r:id="rId20"/>
-    <p:sldId id="295" r:id="rId21"/>
-    <p:sldId id="277" r:id="rId22"/>
+    <p:sldId id="277" r:id="rId21"/>
   </p:sldIdLst>
   <p:sldSz cx="12192000" cy="6858000"/>
   <p:notesSz cx="6858000" cy="9144000"/>
@@ -277,7 +276,7 @@
           <a:p>
             <a:fld id="{5F4A20D9-F5E9-F742-AD7A-FDCE7EDE5BD5}" type="datetimeFigureOut">
               <a:rPr kumimoji="1" lang="zh-CN" altLang="en-US" smtClean="0"/>
-              <a:t>2019/2/25</a:t>
+              <a:t>2019/2/26</a:t>
             </a:fld>
             <a:endParaRPr kumimoji="1" lang="zh-CN" altLang="en-US"/>
           </a:p>
@@ -440,7 +439,7 @@
           <a:p>
             <a:fld id="{5F4A20D9-F5E9-F742-AD7A-FDCE7EDE5BD5}" type="datetimeFigureOut">
               <a:rPr kumimoji="1" lang="zh-CN" altLang="en-US" smtClean="0"/>
-              <a:t>2019/2/25</a:t>
+              <a:t>2019/2/26</a:t>
             </a:fld>
             <a:endParaRPr kumimoji="1" lang="zh-CN" altLang="en-US"/>
           </a:p>
@@ -613,7 +612,7 @@
           <a:p>
             <a:fld id="{5F4A20D9-F5E9-F742-AD7A-FDCE7EDE5BD5}" type="datetimeFigureOut">
               <a:rPr kumimoji="1" lang="zh-CN" altLang="en-US" smtClean="0"/>
-              <a:t>2019/2/25</a:t>
+              <a:t>2019/2/26</a:t>
             </a:fld>
             <a:endParaRPr kumimoji="1" lang="zh-CN" altLang="en-US"/>
           </a:p>
@@ -829,7 +828,7 @@
           <a:p>
             <a:fld id="{5F4A20D9-F5E9-F742-AD7A-FDCE7EDE5BD5}" type="datetimeFigureOut">
               <a:rPr kumimoji="1" lang="zh-CN" altLang="en-US" smtClean="0"/>
-              <a:t>2019/2/25</a:t>
+              <a:t>2019/2/26</a:t>
             </a:fld>
             <a:endParaRPr kumimoji="1" lang="zh-CN" altLang="en-US"/>
           </a:p>
@@ -1069,7 +1068,7 @@
           <a:p>
             <a:fld id="{5F4A20D9-F5E9-F742-AD7A-FDCE7EDE5BD5}" type="datetimeFigureOut">
               <a:rPr kumimoji="1" lang="zh-CN" altLang="en-US" smtClean="0"/>
-              <a:t>2019/2/25</a:t>
+              <a:t>2019/2/26</a:t>
             </a:fld>
             <a:endParaRPr kumimoji="1" lang="zh-CN" altLang="en-US"/>
           </a:p>
@@ -1293,7 +1292,7 @@
           <a:p>
             <a:fld id="{5F4A20D9-F5E9-F742-AD7A-FDCE7EDE5BD5}" type="datetimeFigureOut">
               <a:rPr kumimoji="1" lang="zh-CN" altLang="en-US" smtClean="0"/>
-              <a:t>2019/2/25</a:t>
+              <a:t>2019/2/26</a:t>
             </a:fld>
             <a:endParaRPr kumimoji="1" lang="zh-CN" altLang="en-US"/>
           </a:p>
@@ -1652,7 +1651,7 @@
           <a:p>
             <a:fld id="{5F4A20D9-F5E9-F742-AD7A-FDCE7EDE5BD5}" type="datetimeFigureOut">
               <a:rPr kumimoji="1" lang="zh-CN" altLang="en-US" smtClean="0"/>
-              <a:t>2019/2/25</a:t>
+              <a:t>2019/2/26</a:t>
             </a:fld>
             <a:endParaRPr kumimoji="1" lang="zh-CN" altLang="en-US"/>
           </a:p>
@@ -1764,7 +1763,7 @@
           <a:p>
             <a:fld id="{5F4A20D9-F5E9-F742-AD7A-FDCE7EDE5BD5}" type="datetimeFigureOut">
               <a:rPr kumimoji="1" lang="zh-CN" altLang="en-US" smtClean="0"/>
-              <a:t>2019/2/25</a:t>
+              <a:t>2019/2/26</a:t>
             </a:fld>
             <a:endParaRPr kumimoji="1" lang="zh-CN" altLang="en-US"/>
           </a:p>
@@ -1854,7 +1853,7 @@
           <a:p>
             <a:fld id="{5F4A20D9-F5E9-F742-AD7A-FDCE7EDE5BD5}" type="datetimeFigureOut">
               <a:rPr kumimoji="1" lang="zh-CN" altLang="en-US" smtClean="0"/>
-              <a:t>2019/2/25</a:t>
+              <a:t>2019/2/26</a:t>
             </a:fld>
             <a:endParaRPr kumimoji="1" lang="zh-CN" altLang="en-US"/>
           </a:p>
@@ -2124,7 +2123,7 @@
           <a:p>
             <a:fld id="{5F4A20D9-F5E9-F742-AD7A-FDCE7EDE5BD5}" type="datetimeFigureOut">
               <a:rPr kumimoji="1" lang="zh-CN" altLang="en-US" smtClean="0"/>
-              <a:t>2019/2/25</a:t>
+              <a:t>2019/2/26</a:t>
             </a:fld>
             <a:endParaRPr kumimoji="1" lang="zh-CN" altLang="en-US"/>
           </a:p>
@@ -2371,7 +2370,7 @@
           <a:p>
             <a:fld id="{5F4A20D9-F5E9-F742-AD7A-FDCE7EDE5BD5}" type="datetimeFigureOut">
               <a:rPr kumimoji="1" lang="zh-CN" altLang="en-US" smtClean="0"/>
-              <a:t>2019/2/25</a:t>
+              <a:t>2019/2/26</a:t>
             </a:fld>
             <a:endParaRPr kumimoji="1" lang="zh-CN" altLang="en-US"/>
           </a:p>
@@ -2577,7 +2576,7 @@
           <a:p>
             <a:fld id="{5F4A20D9-F5E9-F742-AD7A-FDCE7EDE5BD5}" type="datetimeFigureOut">
               <a:rPr kumimoji="1" lang="zh-CN" altLang="en-US" smtClean="0"/>
-              <a:t>2019/2/25</a:t>
+              <a:t>2019/2/26</a:t>
             </a:fld>
             <a:endParaRPr kumimoji="1" lang="zh-CN" altLang="en-US"/>
           </a:p>
@@ -8433,11 +8432,23 @@
             </a:r>
             <a:r>
               <a:rPr lang="zh-CN" altLang="en-US" sz="1800" dirty="0"/>
-              <a:t>以及内存等。关于其目的，一方面，是为了防止它占用了太多的资源而影响到其它进程；另一方面，在系统资源耗尽的时候，</a:t>
+              <a:t>以及内存等。因此，为了让容器中的进程更加可控，</a:t>
+            </a:r>
+            <a:r>
+              <a:rPr lang="en-US" altLang="zh-CN" sz="1800" dirty="0"/>
+              <a:t>Docker </a:t>
+            </a:r>
+            <a:r>
+              <a:rPr lang="zh-CN" altLang="en-US" sz="1800" dirty="0"/>
+              <a:t>使用 </a:t>
+            </a:r>
+            <a:r>
+              <a:rPr lang="en-US" altLang="zh-CN" sz="1800" dirty="0"/>
+              <a:t>Linux </a:t>
             </a:r>
             <a:r>
               <a:rPr lang="en-US" altLang="zh-CN" sz="1800" dirty="0" err="1"/>
-              <a:t>linux</a:t>
+              <a:t>cgroups</a:t>
             </a:r>
             <a:r>
               <a:rPr lang="en-US" altLang="zh-CN" sz="1800" dirty="0"/>
@@ -8445,27 +8456,25 @@
             </a:r>
             <a:r>
               <a:rPr lang="zh-CN" altLang="en-US" sz="1800" dirty="0"/>
-              <a:t>内核会触发 </a:t>
+              <a:t>来限制容器中的进程允许使用的系统资源。</a:t>
+            </a:r>
+            <a:endParaRPr lang="en-US" altLang="zh-CN" sz="1800" dirty="0"/>
+          </a:p>
+          <a:p>
+            <a:pPr marL="0" indent="0">
+              <a:buNone/>
+            </a:pPr>
+            <a:r>
+              <a:rPr lang="zh-CN" altLang="en-US" sz="1800" dirty="0"/>
+              <a:t>目前 </a:t>
             </a:r>
             <a:r>
               <a:rPr lang="en-US" altLang="zh-CN" sz="1800" dirty="0"/>
-              <a:t>OOM</a:t>
+              <a:t>docker </a:t>
             </a:r>
             <a:r>
               <a:rPr lang="zh-CN" altLang="en-US" sz="1800" dirty="0"/>
-              <a:t>，这会让一些被杀掉的进程成了无辜的替死鬼。因此，为了让容器中的进程更加可控，</a:t>
-            </a:r>
-            <a:r>
-              <a:rPr lang="en-US" altLang="zh-CN" sz="1800" dirty="0"/>
-              <a:t>Docker </a:t>
-            </a:r>
-            <a:r>
-              <a:rPr lang="zh-CN" altLang="en-US" sz="1800" dirty="0"/>
-              <a:t>使用 </a:t>
-            </a:r>
-            <a:r>
-              <a:rPr lang="en-US" altLang="zh-CN" sz="1800" dirty="0"/>
-              <a:t>Linux </a:t>
+              <a:t>已经几乎支持了所有的 </a:t>
             </a:r>
             <a:r>
               <a:rPr lang="en-US" altLang="zh-CN" sz="1800" dirty="0" err="1"/>
@@ -8477,8 +8486,96 @@
             </a:r>
             <a:r>
               <a:rPr lang="zh-CN" altLang="en-US" sz="1800" dirty="0"/>
-              <a:t>来限制容器中的进程允许使用的系统资源。 </a:t>
-            </a:r>
+              <a:t>资源，可以限制容器对包括 </a:t>
+            </a:r>
+            <a:r>
+              <a:rPr lang="en-US" altLang="zh-CN" sz="1800" dirty="0"/>
+              <a:t>network</a:t>
+            </a:r>
+            <a:r>
+              <a:rPr lang="zh-CN" altLang="en-US" sz="1800" dirty="0"/>
+              <a:t>，</a:t>
+            </a:r>
+            <a:r>
+              <a:rPr lang="en-US" altLang="zh-CN" sz="1800" dirty="0"/>
+              <a:t>device</a:t>
+            </a:r>
+            <a:r>
+              <a:rPr lang="zh-CN" altLang="en-US" sz="1800" dirty="0"/>
+              <a:t>，</a:t>
+            </a:r>
+            <a:r>
+              <a:rPr lang="en-US" altLang="zh-CN" sz="1800" dirty="0" err="1"/>
+              <a:t>cpu</a:t>
+            </a:r>
+            <a:r>
+              <a:rPr lang="en-US" altLang="zh-CN" sz="1800" dirty="0"/>
+              <a:t> </a:t>
+            </a:r>
+            <a:r>
+              <a:rPr lang="zh-CN" altLang="en-US" sz="1800" dirty="0"/>
+              <a:t>和</a:t>
+            </a:r>
+            <a:r>
+              <a:rPr lang="en-US" altLang="zh-CN" sz="1800" dirty="0"/>
+              <a:t>memory </a:t>
+            </a:r>
+            <a:r>
+              <a:rPr lang="zh-CN" altLang="en-US" sz="1800" dirty="0"/>
+              <a:t>在内的资源的使用</a:t>
+            </a:r>
+          </a:p>
+          <a:p>
+            <a:pPr marL="0" indent="0">
+              <a:buNone/>
+            </a:pPr>
+            <a:r>
+              <a:rPr lang="zh-CN" altLang="en-US" sz="1800" dirty="0"/>
+              <a:t>我们可以通过给</a:t>
+            </a:r>
+            <a:r>
+              <a:rPr lang="en-US" altLang="zh-CN" sz="1800" dirty="0"/>
+              <a:t>docker run </a:t>
+            </a:r>
+            <a:r>
+              <a:rPr lang="zh-CN" altLang="en-US" sz="1800" dirty="0"/>
+              <a:t>命令传参来控制分配容器的资源。</a:t>
+            </a:r>
+            <a:r>
+              <a:rPr lang="en-US" altLang="zh-CN" sz="1800" dirty="0"/>
+              <a:t>Docker run </a:t>
+            </a:r>
+            <a:r>
+              <a:rPr lang="zh-CN" altLang="en-US" sz="1800" dirty="0"/>
+              <a:t>命令中 </a:t>
+            </a:r>
+            <a:r>
+              <a:rPr lang="en-US" altLang="zh-CN" sz="1800" dirty="0" err="1"/>
+              <a:t>cgroups</a:t>
+            </a:r>
+            <a:r>
+              <a:rPr lang="en-US" altLang="zh-CN" sz="1800" dirty="0"/>
+              <a:t> </a:t>
+            </a:r>
+            <a:r>
+              <a:rPr lang="zh-CN" altLang="en-US" sz="1800" dirty="0"/>
+              <a:t>相关命令如下：</a:t>
+            </a:r>
+          </a:p>
+          <a:p>
+            <a:pPr marL="0" indent="0">
+              <a:buNone/>
+            </a:pPr>
+            <a:r>
+              <a:rPr lang="zh-CN" altLang="en-US" sz="1800" dirty="0"/>
+              <a:t> </a:t>
+            </a:r>
+          </a:p>
+          <a:p>
+            <a:pPr marL="0" indent="0">
+              <a:buNone/>
+            </a:pPr>
+            <a:endParaRPr lang="zh-CN" altLang="en-US" sz="1800" dirty="0"/>
           </a:p>
         </p:txBody>
       </p:sp>
@@ -8817,7 +8914,7 @@
         </p:spPr>
         <p:txBody>
           <a:bodyPr>
-            <a:normAutofit lnSpcReduction="10000"/>
+            <a:normAutofit/>
           </a:bodyPr>
           <a:lstStyle/>
           <a:p>
@@ -8830,22 +8927,13 @@
             </a:r>
           </a:p>
           <a:p>
-            <a:r>
-              <a:rPr lang="en-US" altLang="zh-CN" sz="1800" dirty="0"/>
-              <a:t>Apache Mesos abstracts CPU, memory, storage, and other compute resources away from machines (physical or virtual), enabling fault-tolerant and elastic distributed systems to easily be built and run effectively.</a:t>
-            </a:r>
-          </a:p>
-          <a:p>
-            <a:r>
-              <a:rPr lang="en-US" altLang="zh-CN" sz="1800" dirty="0"/>
-              <a:t>Mesos is built using the same principles as the Linux kernel, only at a different level of abstraction. The Mesos kernel runs on every machine and provides applications (e.g., Hadoop, Spark, Kafka, Elastic Search) with API’s for resource management and scheduling across entire datacenter and cloud environments.</a:t>
-            </a:r>
-          </a:p>
-          <a:p>
             <a:pPr marL="0" indent="0">
               <a:buNone/>
             </a:pPr>
-            <a:endParaRPr lang="en-US" altLang="zh-CN" sz="1800" dirty="0"/>
+            <a:r>
+              <a:rPr lang="en-US" altLang="zh-CN" sz="1800" dirty="0"/>
+              <a:t>Apache Mesos abstracts CPU, memory, storage, and other compute resources away from machines (physical or virtual), enabling fault-tolerant and elastic distributed systems to easily be built and run effectively.</a:t>
+            </a:r>
           </a:p>
           <a:p>
             <a:pPr marL="0" indent="0">
@@ -8853,7 +8941,7 @@
             </a:pPr>
             <a:r>
               <a:rPr lang="en-US" altLang="zh-CN" sz="1800" dirty="0"/>
-              <a:t>Chronos</a:t>
+              <a:t>Mesos is built using the same principles as the Linux kernel, only at a different level of abstraction. The Mesos kernel runs on every machine and provides applications (e.g., Hadoop, Spark, Kafka, Elastic Search) with API’s for resource management and scheduling across entire datacenter and cloud environments.</a:t>
             </a:r>
           </a:p>
           <a:p>
@@ -8864,66 +8952,32 @@
               <a:rPr lang="en-US" altLang="zh-CN" sz="1800" dirty="0"/>
               <a:t>Chronos</a:t>
             </a:r>
-            <a:r>
-              <a:rPr lang="zh-CN" altLang="en-US" sz="1800" dirty="0"/>
-              <a:t>是一个运行在</a:t>
-            </a:r>
+          </a:p>
+          <a:p>
+            <a:pPr marL="0" indent="0">
+              <a:buNone/>
+            </a:pPr>
             <a:r>
               <a:rPr lang="en-US" altLang="zh-CN" sz="1800" dirty="0"/>
-              <a:t>Mesos</a:t>
-            </a:r>
-            <a:r>
-              <a:rPr lang="zh-CN" altLang="en-US" sz="1800" dirty="0"/>
-              <a:t>之上的具有分布式容错特性的作业调度器。在</a:t>
-            </a:r>
-            <a:r>
-              <a:rPr lang="en-US" altLang="zh-CN" sz="1800" dirty="0"/>
-              <a:t>Airbnb</a:t>
-            </a:r>
-            <a:r>
-              <a:rPr lang="zh-CN" altLang="en-US" sz="1800" dirty="0"/>
-              <a:t>公司，它是</a:t>
+              <a:t>Chronos is a replacement for </a:t>
             </a:r>
             <a:r>
               <a:rPr lang="en-US" altLang="zh-CN" sz="1800" dirty="0" err="1"/>
               <a:t>cron</a:t>
             </a:r>
             <a:r>
-              <a:rPr lang="zh-CN" altLang="en-US" sz="1800" dirty="0"/>
-              <a:t>的替代品。与</a:t>
+              <a:rPr lang="en-US" altLang="zh-CN" sz="1800" dirty="0"/>
+              <a:t>. It is a distributed and fault-tolerant scheduler that runs on top of Apache Mesos that can be used for job orchestration. It supports custom Mesos executors as well as the default command executor. Thus by default, Chronos executes </a:t>
             </a:r>
             <a:r>
               <a:rPr lang="en-US" altLang="zh-CN" sz="1800" dirty="0" err="1"/>
-              <a:t>cron</a:t>
-            </a:r>
-            <a:r>
-              <a:rPr lang="zh-CN" altLang="en-US" sz="1800" dirty="0"/>
-              <a:t>相比，</a:t>
+              <a:t>sh</a:t>
             </a:r>
             <a:r>
               <a:rPr lang="en-US" altLang="zh-CN" sz="1800" dirty="0"/>
-              <a:t>Chronos</a:t>
-            </a:r>
-            <a:r>
-              <a:rPr lang="zh-CN" altLang="en-US" sz="1800" dirty="0"/>
-              <a:t>在很多方面具备优势。比如，它支持</a:t>
-            </a:r>
-            <a:r>
-              <a:rPr lang="en-US" altLang="zh-CN" sz="1800" dirty="0"/>
-              <a:t>ISO8601</a:t>
-            </a:r>
-            <a:r>
-              <a:rPr lang="zh-CN" altLang="en-US" sz="1800" dirty="0"/>
-              <a:t>标准，允许更灵活地定义调度时间；</a:t>
-            </a:r>
-            <a:r>
-              <a:rPr lang="en-US" altLang="zh-CN" sz="1800" dirty="0"/>
-              <a:t>Chronos</a:t>
-            </a:r>
-            <a:r>
-              <a:rPr lang="zh-CN" altLang="en-US" sz="1800" dirty="0"/>
-              <a:t>也支持任务依赖，即一个作业的开始依赖于一些任务的完成。</a:t>
-            </a:r>
+              <a:t> (on most systems bash) scripts</a:t>
+            </a:r>
+            <a:endParaRPr lang="zh-CN" altLang="en-US" sz="1800" dirty="0"/>
           </a:p>
         </p:txBody>
       </p:sp>
@@ -12668,327 +12722,6 @@
 </file>
 
 <file path=ppt/slides/slide20.xml><?xml version="1.0" encoding="utf-8"?>
-<p:sld xmlns:a="http://schemas.openxmlformats.org/drawingml/2006/main" xmlns:r="http://schemas.openxmlformats.org/officeDocument/2006/relationships" xmlns:p="http://schemas.openxmlformats.org/presentationml/2006/main">
-  <p:cSld>
-    <p:spTree>
-      <p:nvGrpSpPr>
-        <p:cNvPr id="1" name=""/>
-        <p:cNvGrpSpPr/>
-        <p:nvPr/>
-      </p:nvGrpSpPr>
-      <p:grpSpPr>
-        <a:xfrm>
-          <a:off x="0" y="0"/>
-          <a:ext cx="0" cy="0"/>
-          <a:chOff x="0" y="0"/>
-          <a:chExt cx="0" cy="0"/>
-        </a:xfrm>
-      </p:grpSpPr>
-      <p:grpSp>
-        <p:nvGrpSpPr>
-          <p:cNvPr id="13" name="组 54">
-            <a:extLst>
-              <a:ext uri="{FF2B5EF4-FFF2-40B4-BE49-F238E27FC236}">
-                <a16:creationId xmlns:a16="http://schemas.microsoft.com/office/drawing/2014/main" id="{D19BE295-A942-4BBF-BB44-AD1555283094}"/>
-              </a:ext>
-            </a:extLst>
-          </p:cNvPr>
-          <p:cNvGrpSpPr/>
-          <p:nvPr/>
-        </p:nvGrpSpPr>
-        <p:grpSpPr>
-          <a:xfrm>
-            <a:off x="409732" y="301493"/>
-            <a:ext cx="11372537" cy="479113"/>
-            <a:chOff x="353962" y="302459"/>
-            <a:chExt cx="11372537" cy="479113"/>
-          </a:xfrm>
-        </p:grpSpPr>
-        <p:grpSp>
-          <p:nvGrpSpPr>
-            <p:cNvPr id="14" name="组 55">
-              <a:extLst>
-                <a:ext uri="{FF2B5EF4-FFF2-40B4-BE49-F238E27FC236}">
-                  <a16:creationId xmlns:a16="http://schemas.microsoft.com/office/drawing/2014/main" id="{47B60E6F-8636-4A02-8208-4A39196956E7}"/>
-                </a:ext>
-              </a:extLst>
-            </p:cNvPr>
-            <p:cNvGrpSpPr/>
-            <p:nvPr/>
-          </p:nvGrpSpPr>
-          <p:grpSpPr>
-            <a:xfrm>
-              <a:off x="11253359" y="334716"/>
-              <a:ext cx="473140" cy="446856"/>
-              <a:chOff x="11186437" y="397002"/>
-              <a:chExt cx="473140" cy="446856"/>
-            </a:xfrm>
-          </p:grpSpPr>
-          <p:sp>
-            <p:nvSpPr>
-              <p:cNvPr id="18" name="椭圆 17">
-                <a:extLst>
-                  <a:ext uri="{FF2B5EF4-FFF2-40B4-BE49-F238E27FC236}">
-                    <a16:creationId xmlns:a16="http://schemas.microsoft.com/office/drawing/2014/main" id="{0E70BD41-A6A2-4B51-803C-2AD0BE62C1F0}"/>
-                  </a:ext>
-                </a:extLst>
-              </p:cNvPr>
-              <p:cNvSpPr/>
-              <p:nvPr/>
-            </p:nvSpPr>
-            <p:spPr>
-              <a:xfrm>
-                <a:off x="11208773" y="397002"/>
-                <a:ext cx="450804" cy="446856"/>
-              </a:xfrm>
-              <a:prstGeom prst="ellipse">
-                <a:avLst/>
-              </a:prstGeom>
-              <a:solidFill>
-                <a:srgbClr val="37CB83"/>
-              </a:solidFill>
-              <a:ln>
-                <a:noFill/>
-              </a:ln>
-            </p:spPr>
-            <p:style>
-              <a:lnRef idx="2">
-                <a:schemeClr val="accent1">
-                  <a:shade val="50000"/>
-                </a:schemeClr>
-              </a:lnRef>
-              <a:fillRef idx="1">
-                <a:schemeClr val="accent1"/>
-              </a:fillRef>
-              <a:effectRef idx="0">
-                <a:schemeClr val="accent1"/>
-              </a:effectRef>
-              <a:fontRef idx="minor">
-                <a:schemeClr val="lt1"/>
-              </a:fontRef>
-            </p:style>
-            <p:txBody>
-              <a:bodyPr rtlCol="0" anchor="ctr" anchorCtr="1"/>
-              <a:lstStyle/>
-              <a:p>
-                <a:pPr algn="ctr"/>
-                <a:endParaRPr kumimoji="1" lang="zh-CN" altLang="en-US"/>
-              </a:p>
-            </p:txBody>
-          </p:sp>
-          <p:sp>
-            <p:nvSpPr>
-              <p:cNvPr id="19" name="文本框 18">
-                <a:extLst>
-                  <a:ext uri="{FF2B5EF4-FFF2-40B4-BE49-F238E27FC236}">
-                    <a16:creationId xmlns:a16="http://schemas.microsoft.com/office/drawing/2014/main" id="{02A6EE7B-3AC2-421B-A8DF-8F0BD717747D}"/>
-                  </a:ext>
-                </a:extLst>
-              </p:cNvPr>
-              <p:cNvSpPr txBox="1"/>
-              <p:nvPr/>
-            </p:nvSpPr>
-            <p:spPr>
-              <a:xfrm>
-                <a:off x="11186437" y="435764"/>
-                <a:ext cx="473139" cy="369332"/>
-              </a:xfrm>
-              <a:prstGeom prst="rect">
-                <a:avLst/>
-              </a:prstGeom>
-              <a:noFill/>
-            </p:spPr>
-            <p:txBody>
-              <a:bodyPr wrap="square" rtlCol="0" anchor="ctr" anchorCtr="1">
-                <a:spAutoFit/>
-              </a:bodyPr>
-              <a:lstStyle/>
-              <a:p>
-                <a:pPr algn="ctr"/>
-                <a:r>
-                  <a:rPr kumimoji="1" lang="en-US" altLang="zh-CN" dirty="0">
-                    <a:solidFill>
-                      <a:schemeClr val="bg1"/>
-                    </a:solidFill>
-                    <a:latin typeface="Arial" panose="020B0604020202020204" pitchFamily="34" charset="0"/>
-                    <a:ea typeface="Arial" panose="020B0604020202020204" pitchFamily="34" charset="0"/>
-                    <a:cs typeface="Arial" panose="020B0604020202020204" pitchFamily="34" charset="0"/>
-                  </a:rPr>
-                  <a:t>12</a:t>
-                </a:r>
-                <a:endParaRPr kumimoji="1" lang="zh-CN" altLang="en-US" dirty="0">
-                  <a:solidFill>
-                    <a:schemeClr val="bg1"/>
-                  </a:solidFill>
-                  <a:latin typeface="Arial" panose="020B0604020202020204" pitchFamily="34" charset="0"/>
-                  <a:ea typeface="Arial" panose="020B0604020202020204" pitchFamily="34" charset="0"/>
-                  <a:cs typeface="Arial" panose="020B0604020202020204" pitchFamily="34" charset="0"/>
-                </a:endParaRPr>
-              </a:p>
-            </p:txBody>
-          </p:sp>
-        </p:grpSp>
-        <p:pic>
-          <p:nvPicPr>
-            <p:cNvPr id="15" name="图片 14">
-              <a:extLst>
-                <a:ext uri="{FF2B5EF4-FFF2-40B4-BE49-F238E27FC236}">
-                  <a16:creationId xmlns:a16="http://schemas.microsoft.com/office/drawing/2014/main" id="{CD3CE44F-0B74-4963-B8C8-51473C008B10}"/>
-                </a:ext>
-              </a:extLst>
-            </p:cNvPr>
-            <p:cNvPicPr>
-              <a:picLocks noChangeAspect="1"/>
-            </p:cNvPicPr>
-            <p:nvPr/>
-          </p:nvPicPr>
-          <p:blipFill>
-            <a:blip r:embed="rId2">
-              <a:extLst>
-                <a:ext uri="{28A0092B-C50C-407E-A947-70E740481C1C}">
-                  <a14:useLocalDpi xmlns:a14="http://schemas.microsoft.com/office/drawing/2010/main" val="0"/>
-                </a:ext>
-              </a:extLst>
-            </a:blip>
-            <a:stretch>
-              <a:fillRect/>
-            </a:stretch>
-          </p:blipFill>
-          <p:spPr>
-            <a:xfrm>
-              <a:off x="353962" y="302459"/>
-              <a:ext cx="1364639" cy="461720"/>
-            </a:xfrm>
-            <a:prstGeom prst="rect">
-              <a:avLst/>
-            </a:prstGeom>
-          </p:spPr>
-        </p:pic>
-        <p:cxnSp>
-          <p:nvCxnSpPr>
-            <p:cNvPr id="16" name="直线连接符 57">
-              <a:extLst>
-                <a:ext uri="{FF2B5EF4-FFF2-40B4-BE49-F238E27FC236}">
-                  <a16:creationId xmlns:a16="http://schemas.microsoft.com/office/drawing/2014/main" id="{F5512990-78BC-4E4F-B626-9450ABCF3168}"/>
-                </a:ext>
-              </a:extLst>
-            </p:cNvPr>
-            <p:cNvCxnSpPr/>
-            <p:nvPr/>
-          </p:nvCxnSpPr>
-          <p:spPr>
-            <a:xfrm>
-              <a:off x="1877960" y="397002"/>
-              <a:ext cx="0" cy="272634"/>
-            </a:xfrm>
-            <a:prstGeom prst="line">
-              <a:avLst/>
-            </a:prstGeom>
-            <a:ln w="15875">
-              <a:solidFill>
-                <a:srgbClr val="282828">
-                  <a:alpha val="21000"/>
-                </a:srgbClr>
-              </a:solidFill>
-            </a:ln>
-          </p:spPr>
-          <p:style>
-            <a:lnRef idx="1">
-              <a:schemeClr val="accent1"/>
-            </a:lnRef>
-            <a:fillRef idx="0">
-              <a:schemeClr val="accent1"/>
-            </a:fillRef>
-            <a:effectRef idx="0">
-              <a:schemeClr val="accent1"/>
-            </a:effectRef>
-            <a:fontRef idx="minor">
-              <a:schemeClr val="tx1"/>
-            </a:fontRef>
-          </p:style>
-        </p:cxnSp>
-        <p:sp>
-          <p:nvSpPr>
-            <p:cNvPr id="17" name="矩形 16">
-              <a:extLst>
-                <a:ext uri="{FF2B5EF4-FFF2-40B4-BE49-F238E27FC236}">
-                  <a16:creationId xmlns:a16="http://schemas.microsoft.com/office/drawing/2014/main" id="{DF4E283F-F1D4-448A-9FCA-0851D2FCBE95}"/>
-                </a:ext>
-              </a:extLst>
-            </p:cNvPr>
-            <p:cNvSpPr/>
-            <p:nvPr/>
-          </p:nvSpPr>
-          <p:spPr>
-            <a:xfrm>
-              <a:off x="1965495" y="334716"/>
-              <a:ext cx="3162652" cy="369332"/>
-            </a:xfrm>
-            <a:prstGeom prst="rect">
-              <a:avLst/>
-            </a:prstGeom>
-          </p:spPr>
-          <p:txBody>
-            <a:bodyPr wrap="square">
-              <a:spAutoFit/>
-            </a:bodyPr>
-            <a:lstStyle/>
-            <a:p>
-              <a:r>
-                <a:rPr lang="en-US" altLang="zh-CN" dirty="0">
-                  <a:solidFill>
-                    <a:schemeClr val="bg1">
-                      <a:lumMod val="50000"/>
-                    </a:schemeClr>
-                  </a:solidFill>
-                </a:rPr>
-                <a:t>Mesos</a:t>
-              </a:r>
-              <a:r>
-                <a:rPr lang="zh-CN" altLang="en-US" dirty="0">
-                  <a:solidFill>
-                    <a:schemeClr val="bg1">
-                      <a:lumMod val="50000"/>
-                    </a:schemeClr>
-                  </a:solidFill>
-                </a:rPr>
-                <a:t>与</a:t>
-              </a:r>
-              <a:r>
-                <a:rPr lang="en-US" altLang="zh-CN" dirty="0">
-                  <a:solidFill>
-                    <a:schemeClr val="bg1">
-                      <a:lumMod val="50000"/>
-                    </a:schemeClr>
-                  </a:solidFill>
-                </a:rPr>
-                <a:t>Chronos</a:t>
-              </a:r>
-              <a:endParaRPr lang="zh-CN" altLang="en-US" dirty="0">
-                <a:solidFill>
-                  <a:schemeClr val="bg1">
-                    <a:lumMod val="50000"/>
-                  </a:schemeClr>
-                </a:solidFill>
-              </a:endParaRPr>
-            </a:p>
-          </p:txBody>
-        </p:sp>
-      </p:grpSp>
-    </p:spTree>
-    <p:extLst>
-      <p:ext uri="{BB962C8B-B14F-4D97-AF65-F5344CB8AC3E}">
-        <p14:creationId xmlns:p14="http://schemas.microsoft.com/office/powerpoint/2010/main" val="662666471"/>
-      </p:ext>
-    </p:extLst>
-  </p:cSld>
-  <p:clrMapOvr>
-    <a:masterClrMapping/>
-  </p:clrMapOvr>
-</p:sld>
-</file>
-
-<file path=ppt/slides/slide21.xml><?xml version="1.0" encoding="utf-8"?>
 <p:sld xmlns:a="http://schemas.openxmlformats.org/drawingml/2006/main" xmlns:r="http://schemas.openxmlformats.org/officeDocument/2006/relationships" xmlns:p="http://schemas.openxmlformats.org/presentationml/2006/main">
   <p:cSld>
     <p:spTree>

--- a/技术分享/浅尝docker.pptx
+++ b/技术分享/浅尝docker.pptx
@@ -23,8 +23,9 @@
     <p:sldId id="298" r:id="rId17"/>
     <p:sldId id="299" r:id="rId18"/>
     <p:sldId id="300" r:id="rId19"/>
-    <p:sldId id="292" r:id="rId20"/>
-    <p:sldId id="277" r:id="rId21"/>
+    <p:sldId id="302" r:id="rId20"/>
+    <p:sldId id="292" r:id="rId21"/>
+    <p:sldId id="277" r:id="rId22"/>
   </p:sldIdLst>
   <p:sldSz cx="12192000" cy="6858000"/>
   <p:notesSz cx="6858000" cy="9144000"/>
@@ -143,10 +144,6 @@
 </p:cmAuthorLst>
 </file>
 
-<file path=ppt/revisionInfo.xml><?xml version="1.0" encoding="utf-8"?>
-<p1510:revInfo xmlns:a="http://schemas.openxmlformats.org/drawingml/2006/main" xmlns:r="http://schemas.openxmlformats.org/officeDocument/2006/relationships" xmlns:p1510="http://schemas.microsoft.com/office/powerpoint/2015/10/main"/>
-</file>
-
 <file path=ppt/slideLayouts/slideLayout1.xml><?xml version="1.0" encoding="utf-8"?>
 <p:sldLayout xmlns:a="http://schemas.openxmlformats.org/drawingml/2006/main" xmlns:r="http://schemas.openxmlformats.org/officeDocument/2006/relationships" xmlns:p="http://schemas.openxmlformats.org/presentationml/2006/main" type="title" preserve="1">
   <p:cSld name="标题幻灯片">
@@ -276,7 +273,7 @@
           <a:p>
             <a:fld id="{5F4A20D9-F5E9-F742-AD7A-FDCE7EDE5BD5}" type="datetimeFigureOut">
               <a:rPr kumimoji="1" lang="zh-CN" altLang="en-US" smtClean="0"/>
-              <a:t>2019/2/26</a:t>
+              <a:t>2019/2/28</a:t>
             </a:fld>
             <a:endParaRPr kumimoji="1" lang="zh-CN" altLang="en-US"/>
           </a:p>
@@ -439,7 +436,7 @@
           <a:p>
             <a:fld id="{5F4A20D9-F5E9-F742-AD7A-FDCE7EDE5BD5}" type="datetimeFigureOut">
               <a:rPr kumimoji="1" lang="zh-CN" altLang="en-US" smtClean="0"/>
-              <a:t>2019/2/26</a:t>
+              <a:t>2019/2/28</a:t>
             </a:fld>
             <a:endParaRPr kumimoji="1" lang="zh-CN" altLang="en-US"/>
           </a:p>
@@ -612,7 +609,7 @@
           <a:p>
             <a:fld id="{5F4A20D9-F5E9-F742-AD7A-FDCE7EDE5BD5}" type="datetimeFigureOut">
               <a:rPr kumimoji="1" lang="zh-CN" altLang="en-US" smtClean="0"/>
-              <a:t>2019/2/26</a:t>
+              <a:t>2019/2/28</a:t>
             </a:fld>
             <a:endParaRPr kumimoji="1" lang="zh-CN" altLang="en-US"/>
           </a:p>
@@ -828,7 +825,7 @@
           <a:p>
             <a:fld id="{5F4A20D9-F5E9-F742-AD7A-FDCE7EDE5BD5}" type="datetimeFigureOut">
               <a:rPr kumimoji="1" lang="zh-CN" altLang="en-US" smtClean="0"/>
-              <a:t>2019/2/26</a:t>
+              <a:t>2019/2/28</a:t>
             </a:fld>
             <a:endParaRPr kumimoji="1" lang="zh-CN" altLang="en-US"/>
           </a:p>
@@ -1068,7 +1065,7 @@
           <a:p>
             <a:fld id="{5F4A20D9-F5E9-F742-AD7A-FDCE7EDE5BD5}" type="datetimeFigureOut">
               <a:rPr kumimoji="1" lang="zh-CN" altLang="en-US" smtClean="0"/>
-              <a:t>2019/2/26</a:t>
+              <a:t>2019/2/28</a:t>
             </a:fld>
             <a:endParaRPr kumimoji="1" lang="zh-CN" altLang="en-US"/>
           </a:p>
@@ -1292,7 +1289,7 @@
           <a:p>
             <a:fld id="{5F4A20D9-F5E9-F742-AD7A-FDCE7EDE5BD5}" type="datetimeFigureOut">
               <a:rPr kumimoji="1" lang="zh-CN" altLang="en-US" smtClean="0"/>
-              <a:t>2019/2/26</a:t>
+              <a:t>2019/2/28</a:t>
             </a:fld>
             <a:endParaRPr kumimoji="1" lang="zh-CN" altLang="en-US"/>
           </a:p>
@@ -1651,7 +1648,7 @@
           <a:p>
             <a:fld id="{5F4A20D9-F5E9-F742-AD7A-FDCE7EDE5BD5}" type="datetimeFigureOut">
               <a:rPr kumimoji="1" lang="zh-CN" altLang="en-US" smtClean="0"/>
-              <a:t>2019/2/26</a:t>
+              <a:t>2019/2/28</a:t>
             </a:fld>
             <a:endParaRPr kumimoji="1" lang="zh-CN" altLang="en-US"/>
           </a:p>
@@ -1763,7 +1760,7 @@
           <a:p>
             <a:fld id="{5F4A20D9-F5E9-F742-AD7A-FDCE7EDE5BD5}" type="datetimeFigureOut">
               <a:rPr kumimoji="1" lang="zh-CN" altLang="en-US" smtClean="0"/>
-              <a:t>2019/2/26</a:t>
+              <a:t>2019/2/28</a:t>
             </a:fld>
             <a:endParaRPr kumimoji="1" lang="zh-CN" altLang="en-US"/>
           </a:p>
@@ -1853,7 +1850,7 @@
           <a:p>
             <a:fld id="{5F4A20D9-F5E9-F742-AD7A-FDCE7EDE5BD5}" type="datetimeFigureOut">
               <a:rPr kumimoji="1" lang="zh-CN" altLang="en-US" smtClean="0"/>
-              <a:t>2019/2/26</a:t>
+              <a:t>2019/2/28</a:t>
             </a:fld>
             <a:endParaRPr kumimoji="1" lang="zh-CN" altLang="en-US"/>
           </a:p>
@@ -2123,7 +2120,7 @@
           <a:p>
             <a:fld id="{5F4A20D9-F5E9-F742-AD7A-FDCE7EDE5BD5}" type="datetimeFigureOut">
               <a:rPr kumimoji="1" lang="zh-CN" altLang="en-US" smtClean="0"/>
-              <a:t>2019/2/26</a:t>
+              <a:t>2019/2/28</a:t>
             </a:fld>
             <a:endParaRPr kumimoji="1" lang="zh-CN" altLang="en-US"/>
           </a:p>
@@ -2370,7 +2367,7 @@
           <a:p>
             <a:fld id="{5F4A20D9-F5E9-F742-AD7A-FDCE7EDE5BD5}" type="datetimeFigureOut">
               <a:rPr kumimoji="1" lang="zh-CN" altLang="en-US" smtClean="0"/>
-              <a:t>2019/2/26</a:t>
+              <a:t>2019/2/28</a:t>
             </a:fld>
             <a:endParaRPr kumimoji="1" lang="zh-CN" altLang="en-US"/>
           </a:p>
@@ -2576,7 +2573,7 @@
           <a:p>
             <a:fld id="{5F4A20D9-F5E9-F742-AD7A-FDCE7EDE5BD5}" type="datetimeFigureOut">
               <a:rPr kumimoji="1" lang="zh-CN" altLang="en-US" smtClean="0"/>
-              <a:t>2019/2/26</a:t>
+              <a:t>2019/2/28</a:t>
             </a:fld>
             <a:endParaRPr kumimoji="1" lang="zh-CN" altLang="en-US"/>
           </a:p>
@@ -3330,15 +3327,19 @@
             </a:r>
             <a:r>
               <a:rPr lang="en-US" altLang="zh-CN" sz="1800" dirty="0"/>
-              <a:t>Ubantu:18.04 </a:t>
+              <a:t>ubuntu:18.04 </a:t>
             </a:r>
             <a:r>
               <a:rPr lang="zh-CN" altLang="en-US" sz="1800" dirty="0"/>
               <a:t>，</a:t>
             </a:r>
             <a:r>
+              <a:rPr lang="en-US" altLang="zh-CN" sz="1800" dirty="0"/>
+              <a:t> </a:t>
+            </a:r>
+            <a:r>
               <a:rPr lang="en-US" altLang="zh-CN" sz="1800" dirty="0" err="1"/>
-              <a:t>Ubantu:latest</a:t>
+              <a:t>ubuntu:latest</a:t>
             </a:r>
             <a:endParaRPr lang="zh-CN" altLang="en-US" sz="1800" dirty="0"/>
           </a:p>
@@ -6168,7 +6169,7 @@
             </a:pPr>
             <a:r>
               <a:rPr lang="zh-CN" altLang="en-US" sz="1800" dirty="0"/>
-              <a:t>中的进程，能看到独立的它自己的隔离的某些特定系统资源；复杂的话，可以去看看 </a:t>
+              <a:t>中的进程，能看到独立的它自己的隔离的某些特定系统资源；复杂来说，可以去看看 </a:t>
             </a:r>
             <a:r>
               <a:rPr lang="en-US" altLang="zh-CN" sz="1800" dirty="0"/>
@@ -6803,7 +6804,7 @@
           <p:nvPr>
             <p:extLst>
               <p:ext uri="{D42A27DB-BD31-4B8C-83A1-F6EECF244321}">
-                <p14:modId xmlns:p14="http://schemas.microsoft.com/office/powerpoint/2010/main" val="608819987"/>
+                <p14:modId xmlns:p14="http://schemas.microsoft.com/office/powerpoint/2010/main" val="280834045"/>
               </p:ext>
             </p:extLst>
           </p:nvPr>
@@ -7071,31 +7072,28 @@
                     <a:bodyPr/>
                     <a:lstStyle/>
                     <a:p>
-                      <a:pPr algn="l"/>
+                      <a:pPr marL="0" algn="l" defTabSz="914400" rtl="0" eaLnBrk="1" latinLnBrk="0" hangingPunct="1"/>
                       <a:r>
-                        <a:rPr lang="zh-CN" altLang="en-US" sz="1100">
+                        <a:rPr lang="zh-CN" altLang="en-US" sz="1100" kern="1200" dirty="0">
+                          <a:solidFill>
+                            <a:schemeClr val="dk1"/>
+                          </a:solidFill>
                           <a:effectLst/>
+                          <a:latin typeface="+mn-lt"/>
+                          <a:ea typeface="+mn-ea"/>
+                          <a:cs typeface="+mn-cs"/>
                         </a:rPr>
-                        <a:t>每个容器可以有自己的 </a:t>
+                        <a:t>每个容器可以有自己的 主机名和 域名</a:t>
                       </a:r>
-                      <a:r>
-                        <a:rPr lang="en-US" sz="1100">
-                          <a:effectLst/>
-                        </a:rPr>
-                        <a:t>hostname </a:t>
-                      </a:r>
-                      <a:r>
-                        <a:rPr lang="zh-CN" altLang="en-US" sz="1100">
-                          <a:effectLst/>
-                        </a:rPr>
-                        <a:t>和 </a:t>
-                      </a:r>
-                      <a:r>
-                        <a:rPr lang="en-US" sz="1100">
-                          <a:effectLst/>
-                        </a:rPr>
-                        <a:t>domainame</a:t>
-                      </a:r>
+                      <a:endParaRPr lang="en-US" sz="1100" kern="1200" dirty="0">
+                        <a:solidFill>
+                          <a:schemeClr val="dk1"/>
+                        </a:solidFill>
+                        <a:effectLst/>
+                        <a:latin typeface="+mn-lt"/>
+                        <a:ea typeface="+mn-ea"/>
+                        <a:cs typeface="+mn-cs"/>
+                      </a:endParaRPr>
                     </a:p>
                   </a:txBody>
                   <a:tcPr marL="123825" marR="123825" marT="57150" marB="57150" anchor="ctr"/>
@@ -7611,14 +7609,14 @@
           <p:nvPr>
             <p:extLst>
               <p:ext uri="{D42A27DB-BD31-4B8C-83A1-F6EECF244321}">
-                <p14:modId xmlns:p14="http://schemas.microsoft.com/office/powerpoint/2010/main" val="2363493450"/>
+                <p14:modId xmlns:p14="http://schemas.microsoft.com/office/powerpoint/2010/main" val="303493626"/>
               </p:ext>
             </p:extLst>
           </p:nvPr>
         </p:nvGraphicFramePr>
         <p:xfrm>
           <a:off x="1092051" y="1356360"/>
-          <a:ext cx="8900708" cy="4145280"/>
+          <a:ext cx="8900708" cy="4312920"/>
         </p:xfrm>
         <a:graphic>
           <a:graphicData uri="http://schemas.openxmlformats.org/drawingml/2006/table">
@@ -7641,14 +7639,14 @@
                     </a:ext>
                   </a:extLst>
                 </a:gridCol>
-                <a:gridCol w="2225177">
+                <a:gridCol w="2344295">
                   <a:extLst>
                     <a:ext uri="{9D8B030D-6E8A-4147-A177-3AD203B41FA5}">
                       <a16:colId xmlns:a16="http://schemas.microsoft.com/office/drawing/2014/main" val="2800366754"/>
                     </a:ext>
                   </a:extLst>
                 </a:gridCol>
-                <a:gridCol w="2225177">
+                <a:gridCol w="2106059">
                   <a:extLst>
                     <a:ext uri="{9D8B030D-6E8A-4147-A177-3AD203B41FA5}">
                       <a16:colId xmlns:a16="http://schemas.microsoft.com/office/drawing/2014/main" val="952549269"/>
@@ -7712,11 +7710,14 @@
                     <a:p>
                       <a:pPr algn="l"/>
                       <a:r>
-                        <a:rPr lang="zh-CN" altLang="en-US" sz="1100" b="1" dirty="0">
+                        <a:rPr lang="zh-CN" altLang="en-US" sz="1100" b="1">
                           <a:effectLst/>
                         </a:rPr>
                         <a:t>在容器语境下的隔离效果</a:t>
                       </a:r>
+                      <a:endParaRPr lang="zh-CN" altLang="en-US" sz="1100" b="1" dirty="0">
+                        <a:effectLst/>
+                      </a:endParaRPr>
                     </a:p>
                   </a:txBody>
                   <a:tcPr marL="123825" marR="123825" marT="57150" marB="57150" anchor="ctr"/>
@@ -7804,164 +7805,254 @@
                     <a:p>
                       <a:pPr algn="l"/>
                       <a:r>
-                        <a:rPr lang="zh-CN" altLang="en-US" sz="1100">
+                        <a:rPr lang="zh-CN" altLang="en-US" sz="1100" kern="1200" dirty="0">
+                          <a:solidFill>
+                            <a:schemeClr val="dk1"/>
+                          </a:solidFill>
                           <a:effectLst/>
+                          <a:latin typeface="+mn-lt"/>
+                          <a:ea typeface="+mn-ea"/>
+                          <a:cs typeface="+mn-cs"/>
                         </a:rPr>
                         <a:t>每个 </a:t>
                       </a:r>
                       <a:r>
-                        <a:rPr lang="en-US" altLang="zh-CN" sz="1100">
+                        <a:rPr lang="en-US" altLang="zh-CN" sz="1100" kern="1200" dirty="0">
+                          <a:solidFill>
+                            <a:schemeClr val="dk1"/>
+                          </a:solidFill>
                           <a:effectLst/>
+                          <a:latin typeface="+mn-lt"/>
+                          <a:ea typeface="+mn-ea"/>
+                          <a:cs typeface="+mn-cs"/>
                         </a:rPr>
                         <a:t>PID namespace </a:t>
                       </a:r>
                       <a:r>
-                        <a:rPr lang="zh-CN" altLang="en-US" sz="1100">
+                        <a:rPr lang="zh-CN" altLang="en-US" sz="1100" kern="1200" dirty="0">
+                          <a:solidFill>
+                            <a:schemeClr val="dk1"/>
+                          </a:solidFill>
                           <a:effectLst/>
+                          <a:latin typeface="+mn-lt"/>
+                          <a:ea typeface="+mn-ea"/>
+                          <a:cs typeface="+mn-cs"/>
                         </a:rPr>
                         <a:t>中的进程可以有其独立的 </a:t>
                       </a:r>
                       <a:r>
-                        <a:rPr lang="en-US" altLang="zh-CN" sz="1100">
+                        <a:rPr lang="en-US" altLang="zh-CN" sz="1100" kern="1200" dirty="0">
+                          <a:solidFill>
+                            <a:schemeClr val="dk1"/>
+                          </a:solidFill>
                           <a:effectLst/>
+                          <a:latin typeface="+mn-lt"/>
+                          <a:ea typeface="+mn-ea"/>
+                          <a:cs typeface="+mn-cs"/>
                         </a:rPr>
                         <a:t>PID</a:t>
                       </a:r>
                       <a:r>
-                        <a:rPr lang="zh-CN" altLang="en-US" sz="1100">
+                        <a:rPr lang="zh-CN" altLang="en-US" sz="1100" kern="1200" dirty="0">
+                          <a:solidFill>
+                            <a:schemeClr val="dk1"/>
+                          </a:solidFill>
                           <a:effectLst/>
+                          <a:latin typeface="+mn-lt"/>
+                          <a:ea typeface="+mn-ea"/>
+                          <a:cs typeface="+mn-cs"/>
                         </a:rPr>
                         <a:t>； 每个容器可以有其 </a:t>
                       </a:r>
                       <a:r>
-                        <a:rPr lang="en-US" altLang="zh-CN" sz="1100">
+                        <a:rPr lang="en-US" altLang="zh-CN" sz="1100" kern="1200" dirty="0">
+                          <a:solidFill>
+                            <a:schemeClr val="dk1"/>
+                          </a:solidFill>
                           <a:effectLst/>
+                          <a:latin typeface="+mn-lt"/>
+                          <a:ea typeface="+mn-ea"/>
+                          <a:cs typeface="+mn-cs"/>
                         </a:rPr>
                         <a:t>PID </a:t>
                       </a:r>
                       <a:r>
-                        <a:rPr lang="zh-CN" altLang="en-US" sz="1100">
+                        <a:rPr lang="zh-CN" altLang="en-US" sz="1100" kern="1200" dirty="0">
+                          <a:solidFill>
+                            <a:schemeClr val="dk1"/>
+                          </a:solidFill>
                           <a:effectLst/>
+                          <a:latin typeface="+mn-lt"/>
+                          <a:ea typeface="+mn-ea"/>
+                          <a:cs typeface="+mn-cs"/>
                         </a:rPr>
                         <a:t>为 </a:t>
                       </a:r>
                       <a:r>
-                        <a:rPr lang="en-US" altLang="zh-CN" sz="1100">
+                        <a:rPr lang="en-US" altLang="zh-CN" sz="1100" kern="1200" dirty="0">
+                          <a:solidFill>
+                            <a:schemeClr val="dk1"/>
+                          </a:solidFill>
                           <a:effectLst/>
+                          <a:latin typeface="+mn-lt"/>
+                          <a:ea typeface="+mn-ea"/>
+                          <a:cs typeface="+mn-cs"/>
                         </a:rPr>
                         <a:t>1 </a:t>
                       </a:r>
                       <a:r>
-                        <a:rPr lang="zh-CN" altLang="en-US" sz="1100">
+                        <a:rPr lang="zh-CN" altLang="en-US" sz="1100" kern="1200" dirty="0">
+                          <a:solidFill>
+                            <a:schemeClr val="dk1"/>
+                          </a:solidFill>
                           <a:effectLst/>
+                          <a:latin typeface="+mn-lt"/>
+                          <a:ea typeface="+mn-ea"/>
+                          <a:cs typeface="+mn-cs"/>
                         </a:rPr>
                         <a:t>的</a:t>
                       </a:r>
                       <a:r>
-                        <a:rPr lang="en-US" altLang="zh-CN" sz="1100">
+                        <a:rPr lang="en-US" altLang="zh-CN" sz="1100" kern="1200" dirty="0">
+                          <a:solidFill>
+                            <a:schemeClr val="dk1"/>
+                          </a:solidFill>
                           <a:effectLst/>
+                          <a:latin typeface="+mn-lt"/>
+                          <a:ea typeface="+mn-ea"/>
+                          <a:cs typeface="+mn-cs"/>
                         </a:rPr>
                         <a:t>root </a:t>
                       </a:r>
                       <a:r>
-                        <a:rPr lang="zh-CN" altLang="en-US" sz="1100">
+                        <a:rPr lang="zh-CN" altLang="en-US" sz="1100" kern="1200" dirty="0">
+                          <a:solidFill>
+                            <a:schemeClr val="dk1"/>
+                          </a:solidFill>
                           <a:effectLst/>
+                          <a:latin typeface="+mn-lt"/>
+                          <a:ea typeface="+mn-ea"/>
+                          <a:cs typeface="+mn-cs"/>
                         </a:rPr>
-                        <a:t>进程；也使得容器可以在不同的 </a:t>
+                        <a:t>进程；也使得容器可以在不同的宿主机之间迁移，因为 </a:t>
                       </a:r>
                       <a:r>
-                        <a:rPr lang="en-US" altLang="zh-CN" sz="1100">
+                        <a:rPr lang="en-US" altLang="zh-CN" sz="1100" kern="1200" dirty="0">
+                          <a:solidFill>
+                            <a:schemeClr val="dk1"/>
+                          </a:solidFill>
                           <a:effectLst/>
-                        </a:rPr>
-                        <a:t>host </a:t>
-                      </a:r>
-                      <a:r>
-                        <a:rPr lang="zh-CN" altLang="en-US" sz="1100">
-                          <a:effectLst/>
-                        </a:rPr>
-                        <a:t>之间迁移，因为 </a:t>
-                      </a:r>
-                      <a:r>
-                        <a:rPr lang="en-US" altLang="zh-CN" sz="1100">
-                          <a:effectLst/>
+                          <a:latin typeface="+mn-lt"/>
+                          <a:ea typeface="+mn-ea"/>
+                          <a:cs typeface="+mn-cs"/>
                         </a:rPr>
                         <a:t>namespace </a:t>
                       </a:r>
                       <a:r>
-                        <a:rPr lang="zh-CN" altLang="en-US" sz="1100">
+                        <a:rPr lang="zh-CN" altLang="en-US" sz="1100" kern="1200" dirty="0">
+                          <a:solidFill>
+                            <a:schemeClr val="dk1"/>
+                          </a:solidFill>
                           <a:effectLst/>
+                          <a:latin typeface="+mn-lt"/>
+                          <a:ea typeface="+mn-ea"/>
+                          <a:cs typeface="+mn-cs"/>
                         </a:rPr>
                         <a:t>中的进程 </a:t>
                       </a:r>
                       <a:r>
-                        <a:rPr lang="en-US" altLang="zh-CN" sz="1100">
+                        <a:rPr lang="en-US" altLang="zh-CN" sz="1100" kern="1200" dirty="0">
+                          <a:solidFill>
+                            <a:schemeClr val="dk1"/>
+                          </a:solidFill>
                           <a:effectLst/>
+                          <a:latin typeface="+mn-lt"/>
+                          <a:ea typeface="+mn-ea"/>
+                          <a:cs typeface="+mn-cs"/>
                         </a:rPr>
                         <a:t>ID </a:t>
                       </a:r>
                       <a:r>
-                        <a:rPr lang="zh-CN" altLang="en-US" sz="1100">
+                        <a:rPr lang="zh-CN" altLang="en-US" sz="1100" kern="1200" dirty="0">
+                          <a:solidFill>
+                            <a:schemeClr val="dk1"/>
+                          </a:solidFill>
                           <a:effectLst/>
+                          <a:latin typeface="+mn-lt"/>
+                          <a:ea typeface="+mn-ea"/>
+                          <a:cs typeface="+mn-cs"/>
                         </a:rPr>
-                        <a:t>和 </a:t>
+                        <a:t>和 宿主机无关了。这也使得容器中的每个进程有两个</a:t>
                       </a:r>
                       <a:r>
-                        <a:rPr lang="en-US" altLang="zh-CN" sz="1100">
+                        <a:rPr lang="en-US" altLang="zh-CN" sz="1100" kern="1200" dirty="0">
+                          <a:solidFill>
+                            <a:schemeClr val="dk1"/>
+                          </a:solidFill>
                           <a:effectLst/>
-                        </a:rPr>
-                        <a:t>host </a:t>
-                      </a:r>
-                      <a:r>
-                        <a:rPr lang="zh-CN" altLang="en-US" sz="1100">
-                          <a:effectLst/>
-                        </a:rPr>
-                        <a:t>无关了。这也使得容器中的每个进程有两个</a:t>
-                      </a:r>
-                      <a:r>
-                        <a:rPr lang="en-US" altLang="zh-CN" sz="1100">
-                          <a:effectLst/>
+                          <a:latin typeface="+mn-lt"/>
+                          <a:ea typeface="+mn-ea"/>
+                          <a:cs typeface="+mn-cs"/>
                         </a:rPr>
                         <a:t>PID</a:t>
                       </a:r>
                       <a:r>
-                        <a:rPr lang="zh-CN" altLang="en-US" sz="1100">
+                        <a:rPr lang="zh-CN" altLang="en-US" sz="1100" kern="1200" dirty="0">
+                          <a:solidFill>
+                            <a:schemeClr val="dk1"/>
+                          </a:solidFill>
                           <a:effectLst/>
+                          <a:latin typeface="+mn-lt"/>
+                          <a:ea typeface="+mn-ea"/>
+                          <a:cs typeface="+mn-cs"/>
                         </a:rPr>
                         <a:t>：容器中的 </a:t>
                       </a:r>
                       <a:r>
-                        <a:rPr lang="en-US" altLang="zh-CN" sz="1100">
+                        <a:rPr lang="en-US" altLang="zh-CN" sz="1100" kern="1200" dirty="0">
+                          <a:solidFill>
+                            <a:schemeClr val="dk1"/>
+                          </a:solidFill>
                           <a:effectLst/>
+                          <a:latin typeface="+mn-lt"/>
+                          <a:ea typeface="+mn-ea"/>
+                          <a:cs typeface="+mn-cs"/>
                         </a:rPr>
                         <a:t>PID </a:t>
                       </a:r>
                       <a:r>
-                        <a:rPr lang="zh-CN" altLang="en-US" sz="1100">
+                        <a:rPr lang="zh-CN" altLang="en-US" sz="1100" kern="1200" dirty="0">
+                          <a:solidFill>
+                            <a:schemeClr val="dk1"/>
+                          </a:solidFill>
                           <a:effectLst/>
+                          <a:latin typeface="+mn-lt"/>
+                          <a:ea typeface="+mn-ea"/>
+                          <a:cs typeface="+mn-cs"/>
                         </a:rPr>
-                        <a:t>和 </a:t>
+                        <a:t>和宿主机上的 </a:t>
                       </a:r>
                       <a:r>
-                        <a:rPr lang="en-US" altLang="zh-CN" sz="1100">
+                        <a:rPr lang="en-US" altLang="zh-CN" sz="1100" kern="1200" dirty="0">
+                          <a:solidFill>
+                            <a:schemeClr val="dk1"/>
+                          </a:solidFill>
                           <a:effectLst/>
-                        </a:rPr>
-                        <a:t>host </a:t>
-                      </a:r>
-                      <a:r>
-                        <a:rPr lang="zh-CN" altLang="en-US" sz="1100">
-                          <a:effectLst/>
-                        </a:rPr>
-                        <a:t>上的 </a:t>
-                      </a:r>
-                      <a:r>
-                        <a:rPr lang="en-US" altLang="zh-CN" sz="1100">
-                          <a:effectLst/>
+                          <a:latin typeface="+mn-lt"/>
+                          <a:ea typeface="+mn-ea"/>
+                          <a:cs typeface="+mn-cs"/>
                         </a:rPr>
                         <a:t>PID</a:t>
                       </a:r>
                       <a:r>
-                        <a:rPr lang="zh-CN" altLang="en-US" sz="1100">
+                        <a:rPr lang="zh-CN" altLang="en-US" sz="1100" kern="1200" dirty="0">
+                          <a:solidFill>
+                            <a:schemeClr val="dk1"/>
+                          </a:solidFill>
                           <a:effectLst/>
+                          <a:latin typeface="+mn-lt"/>
+                          <a:ea typeface="+mn-ea"/>
+                          <a:cs typeface="+mn-cs"/>
                         </a:rPr>
                         <a:t>。</a:t>
                       </a:r>
@@ -8052,67 +8143,55 @@
                     <a:p>
                       <a:pPr algn="l"/>
                       <a:r>
-                        <a:rPr lang="zh-CN" altLang="en-US" sz="1100">
+                        <a:rPr lang="zh-CN" altLang="en-US" sz="1100" dirty="0">
                           <a:effectLst/>
                         </a:rPr>
                         <a:t>每个容器用有其独立的网络设备，</a:t>
                       </a:r>
                       <a:r>
-                        <a:rPr lang="en-US" altLang="zh-CN" sz="1100">
+                        <a:rPr lang="en-US" altLang="zh-CN" sz="1100" dirty="0">
                           <a:effectLst/>
                         </a:rPr>
                         <a:t>IP </a:t>
                       </a:r>
                       <a:r>
-                        <a:rPr lang="zh-CN" altLang="en-US" sz="1100">
+                        <a:rPr lang="zh-CN" altLang="en-US" sz="1100" dirty="0">
                           <a:effectLst/>
                         </a:rPr>
                         <a:t>地址，</a:t>
                       </a:r>
                       <a:r>
-                        <a:rPr lang="en-US" altLang="zh-CN" sz="1100">
+                        <a:rPr lang="en-US" altLang="zh-CN" sz="1100" dirty="0">
                           <a:effectLst/>
                         </a:rPr>
                         <a:t>IP </a:t>
                       </a:r>
                       <a:r>
-                        <a:rPr lang="zh-CN" altLang="en-US" sz="1100">
+                        <a:rPr lang="zh-CN" altLang="en-US" sz="1100" dirty="0">
                           <a:effectLst/>
                         </a:rPr>
                         <a:t>路由表，</a:t>
                       </a:r>
                       <a:r>
-                        <a:rPr lang="en-US" altLang="zh-CN" sz="1100">
+                        <a:rPr lang="en-US" altLang="zh-CN" sz="1100" dirty="0">
                           <a:effectLst/>
                         </a:rPr>
                         <a:t>/proc/net </a:t>
                       </a:r>
                       <a:r>
-                        <a:rPr lang="zh-CN" altLang="en-US" sz="1100">
+                        <a:rPr lang="zh-CN" altLang="en-US" sz="1100" dirty="0">
                           <a:effectLst/>
                         </a:rPr>
-                        <a:t>目录，端口号等等。这也使得一个 </a:t>
+                        <a:t>目录，端口号等等。这也使得一个 宿主机上多个容器内的同一个应用都绑定到各自容器的 </a:t>
                       </a:r>
                       <a:r>
-                        <a:rPr lang="en-US" altLang="zh-CN" sz="1100">
-                          <a:effectLst/>
-                        </a:rPr>
-                        <a:t>host </a:t>
-                      </a:r>
-                      <a:r>
-                        <a:rPr lang="zh-CN" altLang="en-US" sz="1100">
-                          <a:effectLst/>
-                        </a:rPr>
-                        <a:t>上多个容器内的同一个应用都绑定到各自容器的 </a:t>
-                      </a:r>
-                      <a:r>
-                        <a:rPr lang="en-US" altLang="zh-CN" sz="1100">
+                        <a:rPr lang="en-US" altLang="zh-CN" sz="1100" dirty="0">
                           <a:effectLst/>
                         </a:rPr>
                         <a:t>80 </a:t>
                       </a:r>
                       <a:r>
-                        <a:rPr lang="zh-CN" altLang="en-US" sz="1100">
+                        <a:rPr lang="zh-CN" altLang="en-US" sz="1100" dirty="0">
                           <a:effectLst/>
                         </a:rPr>
                         <a:t>端口上。</a:t>
@@ -8243,13 +8322,13 @@
                         <a:rPr lang="zh-CN" altLang="en-US" sz="1100" dirty="0">
                           <a:effectLst/>
                         </a:rPr>
-                        <a:t>可以和在 </a:t>
+                        <a:t>可以和在 宿主机</a:t>
                       </a:r>
                       <a:r>
                         <a:rPr lang="en-US" sz="1100" dirty="0">
                           <a:effectLst/>
                         </a:rPr>
-                        <a:t>host </a:t>
+                        <a:t> </a:t>
                       </a:r>
                       <a:r>
                         <a:rPr lang="zh-CN" altLang="en-US" sz="1100" dirty="0">
@@ -8291,19 +8370,7 @@
                         <a:rPr lang="zh-CN" altLang="en-US" sz="1100" dirty="0">
                           <a:effectLst/>
                         </a:rPr>
-                        <a:t>一个 </a:t>
-                      </a:r>
-                      <a:r>
-                        <a:rPr lang="en-US" sz="1100" dirty="0">
-                          <a:effectLst/>
-                        </a:rPr>
-                        <a:t>host </a:t>
-                      </a:r>
-                      <a:r>
-                        <a:rPr lang="zh-CN" altLang="en-US" sz="1100" dirty="0">
-                          <a:effectLst/>
-                        </a:rPr>
-                        <a:t>上的非特权用户可以成为 </a:t>
+                        <a:t>一个 宿主机上的非特权用户可以成为 </a:t>
                       </a:r>
                       <a:r>
                         <a:rPr lang="en-US" sz="1100" dirty="0">
@@ -8458,124 +8525,120 @@
               <a:rPr lang="zh-CN" altLang="en-US" sz="1800" dirty="0"/>
               <a:t>来限制容器中的进程允许使用的系统资源。</a:t>
             </a:r>
-            <a:endParaRPr lang="en-US" altLang="zh-CN" sz="1800" dirty="0"/>
-          </a:p>
-          <a:p>
-            <a:pPr marL="0" indent="0">
-              <a:buNone/>
-            </a:pPr>
-            <a:r>
-              <a:rPr lang="zh-CN" altLang="en-US" sz="1800" dirty="0"/>
-              <a:t>目前 </a:t>
-            </a:r>
-            <a:r>
-              <a:rPr lang="en-US" altLang="zh-CN" sz="1800" dirty="0"/>
-              <a:t>docker </a:t>
-            </a:r>
-            <a:r>
-              <a:rPr lang="zh-CN" altLang="en-US" sz="1800" dirty="0"/>
-              <a:t>已经几乎支持了所有的 </a:t>
-            </a:r>
-            <a:r>
-              <a:rPr lang="en-US" altLang="zh-CN" sz="1800" dirty="0" err="1"/>
-              <a:t>cgroups</a:t>
-            </a:r>
-            <a:r>
-              <a:rPr lang="en-US" altLang="zh-CN" sz="1800" dirty="0"/>
-              <a:t> </a:t>
-            </a:r>
-            <a:r>
-              <a:rPr lang="zh-CN" altLang="en-US" sz="1800" dirty="0"/>
-              <a:t>资源，可以限制容器对包括 </a:t>
-            </a:r>
-            <a:r>
-              <a:rPr lang="en-US" altLang="zh-CN" sz="1800" dirty="0"/>
-              <a:t>network</a:t>
-            </a:r>
-            <a:r>
-              <a:rPr lang="zh-CN" altLang="en-US" sz="1800" dirty="0"/>
-              <a:t>，</a:t>
-            </a:r>
-            <a:r>
-              <a:rPr lang="en-US" altLang="zh-CN" sz="1800" dirty="0"/>
-              <a:t>device</a:t>
-            </a:r>
-            <a:r>
-              <a:rPr lang="zh-CN" altLang="en-US" sz="1800" dirty="0"/>
-              <a:t>，</a:t>
-            </a:r>
-            <a:r>
-              <a:rPr lang="en-US" altLang="zh-CN" sz="1800" dirty="0" err="1"/>
-              <a:t>cpu</a:t>
-            </a:r>
-            <a:r>
-              <a:rPr lang="en-US" altLang="zh-CN" sz="1800" dirty="0"/>
-              <a:t> </a:t>
-            </a:r>
-            <a:r>
-              <a:rPr lang="zh-CN" altLang="en-US" sz="1800" dirty="0"/>
-              <a:t>和</a:t>
-            </a:r>
-            <a:r>
-              <a:rPr lang="en-US" altLang="zh-CN" sz="1800" dirty="0"/>
-              <a:t>memory </a:t>
-            </a:r>
-            <a:r>
-              <a:rPr lang="zh-CN" altLang="en-US" sz="1800" dirty="0"/>
-              <a:t>在内的资源的使用</a:t>
-            </a:r>
-          </a:p>
-          <a:p>
-            <a:pPr marL="0" indent="0">
-              <a:buNone/>
-            </a:pPr>
-            <a:r>
-              <a:rPr lang="zh-CN" altLang="en-US" sz="1800" dirty="0"/>
-              <a:t>我们可以通过给</a:t>
-            </a:r>
-            <a:r>
-              <a:rPr lang="en-US" altLang="zh-CN" sz="1800" dirty="0"/>
-              <a:t>docker run </a:t>
-            </a:r>
-            <a:r>
-              <a:rPr lang="zh-CN" altLang="en-US" sz="1800" dirty="0"/>
-              <a:t>命令传参来控制分配容器的资源。</a:t>
-            </a:r>
-            <a:r>
-              <a:rPr lang="en-US" altLang="zh-CN" sz="1800" dirty="0"/>
-              <a:t>Docker run </a:t>
-            </a:r>
-            <a:r>
-              <a:rPr lang="zh-CN" altLang="en-US" sz="1800" dirty="0"/>
-              <a:t>命令中 </a:t>
-            </a:r>
-            <a:r>
-              <a:rPr lang="en-US" altLang="zh-CN" sz="1800" dirty="0" err="1"/>
-              <a:t>cgroups</a:t>
-            </a:r>
-            <a:r>
-              <a:rPr lang="en-US" altLang="zh-CN" sz="1800" dirty="0"/>
-              <a:t> </a:t>
-            </a:r>
-            <a:r>
-              <a:rPr lang="zh-CN" altLang="en-US" sz="1800" dirty="0"/>
-              <a:t>相关命令如下：</a:t>
-            </a:r>
-          </a:p>
-          <a:p>
-            <a:pPr marL="0" indent="0">
-              <a:buNone/>
-            </a:pPr>
-            <a:r>
-              <a:rPr lang="zh-CN" altLang="en-US" sz="1800" dirty="0"/>
-              <a:t> </a:t>
-            </a:r>
           </a:p>
           <a:p>
             <a:pPr marL="0" indent="0">
               <a:buNone/>
             </a:pPr>
             <a:endParaRPr lang="zh-CN" altLang="en-US" sz="1800" dirty="0"/>
+          </a:p>
+          <a:p>
+            <a:pPr marL="0" indent="0">
+              <a:buNone/>
+            </a:pPr>
+            <a:r>
+              <a:rPr lang="zh-CN" altLang="en-US" sz="1800" dirty="0"/>
+              <a:t>目前 </a:t>
+            </a:r>
+            <a:r>
+              <a:rPr lang="en-US" altLang="zh-CN" sz="1800" dirty="0"/>
+              <a:t>docker </a:t>
+            </a:r>
+            <a:r>
+              <a:rPr lang="zh-CN" altLang="en-US" sz="1800" dirty="0"/>
+              <a:t>已经几乎支持了所有的 </a:t>
+            </a:r>
+            <a:r>
+              <a:rPr lang="en-US" altLang="zh-CN" sz="1800" dirty="0" err="1"/>
+              <a:t>cgroups</a:t>
+            </a:r>
+            <a:r>
+              <a:rPr lang="en-US" altLang="zh-CN" sz="1800" dirty="0"/>
+              <a:t> </a:t>
+            </a:r>
+            <a:r>
+              <a:rPr lang="zh-CN" altLang="en-US" sz="1800" dirty="0"/>
+              <a:t>资源，可以限制容器对包括 </a:t>
+            </a:r>
+            <a:r>
+              <a:rPr lang="en-US" altLang="zh-CN" sz="1800" dirty="0"/>
+              <a:t>network</a:t>
+            </a:r>
+            <a:r>
+              <a:rPr lang="zh-CN" altLang="en-US" sz="1800" dirty="0"/>
+              <a:t>，</a:t>
+            </a:r>
+            <a:r>
+              <a:rPr lang="en-US" altLang="zh-CN" sz="1800" dirty="0"/>
+              <a:t>device</a:t>
+            </a:r>
+            <a:r>
+              <a:rPr lang="zh-CN" altLang="en-US" sz="1800" dirty="0"/>
+              <a:t>，</a:t>
+            </a:r>
+            <a:r>
+              <a:rPr lang="en-US" altLang="zh-CN" sz="1800" dirty="0" err="1"/>
+              <a:t>cpu</a:t>
+            </a:r>
+            <a:r>
+              <a:rPr lang="en-US" altLang="zh-CN" sz="1800" dirty="0"/>
+              <a:t> </a:t>
+            </a:r>
+            <a:r>
+              <a:rPr lang="zh-CN" altLang="en-US" sz="1800" dirty="0"/>
+              <a:t>和</a:t>
+            </a:r>
+            <a:r>
+              <a:rPr lang="en-US" altLang="zh-CN" sz="1800" dirty="0"/>
+              <a:t>memory </a:t>
+            </a:r>
+            <a:r>
+              <a:rPr lang="zh-CN" altLang="en-US" sz="1800" dirty="0"/>
+              <a:t>在内的资源的使用</a:t>
+            </a:r>
+          </a:p>
+          <a:p>
+            <a:pPr marL="0" indent="0">
+              <a:buNone/>
+            </a:pPr>
+            <a:endParaRPr lang="zh-CN" altLang="en-US" sz="1800" dirty="0"/>
+          </a:p>
+          <a:p>
+            <a:pPr marL="0" indent="0">
+              <a:buNone/>
+            </a:pPr>
+            <a:r>
+              <a:rPr lang="zh-CN" altLang="en-US" sz="1800" dirty="0"/>
+              <a:t>我们可以通过给</a:t>
+            </a:r>
+            <a:r>
+              <a:rPr lang="en-US" altLang="zh-CN" sz="1800" dirty="0"/>
+              <a:t>docker run </a:t>
+            </a:r>
+            <a:r>
+              <a:rPr lang="zh-CN" altLang="en-US" sz="1800" dirty="0"/>
+              <a:t>命令传参来控制分配容器的资源。</a:t>
+            </a:r>
+            <a:r>
+              <a:rPr lang="en-US" altLang="zh-CN" sz="1800" dirty="0"/>
+              <a:t>Docker run </a:t>
+            </a:r>
+            <a:r>
+              <a:rPr lang="zh-CN" altLang="en-US" sz="1800" dirty="0"/>
+              <a:t>命令中 </a:t>
+            </a:r>
+            <a:r>
+              <a:rPr lang="en-US" altLang="zh-CN" sz="1800" dirty="0" err="1"/>
+              <a:t>cgroups</a:t>
+            </a:r>
+            <a:r>
+              <a:rPr lang="en-US" altLang="zh-CN" sz="1800" dirty="0"/>
+              <a:t> </a:t>
+            </a:r>
+            <a:r>
+              <a:rPr lang="zh-CN" altLang="en-US" sz="1800" dirty="0"/>
+              <a:t>相关命令如下</a:t>
+            </a:r>
           </a:p>
         </p:txBody>
       </p:sp>
@@ -8890,6 +8953,3783 @@
           <a:chExt cx="0" cy="0"/>
         </a:xfrm>
       </p:grpSpPr>
+      <p:grpSp>
+        <p:nvGrpSpPr>
+          <p:cNvPr id="13" name="组 54">
+            <a:extLst>
+              <a:ext uri="{FF2B5EF4-FFF2-40B4-BE49-F238E27FC236}">
+                <a16:creationId xmlns:a16="http://schemas.microsoft.com/office/drawing/2014/main" id="{D19BE295-A942-4BBF-BB44-AD1555283094}"/>
+              </a:ext>
+            </a:extLst>
+          </p:cNvPr>
+          <p:cNvGrpSpPr/>
+          <p:nvPr/>
+        </p:nvGrpSpPr>
+        <p:grpSpPr>
+          <a:xfrm>
+            <a:off x="409732" y="301493"/>
+            <a:ext cx="11372537" cy="479113"/>
+            <a:chOff x="353962" y="302459"/>
+            <a:chExt cx="11372537" cy="479113"/>
+          </a:xfrm>
+        </p:grpSpPr>
+        <p:grpSp>
+          <p:nvGrpSpPr>
+            <p:cNvPr id="14" name="组 55">
+              <a:extLst>
+                <a:ext uri="{FF2B5EF4-FFF2-40B4-BE49-F238E27FC236}">
+                  <a16:creationId xmlns:a16="http://schemas.microsoft.com/office/drawing/2014/main" id="{47B60E6F-8636-4A02-8208-4A39196956E7}"/>
+                </a:ext>
+              </a:extLst>
+            </p:cNvPr>
+            <p:cNvGrpSpPr/>
+            <p:nvPr/>
+          </p:nvGrpSpPr>
+          <p:grpSpPr>
+            <a:xfrm>
+              <a:off x="11253359" y="334716"/>
+              <a:ext cx="473140" cy="446856"/>
+              <a:chOff x="11186437" y="397002"/>
+              <a:chExt cx="473140" cy="446856"/>
+            </a:xfrm>
+          </p:grpSpPr>
+          <p:sp>
+            <p:nvSpPr>
+              <p:cNvPr id="18" name="椭圆 17">
+                <a:extLst>
+                  <a:ext uri="{FF2B5EF4-FFF2-40B4-BE49-F238E27FC236}">
+                    <a16:creationId xmlns:a16="http://schemas.microsoft.com/office/drawing/2014/main" id="{0E70BD41-A6A2-4B51-803C-2AD0BE62C1F0}"/>
+                  </a:ext>
+                </a:extLst>
+              </p:cNvPr>
+              <p:cNvSpPr/>
+              <p:nvPr/>
+            </p:nvSpPr>
+            <p:spPr>
+              <a:xfrm>
+                <a:off x="11208773" y="397002"/>
+                <a:ext cx="450804" cy="446856"/>
+              </a:xfrm>
+              <a:prstGeom prst="ellipse">
+                <a:avLst/>
+              </a:prstGeom>
+              <a:solidFill>
+                <a:srgbClr val="37CB83"/>
+              </a:solidFill>
+              <a:ln>
+                <a:noFill/>
+              </a:ln>
+            </p:spPr>
+            <p:style>
+              <a:lnRef idx="2">
+                <a:schemeClr val="accent1">
+                  <a:shade val="50000"/>
+                </a:schemeClr>
+              </a:lnRef>
+              <a:fillRef idx="1">
+                <a:schemeClr val="accent1"/>
+              </a:fillRef>
+              <a:effectRef idx="0">
+                <a:schemeClr val="accent1"/>
+              </a:effectRef>
+              <a:fontRef idx="minor">
+                <a:schemeClr val="lt1"/>
+              </a:fontRef>
+            </p:style>
+            <p:txBody>
+              <a:bodyPr rtlCol="0" anchor="ctr" anchorCtr="1"/>
+              <a:lstStyle/>
+              <a:p>
+                <a:pPr algn="ctr"/>
+                <a:endParaRPr kumimoji="1" lang="zh-CN" altLang="en-US"/>
+              </a:p>
+            </p:txBody>
+          </p:sp>
+          <p:sp>
+            <p:nvSpPr>
+              <p:cNvPr id="19" name="文本框 18">
+                <a:extLst>
+                  <a:ext uri="{FF2B5EF4-FFF2-40B4-BE49-F238E27FC236}">
+                    <a16:creationId xmlns:a16="http://schemas.microsoft.com/office/drawing/2014/main" id="{02A6EE7B-3AC2-421B-A8DF-8F0BD717747D}"/>
+                  </a:ext>
+                </a:extLst>
+              </p:cNvPr>
+              <p:cNvSpPr txBox="1"/>
+              <p:nvPr/>
+            </p:nvSpPr>
+            <p:spPr>
+              <a:xfrm>
+                <a:off x="11186437" y="435764"/>
+                <a:ext cx="473139" cy="369332"/>
+              </a:xfrm>
+              <a:prstGeom prst="rect">
+                <a:avLst/>
+              </a:prstGeom>
+              <a:noFill/>
+            </p:spPr>
+            <p:txBody>
+              <a:bodyPr wrap="square" rtlCol="0" anchor="ctr" anchorCtr="1">
+                <a:spAutoFit/>
+              </a:bodyPr>
+              <a:lstStyle/>
+              <a:p>
+                <a:pPr algn="ctr"/>
+                <a:r>
+                  <a:rPr kumimoji="1" lang="en-US" altLang="zh-CN" dirty="0">
+                    <a:solidFill>
+                      <a:schemeClr val="bg1"/>
+                    </a:solidFill>
+                    <a:latin typeface="Arial" panose="020B0604020202020204" pitchFamily="34" charset="0"/>
+                    <a:ea typeface="Arial" panose="020B0604020202020204" pitchFamily="34" charset="0"/>
+                    <a:cs typeface="Arial" panose="020B0604020202020204" pitchFamily="34" charset="0"/>
+                  </a:rPr>
+                  <a:t>12</a:t>
+                </a:r>
+                <a:endParaRPr kumimoji="1" lang="zh-CN" altLang="en-US" dirty="0">
+                  <a:solidFill>
+                    <a:schemeClr val="bg1"/>
+                  </a:solidFill>
+                  <a:latin typeface="Arial" panose="020B0604020202020204" pitchFamily="34" charset="0"/>
+                  <a:ea typeface="Arial" panose="020B0604020202020204" pitchFamily="34" charset="0"/>
+                  <a:cs typeface="Arial" panose="020B0604020202020204" pitchFamily="34" charset="0"/>
+                </a:endParaRPr>
+              </a:p>
+            </p:txBody>
+          </p:sp>
+        </p:grpSp>
+        <p:pic>
+          <p:nvPicPr>
+            <p:cNvPr id="15" name="图片 14">
+              <a:extLst>
+                <a:ext uri="{FF2B5EF4-FFF2-40B4-BE49-F238E27FC236}">
+                  <a16:creationId xmlns:a16="http://schemas.microsoft.com/office/drawing/2014/main" id="{CD3CE44F-0B74-4963-B8C8-51473C008B10}"/>
+                </a:ext>
+              </a:extLst>
+            </p:cNvPr>
+            <p:cNvPicPr>
+              <a:picLocks noChangeAspect="1"/>
+            </p:cNvPicPr>
+            <p:nvPr/>
+          </p:nvPicPr>
+          <p:blipFill>
+            <a:blip r:embed="rId2">
+              <a:extLst>
+                <a:ext uri="{28A0092B-C50C-407E-A947-70E740481C1C}">
+                  <a14:useLocalDpi xmlns:a14="http://schemas.microsoft.com/office/drawing/2010/main" val="0"/>
+                </a:ext>
+              </a:extLst>
+            </a:blip>
+            <a:stretch>
+              <a:fillRect/>
+            </a:stretch>
+          </p:blipFill>
+          <p:spPr>
+            <a:xfrm>
+              <a:off x="353962" y="302459"/>
+              <a:ext cx="1364639" cy="461720"/>
+            </a:xfrm>
+            <a:prstGeom prst="rect">
+              <a:avLst/>
+            </a:prstGeom>
+          </p:spPr>
+        </p:pic>
+        <p:cxnSp>
+          <p:nvCxnSpPr>
+            <p:cNvPr id="16" name="直线连接符 57">
+              <a:extLst>
+                <a:ext uri="{FF2B5EF4-FFF2-40B4-BE49-F238E27FC236}">
+                  <a16:creationId xmlns:a16="http://schemas.microsoft.com/office/drawing/2014/main" id="{F5512990-78BC-4E4F-B626-9450ABCF3168}"/>
+                </a:ext>
+              </a:extLst>
+            </p:cNvPr>
+            <p:cNvCxnSpPr/>
+            <p:nvPr/>
+          </p:nvCxnSpPr>
+          <p:spPr>
+            <a:xfrm>
+              <a:off x="1877960" y="397002"/>
+              <a:ext cx="0" cy="272634"/>
+            </a:xfrm>
+            <a:prstGeom prst="line">
+              <a:avLst/>
+            </a:prstGeom>
+            <a:ln w="15875">
+              <a:solidFill>
+                <a:srgbClr val="282828">
+                  <a:alpha val="21000"/>
+                </a:srgbClr>
+              </a:solidFill>
+            </a:ln>
+          </p:spPr>
+          <p:style>
+            <a:lnRef idx="1">
+              <a:schemeClr val="accent1"/>
+            </a:lnRef>
+            <a:fillRef idx="0">
+              <a:schemeClr val="accent1"/>
+            </a:fillRef>
+            <a:effectRef idx="0">
+              <a:schemeClr val="accent1"/>
+            </a:effectRef>
+            <a:fontRef idx="minor">
+              <a:schemeClr val="tx1"/>
+            </a:fontRef>
+          </p:style>
+        </p:cxnSp>
+        <p:sp>
+          <p:nvSpPr>
+            <p:cNvPr id="17" name="矩形 16">
+              <a:extLst>
+                <a:ext uri="{FF2B5EF4-FFF2-40B4-BE49-F238E27FC236}">
+                  <a16:creationId xmlns:a16="http://schemas.microsoft.com/office/drawing/2014/main" id="{DF4E283F-F1D4-448A-9FCA-0851D2FCBE95}"/>
+                </a:ext>
+              </a:extLst>
+            </p:cNvPr>
+            <p:cNvSpPr/>
+            <p:nvPr/>
+          </p:nvSpPr>
+          <p:spPr>
+            <a:xfrm>
+              <a:off x="1965495" y="334716"/>
+              <a:ext cx="3162652" cy="369332"/>
+            </a:xfrm>
+            <a:prstGeom prst="rect">
+              <a:avLst/>
+            </a:prstGeom>
+          </p:spPr>
+          <p:txBody>
+            <a:bodyPr wrap="square">
+              <a:spAutoFit/>
+            </a:bodyPr>
+            <a:lstStyle/>
+            <a:p>
+              <a:r>
+                <a:rPr lang="zh-CN" altLang="en-US" dirty="0">
+                  <a:solidFill>
+                    <a:schemeClr val="bg1">
+                      <a:lumMod val="50000"/>
+                    </a:schemeClr>
+                  </a:solidFill>
+                </a:rPr>
+                <a:t>深入理解</a:t>
+              </a:r>
+              <a:r>
+                <a:rPr lang="en-US" altLang="zh-CN" dirty="0">
+                  <a:solidFill>
+                    <a:schemeClr val="bg1">
+                      <a:lumMod val="50000"/>
+                    </a:schemeClr>
+                  </a:solidFill>
+                </a:rPr>
+                <a:t>Docker</a:t>
+              </a:r>
+              <a:endParaRPr lang="zh-CN" altLang="en-US" dirty="0">
+                <a:solidFill>
+                  <a:schemeClr val="bg1">
+                    <a:lumMod val="50000"/>
+                  </a:schemeClr>
+                </a:solidFill>
+              </a:endParaRPr>
+            </a:p>
+          </p:txBody>
+        </p:sp>
+      </p:grpSp>
+      <p:pic>
+        <p:nvPicPr>
+          <p:cNvPr id="4" name="图片 3">
+            <a:extLst>
+              <a:ext uri="{FF2B5EF4-FFF2-40B4-BE49-F238E27FC236}">
+                <a16:creationId xmlns:a16="http://schemas.microsoft.com/office/drawing/2014/main" id="{DF2EE235-36FF-449A-BDBF-2BE65E85EEC7}"/>
+              </a:ext>
+            </a:extLst>
+          </p:cNvPr>
+          <p:cNvPicPr>
+            <a:picLocks noChangeAspect="1"/>
+          </p:cNvPicPr>
+          <p:nvPr/>
+        </p:nvPicPr>
+        <p:blipFill>
+          <a:blip r:embed="rId3"/>
+          <a:stretch>
+            <a:fillRect/>
+          </a:stretch>
+        </p:blipFill>
+        <p:spPr>
+          <a:xfrm>
+            <a:off x="1370011" y="1204912"/>
+            <a:ext cx="7799383" cy="5095331"/>
+          </a:xfrm>
+          <a:prstGeom prst="rect">
+            <a:avLst/>
+          </a:prstGeom>
+        </p:spPr>
+      </p:pic>
+    </p:spTree>
+    <p:extLst>
+      <p:ext uri="{BB962C8B-B14F-4D97-AF65-F5344CB8AC3E}">
+        <p14:creationId xmlns:p14="http://schemas.microsoft.com/office/powerpoint/2010/main" val="3636383"/>
+      </p:ext>
+    </p:extLst>
+  </p:cSld>
+  <p:clrMapOvr>
+    <a:masterClrMapping/>
+  </p:clrMapOvr>
+</p:sld>
+</file>
+
+<file path=ppt/slides/slide2.xml><?xml version="1.0" encoding="utf-8"?>
+<p:sld xmlns:a="http://schemas.openxmlformats.org/drawingml/2006/main" xmlns:r="http://schemas.openxmlformats.org/officeDocument/2006/relationships" xmlns:p="http://schemas.openxmlformats.org/presentationml/2006/main">
+  <p:cSld>
+    <p:spTree>
+      <p:nvGrpSpPr>
+        <p:cNvPr id="1" name=""/>
+        <p:cNvGrpSpPr/>
+        <p:nvPr/>
+      </p:nvGrpSpPr>
+      <p:grpSpPr>
+        <a:xfrm>
+          <a:off x="0" y="0"/>
+          <a:ext cx="0" cy="0"/>
+          <a:chOff x="0" y="0"/>
+          <a:chExt cx="0" cy="0"/>
+        </a:xfrm>
+      </p:grpSpPr>
+      <p:sp>
+        <p:nvSpPr>
+          <p:cNvPr id="305" name="圆形"/>
+          <p:cNvSpPr/>
+          <p:nvPr/>
+        </p:nvSpPr>
+        <p:spPr>
+          <a:xfrm>
+            <a:off x="2177389" y="4313387"/>
+            <a:ext cx="842501" cy="842501"/>
+          </a:xfrm>
+          <a:prstGeom prst="ellipse">
+            <a:avLst/>
+          </a:prstGeom>
+          <a:solidFill>
+            <a:schemeClr val="accent4">
+              <a:lumMod val="60000"/>
+              <a:lumOff val="40000"/>
+            </a:schemeClr>
+          </a:solidFill>
+          <a:ln w="12700">
+            <a:miter lim="400000"/>
+          </a:ln>
+        </p:spPr>
+        <p:txBody>
+          <a:bodyPr lIns="22860" rIns="22860" anchor="ctr"/>
+          <a:lstStyle/>
+          <a:p>
+            <a:pPr algn="ctr">
+              <a:defRPr>
+                <a:solidFill>
+                  <a:srgbClr val="FFFFFF"/>
+                </a:solidFill>
+              </a:defRPr>
+            </a:pPr>
+            <a:endParaRPr sz="900" dirty="0"/>
+          </a:p>
+        </p:txBody>
+      </p:sp>
+      <p:sp>
+        <p:nvSpPr>
+          <p:cNvPr id="306" name="圆形"/>
+          <p:cNvSpPr/>
+          <p:nvPr/>
+        </p:nvSpPr>
+        <p:spPr>
+          <a:xfrm>
+            <a:off x="9180099" y="2063954"/>
+            <a:ext cx="842501" cy="842501"/>
+          </a:xfrm>
+          <a:prstGeom prst="ellipse">
+            <a:avLst/>
+          </a:prstGeom>
+          <a:solidFill>
+            <a:srgbClr val="4285F4"/>
+          </a:solidFill>
+          <a:ln w="12700">
+            <a:miter lim="400000"/>
+          </a:ln>
+        </p:spPr>
+        <p:txBody>
+          <a:bodyPr lIns="22860" rIns="22860" anchor="ctr"/>
+          <a:lstStyle/>
+          <a:p>
+            <a:pPr algn="ctr">
+              <a:defRPr>
+                <a:solidFill>
+                  <a:srgbClr val="FFFFFF"/>
+                </a:solidFill>
+              </a:defRPr>
+            </a:pPr>
+            <a:endParaRPr sz="900"/>
+          </a:p>
+        </p:txBody>
+      </p:sp>
+      <p:sp>
+        <p:nvSpPr>
+          <p:cNvPr id="307" name="圆形"/>
+          <p:cNvSpPr/>
+          <p:nvPr/>
+        </p:nvSpPr>
+        <p:spPr>
+          <a:xfrm>
+            <a:off x="2177389" y="2063954"/>
+            <a:ext cx="842501" cy="842501"/>
+          </a:xfrm>
+          <a:prstGeom prst="ellipse">
+            <a:avLst/>
+          </a:prstGeom>
+          <a:solidFill>
+            <a:srgbClr val="37CB83"/>
+          </a:solidFill>
+          <a:ln w="12700">
+            <a:miter lim="400000"/>
+          </a:ln>
+        </p:spPr>
+        <p:txBody>
+          <a:bodyPr lIns="22860" rIns="22860" anchor="ctr"/>
+          <a:lstStyle/>
+          <a:p>
+            <a:pPr algn="ctr">
+              <a:defRPr>
+                <a:solidFill>
+                  <a:srgbClr val="FFFFFF"/>
+                </a:solidFill>
+              </a:defRPr>
+            </a:pPr>
+            <a:endParaRPr sz="900" dirty="0"/>
+          </a:p>
+        </p:txBody>
+      </p:sp>
+      <p:sp>
+        <p:nvSpPr>
+          <p:cNvPr id="321" name="圆形"/>
+          <p:cNvSpPr/>
+          <p:nvPr/>
+        </p:nvSpPr>
+        <p:spPr>
+          <a:xfrm>
+            <a:off x="5686476" y="2063954"/>
+            <a:ext cx="842501" cy="842501"/>
+          </a:xfrm>
+          <a:prstGeom prst="ellipse">
+            <a:avLst/>
+          </a:prstGeom>
+          <a:solidFill>
+            <a:schemeClr val="accent2">
+              <a:lumMod val="60000"/>
+              <a:lumOff val="40000"/>
+            </a:schemeClr>
+          </a:solidFill>
+          <a:ln w="12700">
+            <a:miter lim="400000"/>
+          </a:ln>
+        </p:spPr>
+        <p:txBody>
+          <a:bodyPr lIns="22860" rIns="22860" anchor="ctr"/>
+          <a:lstStyle/>
+          <a:p>
+            <a:pPr algn="ctr">
+              <a:defRPr>
+                <a:solidFill>
+                  <a:srgbClr val="FFFFFF"/>
+                </a:solidFill>
+              </a:defRPr>
+            </a:pPr>
+            <a:endParaRPr sz="900" dirty="0"/>
+          </a:p>
+        </p:txBody>
+      </p:sp>
+      <p:sp>
+        <p:nvSpPr>
+          <p:cNvPr id="327" name="形状"/>
+          <p:cNvSpPr/>
+          <p:nvPr/>
+        </p:nvSpPr>
+        <p:spPr>
+          <a:xfrm>
+            <a:off x="5913436" y="4549661"/>
+            <a:ext cx="388580" cy="388580"/>
+          </a:xfrm>
+          <a:custGeom>
+            <a:avLst/>
+            <a:gdLst/>
+            <a:ahLst/>
+            <a:cxnLst>
+              <a:cxn ang="0">
+                <a:pos x="wd2" y="hd2"/>
+              </a:cxn>
+              <a:cxn ang="5400000">
+                <a:pos x="wd2" y="hd2"/>
+              </a:cxn>
+              <a:cxn ang="10800000">
+                <a:pos x="wd2" y="hd2"/>
+              </a:cxn>
+              <a:cxn ang="16200000">
+                <a:pos x="wd2" y="hd2"/>
+              </a:cxn>
+            </a:cxnLst>
+            <a:rect l="0" t="0" r="r" b="b"/>
+            <a:pathLst>
+              <a:path w="21600" h="21600" extrusionOk="0">
+                <a:moveTo>
+                  <a:pt x="20618" y="19636"/>
+                </a:moveTo>
+                <a:cubicBezTo>
+                  <a:pt x="20618" y="20179"/>
+                  <a:pt x="20178" y="20619"/>
+                  <a:pt x="19636" y="20619"/>
+                </a:cubicBezTo>
+                <a:lnTo>
+                  <a:pt x="1964" y="20619"/>
+                </a:lnTo>
+                <a:cubicBezTo>
+                  <a:pt x="1421" y="20619"/>
+                  <a:pt x="982" y="20179"/>
+                  <a:pt x="982" y="19636"/>
+                </a:cubicBezTo>
+                <a:lnTo>
+                  <a:pt x="982" y="1964"/>
+                </a:lnTo>
+                <a:cubicBezTo>
+                  <a:pt x="982" y="1422"/>
+                  <a:pt x="1421" y="982"/>
+                  <a:pt x="1964" y="982"/>
+                </a:cubicBezTo>
+                <a:lnTo>
+                  <a:pt x="19636" y="982"/>
+                </a:lnTo>
+                <a:cubicBezTo>
+                  <a:pt x="20178" y="982"/>
+                  <a:pt x="20618" y="1422"/>
+                  <a:pt x="20618" y="1964"/>
+                </a:cubicBezTo>
+                <a:cubicBezTo>
+                  <a:pt x="20618" y="1964"/>
+                  <a:pt x="20618" y="19636"/>
+                  <a:pt x="20618" y="19636"/>
+                </a:cubicBezTo>
+                <a:close/>
+                <a:moveTo>
+                  <a:pt x="19636" y="0"/>
+                </a:moveTo>
+                <a:lnTo>
+                  <a:pt x="1964" y="0"/>
+                </a:lnTo>
+                <a:cubicBezTo>
+                  <a:pt x="879" y="0"/>
+                  <a:pt x="0" y="879"/>
+                  <a:pt x="0" y="1964"/>
+                </a:cubicBezTo>
+                <a:lnTo>
+                  <a:pt x="0" y="19636"/>
+                </a:lnTo>
+                <a:cubicBezTo>
+                  <a:pt x="0" y="20721"/>
+                  <a:pt x="879" y="21600"/>
+                  <a:pt x="1964" y="21600"/>
+                </a:cubicBezTo>
+                <a:lnTo>
+                  <a:pt x="19636" y="21600"/>
+                </a:lnTo>
+                <a:cubicBezTo>
+                  <a:pt x="20721" y="21600"/>
+                  <a:pt x="21600" y="20721"/>
+                  <a:pt x="21600" y="19636"/>
+                </a:cubicBezTo>
+                <a:lnTo>
+                  <a:pt x="21600" y="1964"/>
+                </a:lnTo>
+                <a:cubicBezTo>
+                  <a:pt x="21600" y="879"/>
+                  <a:pt x="20721" y="0"/>
+                  <a:pt x="19636" y="0"/>
+                </a:cubicBezTo>
+                <a:moveTo>
+                  <a:pt x="4294" y="17673"/>
+                </a:moveTo>
+                <a:lnTo>
+                  <a:pt x="8376" y="10732"/>
+                </a:lnTo>
+                <a:lnTo>
+                  <a:pt x="10838" y="14425"/>
+                </a:lnTo>
+                <a:cubicBezTo>
+                  <a:pt x="10862" y="14484"/>
+                  <a:pt x="10898" y="14536"/>
+                  <a:pt x="10942" y="14581"/>
+                </a:cubicBezTo>
+                <a:lnTo>
+                  <a:pt x="10944" y="14583"/>
+                </a:lnTo>
+                <a:cubicBezTo>
+                  <a:pt x="11033" y="14673"/>
+                  <a:pt x="11155" y="14727"/>
+                  <a:pt x="11291" y="14727"/>
+                </a:cubicBezTo>
+                <a:cubicBezTo>
+                  <a:pt x="11427" y="14727"/>
+                  <a:pt x="11549" y="14673"/>
+                  <a:pt x="11638" y="14583"/>
+                </a:cubicBezTo>
+                <a:lnTo>
+                  <a:pt x="13686" y="12536"/>
+                </a:lnTo>
+                <a:lnTo>
+                  <a:pt x="17242" y="17673"/>
+                </a:lnTo>
+                <a:cubicBezTo>
+                  <a:pt x="17242" y="17673"/>
+                  <a:pt x="4294" y="17673"/>
+                  <a:pt x="4294" y="17673"/>
+                </a:cubicBezTo>
+                <a:close/>
+                <a:moveTo>
+                  <a:pt x="18620" y="17982"/>
+                </a:moveTo>
+                <a:lnTo>
+                  <a:pt x="18617" y="17978"/>
+                </a:lnTo>
+                <a:cubicBezTo>
+                  <a:pt x="18590" y="17913"/>
+                  <a:pt x="18551" y="17858"/>
+                  <a:pt x="18501" y="17810"/>
+                </a:cubicBezTo>
+                <a:lnTo>
+                  <a:pt x="14201" y="11600"/>
+                </a:lnTo>
+                <a:lnTo>
+                  <a:pt x="14200" y="11601"/>
+                </a:lnTo>
+                <a:cubicBezTo>
+                  <a:pt x="14127" y="11420"/>
+                  <a:pt x="13952" y="11291"/>
+                  <a:pt x="13745" y="11291"/>
+                </a:cubicBezTo>
+                <a:cubicBezTo>
+                  <a:pt x="13610" y="11291"/>
+                  <a:pt x="13488" y="11346"/>
+                  <a:pt x="13398" y="11435"/>
+                </a:cubicBezTo>
+                <a:lnTo>
+                  <a:pt x="11360" y="13473"/>
+                </a:lnTo>
+                <a:lnTo>
+                  <a:pt x="8798" y="9630"/>
+                </a:lnTo>
+                <a:cubicBezTo>
+                  <a:pt x="8724" y="9453"/>
+                  <a:pt x="8550" y="9327"/>
+                  <a:pt x="8345" y="9327"/>
+                </a:cubicBezTo>
+                <a:cubicBezTo>
+                  <a:pt x="8175" y="9327"/>
+                  <a:pt x="8033" y="9420"/>
+                  <a:pt x="7945" y="9551"/>
+                </a:cubicBezTo>
+                <a:lnTo>
+                  <a:pt x="7937" y="9546"/>
+                </a:lnTo>
+                <a:lnTo>
+                  <a:pt x="3028" y="17891"/>
+                </a:lnTo>
+                <a:lnTo>
+                  <a:pt x="3036" y="17897"/>
+                </a:lnTo>
+                <a:cubicBezTo>
+                  <a:pt x="2983" y="17974"/>
+                  <a:pt x="2945" y="18063"/>
+                  <a:pt x="2945" y="18164"/>
+                </a:cubicBezTo>
+                <a:cubicBezTo>
+                  <a:pt x="2945" y="18435"/>
+                  <a:pt x="3165" y="18655"/>
+                  <a:pt x="3436" y="18655"/>
+                </a:cubicBezTo>
+                <a:lnTo>
+                  <a:pt x="18164" y="18655"/>
+                </a:lnTo>
+                <a:cubicBezTo>
+                  <a:pt x="18435" y="18655"/>
+                  <a:pt x="18655" y="18435"/>
+                  <a:pt x="18655" y="18164"/>
+                </a:cubicBezTo>
+                <a:cubicBezTo>
+                  <a:pt x="18655" y="18099"/>
+                  <a:pt x="18640" y="18039"/>
+                  <a:pt x="18618" y="17983"/>
+                </a:cubicBezTo>
+                <a:cubicBezTo>
+                  <a:pt x="18618" y="17983"/>
+                  <a:pt x="18620" y="17982"/>
+                  <a:pt x="18620" y="17982"/>
+                </a:cubicBezTo>
+                <a:close/>
+                <a:moveTo>
+                  <a:pt x="5400" y="3927"/>
+                </a:moveTo>
+                <a:cubicBezTo>
+                  <a:pt x="6213" y="3927"/>
+                  <a:pt x="6873" y="4587"/>
+                  <a:pt x="6873" y="5400"/>
+                </a:cubicBezTo>
+                <a:cubicBezTo>
+                  <a:pt x="6873" y="6214"/>
+                  <a:pt x="6213" y="6873"/>
+                  <a:pt x="5400" y="6873"/>
+                </a:cubicBezTo>
+                <a:cubicBezTo>
+                  <a:pt x="4587" y="6873"/>
+                  <a:pt x="3927" y="6214"/>
+                  <a:pt x="3927" y="5400"/>
+                </a:cubicBezTo>
+                <a:cubicBezTo>
+                  <a:pt x="3927" y="4587"/>
+                  <a:pt x="4587" y="3927"/>
+                  <a:pt x="5400" y="3927"/>
+                </a:cubicBezTo>
+                <a:moveTo>
+                  <a:pt x="5400" y="7855"/>
+                </a:moveTo>
+                <a:cubicBezTo>
+                  <a:pt x="6756" y="7855"/>
+                  <a:pt x="7855" y="6756"/>
+                  <a:pt x="7855" y="5400"/>
+                </a:cubicBezTo>
+                <a:cubicBezTo>
+                  <a:pt x="7855" y="4045"/>
+                  <a:pt x="6756" y="2945"/>
+                  <a:pt x="5400" y="2945"/>
+                </a:cubicBezTo>
+                <a:cubicBezTo>
+                  <a:pt x="4044" y="2945"/>
+                  <a:pt x="2945" y="4045"/>
+                  <a:pt x="2945" y="5400"/>
+                </a:cubicBezTo>
+                <a:cubicBezTo>
+                  <a:pt x="2945" y="6756"/>
+                  <a:pt x="4044" y="7855"/>
+                  <a:pt x="5400" y="7855"/>
+                </a:cubicBezTo>
+              </a:path>
+            </a:pathLst>
+          </a:custGeom>
+          <a:solidFill>
+            <a:srgbClr val="FFFFFF"/>
+          </a:solidFill>
+          <a:ln w="12700">
+            <a:miter lim="400000"/>
+          </a:ln>
+        </p:spPr>
+        <p:txBody>
+          <a:bodyPr lIns="22860" rIns="22860" anchor="ctr"/>
+          <a:lstStyle/>
+          <a:p>
+            <a:pPr defTabSz="227965">
+              <a:defRPr sz="2900">
+                <a:solidFill>
+                  <a:srgbClr val="FFFFFF"/>
+                </a:solidFill>
+                <a:effectLst>
+                  <a:outerShdw blurRad="38100" dist="12700" dir="5400000" rotWithShape="0">
+                    <a:srgbClr val="000000">
+                      <a:alpha val="50000"/>
+                    </a:srgbClr>
+                  </a:outerShdw>
+                </a:effectLst>
+                <a:latin typeface="Lato Light"/>
+                <a:ea typeface="Lato Light"/>
+                <a:cs typeface="Lato Light"/>
+                <a:sym typeface="Lato Light"/>
+              </a:defRPr>
+            </a:pPr>
+            <a:endParaRPr sz="1450"/>
+          </a:p>
+        </p:txBody>
+      </p:sp>
+      <p:sp>
+        <p:nvSpPr>
+          <p:cNvPr id="328" name="形状"/>
+          <p:cNvSpPr/>
+          <p:nvPr/>
+        </p:nvSpPr>
+        <p:spPr>
+          <a:xfrm>
+            <a:off x="9398325" y="2273538"/>
+            <a:ext cx="413826" cy="413826"/>
+          </a:xfrm>
+          <a:custGeom>
+            <a:avLst/>
+            <a:gdLst/>
+            <a:ahLst/>
+            <a:cxnLst>
+              <a:cxn ang="0">
+                <a:pos x="wd2" y="hd2"/>
+              </a:cxn>
+              <a:cxn ang="5400000">
+                <a:pos x="wd2" y="hd2"/>
+              </a:cxn>
+              <a:cxn ang="10800000">
+                <a:pos x="wd2" y="hd2"/>
+              </a:cxn>
+              <a:cxn ang="16200000">
+                <a:pos x="wd2" y="hd2"/>
+              </a:cxn>
+            </a:cxnLst>
+            <a:rect l="0" t="0" r="r" b="b"/>
+            <a:pathLst>
+              <a:path w="21600" h="21600" extrusionOk="0">
+                <a:moveTo>
+                  <a:pt x="20618" y="17673"/>
+                </a:moveTo>
+                <a:cubicBezTo>
+                  <a:pt x="20618" y="18215"/>
+                  <a:pt x="20178" y="18655"/>
+                  <a:pt x="19636" y="18655"/>
+                </a:cubicBezTo>
+                <a:lnTo>
+                  <a:pt x="1964" y="18655"/>
+                </a:lnTo>
+                <a:cubicBezTo>
+                  <a:pt x="1422" y="18655"/>
+                  <a:pt x="982" y="18215"/>
+                  <a:pt x="982" y="17673"/>
+                </a:cubicBezTo>
+                <a:lnTo>
+                  <a:pt x="982" y="5891"/>
+                </a:lnTo>
+                <a:cubicBezTo>
+                  <a:pt x="982" y="5349"/>
+                  <a:pt x="1422" y="4909"/>
+                  <a:pt x="1964" y="4909"/>
+                </a:cubicBezTo>
+                <a:lnTo>
+                  <a:pt x="19636" y="4909"/>
+                </a:lnTo>
+                <a:cubicBezTo>
+                  <a:pt x="20178" y="4909"/>
+                  <a:pt x="20618" y="5349"/>
+                  <a:pt x="20618" y="5891"/>
+                </a:cubicBezTo>
+                <a:cubicBezTo>
+                  <a:pt x="20618" y="5891"/>
+                  <a:pt x="20618" y="17673"/>
+                  <a:pt x="20618" y="17673"/>
+                </a:cubicBezTo>
+                <a:close/>
+                <a:moveTo>
+                  <a:pt x="19636" y="3927"/>
+                </a:moveTo>
+                <a:lnTo>
+                  <a:pt x="12476" y="3927"/>
+                </a:lnTo>
+                <a:lnTo>
+                  <a:pt x="14476" y="1927"/>
+                </a:lnTo>
+                <a:cubicBezTo>
+                  <a:pt x="14557" y="1949"/>
+                  <a:pt x="14640" y="1964"/>
+                  <a:pt x="14727" y="1964"/>
+                </a:cubicBezTo>
+                <a:cubicBezTo>
+                  <a:pt x="15269" y="1964"/>
+                  <a:pt x="15709" y="1524"/>
+                  <a:pt x="15709" y="982"/>
+                </a:cubicBezTo>
+                <a:cubicBezTo>
+                  <a:pt x="15709" y="440"/>
+                  <a:pt x="15269" y="0"/>
+                  <a:pt x="14727" y="0"/>
+                </a:cubicBezTo>
+                <a:cubicBezTo>
+                  <a:pt x="14185" y="0"/>
+                  <a:pt x="13745" y="440"/>
+                  <a:pt x="13745" y="982"/>
+                </a:cubicBezTo>
+                <a:cubicBezTo>
+                  <a:pt x="13745" y="1069"/>
+                  <a:pt x="13761" y="1153"/>
+                  <a:pt x="13782" y="1233"/>
+                </a:cubicBezTo>
+                <a:lnTo>
+                  <a:pt x="11088" y="3927"/>
+                </a:lnTo>
+                <a:lnTo>
+                  <a:pt x="10513" y="3927"/>
+                </a:lnTo>
+                <a:lnTo>
+                  <a:pt x="7818" y="1233"/>
+                </a:lnTo>
+                <a:cubicBezTo>
+                  <a:pt x="7839" y="1153"/>
+                  <a:pt x="7855" y="1069"/>
+                  <a:pt x="7855" y="982"/>
+                </a:cubicBezTo>
+                <a:cubicBezTo>
+                  <a:pt x="7855" y="440"/>
+                  <a:pt x="7415" y="0"/>
+                  <a:pt x="6873" y="0"/>
+                </a:cubicBezTo>
+                <a:cubicBezTo>
+                  <a:pt x="6331" y="0"/>
+                  <a:pt x="5891" y="440"/>
+                  <a:pt x="5891" y="982"/>
+                </a:cubicBezTo>
+                <a:cubicBezTo>
+                  <a:pt x="5891" y="1524"/>
+                  <a:pt x="6331" y="1964"/>
+                  <a:pt x="6873" y="1964"/>
+                </a:cubicBezTo>
+                <a:cubicBezTo>
+                  <a:pt x="6960" y="1964"/>
+                  <a:pt x="7043" y="1949"/>
+                  <a:pt x="7124" y="1927"/>
+                </a:cubicBezTo>
+                <a:lnTo>
+                  <a:pt x="9124" y="3927"/>
+                </a:lnTo>
+                <a:lnTo>
+                  <a:pt x="1964" y="3927"/>
+                </a:lnTo>
+                <a:cubicBezTo>
+                  <a:pt x="879" y="3927"/>
+                  <a:pt x="0" y="4806"/>
+                  <a:pt x="0" y="5891"/>
+                </a:cubicBezTo>
+                <a:lnTo>
+                  <a:pt x="0" y="17673"/>
+                </a:lnTo>
+                <a:cubicBezTo>
+                  <a:pt x="0" y="18757"/>
+                  <a:pt x="879" y="19637"/>
+                  <a:pt x="1964" y="19637"/>
+                </a:cubicBezTo>
+                <a:lnTo>
+                  <a:pt x="3927" y="19637"/>
+                </a:lnTo>
+                <a:lnTo>
+                  <a:pt x="3927" y="21109"/>
+                </a:lnTo>
+                <a:cubicBezTo>
+                  <a:pt x="3927" y="21381"/>
+                  <a:pt x="4147" y="21600"/>
+                  <a:pt x="4418" y="21600"/>
+                </a:cubicBezTo>
+                <a:cubicBezTo>
+                  <a:pt x="4689" y="21600"/>
+                  <a:pt x="4909" y="21381"/>
+                  <a:pt x="4909" y="21109"/>
+                </a:cubicBezTo>
+                <a:lnTo>
+                  <a:pt x="4909" y="20618"/>
+                </a:lnTo>
+                <a:lnTo>
+                  <a:pt x="16691" y="20618"/>
+                </a:lnTo>
+                <a:lnTo>
+                  <a:pt x="16691" y="21109"/>
+                </a:lnTo>
+                <a:cubicBezTo>
+                  <a:pt x="16691" y="21381"/>
+                  <a:pt x="16911" y="21600"/>
+                  <a:pt x="17182" y="21600"/>
+                </a:cubicBezTo>
+                <a:cubicBezTo>
+                  <a:pt x="17453" y="21600"/>
+                  <a:pt x="17673" y="21381"/>
+                  <a:pt x="17673" y="21109"/>
+                </a:cubicBezTo>
+                <a:lnTo>
+                  <a:pt x="17673" y="19637"/>
+                </a:lnTo>
+                <a:lnTo>
+                  <a:pt x="19636" y="19637"/>
+                </a:lnTo>
+                <a:cubicBezTo>
+                  <a:pt x="20721" y="19637"/>
+                  <a:pt x="21600" y="18757"/>
+                  <a:pt x="21600" y="17673"/>
+                </a:cubicBezTo>
+                <a:lnTo>
+                  <a:pt x="21600" y="5891"/>
+                </a:lnTo>
+                <a:cubicBezTo>
+                  <a:pt x="21600" y="4806"/>
+                  <a:pt x="20721" y="3927"/>
+                  <a:pt x="19636" y="3927"/>
+                </a:cubicBezTo>
+              </a:path>
+            </a:pathLst>
+          </a:custGeom>
+          <a:solidFill>
+            <a:srgbClr val="FFFFFF"/>
+          </a:solidFill>
+          <a:ln w="12700">
+            <a:miter lim="400000"/>
+          </a:ln>
+        </p:spPr>
+        <p:txBody>
+          <a:bodyPr lIns="22860" rIns="22860" anchor="ctr"/>
+          <a:lstStyle/>
+          <a:p>
+            <a:pPr defTabSz="227965">
+              <a:defRPr sz="2900">
+                <a:solidFill>
+                  <a:srgbClr val="FFFFFF"/>
+                </a:solidFill>
+                <a:effectLst>
+                  <a:outerShdw blurRad="38100" dist="12700" dir="5400000" rotWithShape="0">
+                    <a:srgbClr val="000000">
+                      <a:alpha val="50000"/>
+                    </a:srgbClr>
+                  </a:outerShdw>
+                </a:effectLst>
+                <a:latin typeface="Lato Regular"/>
+                <a:ea typeface="Lato Regular"/>
+                <a:cs typeface="Lato Regular"/>
+                <a:sym typeface="Lato Regular"/>
+              </a:defRPr>
+            </a:pPr>
+            <a:endParaRPr sz="1450"/>
+          </a:p>
+        </p:txBody>
+      </p:sp>
+      <p:sp>
+        <p:nvSpPr>
+          <p:cNvPr id="329" name="形状"/>
+          <p:cNvSpPr/>
+          <p:nvPr/>
+        </p:nvSpPr>
+        <p:spPr>
+          <a:xfrm>
+            <a:off x="9401914" y="4554179"/>
+            <a:ext cx="413826" cy="413826"/>
+          </a:xfrm>
+          <a:custGeom>
+            <a:avLst/>
+            <a:gdLst/>
+            <a:ahLst/>
+            <a:cxnLst>
+              <a:cxn ang="0">
+                <a:pos x="wd2" y="hd2"/>
+              </a:cxn>
+              <a:cxn ang="5400000">
+                <a:pos x="wd2" y="hd2"/>
+              </a:cxn>
+              <a:cxn ang="10800000">
+                <a:pos x="wd2" y="hd2"/>
+              </a:cxn>
+              <a:cxn ang="16200000">
+                <a:pos x="wd2" y="hd2"/>
+              </a:cxn>
+            </a:cxnLst>
+            <a:rect l="0" t="0" r="r" b="b"/>
+            <a:pathLst>
+              <a:path w="21600" h="21600" extrusionOk="0">
+                <a:moveTo>
+                  <a:pt x="14727" y="8836"/>
+                </a:moveTo>
+                <a:cubicBezTo>
+                  <a:pt x="15812" y="8836"/>
+                  <a:pt x="16691" y="9716"/>
+                  <a:pt x="16691" y="10800"/>
+                </a:cubicBezTo>
+                <a:cubicBezTo>
+                  <a:pt x="16691" y="11884"/>
+                  <a:pt x="15812" y="12764"/>
+                  <a:pt x="14727" y="12764"/>
+                </a:cubicBezTo>
+                <a:cubicBezTo>
+                  <a:pt x="13643" y="12764"/>
+                  <a:pt x="12764" y="11884"/>
+                  <a:pt x="12764" y="10800"/>
+                </a:cubicBezTo>
+                <a:cubicBezTo>
+                  <a:pt x="12764" y="9716"/>
+                  <a:pt x="13643" y="8836"/>
+                  <a:pt x="14727" y="8836"/>
+                </a:cubicBezTo>
+                <a:moveTo>
+                  <a:pt x="14727" y="13745"/>
+                </a:moveTo>
+                <a:cubicBezTo>
+                  <a:pt x="16354" y="13745"/>
+                  <a:pt x="17673" y="12427"/>
+                  <a:pt x="17673" y="10800"/>
+                </a:cubicBezTo>
+                <a:cubicBezTo>
+                  <a:pt x="17673" y="9174"/>
+                  <a:pt x="16354" y="7855"/>
+                  <a:pt x="14727" y="7855"/>
+                </a:cubicBezTo>
+                <a:cubicBezTo>
+                  <a:pt x="13100" y="7855"/>
+                  <a:pt x="11782" y="9174"/>
+                  <a:pt x="11782" y="10800"/>
+                </a:cubicBezTo>
+                <a:cubicBezTo>
+                  <a:pt x="11782" y="12427"/>
+                  <a:pt x="13100" y="13745"/>
+                  <a:pt x="14727" y="13745"/>
+                </a:cubicBezTo>
+                <a:moveTo>
+                  <a:pt x="6873" y="7308"/>
+                </a:moveTo>
+                <a:lnTo>
+                  <a:pt x="8442" y="9818"/>
+                </a:lnTo>
+                <a:lnTo>
+                  <a:pt x="5304" y="9818"/>
+                </a:lnTo>
+                <a:cubicBezTo>
+                  <a:pt x="5304" y="9818"/>
+                  <a:pt x="6873" y="7308"/>
+                  <a:pt x="6873" y="7308"/>
+                </a:cubicBezTo>
+                <a:close/>
+                <a:moveTo>
+                  <a:pt x="4418" y="10800"/>
+                </a:moveTo>
+                <a:lnTo>
+                  <a:pt x="9327" y="10800"/>
+                </a:lnTo>
+                <a:cubicBezTo>
+                  <a:pt x="9598" y="10800"/>
+                  <a:pt x="9818" y="10580"/>
+                  <a:pt x="9818" y="10309"/>
+                </a:cubicBezTo>
+                <a:cubicBezTo>
+                  <a:pt x="9818" y="10208"/>
+                  <a:pt x="9780" y="10120"/>
+                  <a:pt x="9728" y="10042"/>
+                </a:cubicBezTo>
+                <a:lnTo>
+                  <a:pt x="9736" y="10037"/>
+                </a:lnTo>
+                <a:lnTo>
+                  <a:pt x="7281" y="6110"/>
+                </a:lnTo>
+                <a:lnTo>
+                  <a:pt x="7274" y="6114"/>
+                </a:lnTo>
+                <a:cubicBezTo>
+                  <a:pt x="7186" y="5983"/>
+                  <a:pt x="7043" y="5891"/>
+                  <a:pt x="6873" y="5891"/>
+                </a:cubicBezTo>
+                <a:cubicBezTo>
+                  <a:pt x="6702" y="5891"/>
+                  <a:pt x="6560" y="5983"/>
+                  <a:pt x="6472" y="6114"/>
+                </a:cubicBezTo>
+                <a:lnTo>
+                  <a:pt x="6464" y="6110"/>
+                </a:lnTo>
+                <a:lnTo>
+                  <a:pt x="4010" y="10037"/>
+                </a:lnTo>
+                <a:lnTo>
+                  <a:pt x="4018" y="10042"/>
+                </a:lnTo>
+                <a:cubicBezTo>
+                  <a:pt x="3965" y="10120"/>
+                  <a:pt x="3927" y="10208"/>
+                  <a:pt x="3927" y="10309"/>
+                </a:cubicBezTo>
+                <a:cubicBezTo>
+                  <a:pt x="3927" y="10580"/>
+                  <a:pt x="4147" y="10800"/>
+                  <a:pt x="4418" y="10800"/>
+                </a:cubicBezTo>
+                <a:moveTo>
+                  <a:pt x="20618" y="2945"/>
+                </a:moveTo>
+                <a:lnTo>
+                  <a:pt x="982" y="2945"/>
+                </a:lnTo>
+                <a:lnTo>
+                  <a:pt x="982" y="1964"/>
+                </a:lnTo>
+                <a:lnTo>
+                  <a:pt x="20618" y="1964"/>
+                </a:lnTo>
+                <a:cubicBezTo>
+                  <a:pt x="20618" y="1964"/>
+                  <a:pt x="20618" y="2945"/>
+                  <a:pt x="20618" y="2945"/>
+                </a:cubicBezTo>
+                <a:close/>
+                <a:moveTo>
+                  <a:pt x="19636" y="15709"/>
+                </a:moveTo>
+                <a:lnTo>
+                  <a:pt x="1964" y="15709"/>
+                </a:lnTo>
+                <a:lnTo>
+                  <a:pt x="1964" y="3927"/>
+                </a:lnTo>
+                <a:lnTo>
+                  <a:pt x="19636" y="3927"/>
+                </a:lnTo>
+                <a:cubicBezTo>
+                  <a:pt x="19636" y="3927"/>
+                  <a:pt x="19636" y="15709"/>
+                  <a:pt x="19636" y="15709"/>
+                </a:cubicBezTo>
+                <a:close/>
+                <a:moveTo>
+                  <a:pt x="20618" y="982"/>
+                </a:moveTo>
+                <a:lnTo>
+                  <a:pt x="11782" y="982"/>
+                </a:lnTo>
+                <a:cubicBezTo>
+                  <a:pt x="11782" y="440"/>
+                  <a:pt x="11342" y="0"/>
+                  <a:pt x="10800" y="0"/>
+                </a:cubicBezTo>
+                <a:cubicBezTo>
+                  <a:pt x="10258" y="0"/>
+                  <a:pt x="9818" y="440"/>
+                  <a:pt x="9818" y="982"/>
+                </a:cubicBezTo>
+                <a:lnTo>
+                  <a:pt x="982" y="982"/>
+                </a:lnTo>
+                <a:cubicBezTo>
+                  <a:pt x="440" y="982"/>
+                  <a:pt x="0" y="1422"/>
+                  <a:pt x="0" y="1964"/>
+                </a:cubicBezTo>
+                <a:lnTo>
+                  <a:pt x="0" y="2945"/>
+                </a:lnTo>
+                <a:cubicBezTo>
+                  <a:pt x="0" y="3488"/>
+                  <a:pt x="440" y="3927"/>
+                  <a:pt x="982" y="3927"/>
+                </a:cubicBezTo>
+                <a:lnTo>
+                  <a:pt x="982" y="15709"/>
+                </a:lnTo>
+                <a:cubicBezTo>
+                  <a:pt x="982" y="16252"/>
+                  <a:pt x="1422" y="16691"/>
+                  <a:pt x="1964" y="16691"/>
+                </a:cubicBezTo>
+                <a:lnTo>
+                  <a:pt x="10309" y="16691"/>
+                </a:lnTo>
+                <a:lnTo>
+                  <a:pt x="10309" y="17960"/>
+                </a:lnTo>
+                <a:lnTo>
+                  <a:pt x="7507" y="20762"/>
+                </a:lnTo>
+                <a:cubicBezTo>
+                  <a:pt x="7419" y="20851"/>
+                  <a:pt x="7364" y="20974"/>
+                  <a:pt x="7364" y="21109"/>
+                </a:cubicBezTo>
+                <a:cubicBezTo>
+                  <a:pt x="7364" y="21380"/>
+                  <a:pt x="7584" y="21600"/>
+                  <a:pt x="7855" y="21600"/>
+                </a:cubicBezTo>
+                <a:cubicBezTo>
+                  <a:pt x="7990" y="21600"/>
+                  <a:pt x="8113" y="21545"/>
+                  <a:pt x="8202" y="21456"/>
+                </a:cubicBezTo>
+                <a:lnTo>
+                  <a:pt x="10800" y="18858"/>
+                </a:lnTo>
+                <a:lnTo>
+                  <a:pt x="13398" y="21456"/>
+                </a:lnTo>
+                <a:cubicBezTo>
+                  <a:pt x="13487" y="21545"/>
+                  <a:pt x="13610" y="21600"/>
+                  <a:pt x="13745" y="21600"/>
+                </a:cubicBezTo>
+                <a:cubicBezTo>
+                  <a:pt x="14016" y="21600"/>
+                  <a:pt x="14236" y="21380"/>
+                  <a:pt x="14236" y="21109"/>
+                </a:cubicBezTo>
+                <a:cubicBezTo>
+                  <a:pt x="14236" y="20974"/>
+                  <a:pt x="14181" y="20851"/>
+                  <a:pt x="14093" y="20762"/>
+                </a:cubicBezTo>
+                <a:lnTo>
+                  <a:pt x="11291" y="17960"/>
+                </a:lnTo>
+                <a:lnTo>
+                  <a:pt x="11291" y="16691"/>
+                </a:lnTo>
+                <a:lnTo>
+                  <a:pt x="19636" y="16691"/>
+                </a:lnTo>
+                <a:cubicBezTo>
+                  <a:pt x="20178" y="16691"/>
+                  <a:pt x="20618" y="16252"/>
+                  <a:pt x="20618" y="15709"/>
+                </a:cubicBezTo>
+                <a:lnTo>
+                  <a:pt x="20618" y="3927"/>
+                </a:lnTo>
+                <a:cubicBezTo>
+                  <a:pt x="21160" y="3927"/>
+                  <a:pt x="21600" y="3488"/>
+                  <a:pt x="21600" y="2945"/>
+                </a:cubicBezTo>
+                <a:lnTo>
+                  <a:pt x="21600" y="1964"/>
+                </a:lnTo>
+                <a:cubicBezTo>
+                  <a:pt x="21600" y="1422"/>
+                  <a:pt x="21160" y="982"/>
+                  <a:pt x="20618" y="982"/>
+                </a:cubicBezTo>
+              </a:path>
+            </a:pathLst>
+          </a:custGeom>
+          <a:solidFill>
+            <a:srgbClr val="FFFFFF"/>
+          </a:solidFill>
+          <a:ln w="12700">
+            <a:miter lim="400000"/>
+          </a:ln>
+        </p:spPr>
+        <p:txBody>
+          <a:bodyPr lIns="22860" rIns="22860" anchor="ctr"/>
+          <a:lstStyle/>
+          <a:p>
+            <a:pPr defTabSz="227965">
+              <a:defRPr sz="2900">
+                <a:solidFill>
+                  <a:srgbClr val="FFFFFF"/>
+                </a:solidFill>
+                <a:effectLst>
+                  <a:outerShdw blurRad="38100" dist="12700" dir="5400000" rotWithShape="0">
+                    <a:srgbClr val="000000">
+                      <a:alpha val="50000"/>
+                    </a:srgbClr>
+                  </a:outerShdw>
+                </a:effectLst>
+                <a:latin typeface="Lato Regular"/>
+                <a:ea typeface="Lato Regular"/>
+                <a:cs typeface="Lato Regular"/>
+                <a:sym typeface="Lato Regular"/>
+              </a:defRPr>
+            </a:pPr>
+            <a:endParaRPr sz="1450"/>
+          </a:p>
+        </p:txBody>
+      </p:sp>
+      <p:sp>
+        <p:nvSpPr>
+          <p:cNvPr id="29" name="文本框 28" descr="e7d195523061f1c0214d268728035a112e1f1a63855fa0d5B3BC3571FB2346650E40B27C71D4ADB669896543E409C0762562804D99F14164E036E91A4D200FB459B9C67F1066513BDCC2663F2655ED5A2F3E64E50905ECC13FD08E412A2449DFC0DEA4732AF4E76A12DAA23714D9A24C7EAC7F7CD8FF94AEC7D4E9162B55FEA74E289784371BE33B"/>
+          <p:cNvSpPr txBox="1"/>
+          <p:nvPr/>
+        </p:nvSpPr>
+        <p:spPr>
+          <a:xfrm>
+            <a:off x="4838894" y="515271"/>
+            <a:ext cx="2514213" cy="938719"/>
+          </a:xfrm>
+          <a:prstGeom prst="rect">
+            <a:avLst/>
+          </a:prstGeom>
+          <a:noFill/>
+        </p:spPr>
+        <p:txBody>
+          <a:bodyPr wrap="square" rtlCol="0">
+            <a:spAutoFit/>
+          </a:bodyPr>
+          <a:lstStyle/>
+          <a:p>
+            <a:pPr algn="ctr">
+              <a:lnSpc>
+                <a:spcPct val="110000"/>
+              </a:lnSpc>
+            </a:pPr>
+            <a:r>
+              <a:rPr lang="zh-CN" altLang="en-US" sz="3600" dirty="0">
+                <a:solidFill>
+                  <a:srgbClr val="282828"/>
+                </a:solidFill>
+                <a:latin typeface="微软雅黑" panose="020B0503020204020204" charset="-122"/>
+                <a:ea typeface="微软雅黑" panose="020B0503020204020204" charset="-122"/>
+                <a:sym typeface="+mn-ea"/>
+              </a:rPr>
+              <a:t>目录</a:t>
+            </a:r>
+            <a:endParaRPr lang="en-US" altLang="zh-CN" sz="3600" dirty="0">
+              <a:solidFill>
+                <a:srgbClr val="282828"/>
+              </a:solidFill>
+              <a:latin typeface="微软雅黑" panose="020B0503020204020204" charset="-122"/>
+              <a:ea typeface="微软雅黑" panose="020B0503020204020204" charset="-122"/>
+              <a:sym typeface="+mn-ea"/>
+            </a:endParaRPr>
+          </a:p>
+          <a:p>
+            <a:pPr algn="ctr">
+              <a:lnSpc>
+                <a:spcPct val="110000"/>
+              </a:lnSpc>
+            </a:pPr>
+            <a:r>
+              <a:rPr lang="en-US" altLang="zh-CN" sz="1400" dirty="0"/>
+              <a:t>CATALOG</a:t>
+            </a:r>
+            <a:endParaRPr lang="zh-CN" altLang="en-US" sz="1400" dirty="0">
+              <a:solidFill>
+                <a:srgbClr val="282828"/>
+              </a:solidFill>
+              <a:latin typeface="微软雅黑" panose="020B0503020204020204" charset="-122"/>
+              <a:ea typeface="微软雅黑" panose="020B0503020204020204" charset="-122"/>
+            </a:endParaRPr>
+          </a:p>
+        </p:txBody>
+      </p:sp>
+      <p:sp>
+        <p:nvSpPr>
+          <p:cNvPr id="32" name="文本框 31"/>
+          <p:cNvSpPr txBox="1"/>
+          <p:nvPr/>
+        </p:nvSpPr>
+        <p:spPr>
+          <a:xfrm>
+            <a:off x="1705340" y="3099033"/>
+            <a:ext cx="1786597" cy="338554"/>
+          </a:xfrm>
+          <a:prstGeom prst="rect">
+            <a:avLst/>
+          </a:prstGeom>
+          <a:noFill/>
+        </p:spPr>
+        <p:txBody>
+          <a:bodyPr wrap="square" rtlCol="0">
+            <a:spAutoFit/>
+          </a:bodyPr>
+          <a:lstStyle/>
+          <a:p>
+            <a:pPr algn="ctr"/>
+            <a:r>
+              <a:rPr lang="en-US" altLang="zh-CN" sz="1600" dirty="0">
+                <a:latin typeface="微软雅黑" panose="020B0503020204020204" charset="-122"/>
+                <a:ea typeface="微软雅黑" panose="020B0503020204020204" charset="-122"/>
+                <a:cs typeface="Open Sans" panose="020B0606030504020204" pitchFamily="34" charset="0"/>
+                <a:sym typeface="Nexa Bold" charset="0"/>
+              </a:rPr>
+              <a:t>Docker</a:t>
+            </a:r>
+            <a:r>
+              <a:rPr lang="zh-CN" altLang="en-US" sz="1600" dirty="0">
+                <a:latin typeface="微软雅黑" panose="020B0503020204020204" charset="-122"/>
+                <a:ea typeface="微软雅黑" panose="020B0503020204020204" charset="-122"/>
+                <a:cs typeface="Open Sans" panose="020B0606030504020204" pitchFamily="34" charset="0"/>
+                <a:sym typeface="Nexa Bold" charset="0"/>
+              </a:rPr>
+              <a:t>是什么？</a:t>
+            </a:r>
+            <a:endParaRPr lang="en-US" altLang="zh-CN" sz="1600" dirty="0">
+              <a:latin typeface="微软雅黑" panose="020B0503020204020204" charset="-122"/>
+              <a:ea typeface="微软雅黑" panose="020B0503020204020204" charset="-122"/>
+              <a:cs typeface="Open Sans" panose="020B0606030504020204" pitchFamily="34" charset="0"/>
+            </a:endParaRPr>
+          </a:p>
+        </p:txBody>
+      </p:sp>
+      <p:sp>
+        <p:nvSpPr>
+          <p:cNvPr id="35" name="文本框 34"/>
+          <p:cNvSpPr txBox="1"/>
+          <p:nvPr/>
+        </p:nvSpPr>
+        <p:spPr>
+          <a:xfrm>
+            <a:off x="5214428" y="3099033"/>
+            <a:ext cx="1786597" cy="584775"/>
+          </a:xfrm>
+          <a:prstGeom prst="rect">
+            <a:avLst/>
+          </a:prstGeom>
+          <a:noFill/>
+        </p:spPr>
+        <p:txBody>
+          <a:bodyPr wrap="square" rtlCol="0">
+            <a:spAutoFit/>
+          </a:bodyPr>
+          <a:lstStyle/>
+          <a:p>
+            <a:pPr algn="ctr"/>
+            <a:r>
+              <a:rPr lang="zh-CN" altLang="en-US" sz="1600" dirty="0">
+                <a:latin typeface="微软雅黑" panose="020B0503020204020204" charset="-122"/>
+                <a:ea typeface="微软雅黑" panose="020B0503020204020204" charset="-122"/>
+                <a:cs typeface="Open Sans" panose="020B0606030504020204" pitchFamily="34" charset="0"/>
+              </a:rPr>
+              <a:t>为什么使用</a:t>
+            </a:r>
+            <a:r>
+              <a:rPr lang="en-US" altLang="zh-CN" sz="1600" dirty="0">
+                <a:latin typeface="微软雅黑" panose="020B0503020204020204" charset="-122"/>
+                <a:ea typeface="微软雅黑" panose="020B0503020204020204" charset="-122"/>
+                <a:cs typeface="Open Sans" panose="020B0606030504020204" pitchFamily="34" charset="0"/>
+              </a:rPr>
+              <a:t>Docker?</a:t>
+            </a:r>
+          </a:p>
+        </p:txBody>
+      </p:sp>
+      <p:sp>
+        <p:nvSpPr>
+          <p:cNvPr id="38" name="文本框 37"/>
+          <p:cNvSpPr txBox="1"/>
+          <p:nvPr/>
+        </p:nvSpPr>
+        <p:spPr>
+          <a:xfrm>
+            <a:off x="8715528" y="3099033"/>
+            <a:ext cx="1786597" cy="338554"/>
+          </a:xfrm>
+          <a:prstGeom prst="rect">
+            <a:avLst/>
+          </a:prstGeom>
+          <a:noFill/>
+        </p:spPr>
+        <p:txBody>
+          <a:bodyPr wrap="square" rtlCol="0">
+            <a:spAutoFit/>
+          </a:bodyPr>
+          <a:lstStyle/>
+          <a:p>
+            <a:pPr algn="ctr"/>
+            <a:r>
+              <a:rPr lang="en-US" altLang="zh-CN" sz="1600" dirty="0">
+                <a:latin typeface="微软雅黑" panose="020B0503020204020204" charset="-122"/>
+                <a:ea typeface="微软雅黑" panose="020B0503020204020204" charset="-122"/>
+                <a:cs typeface="Open Sans" panose="020B0606030504020204" pitchFamily="34" charset="0"/>
+              </a:rPr>
+              <a:t>Docker</a:t>
+            </a:r>
+            <a:r>
+              <a:rPr lang="zh-CN" altLang="en-US" sz="1600" dirty="0">
+                <a:latin typeface="微软雅黑" panose="020B0503020204020204" charset="-122"/>
+                <a:ea typeface="微软雅黑" panose="020B0503020204020204" charset="-122"/>
+                <a:cs typeface="Open Sans" panose="020B0606030504020204" pitchFamily="34" charset="0"/>
+              </a:rPr>
+              <a:t>基本概念</a:t>
+            </a:r>
+            <a:endParaRPr lang="en-US" altLang="zh-CN" sz="1600" dirty="0">
+              <a:latin typeface="微软雅黑" panose="020B0503020204020204" charset="-122"/>
+              <a:ea typeface="微软雅黑" panose="020B0503020204020204" charset="-122"/>
+              <a:cs typeface="Open Sans" panose="020B0606030504020204" pitchFamily="34" charset="0"/>
+            </a:endParaRPr>
+          </a:p>
+        </p:txBody>
+      </p:sp>
+      <p:sp>
+        <p:nvSpPr>
+          <p:cNvPr id="41" name="文本框 40"/>
+          <p:cNvSpPr txBox="1"/>
+          <p:nvPr/>
+        </p:nvSpPr>
+        <p:spPr>
+          <a:xfrm>
+            <a:off x="1705340" y="5430972"/>
+            <a:ext cx="1786597" cy="338554"/>
+          </a:xfrm>
+          <a:prstGeom prst="rect">
+            <a:avLst/>
+          </a:prstGeom>
+          <a:noFill/>
+        </p:spPr>
+        <p:txBody>
+          <a:bodyPr wrap="square" rtlCol="0">
+            <a:spAutoFit/>
+          </a:bodyPr>
+          <a:lstStyle/>
+          <a:p>
+            <a:pPr algn="ctr"/>
+            <a:r>
+              <a:rPr lang="en-US" altLang="zh-CN" sz="1600" dirty="0">
+                <a:latin typeface="微软雅黑" panose="020B0503020204020204" charset="-122"/>
+                <a:ea typeface="微软雅黑" panose="020B0503020204020204" charset="-122"/>
+                <a:cs typeface="Open Sans" panose="020B0606030504020204" pitchFamily="34" charset="0"/>
+              </a:rPr>
+              <a:t>Docker</a:t>
+            </a:r>
+            <a:r>
+              <a:rPr lang="zh-CN" altLang="en-US" sz="1600" dirty="0">
+                <a:latin typeface="微软雅黑" panose="020B0503020204020204" charset="-122"/>
+                <a:ea typeface="微软雅黑" panose="020B0503020204020204" charset="-122"/>
+                <a:cs typeface="Open Sans" panose="020B0606030504020204" pitchFamily="34" charset="0"/>
+              </a:rPr>
+              <a:t>常用命令</a:t>
+            </a:r>
+            <a:endParaRPr lang="en-US" altLang="zh-CN" sz="1600" dirty="0">
+              <a:latin typeface="微软雅黑" panose="020B0503020204020204" charset="-122"/>
+              <a:ea typeface="微软雅黑" panose="020B0503020204020204" charset="-122"/>
+              <a:cs typeface="Open Sans" panose="020B0606030504020204" pitchFamily="34" charset="0"/>
+            </a:endParaRPr>
+          </a:p>
+        </p:txBody>
+      </p:sp>
+      <p:sp>
+        <p:nvSpPr>
+          <p:cNvPr id="1625" name="形状"/>
+          <p:cNvSpPr/>
+          <p:nvPr/>
+        </p:nvSpPr>
+        <p:spPr>
+          <a:xfrm>
+            <a:off x="2458873" y="2340314"/>
+            <a:ext cx="279328" cy="279328"/>
+          </a:xfrm>
+          <a:custGeom>
+            <a:avLst/>
+            <a:gdLst/>
+            <a:ahLst/>
+            <a:cxnLst>
+              <a:cxn ang="0">
+                <a:pos x="wd2" y="hd2"/>
+              </a:cxn>
+              <a:cxn ang="5400000">
+                <a:pos x="wd2" y="hd2"/>
+              </a:cxn>
+              <a:cxn ang="10800000">
+                <a:pos x="wd2" y="hd2"/>
+              </a:cxn>
+              <a:cxn ang="16200000">
+                <a:pos x="wd2" y="hd2"/>
+              </a:cxn>
+            </a:cxnLst>
+            <a:rect l="0" t="0" r="r" b="b"/>
+            <a:pathLst>
+              <a:path w="21600" h="21600" extrusionOk="0">
+                <a:moveTo>
+                  <a:pt x="12991" y="6559"/>
+                </a:moveTo>
+                <a:cubicBezTo>
+                  <a:pt x="12727" y="6341"/>
+                  <a:pt x="12420" y="6172"/>
+                  <a:pt x="12078" y="6058"/>
+                </a:cubicBezTo>
+                <a:cubicBezTo>
+                  <a:pt x="11737" y="5946"/>
+                  <a:pt x="11367" y="5889"/>
+                  <a:pt x="10978" y="5889"/>
+                </a:cubicBezTo>
+                <a:cubicBezTo>
+                  <a:pt x="10477" y="5889"/>
+                  <a:pt x="10025" y="5967"/>
+                  <a:pt x="9633" y="6120"/>
+                </a:cubicBezTo>
+                <a:cubicBezTo>
+                  <a:pt x="9239" y="6275"/>
+                  <a:pt x="8900" y="6494"/>
+                  <a:pt x="8623" y="6771"/>
+                </a:cubicBezTo>
+                <a:cubicBezTo>
+                  <a:pt x="8346" y="7049"/>
+                  <a:pt x="8133" y="7392"/>
+                  <a:pt x="7992" y="7788"/>
+                </a:cubicBezTo>
+                <a:cubicBezTo>
+                  <a:pt x="7853" y="8180"/>
+                  <a:pt x="7782" y="8620"/>
+                  <a:pt x="7782" y="9096"/>
+                </a:cubicBezTo>
+                <a:lnTo>
+                  <a:pt x="7782" y="9217"/>
+                </a:lnTo>
+                <a:lnTo>
+                  <a:pt x="8880" y="9217"/>
+                </a:lnTo>
+                <a:lnTo>
+                  <a:pt x="8877" y="9093"/>
+                </a:lnTo>
+                <a:cubicBezTo>
+                  <a:pt x="8868" y="8767"/>
+                  <a:pt x="8908" y="8461"/>
+                  <a:pt x="8993" y="8187"/>
+                </a:cubicBezTo>
+                <a:cubicBezTo>
+                  <a:pt x="9079" y="7914"/>
+                  <a:pt x="9207" y="7675"/>
+                  <a:pt x="9377" y="7473"/>
+                </a:cubicBezTo>
+                <a:cubicBezTo>
+                  <a:pt x="9545" y="7274"/>
+                  <a:pt x="9762" y="7115"/>
+                  <a:pt x="10024" y="7000"/>
+                </a:cubicBezTo>
+                <a:cubicBezTo>
+                  <a:pt x="10287" y="6884"/>
+                  <a:pt x="10594" y="6827"/>
+                  <a:pt x="10937" y="6827"/>
+                </a:cubicBezTo>
+                <a:cubicBezTo>
+                  <a:pt x="11182" y="6827"/>
+                  <a:pt x="11418" y="6868"/>
+                  <a:pt x="11639" y="6950"/>
+                </a:cubicBezTo>
+                <a:cubicBezTo>
+                  <a:pt x="11858" y="7032"/>
+                  <a:pt x="12053" y="7146"/>
+                  <a:pt x="12218" y="7289"/>
+                </a:cubicBezTo>
+                <a:cubicBezTo>
+                  <a:pt x="12381" y="7431"/>
+                  <a:pt x="12512" y="7605"/>
+                  <a:pt x="12609" y="7808"/>
+                </a:cubicBezTo>
+                <a:cubicBezTo>
+                  <a:pt x="12704" y="8011"/>
+                  <a:pt x="12752" y="8236"/>
+                  <a:pt x="12752" y="8478"/>
+                </a:cubicBezTo>
+                <a:cubicBezTo>
+                  <a:pt x="12752" y="8797"/>
+                  <a:pt x="12674" y="9089"/>
+                  <a:pt x="12519" y="9350"/>
+                </a:cubicBezTo>
+                <a:cubicBezTo>
+                  <a:pt x="12359" y="9618"/>
+                  <a:pt x="12154" y="9865"/>
+                  <a:pt x="11913" y="10082"/>
+                </a:cubicBezTo>
+                <a:cubicBezTo>
+                  <a:pt x="11624" y="10337"/>
+                  <a:pt x="11374" y="10568"/>
+                  <a:pt x="11170" y="10771"/>
+                </a:cubicBezTo>
+                <a:cubicBezTo>
+                  <a:pt x="10959" y="10979"/>
+                  <a:pt x="10789" y="11200"/>
+                  <a:pt x="10662" y="11428"/>
+                </a:cubicBezTo>
+                <a:cubicBezTo>
+                  <a:pt x="10534" y="11657"/>
+                  <a:pt x="10441" y="11916"/>
+                  <a:pt x="10385" y="12199"/>
+                </a:cubicBezTo>
+                <a:cubicBezTo>
+                  <a:pt x="10329" y="12478"/>
+                  <a:pt x="10305" y="12827"/>
+                  <a:pt x="10315" y="13237"/>
+                </a:cubicBezTo>
+                <a:lnTo>
+                  <a:pt x="10318" y="13355"/>
+                </a:lnTo>
+                <a:lnTo>
+                  <a:pt x="11407" y="13355"/>
+                </a:lnTo>
+                <a:lnTo>
+                  <a:pt x="11410" y="13237"/>
+                </a:lnTo>
+                <a:cubicBezTo>
+                  <a:pt x="11418" y="12838"/>
+                  <a:pt x="11436" y="12531"/>
+                  <a:pt x="11463" y="12322"/>
+                </a:cubicBezTo>
+                <a:cubicBezTo>
+                  <a:pt x="11488" y="12125"/>
+                  <a:pt x="11538" y="11956"/>
+                  <a:pt x="11611" y="11821"/>
+                </a:cubicBezTo>
+                <a:cubicBezTo>
+                  <a:pt x="11687" y="11684"/>
+                  <a:pt x="11803" y="11541"/>
+                  <a:pt x="11959" y="11399"/>
+                </a:cubicBezTo>
+                <a:cubicBezTo>
+                  <a:pt x="12127" y="11245"/>
+                  <a:pt x="12351" y="11031"/>
+                  <a:pt x="12630" y="10762"/>
+                </a:cubicBezTo>
+                <a:cubicBezTo>
+                  <a:pt x="12979" y="10441"/>
+                  <a:pt x="13270" y="10102"/>
+                  <a:pt x="13495" y="9753"/>
+                </a:cubicBezTo>
+                <a:cubicBezTo>
+                  <a:pt x="13729" y="9393"/>
+                  <a:pt x="13847" y="8952"/>
+                  <a:pt x="13847" y="8439"/>
+                </a:cubicBezTo>
+                <a:cubicBezTo>
+                  <a:pt x="13847" y="8038"/>
+                  <a:pt x="13770" y="7675"/>
+                  <a:pt x="13618" y="7362"/>
+                </a:cubicBezTo>
+                <a:cubicBezTo>
+                  <a:pt x="13467" y="7050"/>
+                  <a:pt x="13256" y="6780"/>
+                  <a:pt x="12991" y="6559"/>
+                </a:cubicBezTo>
+                <a:moveTo>
+                  <a:pt x="10179" y="15706"/>
+                </a:moveTo>
+                <a:lnTo>
+                  <a:pt x="11558" y="15706"/>
+                </a:lnTo>
+                <a:lnTo>
+                  <a:pt x="11558" y="14072"/>
+                </a:lnTo>
+                <a:lnTo>
+                  <a:pt x="10179" y="14072"/>
+                </a:lnTo>
+                <a:cubicBezTo>
+                  <a:pt x="10179" y="14072"/>
+                  <a:pt x="10179" y="15706"/>
+                  <a:pt x="10179" y="15706"/>
+                </a:cubicBezTo>
+                <a:close/>
+                <a:moveTo>
+                  <a:pt x="10800" y="20618"/>
+                </a:moveTo>
+                <a:cubicBezTo>
+                  <a:pt x="5377" y="20618"/>
+                  <a:pt x="982" y="16223"/>
+                  <a:pt x="982" y="10800"/>
+                </a:cubicBezTo>
+                <a:cubicBezTo>
+                  <a:pt x="982" y="5377"/>
+                  <a:pt x="5377" y="982"/>
+                  <a:pt x="10800" y="982"/>
+                </a:cubicBezTo>
+                <a:cubicBezTo>
+                  <a:pt x="16223" y="982"/>
+                  <a:pt x="20618" y="5377"/>
+                  <a:pt x="20618" y="10800"/>
+                </a:cubicBezTo>
+                <a:cubicBezTo>
+                  <a:pt x="20618" y="16223"/>
+                  <a:pt x="16223" y="20618"/>
+                  <a:pt x="10800" y="20618"/>
+                </a:cubicBezTo>
+                <a:moveTo>
+                  <a:pt x="10800" y="0"/>
+                </a:moveTo>
+                <a:cubicBezTo>
+                  <a:pt x="4835" y="0"/>
+                  <a:pt x="0" y="4836"/>
+                  <a:pt x="0" y="10800"/>
+                </a:cubicBezTo>
+                <a:cubicBezTo>
+                  <a:pt x="0" y="16764"/>
+                  <a:pt x="4835" y="21600"/>
+                  <a:pt x="10800" y="21600"/>
+                </a:cubicBezTo>
+                <a:cubicBezTo>
+                  <a:pt x="16764" y="21600"/>
+                  <a:pt x="21600" y="16764"/>
+                  <a:pt x="21600" y="10800"/>
+                </a:cubicBezTo>
+                <a:cubicBezTo>
+                  <a:pt x="21600" y="4836"/>
+                  <a:pt x="16764" y="0"/>
+                  <a:pt x="10800" y="0"/>
+                </a:cubicBezTo>
+              </a:path>
+            </a:pathLst>
+          </a:custGeom>
+          <a:solidFill>
+            <a:srgbClr val="737572"/>
+          </a:solidFill>
+          <a:ln w="12700">
+            <a:miter lim="400000"/>
+          </a:ln>
+        </p:spPr>
+        <p:txBody>
+          <a:bodyPr lIns="22860" rIns="22860" anchor="ctr"/>
+          <a:lstStyle/>
+          <a:p>
+            <a:pPr defTabSz="227965">
+              <a:defRPr sz="2900">
+                <a:solidFill>
+                  <a:srgbClr val="FFFFFF"/>
+                </a:solidFill>
+                <a:effectLst>
+                  <a:outerShdw blurRad="38100" dist="12700" dir="5400000" rotWithShape="0">
+                    <a:srgbClr val="000000">
+                      <a:alpha val="50000"/>
+                    </a:srgbClr>
+                  </a:outerShdw>
+                </a:effectLst>
+                <a:latin typeface="Gill Sans"/>
+                <a:ea typeface="Gill Sans"/>
+                <a:cs typeface="Gill Sans"/>
+                <a:sym typeface="Gill Sans"/>
+              </a:defRPr>
+            </a:pPr>
+            <a:endParaRPr sz="1450"/>
+          </a:p>
+        </p:txBody>
+      </p:sp>
+      <p:sp>
+        <p:nvSpPr>
+          <p:cNvPr id="52" name="形状">
+            <a:extLst>
+              <a:ext uri="{FF2B5EF4-FFF2-40B4-BE49-F238E27FC236}">
+                <a16:creationId xmlns:a16="http://schemas.microsoft.com/office/drawing/2014/main" id="{CD8F3C54-EA82-43B1-AE44-2F35998EDF93}"/>
+              </a:ext>
+            </a:extLst>
+          </p:cNvPr>
+          <p:cNvSpPr/>
+          <p:nvPr/>
+        </p:nvSpPr>
+        <p:spPr>
+          <a:xfrm>
+            <a:off x="5956336" y="2340314"/>
+            <a:ext cx="279328" cy="279328"/>
+          </a:xfrm>
+          <a:custGeom>
+            <a:avLst/>
+            <a:gdLst/>
+            <a:ahLst/>
+            <a:cxnLst>
+              <a:cxn ang="0">
+                <a:pos x="wd2" y="hd2"/>
+              </a:cxn>
+              <a:cxn ang="5400000">
+                <a:pos x="wd2" y="hd2"/>
+              </a:cxn>
+              <a:cxn ang="10800000">
+                <a:pos x="wd2" y="hd2"/>
+              </a:cxn>
+              <a:cxn ang="16200000">
+                <a:pos x="wd2" y="hd2"/>
+              </a:cxn>
+            </a:cxnLst>
+            <a:rect l="0" t="0" r="r" b="b"/>
+            <a:pathLst>
+              <a:path w="21600" h="21600" extrusionOk="0">
+                <a:moveTo>
+                  <a:pt x="12991" y="6559"/>
+                </a:moveTo>
+                <a:cubicBezTo>
+                  <a:pt x="12727" y="6341"/>
+                  <a:pt x="12420" y="6172"/>
+                  <a:pt x="12078" y="6058"/>
+                </a:cubicBezTo>
+                <a:cubicBezTo>
+                  <a:pt x="11737" y="5946"/>
+                  <a:pt x="11367" y="5889"/>
+                  <a:pt x="10978" y="5889"/>
+                </a:cubicBezTo>
+                <a:cubicBezTo>
+                  <a:pt x="10477" y="5889"/>
+                  <a:pt x="10025" y="5967"/>
+                  <a:pt x="9633" y="6120"/>
+                </a:cubicBezTo>
+                <a:cubicBezTo>
+                  <a:pt x="9239" y="6275"/>
+                  <a:pt x="8900" y="6494"/>
+                  <a:pt x="8623" y="6771"/>
+                </a:cubicBezTo>
+                <a:cubicBezTo>
+                  <a:pt x="8346" y="7049"/>
+                  <a:pt x="8133" y="7392"/>
+                  <a:pt x="7992" y="7788"/>
+                </a:cubicBezTo>
+                <a:cubicBezTo>
+                  <a:pt x="7853" y="8180"/>
+                  <a:pt x="7782" y="8620"/>
+                  <a:pt x="7782" y="9096"/>
+                </a:cubicBezTo>
+                <a:lnTo>
+                  <a:pt x="7782" y="9217"/>
+                </a:lnTo>
+                <a:lnTo>
+                  <a:pt x="8880" y="9217"/>
+                </a:lnTo>
+                <a:lnTo>
+                  <a:pt x="8877" y="9093"/>
+                </a:lnTo>
+                <a:cubicBezTo>
+                  <a:pt x="8868" y="8767"/>
+                  <a:pt x="8908" y="8461"/>
+                  <a:pt x="8993" y="8187"/>
+                </a:cubicBezTo>
+                <a:cubicBezTo>
+                  <a:pt x="9079" y="7914"/>
+                  <a:pt x="9207" y="7675"/>
+                  <a:pt x="9377" y="7473"/>
+                </a:cubicBezTo>
+                <a:cubicBezTo>
+                  <a:pt x="9545" y="7274"/>
+                  <a:pt x="9762" y="7115"/>
+                  <a:pt x="10024" y="7000"/>
+                </a:cubicBezTo>
+                <a:cubicBezTo>
+                  <a:pt x="10287" y="6884"/>
+                  <a:pt x="10594" y="6827"/>
+                  <a:pt x="10937" y="6827"/>
+                </a:cubicBezTo>
+                <a:cubicBezTo>
+                  <a:pt x="11182" y="6827"/>
+                  <a:pt x="11418" y="6868"/>
+                  <a:pt x="11639" y="6950"/>
+                </a:cubicBezTo>
+                <a:cubicBezTo>
+                  <a:pt x="11858" y="7032"/>
+                  <a:pt x="12053" y="7146"/>
+                  <a:pt x="12218" y="7289"/>
+                </a:cubicBezTo>
+                <a:cubicBezTo>
+                  <a:pt x="12381" y="7431"/>
+                  <a:pt x="12512" y="7605"/>
+                  <a:pt x="12609" y="7808"/>
+                </a:cubicBezTo>
+                <a:cubicBezTo>
+                  <a:pt x="12704" y="8011"/>
+                  <a:pt x="12752" y="8236"/>
+                  <a:pt x="12752" y="8478"/>
+                </a:cubicBezTo>
+                <a:cubicBezTo>
+                  <a:pt x="12752" y="8797"/>
+                  <a:pt x="12674" y="9089"/>
+                  <a:pt x="12519" y="9350"/>
+                </a:cubicBezTo>
+                <a:cubicBezTo>
+                  <a:pt x="12359" y="9618"/>
+                  <a:pt x="12154" y="9865"/>
+                  <a:pt x="11913" y="10082"/>
+                </a:cubicBezTo>
+                <a:cubicBezTo>
+                  <a:pt x="11624" y="10337"/>
+                  <a:pt x="11374" y="10568"/>
+                  <a:pt x="11170" y="10771"/>
+                </a:cubicBezTo>
+                <a:cubicBezTo>
+                  <a:pt x="10959" y="10979"/>
+                  <a:pt x="10789" y="11200"/>
+                  <a:pt x="10662" y="11428"/>
+                </a:cubicBezTo>
+                <a:cubicBezTo>
+                  <a:pt x="10534" y="11657"/>
+                  <a:pt x="10441" y="11916"/>
+                  <a:pt x="10385" y="12199"/>
+                </a:cubicBezTo>
+                <a:cubicBezTo>
+                  <a:pt x="10329" y="12478"/>
+                  <a:pt x="10305" y="12827"/>
+                  <a:pt x="10315" y="13237"/>
+                </a:cubicBezTo>
+                <a:lnTo>
+                  <a:pt x="10318" y="13355"/>
+                </a:lnTo>
+                <a:lnTo>
+                  <a:pt x="11407" y="13355"/>
+                </a:lnTo>
+                <a:lnTo>
+                  <a:pt x="11410" y="13237"/>
+                </a:lnTo>
+                <a:cubicBezTo>
+                  <a:pt x="11418" y="12838"/>
+                  <a:pt x="11436" y="12531"/>
+                  <a:pt x="11463" y="12322"/>
+                </a:cubicBezTo>
+                <a:cubicBezTo>
+                  <a:pt x="11488" y="12125"/>
+                  <a:pt x="11538" y="11956"/>
+                  <a:pt x="11611" y="11821"/>
+                </a:cubicBezTo>
+                <a:cubicBezTo>
+                  <a:pt x="11687" y="11684"/>
+                  <a:pt x="11803" y="11541"/>
+                  <a:pt x="11959" y="11399"/>
+                </a:cubicBezTo>
+                <a:cubicBezTo>
+                  <a:pt x="12127" y="11245"/>
+                  <a:pt x="12351" y="11031"/>
+                  <a:pt x="12630" y="10762"/>
+                </a:cubicBezTo>
+                <a:cubicBezTo>
+                  <a:pt x="12979" y="10441"/>
+                  <a:pt x="13270" y="10102"/>
+                  <a:pt x="13495" y="9753"/>
+                </a:cubicBezTo>
+                <a:cubicBezTo>
+                  <a:pt x="13729" y="9393"/>
+                  <a:pt x="13847" y="8952"/>
+                  <a:pt x="13847" y="8439"/>
+                </a:cubicBezTo>
+                <a:cubicBezTo>
+                  <a:pt x="13847" y="8038"/>
+                  <a:pt x="13770" y="7675"/>
+                  <a:pt x="13618" y="7362"/>
+                </a:cubicBezTo>
+                <a:cubicBezTo>
+                  <a:pt x="13467" y="7050"/>
+                  <a:pt x="13256" y="6780"/>
+                  <a:pt x="12991" y="6559"/>
+                </a:cubicBezTo>
+                <a:moveTo>
+                  <a:pt x="10179" y="15706"/>
+                </a:moveTo>
+                <a:lnTo>
+                  <a:pt x="11558" y="15706"/>
+                </a:lnTo>
+                <a:lnTo>
+                  <a:pt x="11558" y="14072"/>
+                </a:lnTo>
+                <a:lnTo>
+                  <a:pt x="10179" y="14072"/>
+                </a:lnTo>
+                <a:cubicBezTo>
+                  <a:pt x="10179" y="14072"/>
+                  <a:pt x="10179" y="15706"/>
+                  <a:pt x="10179" y="15706"/>
+                </a:cubicBezTo>
+                <a:close/>
+                <a:moveTo>
+                  <a:pt x="10800" y="20618"/>
+                </a:moveTo>
+                <a:cubicBezTo>
+                  <a:pt x="5377" y="20618"/>
+                  <a:pt x="982" y="16223"/>
+                  <a:pt x="982" y="10800"/>
+                </a:cubicBezTo>
+                <a:cubicBezTo>
+                  <a:pt x="982" y="5377"/>
+                  <a:pt x="5377" y="982"/>
+                  <a:pt x="10800" y="982"/>
+                </a:cubicBezTo>
+                <a:cubicBezTo>
+                  <a:pt x="16223" y="982"/>
+                  <a:pt x="20618" y="5377"/>
+                  <a:pt x="20618" y="10800"/>
+                </a:cubicBezTo>
+                <a:cubicBezTo>
+                  <a:pt x="20618" y="16223"/>
+                  <a:pt x="16223" y="20618"/>
+                  <a:pt x="10800" y="20618"/>
+                </a:cubicBezTo>
+                <a:moveTo>
+                  <a:pt x="10800" y="0"/>
+                </a:moveTo>
+                <a:cubicBezTo>
+                  <a:pt x="4835" y="0"/>
+                  <a:pt x="0" y="4836"/>
+                  <a:pt x="0" y="10800"/>
+                </a:cubicBezTo>
+                <a:cubicBezTo>
+                  <a:pt x="0" y="16764"/>
+                  <a:pt x="4835" y="21600"/>
+                  <a:pt x="10800" y="21600"/>
+                </a:cubicBezTo>
+                <a:cubicBezTo>
+                  <a:pt x="16764" y="21600"/>
+                  <a:pt x="21600" y="16764"/>
+                  <a:pt x="21600" y="10800"/>
+                </a:cubicBezTo>
+                <a:cubicBezTo>
+                  <a:pt x="21600" y="4836"/>
+                  <a:pt x="16764" y="0"/>
+                  <a:pt x="10800" y="0"/>
+                </a:cubicBezTo>
+              </a:path>
+            </a:pathLst>
+          </a:custGeom>
+          <a:solidFill>
+            <a:srgbClr val="737572"/>
+          </a:solidFill>
+          <a:ln w="12700">
+            <a:miter lim="400000"/>
+          </a:ln>
+        </p:spPr>
+        <p:txBody>
+          <a:bodyPr lIns="22860" rIns="22860" anchor="ctr"/>
+          <a:lstStyle/>
+          <a:p>
+            <a:pPr defTabSz="227965">
+              <a:defRPr sz="2900">
+                <a:solidFill>
+                  <a:srgbClr val="FFFFFF"/>
+                </a:solidFill>
+                <a:effectLst>
+                  <a:outerShdw blurRad="38100" dist="12700" dir="5400000" rotWithShape="0">
+                    <a:srgbClr val="000000">
+                      <a:alpha val="50000"/>
+                    </a:srgbClr>
+                  </a:outerShdw>
+                </a:effectLst>
+                <a:latin typeface="Gill Sans"/>
+                <a:ea typeface="Gill Sans"/>
+                <a:cs typeface="Gill Sans"/>
+                <a:sym typeface="Gill Sans"/>
+              </a:defRPr>
+            </a:pPr>
+            <a:endParaRPr sz="1450" dirty="0"/>
+          </a:p>
+        </p:txBody>
+      </p:sp>
+      <p:sp>
+        <p:nvSpPr>
+          <p:cNvPr id="53" name="圆形">
+            <a:extLst>
+              <a:ext uri="{FF2B5EF4-FFF2-40B4-BE49-F238E27FC236}">
+                <a16:creationId xmlns:a16="http://schemas.microsoft.com/office/drawing/2014/main" id="{933BCAB1-E63D-41BF-8A49-635321B11AF9}"/>
+              </a:ext>
+            </a:extLst>
+          </p:cNvPr>
+          <p:cNvSpPr/>
+          <p:nvPr/>
+        </p:nvSpPr>
+        <p:spPr>
+          <a:xfrm>
+            <a:off x="5686476" y="4313387"/>
+            <a:ext cx="842501" cy="842501"/>
+          </a:xfrm>
+          <a:prstGeom prst="ellipse">
+            <a:avLst/>
+          </a:prstGeom>
+          <a:solidFill>
+            <a:schemeClr val="accent5">
+              <a:lumMod val="20000"/>
+              <a:lumOff val="80000"/>
+            </a:schemeClr>
+          </a:solidFill>
+          <a:ln w="12700">
+            <a:miter lim="400000"/>
+          </a:ln>
+        </p:spPr>
+        <p:txBody>
+          <a:bodyPr lIns="22860" rIns="22860" anchor="ctr"/>
+          <a:lstStyle/>
+          <a:p>
+            <a:pPr algn="ctr">
+              <a:defRPr>
+                <a:solidFill>
+                  <a:srgbClr val="FFFFFF"/>
+                </a:solidFill>
+              </a:defRPr>
+            </a:pPr>
+            <a:endParaRPr sz="900" dirty="0"/>
+          </a:p>
+        </p:txBody>
+      </p:sp>
+      <p:sp>
+        <p:nvSpPr>
+          <p:cNvPr id="54" name="文本框 53">
+            <a:extLst>
+              <a:ext uri="{FF2B5EF4-FFF2-40B4-BE49-F238E27FC236}">
+                <a16:creationId xmlns:a16="http://schemas.microsoft.com/office/drawing/2014/main" id="{75CA3878-B532-4AA2-BE93-40E9549DBFBC}"/>
+              </a:ext>
+            </a:extLst>
+          </p:cNvPr>
+          <p:cNvSpPr txBox="1"/>
+          <p:nvPr/>
+        </p:nvSpPr>
+        <p:spPr>
+          <a:xfrm>
+            <a:off x="5214427" y="5430972"/>
+            <a:ext cx="1786597" cy="338554"/>
+          </a:xfrm>
+          <a:prstGeom prst="rect">
+            <a:avLst/>
+          </a:prstGeom>
+          <a:noFill/>
+        </p:spPr>
+        <p:txBody>
+          <a:bodyPr wrap="square" rtlCol="0">
+            <a:spAutoFit/>
+          </a:bodyPr>
+          <a:lstStyle/>
+          <a:p>
+            <a:pPr algn="ctr"/>
+            <a:r>
+              <a:rPr lang="zh-CN" altLang="en-US" sz="1600" dirty="0">
+                <a:latin typeface="微软雅黑" panose="020B0503020204020204" charset="-122"/>
+                <a:ea typeface="微软雅黑" panose="020B0503020204020204" charset="-122"/>
+                <a:cs typeface="Open Sans" panose="020B0606030504020204" pitchFamily="34" charset="0"/>
+              </a:rPr>
+              <a:t>深入理解</a:t>
+            </a:r>
+            <a:r>
+              <a:rPr lang="en-US" altLang="zh-CN" sz="1600" dirty="0">
+                <a:latin typeface="微软雅黑" panose="020B0503020204020204" charset="-122"/>
+                <a:ea typeface="微软雅黑" panose="020B0503020204020204" charset="-122"/>
+                <a:cs typeface="Open Sans" panose="020B0606030504020204" pitchFamily="34" charset="0"/>
+              </a:rPr>
+              <a:t>Docker</a:t>
+            </a:r>
+          </a:p>
+        </p:txBody>
+      </p:sp>
+      <p:sp>
+        <p:nvSpPr>
+          <p:cNvPr id="55" name="形状">
+            <a:extLst>
+              <a:ext uri="{FF2B5EF4-FFF2-40B4-BE49-F238E27FC236}">
+                <a16:creationId xmlns:a16="http://schemas.microsoft.com/office/drawing/2014/main" id="{7D26EA6A-954D-4115-AC1C-9ED9576B68FA}"/>
+              </a:ext>
+            </a:extLst>
+          </p:cNvPr>
+          <p:cNvSpPr/>
+          <p:nvPr/>
+        </p:nvSpPr>
+        <p:spPr>
+          <a:xfrm>
+            <a:off x="5967960" y="4607960"/>
+            <a:ext cx="279328" cy="279328"/>
+          </a:xfrm>
+          <a:custGeom>
+            <a:avLst/>
+            <a:gdLst/>
+            <a:ahLst/>
+            <a:cxnLst>
+              <a:cxn ang="0">
+                <a:pos x="wd2" y="hd2"/>
+              </a:cxn>
+              <a:cxn ang="5400000">
+                <a:pos x="wd2" y="hd2"/>
+              </a:cxn>
+              <a:cxn ang="10800000">
+                <a:pos x="wd2" y="hd2"/>
+              </a:cxn>
+              <a:cxn ang="16200000">
+                <a:pos x="wd2" y="hd2"/>
+              </a:cxn>
+            </a:cxnLst>
+            <a:rect l="0" t="0" r="r" b="b"/>
+            <a:pathLst>
+              <a:path w="21600" h="21600" extrusionOk="0">
+                <a:moveTo>
+                  <a:pt x="9327" y="17673"/>
+                </a:moveTo>
+                <a:cubicBezTo>
+                  <a:pt x="4718" y="17673"/>
+                  <a:pt x="982" y="13936"/>
+                  <a:pt x="982" y="9327"/>
+                </a:cubicBezTo>
+                <a:cubicBezTo>
+                  <a:pt x="982" y="4718"/>
+                  <a:pt x="4718" y="982"/>
+                  <a:pt x="9327" y="982"/>
+                </a:cubicBezTo>
+                <a:cubicBezTo>
+                  <a:pt x="13936" y="982"/>
+                  <a:pt x="17673" y="4718"/>
+                  <a:pt x="17673" y="9327"/>
+                </a:cubicBezTo>
+                <a:cubicBezTo>
+                  <a:pt x="17673" y="13936"/>
+                  <a:pt x="13936" y="17673"/>
+                  <a:pt x="9327" y="17673"/>
+                </a:cubicBezTo>
+                <a:moveTo>
+                  <a:pt x="21456" y="20762"/>
+                </a:moveTo>
+                <a:lnTo>
+                  <a:pt x="16253" y="15559"/>
+                </a:lnTo>
+                <a:cubicBezTo>
+                  <a:pt x="17741" y="13907"/>
+                  <a:pt x="18655" y="11726"/>
+                  <a:pt x="18655" y="9327"/>
+                </a:cubicBezTo>
+                <a:cubicBezTo>
+                  <a:pt x="18655" y="4176"/>
+                  <a:pt x="14479" y="0"/>
+                  <a:pt x="9327" y="0"/>
+                </a:cubicBezTo>
+                <a:cubicBezTo>
+                  <a:pt x="4176" y="0"/>
+                  <a:pt x="0" y="4176"/>
+                  <a:pt x="0" y="9327"/>
+                </a:cubicBezTo>
+                <a:cubicBezTo>
+                  <a:pt x="0" y="14479"/>
+                  <a:pt x="4176" y="18655"/>
+                  <a:pt x="9327" y="18655"/>
+                </a:cubicBezTo>
+                <a:cubicBezTo>
+                  <a:pt x="11726" y="18655"/>
+                  <a:pt x="13907" y="17742"/>
+                  <a:pt x="15559" y="16253"/>
+                </a:cubicBezTo>
+                <a:lnTo>
+                  <a:pt x="20762" y="21456"/>
+                </a:lnTo>
+                <a:cubicBezTo>
+                  <a:pt x="20851" y="21546"/>
+                  <a:pt x="20973" y="21600"/>
+                  <a:pt x="21109" y="21600"/>
+                </a:cubicBezTo>
+                <a:cubicBezTo>
+                  <a:pt x="21380" y="21600"/>
+                  <a:pt x="21600" y="21381"/>
+                  <a:pt x="21600" y="21109"/>
+                </a:cubicBezTo>
+                <a:cubicBezTo>
+                  <a:pt x="21600" y="20974"/>
+                  <a:pt x="21545" y="20851"/>
+                  <a:pt x="21456" y="20762"/>
+                </a:cubicBezTo>
+              </a:path>
+            </a:pathLst>
+          </a:custGeom>
+          <a:solidFill>
+            <a:srgbClr val="737572"/>
+          </a:solidFill>
+          <a:ln w="12700">
+            <a:miter lim="400000"/>
+          </a:ln>
+        </p:spPr>
+        <p:txBody>
+          <a:bodyPr lIns="22860" rIns="22860" anchor="ctr"/>
+          <a:lstStyle/>
+          <a:p>
+            <a:pPr defTabSz="227965">
+              <a:defRPr sz="2900">
+                <a:solidFill>
+                  <a:srgbClr val="FFFFFF"/>
+                </a:solidFill>
+                <a:effectLst>
+                  <a:outerShdw blurRad="38100" dist="12700" dir="5400000" rotWithShape="0">
+                    <a:srgbClr val="000000">
+                      <a:alpha val="50000"/>
+                    </a:srgbClr>
+                  </a:outerShdw>
+                </a:effectLst>
+                <a:latin typeface="Gill Sans"/>
+                <a:ea typeface="Gill Sans"/>
+                <a:cs typeface="Gill Sans"/>
+                <a:sym typeface="Gill Sans"/>
+              </a:defRPr>
+            </a:pPr>
+            <a:endParaRPr sz="1450"/>
+          </a:p>
+        </p:txBody>
+      </p:sp>
+      <p:sp>
+        <p:nvSpPr>
+          <p:cNvPr id="56" name="形状">
+            <a:extLst>
+              <a:ext uri="{FF2B5EF4-FFF2-40B4-BE49-F238E27FC236}">
+                <a16:creationId xmlns:a16="http://schemas.microsoft.com/office/drawing/2014/main" id="{7D252840-3532-40F1-B637-D70FB4075A25}"/>
+              </a:ext>
+            </a:extLst>
+          </p:cNvPr>
+          <p:cNvSpPr/>
+          <p:nvPr/>
+        </p:nvSpPr>
+        <p:spPr>
+          <a:xfrm>
+            <a:off x="2458873" y="4604287"/>
+            <a:ext cx="253935" cy="279328"/>
+          </a:xfrm>
+          <a:custGeom>
+            <a:avLst/>
+            <a:gdLst/>
+            <a:ahLst/>
+            <a:cxnLst>
+              <a:cxn ang="0">
+                <a:pos x="wd2" y="hd2"/>
+              </a:cxn>
+              <a:cxn ang="5400000">
+                <a:pos x="wd2" y="hd2"/>
+              </a:cxn>
+              <a:cxn ang="10800000">
+                <a:pos x="wd2" y="hd2"/>
+              </a:cxn>
+              <a:cxn ang="16200000">
+                <a:pos x="wd2" y="hd2"/>
+              </a:cxn>
+            </a:cxnLst>
+            <a:rect l="0" t="0" r="r" b="b"/>
+            <a:pathLst>
+              <a:path w="21600" h="21600" extrusionOk="0">
+                <a:moveTo>
+                  <a:pt x="20520" y="4979"/>
+                </a:moveTo>
+                <a:lnTo>
+                  <a:pt x="7560" y="6792"/>
+                </a:lnTo>
+                <a:lnTo>
+                  <a:pt x="7560" y="2876"/>
+                </a:lnTo>
+                <a:lnTo>
+                  <a:pt x="20520" y="1063"/>
+                </a:lnTo>
+                <a:cubicBezTo>
+                  <a:pt x="20520" y="1063"/>
+                  <a:pt x="20520" y="4979"/>
+                  <a:pt x="20520" y="4979"/>
+                </a:cubicBezTo>
+                <a:close/>
+                <a:moveTo>
+                  <a:pt x="18900" y="17673"/>
+                </a:moveTo>
+                <a:lnTo>
+                  <a:pt x="16740" y="17673"/>
+                </a:lnTo>
+                <a:cubicBezTo>
+                  <a:pt x="15845" y="17673"/>
+                  <a:pt x="15120" y="17014"/>
+                  <a:pt x="15120" y="16200"/>
+                </a:cubicBezTo>
+                <a:cubicBezTo>
+                  <a:pt x="15120" y="15387"/>
+                  <a:pt x="15845" y="14727"/>
+                  <a:pt x="16740" y="14727"/>
+                </a:cubicBezTo>
+                <a:lnTo>
+                  <a:pt x="18900" y="14727"/>
+                </a:lnTo>
+                <a:cubicBezTo>
+                  <a:pt x="19795" y="14727"/>
+                  <a:pt x="20520" y="15387"/>
+                  <a:pt x="20520" y="16200"/>
+                </a:cubicBezTo>
+                <a:cubicBezTo>
+                  <a:pt x="20520" y="17014"/>
+                  <a:pt x="19795" y="17673"/>
+                  <a:pt x="18900" y="17673"/>
+                </a:cubicBezTo>
+                <a:moveTo>
+                  <a:pt x="4860" y="20618"/>
+                </a:moveTo>
+                <a:lnTo>
+                  <a:pt x="2700" y="20618"/>
+                </a:lnTo>
+                <a:cubicBezTo>
+                  <a:pt x="1805" y="20618"/>
+                  <a:pt x="1080" y="19959"/>
+                  <a:pt x="1080" y="19146"/>
+                </a:cubicBezTo>
+                <a:cubicBezTo>
+                  <a:pt x="1080" y="18332"/>
+                  <a:pt x="1805" y="17673"/>
+                  <a:pt x="2700" y="17673"/>
+                </a:cubicBezTo>
+                <a:lnTo>
+                  <a:pt x="4860" y="17673"/>
+                </a:lnTo>
+                <a:cubicBezTo>
+                  <a:pt x="5755" y="17673"/>
+                  <a:pt x="6480" y="18332"/>
+                  <a:pt x="6480" y="19146"/>
+                </a:cubicBezTo>
+                <a:cubicBezTo>
+                  <a:pt x="6480" y="19959"/>
+                  <a:pt x="5755" y="20618"/>
+                  <a:pt x="4860" y="20618"/>
+                </a:cubicBezTo>
+                <a:moveTo>
+                  <a:pt x="21060" y="0"/>
+                </a:moveTo>
+                <a:cubicBezTo>
+                  <a:pt x="21031" y="0"/>
+                  <a:pt x="21006" y="11"/>
+                  <a:pt x="20980" y="15"/>
+                </a:cubicBezTo>
+                <a:lnTo>
+                  <a:pt x="20978" y="6"/>
+                </a:lnTo>
+                <a:lnTo>
+                  <a:pt x="6938" y="1969"/>
+                </a:lnTo>
+                <a:lnTo>
+                  <a:pt x="6940" y="1979"/>
+                </a:lnTo>
+                <a:cubicBezTo>
+                  <a:pt x="6681" y="2016"/>
+                  <a:pt x="6480" y="2210"/>
+                  <a:pt x="6480" y="2455"/>
+                </a:cubicBezTo>
+                <a:lnTo>
+                  <a:pt x="6480" y="17193"/>
+                </a:lnTo>
+                <a:cubicBezTo>
+                  <a:pt x="6028" y="16882"/>
+                  <a:pt x="5471" y="16691"/>
+                  <a:pt x="4860" y="16691"/>
+                </a:cubicBezTo>
+                <a:lnTo>
+                  <a:pt x="2700" y="16691"/>
+                </a:lnTo>
+                <a:cubicBezTo>
+                  <a:pt x="1209" y="16691"/>
+                  <a:pt x="0" y="17790"/>
+                  <a:pt x="0" y="19146"/>
+                </a:cubicBezTo>
+                <a:cubicBezTo>
+                  <a:pt x="0" y="20501"/>
+                  <a:pt x="1209" y="21600"/>
+                  <a:pt x="2700" y="21600"/>
+                </a:cubicBezTo>
+                <a:lnTo>
+                  <a:pt x="4860" y="21600"/>
+                </a:lnTo>
+                <a:cubicBezTo>
+                  <a:pt x="6352" y="21600"/>
+                  <a:pt x="7560" y="20501"/>
+                  <a:pt x="7560" y="19146"/>
+                </a:cubicBezTo>
+                <a:lnTo>
+                  <a:pt x="7560" y="7785"/>
+                </a:lnTo>
+                <a:lnTo>
+                  <a:pt x="20520" y="5972"/>
+                </a:lnTo>
+                <a:lnTo>
+                  <a:pt x="20520" y="14248"/>
+                </a:lnTo>
+                <a:cubicBezTo>
+                  <a:pt x="20068" y="13937"/>
+                  <a:pt x="19511" y="13745"/>
+                  <a:pt x="18900" y="13745"/>
+                </a:cubicBezTo>
+                <a:lnTo>
+                  <a:pt x="16740" y="13745"/>
+                </a:lnTo>
+                <a:cubicBezTo>
+                  <a:pt x="15249" y="13745"/>
+                  <a:pt x="14040" y="14845"/>
+                  <a:pt x="14040" y="16200"/>
+                </a:cubicBezTo>
+                <a:cubicBezTo>
+                  <a:pt x="14040" y="17556"/>
+                  <a:pt x="15249" y="18655"/>
+                  <a:pt x="16740" y="18655"/>
+                </a:cubicBezTo>
+                <a:lnTo>
+                  <a:pt x="18900" y="18655"/>
+                </a:lnTo>
+                <a:cubicBezTo>
+                  <a:pt x="20392" y="18655"/>
+                  <a:pt x="21600" y="17556"/>
+                  <a:pt x="21600" y="16200"/>
+                </a:cubicBezTo>
+                <a:lnTo>
+                  <a:pt x="21600" y="491"/>
+                </a:lnTo>
+                <a:cubicBezTo>
+                  <a:pt x="21600" y="220"/>
+                  <a:pt x="21358" y="0"/>
+                  <a:pt x="21060" y="0"/>
+                </a:cubicBezTo>
+              </a:path>
+            </a:pathLst>
+          </a:custGeom>
+          <a:solidFill>
+            <a:srgbClr val="737572"/>
+          </a:solidFill>
+          <a:ln w="12700">
+            <a:miter lim="400000"/>
+          </a:ln>
+        </p:spPr>
+        <p:txBody>
+          <a:bodyPr lIns="22860" rIns="22860" anchor="ctr"/>
+          <a:lstStyle/>
+          <a:p>
+            <a:pPr defTabSz="227965">
+              <a:defRPr sz="2900">
+                <a:solidFill>
+                  <a:srgbClr val="FFFFFF"/>
+                </a:solidFill>
+                <a:effectLst>
+                  <a:outerShdw blurRad="38100" dist="12700" dir="5400000" rotWithShape="0">
+                    <a:srgbClr val="000000">
+                      <a:alpha val="50000"/>
+                    </a:srgbClr>
+                  </a:outerShdw>
+                </a:effectLst>
+                <a:latin typeface="Gill Sans"/>
+                <a:ea typeface="Gill Sans"/>
+                <a:cs typeface="Gill Sans"/>
+                <a:sym typeface="Gill Sans"/>
+              </a:defRPr>
+            </a:pPr>
+            <a:endParaRPr sz="1450"/>
+          </a:p>
+        </p:txBody>
+      </p:sp>
+      <p:sp>
+        <p:nvSpPr>
+          <p:cNvPr id="20" name="形状">
+            <a:extLst>
+              <a:ext uri="{FF2B5EF4-FFF2-40B4-BE49-F238E27FC236}">
+                <a16:creationId xmlns:a16="http://schemas.microsoft.com/office/drawing/2014/main" id="{DEB779AE-3CDD-4BF6-ABFF-C432DE058235}"/>
+              </a:ext>
+            </a:extLst>
+          </p:cNvPr>
+          <p:cNvSpPr/>
+          <p:nvPr/>
+        </p:nvSpPr>
+        <p:spPr>
+          <a:xfrm>
+            <a:off x="9473319" y="4549661"/>
+            <a:ext cx="388580" cy="388580"/>
+          </a:xfrm>
+          <a:custGeom>
+            <a:avLst/>
+            <a:gdLst/>
+            <a:ahLst/>
+            <a:cxnLst>
+              <a:cxn ang="0">
+                <a:pos x="wd2" y="hd2"/>
+              </a:cxn>
+              <a:cxn ang="5400000">
+                <a:pos x="wd2" y="hd2"/>
+              </a:cxn>
+              <a:cxn ang="10800000">
+                <a:pos x="wd2" y="hd2"/>
+              </a:cxn>
+              <a:cxn ang="16200000">
+                <a:pos x="wd2" y="hd2"/>
+              </a:cxn>
+            </a:cxnLst>
+            <a:rect l="0" t="0" r="r" b="b"/>
+            <a:pathLst>
+              <a:path w="21600" h="21600" extrusionOk="0">
+                <a:moveTo>
+                  <a:pt x="20618" y="19636"/>
+                </a:moveTo>
+                <a:cubicBezTo>
+                  <a:pt x="20618" y="20179"/>
+                  <a:pt x="20178" y="20619"/>
+                  <a:pt x="19636" y="20619"/>
+                </a:cubicBezTo>
+                <a:lnTo>
+                  <a:pt x="1964" y="20619"/>
+                </a:lnTo>
+                <a:cubicBezTo>
+                  <a:pt x="1421" y="20619"/>
+                  <a:pt x="982" y="20179"/>
+                  <a:pt x="982" y="19636"/>
+                </a:cubicBezTo>
+                <a:lnTo>
+                  <a:pt x="982" y="1964"/>
+                </a:lnTo>
+                <a:cubicBezTo>
+                  <a:pt x="982" y="1422"/>
+                  <a:pt x="1421" y="982"/>
+                  <a:pt x="1964" y="982"/>
+                </a:cubicBezTo>
+                <a:lnTo>
+                  <a:pt x="19636" y="982"/>
+                </a:lnTo>
+                <a:cubicBezTo>
+                  <a:pt x="20178" y="982"/>
+                  <a:pt x="20618" y="1422"/>
+                  <a:pt x="20618" y="1964"/>
+                </a:cubicBezTo>
+                <a:cubicBezTo>
+                  <a:pt x="20618" y="1964"/>
+                  <a:pt x="20618" y="19636"/>
+                  <a:pt x="20618" y="19636"/>
+                </a:cubicBezTo>
+                <a:close/>
+                <a:moveTo>
+                  <a:pt x="19636" y="0"/>
+                </a:moveTo>
+                <a:lnTo>
+                  <a:pt x="1964" y="0"/>
+                </a:lnTo>
+                <a:cubicBezTo>
+                  <a:pt x="879" y="0"/>
+                  <a:pt x="0" y="879"/>
+                  <a:pt x="0" y="1964"/>
+                </a:cubicBezTo>
+                <a:lnTo>
+                  <a:pt x="0" y="19636"/>
+                </a:lnTo>
+                <a:cubicBezTo>
+                  <a:pt x="0" y="20721"/>
+                  <a:pt x="879" y="21600"/>
+                  <a:pt x="1964" y="21600"/>
+                </a:cubicBezTo>
+                <a:lnTo>
+                  <a:pt x="19636" y="21600"/>
+                </a:lnTo>
+                <a:cubicBezTo>
+                  <a:pt x="20721" y="21600"/>
+                  <a:pt x="21600" y="20721"/>
+                  <a:pt x="21600" y="19636"/>
+                </a:cubicBezTo>
+                <a:lnTo>
+                  <a:pt x="21600" y="1964"/>
+                </a:lnTo>
+                <a:cubicBezTo>
+                  <a:pt x="21600" y="879"/>
+                  <a:pt x="20721" y="0"/>
+                  <a:pt x="19636" y="0"/>
+                </a:cubicBezTo>
+                <a:moveTo>
+                  <a:pt x="4294" y="17673"/>
+                </a:moveTo>
+                <a:lnTo>
+                  <a:pt x="8376" y="10732"/>
+                </a:lnTo>
+                <a:lnTo>
+                  <a:pt x="10838" y="14425"/>
+                </a:lnTo>
+                <a:cubicBezTo>
+                  <a:pt x="10862" y="14484"/>
+                  <a:pt x="10898" y="14536"/>
+                  <a:pt x="10942" y="14581"/>
+                </a:cubicBezTo>
+                <a:lnTo>
+                  <a:pt x="10944" y="14583"/>
+                </a:lnTo>
+                <a:cubicBezTo>
+                  <a:pt x="11033" y="14673"/>
+                  <a:pt x="11155" y="14727"/>
+                  <a:pt x="11291" y="14727"/>
+                </a:cubicBezTo>
+                <a:cubicBezTo>
+                  <a:pt x="11427" y="14727"/>
+                  <a:pt x="11549" y="14673"/>
+                  <a:pt x="11638" y="14583"/>
+                </a:cubicBezTo>
+                <a:lnTo>
+                  <a:pt x="13686" y="12536"/>
+                </a:lnTo>
+                <a:lnTo>
+                  <a:pt x="17242" y="17673"/>
+                </a:lnTo>
+                <a:cubicBezTo>
+                  <a:pt x="17242" y="17673"/>
+                  <a:pt x="4294" y="17673"/>
+                  <a:pt x="4294" y="17673"/>
+                </a:cubicBezTo>
+                <a:close/>
+                <a:moveTo>
+                  <a:pt x="18620" y="17982"/>
+                </a:moveTo>
+                <a:lnTo>
+                  <a:pt x="18617" y="17978"/>
+                </a:lnTo>
+                <a:cubicBezTo>
+                  <a:pt x="18590" y="17913"/>
+                  <a:pt x="18551" y="17858"/>
+                  <a:pt x="18501" y="17810"/>
+                </a:cubicBezTo>
+                <a:lnTo>
+                  <a:pt x="14201" y="11600"/>
+                </a:lnTo>
+                <a:lnTo>
+                  <a:pt x="14200" y="11601"/>
+                </a:lnTo>
+                <a:cubicBezTo>
+                  <a:pt x="14127" y="11420"/>
+                  <a:pt x="13952" y="11291"/>
+                  <a:pt x="13745" y="11291"/>
+                </a:cubicBezTo>
+                <a:cubicBezTo>
+                  <a:pt x="13610" y="11291"/>
+                  <a:pt x="13488" y="11346"/>
+                  <a:pt x="13398" y="11435"/>
+                </a:cubicBezTo>
+                <a:lnTo>
+                  <a:pt x="11360" y="13473"/>
+                </a:lnTo>
+                <a:lnTo>
+                  <a:pt x="8798" y="9630"/>
+                </a:lnTo>
+                <a:cubicBezTo>
+                  <a:pt x="8724" y="9453"/>
+                  <a:pt x="8550" y="9327"/>
+                  <a:pt x="8345" y="9327"/>
+                </a:cubicBezTo>
+                <a:cubicBezTo>
+                  <a:pt x="8175" y="9327"/>
+                  <a:pt x="8033" y="9420"/>
+                  <a:pt x="7945" y="9551"/>
+                </a:cubicBezTo>
+                <a:lnTo>
+                  <a:pt x="7937" y="9546"/>
+                </a:lnTo>
+                <a:lnTo>
+                  <a:pt x="3028" y="17891"/>
+                </a:lnTo>
+                <a:lnTo>
+                  <a:pt x="3036" y="17897"/>
+                </a:lnTo>
+                <a:cubicBezTo>
+                  <a:pt x="2983" y="17974"/>
+                  <a:pt x="2945" y="18063"/>
+                  <a:pt x="2945" y="18164"/>
+                </a:cubicBezTo>
+                <a:cubicBezTo>
+                  <a:pt x="2945" y="18435"/>
+                  <a:pt x="3165" y="18655"/>
+                  <a:pt x="3436" y="18655"/>
+                </a:cubicBezTo>
+                <a:lnTo>
+                  <a:pt x="18164" y="18655"/>
+                </a:lnTo>
+                <a:cubicBezTo>
+                  <a:pt x="18435" y="18655"/>
+                  <a:pt x="18655" y="18435"/>
+                  <a:pt x="18655" y="18164"/>
+                </a:cubicBezTo>
+                <a:cubicBezTo>
+                  <a:pt x="18655" y="18099"/>
+                  <a:pt x="18640" y="18039"/>
+                  <a:pt x="18618" y="17983"/>
+                </a:cubicBezTo>
+                <a:cubicBezTo>
+                  <a:pt x="18618" y="17983"/>
+                  <a:pt x="18620" y="17982"/>
+                  <a:pt x="18620" y="17982"/>
+                </a:cubicBezTo>
+                <a:close/>
+                <a:moveTo>
+                  <a:pt x="5400" y="3927"/>
+                </a:moveTo>
+                <a:cubicBezTo>
+                  <a:pt x="6213" y="3927"/>
+                  <a:pt x="6873" y="4587"/>
+                  <a:pt x="6873" y="5400"/>
+                </a:cubicBezTo>
+                <a:cubicBezTo>
+                  <a:pt x="6873" y="6214"/>
+                  <a:pt x="6213" y="6873"/>
+                  <a:pt x="5400" y="6873"/>
+                </a:cubicBezTo>
+                <a:cubicBezTo>
+                  <a:pt x="4587" y="6873"/>
+                  <a:pt x="3927" y="6214"/>
+                  <a:pt x="3927" y="5400"/>
+                </a:cubicBezTo>
+                <a:cubicBezTo>
+                  <a:pt x="3927" y="4587"/>
+                  <a:pt x="4587" y="3927"/>
+                  <a:pt x="5400" y="3927"/>
+                </a:cubicBezTo>
+                <a:moveTo>
+                  <a:pt x="5400" y="7855"/>
+                </a:moveTo>
+                <a:cubicBezTo>
+                  <a:pt x="6756" y="7855"/>
+                  <a:pt x="7855" y="6756"/>
+                  <a:pt x="7855" y="5400"/>
+                </a:cubicBezTo>
+                <a:cubicBezTo>
+                  <a:pt x="7855" y="4045"/>
+                  <a:pt x="6756" y="2945"/>
+                  <a:pt x="5400" y="2945"/>
+                </a:cubicBezTo>
+                <a:cubicBezTo>
+                  <a:pt x="4044" y="2945"/>
+                  <a:pt x="2945" y="4045"/>
+                  <a:pt x="2945" y="5400"/>
+                </a:cubicBezTo>
+                <a:cubicBezTo>
+                  <a:pt x="2945" y="6756"/>
+                  <a:pt x="4044" y="7855"/>
+                  <a:pt x="5400" y="7855"/>
+                </a:cubicBezTo>
+              </a:path>
+            </a:pathLst>
+          </a:custGeom>
+          <a:solidFill>
+            <a:srgbClr val="FFFFFF"/>
+          </a:solidFill>
+          <a:ln w="12700">
+            <a:miter lim="400000"/>
+          </a:ln>
+        </p:spPr>
+        <p:txBody>
+          <a:bodyPr lIns="22860" rIns="22860" anchor="ctr"/>
+          <a:lstStyle/>
+          <a:p>
+            <a:pPr defTabSz="227965">
+              <a:defRPr sz="2900">
+                <a:solidFill>
+                  <a:srgbClr val="FFFFFF"/>
+                </a:solidFill>
+                <a:effectLst>
+                  <a:outerShdw blurRad="38100" dist="12700" dir="5400000" rotWithShape="0">
+                    <a:srgbClr val="000000">
+                      <a:alpha val="50000"/>
+                    </a:srgbClr>
+                  </a:outerShdw>
+                </a:effectLst>
+                <a:latin typeface="Lato Light"/>
+                <a:ea typeface="Lato Light"/>
+                <a:cs typeface="Lato Light"/>
+                <a:sym typeface="Lato Light"/>
+              </a:defRPr>
+            </a:pPr>
+            <a:endParaRPr sz="1450"/>
+          </a:p>
+        </p:txBody>
+      </p:sp>
+      <p:sp>
+        <p:nvSpPr>
+          <p:cNvPr id="21" name="圆形">
+            <a:extLst>
+              <a:ext uri="{FF2B5EF4-FFF2-40B4-BE49-F238E27FC236}">
+                <a16:creationId xmlns:a16="http://schemas.microsoft.com/office/drawing/2014/main" id="{DE8BF3BD-9C0A-4D7E-B658-76214874333D}"/>
+              </a:ext>
+            </a:extLst>
+          </p:cNvPr>
+          <p:cNvSpPr/>
+          <p:nvPr/>
+        </p:nvSpPr>
+        <p:spPr>
+          <a:xfrm>
+            <a:off x="9195563" y="4313386"/>
+            <a:ext cx="842501" cy="842501"/>
+          </a:xfrm>
+          <a:prstGeom prst="ellipse">
+            <a:avLst/>
+          </a:prstGeom>
+          <a:solidFill>
+            <a:schemeClr val="accent5">
+              <a:lumMod val="20000"/>
+              <a:lumOff val="80000"/>
+            </a:schemeClr>
+          </a:solidFill>
+          <a:ln w="12700">
+            <a:miter lim="400000"/>
+          </a:ln>
+        </p:spPr>
+        <p:txBody>
+          <a:bodyPr lIns="22860" rIns="22860" anchor="ctr"/>
+          <a:lstStyle/>
+          <a:p>
+            <a:pPr algn="ctr">
+              <a:defRPr>
+                <a:solidFill>
+                  <a:srgbClr val="FFFFFF"/>
+                </a:solidFill>
+              </a:defRPr>
+            </a:pPr>
+            <a:endParaRPr sz="900" dirty="0"/>
+          </a:p>
+        </p:txBody>
+      </p:sp>
+      <p:sp>
+        <p:nvSpPr>
+          <p:cNvPr id="22" name="文本框 21">
+            <a:extLst>
+              <a:ext uri="{FF2B5EF4-FFF2-40B4-BE49-F238E27FC236}">
+                <a16:creationId xmlns:a16="http://schemas.microsoft.com/office/drawing/2014/main" id="{9D061ADD-2B1D-487A-854D-14FB5F42550C}"/>
+              </a:ext>
+            </a:extLst>
+          </p:cNvPr>
+          <p:cNvSpPr txBox="1"/>
+          <p:nvPr/>
+        </p:nvSpPr>
+        <p:spPr>
+          <a:xfrm>
+            <a:off x="8630589" y="5439044"/>
+            <a:ext cx="1972448" cy="338554"/>
+          </a:xfrm>
+          <a:prstGeom prst="rect">
+            <a:avLst/>
+          </a:prstGeom>
+          <a:noFill/>
+        </p:spPr>
+        <p:txBody>
+          <a:bodyPr wrap="square" rtlCol="0">
+            <a:spAutoFit/>
+          </a:bodyPr>
+          <a:lstStyle/>
+          <a:p>
+            <a:pPr algn="ctr"/>
+            <a:r>
+              <a:rPr lang="en-US" altLang="zh-CN" sz="1600" dirty="0">
+                <a:latin typeface="微软雅黑" panose="020B0503020204020204" charset="-122"/>
+                <a:ea typeface="微软雅黑" panose="020B0503020204020204" charset="-122"/>
+                <a:cs typeface="Open Sans" panose="020B0606030504020204" pitchFamily="34" charset="0"/>
+              </a:rPr>
+              <a:t>Mesos</a:t>
+            </a:r>
+            <a:r>
+              <a:rPr lang="zh-CN" altLang="en-US" sz="1600" dirty="0">
+                <a:latin typeface="微软雅黑" panose="020B0503020204020204" charset="-122"/>
+                <a:ea typeface="微软雅黑" panose="020B0503020204020204" charset="-122"/>
+                <a:cs typeface="Open Sans" panose="020B0606030504020204" pitchFamily="34" charset="0"/>
+              </a:rPr>
+              <a:t>与</a:t>
+            </a:r>
+            <a:r>
+              <a:rPr lang="en-US" altLang="zh-CN" sz="1600" dirty="0">
+                <a:latin typeface="微软雅黑" panose="020B0503020204020204" charset="-122"/>
+                <a:ea typeface="微软雅黑" panose="020B0503020204020204" charset="-122"/>
+                <a:cs typeface="Open Sans" panose="020B0606030504020204" pitchFamily="34" charset="0"/>
+              </a:rPr>
+              <a:t>Chronos</a:t>
+            </a:r>
+          </a:p>
+        </p:txBody>
+      </p:sp>
+      <p:sp>
+        <p:nvSpPr>
+          <p:cNvPr id="24" name="形状">
+            <a:extLst>
+              <a:ext uri="{FF2B5EF4-FFF2-40B4-BE49-F238E27FC236}">
+                <a16:creationId xmlns:a16="http://schemas.microsoft.com/office/drawing/2014/main" id="{0C9CF1D6-1DBC-4B22-A6C8-B2C064CB9D97}"/>
+              </a:ext>
+            </a:extLst>
+          </p:cNvPr>
+          <p:cNvSpPr/>
+          <p:nvPr/>
+        </p:nvSpPr>
+        <p:spPr>
+          <a:xfrm>
+            <a:off x="9473319" y="4604287"/>
+            <a:ext cx="279328" cy="279328"/>
+          </a:xfrm>
+          <a:custGeom>
+            <a:avLst/>
+            <a:gdLst/>
+            <a:ahLst/>
+            <a:cxnLst>
+              <a:cxn ang="0">
+                <a:pos x="wd2" y="hd2"/>
+              </a:cxn>
+              <a:cxn ang="5400000">
+                <a:pos x="wd2" y="hd2"/>
+              </a:cxn>
+              <a:cxn ang="10800000">
+                <a:pos x="wd2" y="hd2"/>
+              </a:cxn>
+              <a:cxn ang="16200000">
+                <a:pos x="wd2" y="hd2"/>
+              </a:cxn>
+            </a:cxnLst>
+            <a:rect l="0" t="0" r="r" b="b"/>
+            <a:pathLst>
+              <a:path w="21600" h="21600" extrusionOk="0">
+                <a:moveTo>
+                  <a:pt x="17481" y="12956"/>
+                </a:moveTo>
+                <a:cubicBezTo>
+                  <a:pt x="17070" y="12258"/>
+                  <a:pt x="16576" y="11533"/>
+                  <a:pt x="16011" y="10795"/>
+                </a:cubicBezTo>
+                <a:cubicBezTo>
+                  <a:pt x="16573" y="10063"/>
+                  <a:pt x="17072" y="9339"/>
+                  <a:pt x="17481" y="8644"/>
+                </a:cubicBezTo>
+                <a:cubicBezTo>
+                  <a:pt x="19410" y="9181"/>
+                  <a:pt x="20618" y="9948"/>
+                  <a:pt x="20618" y="10800"/>
+                </a:cubicBezTo>
+                <a:cubicBezTo>
+                  <a:pt x="20618" y="11652"/>
+                  <a:pt x="19410" y="12419"/>
+                  <a:pt x="17481" y="12956"/>
+                </a:cubicBezTo>
+                <a:moveTo>
+                  <a:pt x="17742" y="17743"/>
+                </a:moveTo>
+                <a:cubicBezTo>
+                  <a:pt x="17140" y="18345"/>
+                  <a:pt x="15740" y="18028"/>
+                  <a:pt x="13996" y="17045"/>
+                </a:cubicBezTo>
+                <a:cubicBezTo>
+                  <a:pt x="14198" y="16261"/>
+                  <a:pt x="14365" y="15406"/>
+                  <a:pt x="14487" y="14488"/>
+                </a:cubicBezTo>
+                <a:cubicBezTo>
+                  <a:pt x="15405" y="14366"/>
+                  <a:pt x="16261" y="14198"/>
+                  <a:pt x="17044" y="13996"/>
+                </a:cubicBezTo>
+                <a:cubicBezTo>
+                  <a:pt x="18028" y="15740"/>
+                  <a:pt x="18345" y="17140"/>
+                  <a:pt x="17742" y="17743"/>
+                </a:cubicBezTo>
+                <a:moveTo>
+                  <a:pt x="15404" y="11561"/>
+                </a:moveTo>
+                <a:cubicBezTo>
+                  <a:pt x="15837" y="12119"/>
+                  <a:pt x="16219" y="12662"/>
+                  <a:pt x="16554" y="13185"/>
+                </a:cubicBezTo>
+                <a:cubicBezTo>
+                  <a:pt x="15950" y="13317"/>
+                  <a:pt x="15295" y="13429"/>
+                  <a:pt x="14597" y="13517"/>
+                </a:cubicBezTo>
+                <a:cubicBezTo>
+                  <a:pt x="14631" y="13155"/>
+                  <a:pt x="14655" y="12784"/>
+                  <a:pt x="14677" y="12409"/>
+                </a:cubicBezTo>
+                <a:cubicBezTo>
+                  <a:pt x="14930" y="12127"/>
+                  <a:pt x="15170" y="11844"/>
+                  <a:pt x="15404" y="11561"/>
+                </a:cubicBezTo>
+                <a:moveTo>
+                  <a:pt x="15402" y="10032"/>
+                </a:moveTo>
+                <a:cubicBezTo>
+                  <a:pt x="15170" y="9752"/>
+                  <a:pt x="14928" y="9471"/>
+                  <a:pt x="14677" y="9191"/>
+                </a:cubicBezTo>
+                <a:cubicBezTo>
+                  <a:pt x="14655" y="8817"/>
+                  <a:pt x="14631" y="8445"/>
+                  <a:pt x="14597" y="8084"/>
+                </a:cubicBezTo>
+                <a:cubicBezTo>
+                  <a:pt x="15295" y="8171"/>
+                  <a:pt x="15950" y="8283"/>
+                  <a:pt x="16554" y="8415"/>
+                </a:cubicBezTo>
+                <a:cubicBezTo>
+                  <a:pt x="16221" y="8935"/>
+                  <a:pt x="15832" y="9478"/>
+                  <a:pt x="15402" y="10032"/>
+                </a:cubicBezTo>
+                <a:moveTo>
+                  <a:pt x="17742" y="3857"/>
+                </a:moveTo>
+                <a:cubicBezTo>
+                  <a:pt x="18345" y="4460"/>
+                  <a:pt x="18028" y="5860"/>
+                  <a:pt x="17044" y="7604"/>
+                </a:cubicBezTo>
+                <a:cubicBezTo>
+                  <a:pt x="16261" y="7402"/>
+                  <a:pt x="15405" y="7234"/>
+                  <a:pt x="14487" y="7112"/>
+                </a:cubicBezTo>
+                <a:cubicBezTo>
+                  <a:pt x="14365" y="6194"/>
+                  <a:pt x="14198" y="5339"/>
+                  <a:pt x="13996" y="4555"/>
+                </a:cubicBezTo>
+                <a:cubicBezTo>
+                  <a:pt x="15740" y="3572"/>
+                  <a:pt x="17140" y="3255"/>
+                  <a:pt x="17742" y="3857"/>
+                </a:cubicBezTo>
+                <a:moveTo>
+                  <a:pt x="13718" y="12012"/>
+                </a:moveTo>
+                <a:cubicBezTo>
+                  <a:pt x="13448" y="12303"/>
+                  <a:pt x="13172" y="12593"/>
+                  <a:pt x="12882" y="12883"/>
+                </a:cubicBezTo>
+                <a:cubicBezTo>
+                  <a:pt x="12593" y="13172"/>
+                  <a:pt x="12303" y="13449"/>
+                  <a:pt x="12012" y="13719"/>
+                </a:cubicBezTo>
+                <a:cubicBezTo>
+                  <a:pt x="11614" y="13733"/>
+                  <a:pt x="11212" y="13745"/>
+                  <a:pt x="10800" y="13745"/>
+                </a:cubicBezTo>
+                <a:cubicBezTo>
+                  <a:pt x="10387" y="13745"/>
+                  <a:pt x="9985" y="13733"/>
+                  <a:pt x="9587" y="13719"/>
+                </a:cubicBezTo>
+                <a:cubicBezTo>
+                  <a:pt x="9297" y="13449"/>
+                  <a:pt x="9006" y="13172"/>
+                  <a:pt x="8717" y="12883"/>
+                </a:cubicBezTo>
+                <a:cubicBezTo>
+                  <a:pt x="8428" y="12593"/>
+                  <a:pt x="8152" y="12303"/>
+                  <a:pt x="7881" y="12012"/>
+                </a:cubicBezTo>
+                <a:cubicBezTo>
+                  <a:pt x="7866" y="11614"/>
+                  <a:pt x="7855" y="11212"/>
+                  <a:pt x="7855" y="10800"/>
+                </a:cubicBezTo>
+                <a:cubicBezTo>
+                  <a:pt x="7855" y="10388"/>
+                  <a:pt x="7866" y="9986"/>
+                  <a:pt x="7881" y="9587"/>
+                </a:cubicBezTo>
+                <a:cubicBezTo>
+                  <a:pt x="8152" y="9297"/>
+                  <a:pt x="8428" y="9007"/>
+                  <a:pt x="8717" y="8717"/>
+                </a:cubicBezTo>
+                <a:cubicBezTo>
+                  <a:pt x="9006" y="8428"/>
+                  <a:pt x="9297" y="8151"/>
+                  <a:pt x="9587" y="7881"/>
+                </a:cubicBezTo>
+                <a:cubicBezTo>
+                  <a:pt x="9985" y="7867"/>
+                  <a:pt x="10387" y="7855"/>
+                  <a:pt x="10800" y="7855"/>
+                </a:cubicBezTo>
+                <a:cubicBezTo>
+                  <a:pt x="11212" y="7855"/>
+                  <a:pt x="11614" y="7867"/>
+                  <a:pt x="12012" y="7881"/>
+                </a:cubicBezTo>
+                <a:cubicBezTo>
+                  <a:pt x="12303" y="8151"/>
+                  <a:pt x="12593" y="8428"/>
+                  <a:pt x="12882" y="8717"/>
+                </a:cubicBezTo>
+                <a:cubicBezTo>
+                  <a:pt x="13172" y="9007"/>
+                  <a:pt x="13448" y="9297"/>
+                  <a:pt x="13718" y="9587"/>
+                </a:cubicBezTo>
+                <a:cubicBezTo>
+                  <a:pt x="13733" y="9986"/>
+                  <a:pt x="13745" y="10388"/>
+                  <a:pt x="13745" y="10800"/>
+                </a:cubicBezTo>
+                <a:cubicBezTo>
+                  <a:pt x="13745" y="11212"/>
+                  <a:pt x="13733" y="11614"/>
+                  <a:pt x="13718" y="12012"/>
+                </a:cubicBezTo>
+                <a:moveTo>
+                  <a:pt x="13185" y="16555"/>
+                </a:moveTo>
+                <a:cubicBezTo>
+                  <a:pt x="12662" y="16219"/>
+                  <a:pt x="12120" y="15837"/>
+                  <a:pt x="11561" y="15404"/>
+                </a:cubicBezTo>
+                <a:cubicBezTo>
+                  <a:pt x="11844" y="15170"/>
+                  <a:pt x="12127" y="14931"/>
+                  <a:pt x="12409" y="14677"/>
+                </a:cubicBezTo>
+                <a:cubicBezTo>
+                  <a:pt x="12783" y="14655"/>
+                  <a:pt x="13155" y="14631"/>
+                  <a:pt x="13517" y="14597"/>
+                </a:cubicBezTo>
+                <a:cubicBezTo>
+                  <a:pt x="13429" y="15295"/>
+                  <a:pt x="13316" y="15950"/>
+                  <a:pt x="13185" y="16555"/>
+                </a:cubicBezTo>
+                <a:moveTo>
+                  <a:pt x="10800" y="20618"/>
+                </a:moveTo>
+                <a:cubicBezTo>
+                  <a:pt x="9948" y="20618"/>
+                  <a:pt x="9181" y="19410"/>
+                  <a:pt x="8643" y="17481"/>
+                </a:cubicBezTo>
+                <a:cubicBezTo>
+                  <a:pt x="9339" y="17072"/>
+                  <a:pt x="10062" y="16573"/>
+                  <a:pt x="10795" y="16011"/>
+                </a:cubicBezTo>
+                <a:cubicBezTo>
+                  <a:pt x="11532" y="16576"/>
+                  <a:pt x="12258" y="17070"/>
+                  <a:pt x="12957" y="17481"/>
+                </a:cubicBezTo>
+                <a:cubicBezTo>
+                  <a:pt x="12419" y="19410"/>
+                  <a:pt x="11652" y="20618"/>
+                  <a:pt x="10800" y="20618"/>
+                </a:cubicBezTo>
+                <a:moveTo>
+                  <a:pt x="8083" y="14597"/>
+                </a:moveTo>
+                <a:cubicBezTo>
+                  <a:pt x="8445" y="14631"/>
+                  <a:pt x="8816" y="14655"/>
+                  <a:pt x="9190" y="14677"/>
+                </a:cubicBezTo>
+                <a:cubicBezTo>
+                  <a:pt x="9471" y="14929"/>
+                  <a:pt x="9751" y="15170"/>
+                  <a:pt x="10032" y="15403"/>
+                </a:cubicBezTo>
+                <a:cubicBezTo>
+                  <a:pt x="9478" y="15832"/>
+                  <a:pt x="8935" y="16221"/>
+                  <a:pt x="8415" y="16555"/>
+                </a:cubicBezTo>
+                <a:cubicBezTo>
+                  <a:pt x="8283" y="15950"/>
+                  <a:pt x="8171" y="15295"/>
+                  <a:pt x="8083" y="14597"/>
+                </a:cubicBezTo>
+                <a:moveTo>
+                  <a:pt x="8415" y="5045"/>
+                </a:moveTo>
+                <a:cubicBezTo>
+                  <a:pt x="8938" y="5381"/>
+                  <a:pt x="9480" y="5762"/>
+                  <a:pt x="10038" y="6196"/>
+                </a:cubicBezTo>
+                <a:cubicBezTo>
+                  <a:pt x="9756" y="6430"/>
+                  <a:pt x="9473" y="6670"/>
+                  <a:pt x="9190" y="6924"/>
+                </a:cubicBezTo>
+                <a:cubicBezTo>
+                  <a:pt x="8816" y="6945"/>
+                  <a:pt x="8445" y="6969"/>
+                  <a:pt x="8083" y="7003"/>
+                </a:cubicBezTo>
+                <a:cubicBezTo>
+                  <a:pt x="8171" y="6305"/>
+                  <a:pt x="8283" y="5650"/>
+                  <a:pt x="8415" y="5045"/>
+                </a:cubicBezTo>
+                <a:moveTo>
+                  <a:pt x="10800" y="982"/>
+                </a:moveTo>
+                <a:cubicBezTo>
+                  <a:pt x="11652" y="982"/>
+                  <a:pt x="12419" y="2191"/>
+                  <a:pt x="12957" y="4119"/>
+                </a:cubicBezTo>
+                <a:cubicBezTo>
+                  <a:pt x="12261" y="4528"/>
+                  <a:pt x="11537" y="5027"/>
+                  <a:pt x="10804" y="5589"/>
+                </a:cubicBezTo>
+                <a:cubicBezTo>
+                  <a:pt x="10067" y="5024"/>
+                  <a:pt x="9341" y="4530"/>
+                  <a:pt x="8643" y="4119"/>
+                </a:cubicBezTo>
+                <a:cubicBezTo>
+                  <a:pt x="9181" y="2191"/>
+                  <a:pt x="9948" y="982"/>
+                  <a:pt x="10800" y="982"/>
+                </a:cubicBezTo>
+                <a:moveTo>
+                  <a:pt x="13517" y="7003"/>
+                </a:moveTo>
+                <a:cubicBezTo>
+                  <a:pt x="13155" y="6969"/>
+                  <a:pt x="12783" y="6945"/>
+                  <a:pt x="12409" y="6924"/>
+                </a:cubicBezTo>
+                <a:cubicBezTo>
+                  <a:pt x="12129" y="6671"/>
+                  <a:pt x="11848" y="6430"/>
+                  <a:pt x="11568" y="6198"/>
+                </a:cubicBezTo>
+                <a:cubicBezTo>
+                  <a:pt x="12122" y="5768"/>
+                  <a:pt x="12665" y="5379"/>
+                  <a:pt x="13185" y="5045"/>
+                </a:cubicBezTo>
+                <a:cubicBezTo>
+                  <a:pt x="13316" y="5650"/>
+                  <a:pt x="13429" y="6305"/>
+                  <a:pt x="13517" y="7003"/>
+                </a:cubicBezTo>
+                <a:moveTo>
+                  <a:pt x="7112" y="7112"/>
+                </a:moveTo>
+                <a:cubicBezTo>
+                  <a:pt x="6194" y="7234"/>
+                  <a:pt x="5339" y="7402"/>
+                  <a:pt x="4555" y="7604"/>
+                </a:cubicBezTo>
+                <a:cubicBezTo>
+                  <a:pt x="3572" y="5860"/>
+                  <a:pt x="3255" y="4460"/>
+                  <a:pt x="3858" y="3857"/>
+                </a:cubicBezTo>
+                <a:cubicBezTo>
+                  <a:pt x="4460" y="3255"/>
+                  <a:pt x="5860" y="3572"/>
+                  <a:pt x="7604" y="4555"/>
+                </a:cubicBezTo>
+                <a:cubicBezTo>
+                  <a:pt x="7402" y="5339"/>
+                  <a:pt x="7234" y="6194"/>
+                  <a:pt x="7112" y="7112"/>
+                </a:cubicBezTo>
+                <a:moveTo>
+                  <a:pt x="3858" y="17743"/>
+                </a:moveTo>
+                <a:cubicBezTo>
+                  <a:pt x="3255" y="17140"/>
+                  <a:pt x="3572" y="15740"/>
+                  <a:pt x="4555" y="13996"/>
+                </a:cubicBezTo>
+                <a:cubicBezTo>
+                  <a:pt x="5339" y="14198"/>
+                  <a:pt x="6194" y="14366"/>
+                  <a:pt x="7112" y="14488"/>
+                </a:cubicBezTo>
+                <a:cubicBezTo>
+                  <a:pt x="7234" y="15406"/>
+                  <a:pt x="7402" y="16261"/>
+                  <a:pt x="7604" y="17045"/>
+                </a:cubicBezTo>
+                <a:cubicBezTo>
+                  <a:pt x="5860" y="18028"/>
+                  <a:pt x="4460" y="18345"/>
+                  <a:pt x="3858" y="17743"/>
+                </a:cubicBezTo>
+                <a:moveTo>
+                  <a:pt x="7003" y="13517"/>
+                </a:moveTo>
+                <a:cubicBezTo>
+                  <a:pt x="6305" y="13429"/>
+                  <a:pt x="5650" y="13317"/>
+                  <a:pt x="5045" y="13185"/>
+                </a:cubicBezTo>
+                <a:cubicBezTo>
+                  <a:pt x="5379" y="12665"/>
+                  <a:pt x="5768" y="12122"/>
+                  <a:pt x="6197" y="11568"/>
+                </a:cubicBezTo>
+                <a:cubicBezTo>
+                  <a:pt x="6429" y="11848"/>
+                  <a:pt x="6671" y="12129"/>
+                  <a:pt x="6923" y="12409"/>
+                </a:cubicBezTo>
+                <a:cubicBezTo>
+                  <a:pt x="6944" y="12784"/>
+                  <a:pt x="6968" y="13155"/>
+                  <a:pt x="7003" y="13517"/>
+                </a:cubicBezTo>
+                <a:moveTo>
+                  <a:pt x="6923" y="9191"/>
+                </a:moveTo>
+                <a:cubicBezTo>
+                  <a:pt x="6669" y="9473"/>
+                  <a:pt x="6429" y="9756"/>
+                  <a:pt x="6196" y="10039"/>
+                </a:cubicBezTo>
+                <a:cubicBezTo>
+                  <a:pt x="5763" y="9481"/>
+                  <a:pt x="5381" y="8938"/>
+                  <a:pt x="5045" y="8415"/>
+                </a:cubicBezTo>
+                <a:cubicBezTo>
+                  <a:pt x="5650" y="8283"/>
+                  <a:pt x="6305" y="8171"/>
+                  <a:pt x="7003" y="8084"/>
+                </a:cubicBezTo>
+                <a:cubicBezTo>
+                  <a:pt x="6968" y="8445"/>
+                  <a:pt x="6944" y="8816"/>
+                  <a:pt x="6923" y="9191"/>
+                </a:cubicBezTo>
+                <a:moveTo>
+                  <a:pt x="982" y="10800"/>
+                </a:moveTo>
+                <a:cubicBezTo>
+                  <a:pt x="982" y="9948"/>
+                  <a:pt x="2190" y="9181"/>
+                  <a:pt x="4119" y="8644"/>
+                </a:cubicBezTo>
+                <a:cubicBezTo>
+                  <a:pt x="4530" y="9342"/>
+                  <a:pt x="5023" y="10067"/>
+                  <a:pt x="5588" y="10805"/>
+                </a:cubicBezTo>
+                <a:cubicBezTo>
+                  <a:pt x="5027" y="11537"/>
+                  <a:pt x="4528" y="12262"/>
+                  <a:pt x="4119" y="12956"/>
+                </a:cubicBezTo>
+                <a:cubicBezTo>
+                  <a:pt x="2190" y="12419"/>
+                  <a:pt x="982" y="11652"/>
+                  <a:pt x="982" y="10800"/>
+                </a:cubicBezTo>
+                <a:moveTo>
+                  <a:pt x="21600" y="10800"/>
+                </a:moveTo>
+                <a:cubicBezTo>
+                  <a:pt x="21600" y="9624"/>
+                  <a:pt x="20173" y="8571"/>
+                  <a:pt x="17918" y="7853"/>
+                </a:cubicBezTo>
+                <a:cubicBezTo>
+                  <a:pt x="19002" y="5750"/>
+                  <a:pt x="19269" y="3995"/>
+                  <a:pt x="18437" y="3163"/>
+                </a:cubicBezTo>
+                <a:cubicBezTo>
+                  <a:pt x="17605" y="2332"/>
+                  <a:pt x="15850" y="2598"/>
+                  <a:pt x="13748" y="3682"/>
+                </a:cubicBezTo>
+                <a:cubicBezTo>
+                  <a:pt x="13029" y="1427"/>
+                  <a:pt x="11976" y="0"/>
+                  <a:pt x="10800" y="0"/>
+                </a:cubicBezTo>
+                <a:cubicBezTo>
+                  <a:pt x="9623" y="0"/>
+                  <a:pt x="8571" y="1427"/>
+                  <a:pt x="7852" y="3682"/>
+                </a:cubicBezTo>
+                <a:cubicBezTo>
+                  <a:pt x="5750" y="2598"/>
+                  <a:pt x="3995" y="2332"/>
+                  <a:pt x="3163" y="3163"/>
+                </a:cubicBezTo>
+                <a:cubicBezTo>
+                  <a:pt x="2331" y="3995"/>
+                  <a:pt x="2598" y="5750"/>
+                  <a:pt x="3682" y="7853"/>
+                </a:cubicBezTo>
+                <a:cubicBezTo>
+                  <a:pt x="1426" y="8571"/>
+                  <a:pt x="0" y="9624"/>
+                  <a:pt x="0" y="10800"/>
+                </a:cubicBezTo>
+                <a:cubicBezTo>
+                  <a:pt x="0" y="11976"/>
+                  <a:pt x="1426" y="13029"/>
+                  <a:pt x="3682" y="13748"/>
+                </a:cubicBezTo>
+                <a:cubicBezTo>
+                  <a:pt x="2598" y="15851"/>
+                  <a:pt x="2331" y="17605"/>
+                  <a:pt x="3163" y="18437"/>
+                </a:cubicBezTo>
+                <a:cubicBezTo>
+                  <a:pt x="3995" y="19268"/>
+                  <a:pt x="5750" y="19002"/>
+                  <a:pt x="7852" y="17918"/>
+                </a:cubicBezTo>
+                <a:cubicBezTo>
+                  <a:pt x="8571" y="20173"/>
+                  <a:pt x="9623" y="21600"/>
+                  <a:pt x="10800" y="21600"/>
+                </a:cubicBezTo>
+                <a:cubicBezTo>
+                  <a:pt x="11976" y="21600"/>
+                  <a:pt x="13029" y="20173"/>
+                  <a:pt x="13748" y="17918"/>
+                </a:cubicBezTo>
+                <a:cubicBezTo>
+                  <a:pt x="15850" y="19002"/>
+                  <a:pt x="17605" y="19268"/>
+                  <a:pt x="18437" y="18437"/>
+                </a:cubicBezTo>
+                <a:cubicBezTo>
+                  <a:pt x="19269" y="17605"/>
+                  <a:pt x="19002" y="15851"/>
+                  <a:pt x="17918" y="13748"/>
+                </a:cubicBezTo>
+                <a:cubicBezTo>
+                  <a:pt x="20173" y="13029"/>
+                  <a:pt x="21600" y="11976"/>
+                  <a:pt x="21600" y="10800"/>
+                </a:cubicBezTo>
+                <a:moveTo>
+                  <a:pt x="10800" y="9818"/>
+                </a:moveTo>
+                <a:cubicBezTo>
+                  <a:pt x="10258" y="9818"/>
+                  <a:pt x="9818" y="10258"/>
+                  <a:pt x="9818" y="10800"/>
+                </a:cubicBezTo>
+                <a:cubicBezTo>
+                  <a:pt x="9818" y="11342"/>
+                  <a:pt x="10258" y="11782"/>
+                  <a:pt x="10800" y="11782"/>
+                </a:cubicBezTo>
+                <a:cubicBezTo>
+                  <a:pt x="11342" y="11782"/>
+                  <a:pt x="11782" y="11342"/>
+                  <a:pt x="11782" y="10800"/>
+                </a:cubicBezTo>
+                <a:cubicBezTo>
+                  <a:pt x="11782" y="10258"/>
+                  <a:pt x="11342" y="9818"/>
+                  <a:pt x="10800" y="9818"/>
+                </a:cubicBezTo>
+              </a:path>
+            </a:pathLst>
+          </a:custGeom>
+          <a:solidFill>
+            <a:srgbClr val="737572"/>
+          </a:solidFill>
+          <a:ln w="12700">
+            <a:miter lim="400000"/>
+          </a:ln>
+        </p:spPr>
+        <p:txBody>
+          <a:bodyPr lIns="22860" rIns="22860" anchor="ctr"/>
+          <a:lstStyle/>
+          <a:p>
+            <a:pPr defTabSz="227965">
+              <a:defRPr sz="2900">
+                <a:solidFill>
+                  <a:srgbClr val="FFFFFF"/>
+                </a:solidFill>
+                <a:effectLst>
+                  <a:outerShdw blurRad="38100" dist="12700" dir="5400000" rotWithShape="0">
+                    <a:srgbClr val="000000">
+                      <a:alpha val="50000"/>
+                    </a:srgbClr>
+                  </a:outerShdw>
+                </a:effectLst>
+                <a:latin typeface="Gill Sans"/>
+                <a:ea typeface="Gill Sans"/>
+                <a:cs typeface="Gill Sans"/>
+                <a:sym typeface="Gill Sans"/>
+              </a:defRPr>
+            </a:pPr>
+            <a:endParaRPr sz="1450"/>
+          </a:p>
+        </p:txBody>
+      </p:sp>
+    </p:spTree>
+  </p:cSld>
+  <p:clrMapOvr>
+    <a:masterClrMapping/>
+  </p:clrMapOvr>
+  <p:transition spd="med"/>
+</p:sld>
+</file>
+
+<file path=ppt/slides/slide20.xml><?xml version="1.0" encoding="utf-8"?>
+<p:sld xmlns:a="http://schemas.openxmlformats.org/drawingml/2006/main" xmlns:r="http://schemas.openxmlformats.org/officeDocument/2006/relationships" xmlns:p="http://schemas.openxmlformats.org/presentationml/2006/main">
+  <p:cSld>
+    <p:spTree>
+      <p:nvGrpSpPr>
+        <p:cNvPr id="1" name=""/>
+        <p:cNvGrpSpPr/>
+        <p:nvPr/>
+      </p:nvGrpSpPr>
+      <p:grpSpPr>
+        <a:xfrm>
+          <a:off x="0" y="0"/>
+          <a:ext cx="0" cy="0"/>
+          <a:chOff x="0" y="0"/>
+          <a:chExt cx="0" cy="0"/>
+        </a:xfrm>
+      </p:grpSpPr>
       <p:sp>
         <p:nvSpPr>
           <p:cNvPr id="12" name="内容占位符 2">
@@ -8932,7 +12772,43 @@
             </a:pPr>
             <a:r>
               <a:rPr lang="en-US" altLang="zh-CN" sz="1800" dirty="0"/>
-              <a:t>Apache Mesos abstracts CPU, memory, storage, and other compute resources away from machines (physical or virtual), enabling fault-tolerant and elastic distributed systems to easily be built and run effectively.</a:t>
+              <a:t>Mesos</a:t>
+            </a:r>
+            <a:r>
+              <a:rPr lang="zh-CN" altLang="en-US" sz="1800" dirty="0"/>
+              <a:t>是一个开源的分布式弹性资源管理系统。目前，</a:t>
+            </a:r>
+            <a:r>
+              <a:rPr lang="en-US" altLang="zh-CN" sz="1800" dirty="0"/>
+              <a:t>Twitter</a:t>
+            </a:r>
+            <a:r>
+              <a:rPr lang="zh-CN" altLang="en-US" sz="1800" dirty="0"/>
+              <a:t>、</a:t>
+            </a:r>
+            <a:r>
+              <a:rPr lang="en-US" altLang="zh-CN" sz="1800" dirty="0"/>
+              <a:t>Apple</a:t>
+            </a:r>
+            <a:r>
+              <a:rPr lang="zh-CN" altLang="en-US" sz="1800" dirty="0"/>
+              <a:t>等公司在大量使用</a:t>
+            </a:r>
+            <a:r>
+              <a:rPr lang="en-US" altLang="zh-CN" sz="1800" dirty="0"/>
+              <a:t>Mesos</a:t>
+            </a:r>
+            <a:r>
+              <a:rPr lang="zh-CN" altLang="en-US" sz="1800" dirty="0"/>
+              <a:t>管理集群资源。国内也有一些公司在使用</a:t>
+            </a:r>
+            <a:r>
+              <a:rPr lang="en-US" altLang="zh-CN" sz="1800" dirty="0"/>
+              <a:t>Mesos</a:t>
+            </a:r>
+            <a:r>
+              <a:rPr lang="zh-CN" altLang="en-US" sz="1800" dirty="0"/>
+              <a:t>，比如豆瓣、爱奇艺等。</a:t>
             </a:r>
           </a:p>
           <a:p>
@@ -8941,17 +12817,59 @@
             </a:pPr>
             <a:r>
               <a:rPr lang="en-US" altLang="zh-CN" sz="1800" dirty="0"/>
-              <a:t>Mesos is built using the same principles as the Linux kernel, only at a different level of abstraction. The Mesos kernel runs on every machine and provides applications (e.g., Hadoop, Spark, Kafka, Elastic Search) with API’s for resource management and scheduling across entire datacenter and cloud environments.</a:t>
-            </a:r>
+              <a:t>Mesos</a:t>
+            </a:r>
+            <a:r>
+              <a:rPr lang="zh-CN" altLang="en-US" sz="1800" dirty="0"/>
+              <a:t>是仿照</a:t>
+            </a:r>
+            <a:r>
+              <a:rPr lang="en-US" altLang="zh-CN" sz="1800" dirty="0"/>
+              <a:t>Google</a:t>
+            </a:r>
+            <a:r>
+              <a:rPr lang="zh-CN" altLang="en-US" sz="1800" dirty="0"/>
+              <a:t>内部的资源管理系统</a:t>
+            </a:r>
+            <a:r>
+              <a:rPr lang="en-US" altLang="zh-CN" sz="1800" dirty="0"/>
+              <a:t>Borg</a:t>
+            </a:r>
+            <a:r>
+              <a:rPr lang="zh-CN" altLang="en-US" sz="1800" dirty="0"/>
+              <a:t>实现的。</a:t>
+            </a:r>
+            <a:r>
+              <a:rPr lang="en-US" altLang="zh-CN" sz="1800" dirty="0"/>
+              <a:t>Mesos</a:t>
+            </a:r>
+            <a:r>
+              <a:rPr lang="zh-CN" altLang="en-US" sz="1800" dirty="0"/>
+              <a:t>对</a:t>
+            </a:r>
+            <a:r>
+              <a:rPr lang="en-US" altLang="zh-CN" sz="1800" dirty="0"/>
+              <a:t>Docker</a:t>
+            </a:r>
+            <a:r>
+              <a:rPr lang="zh-CN" altLang="en-US" sz="1800" dirty="0"/>
+              <a:t>的支持较好，其采用的资源分配算法叫做</a:t>
+            </a:r>
+            <a:r>
+              <a:rPr lang="en-US" altLang="zh-CN" sz="1800" dirty="0"/>
+              <a:t>DRF</a:t>
+            </a:r>
+            <a:r>
+              <a:rPr lang="zh-CN" altLang="en-US" sz="1800" dirty="0"/>
+              <a:t>。</a:t>
+            </a:r>
+            <a:endParaRPr lang="en-US" altLang="zh-CN" sz="1800" dirty="0"/>
           </a:p>
           <a:p>
             <a:pPr marL="0" indent="0">
               <a:buNone/>
             </a:pPr>
-            <a:r>
-              <a:rPr lang="en-US" altLang="zh-CN" sz="1800" dirty="0"/>
-              <a:t>Chronos</a:t>
-            </a:r>
+            <a:endParaRPr lang="en-US" altLang="zh-CN" sz="1800" dirty="0"/>
           </a:p>
           <a:p>
             <a:pPr marL="0" indent="0">
@@ -8959,25 +12877,77 @@
             </a:pPr>
             <a:r>
               <a:rPr lang="en-US" altLang="zh-CN" sz="1800" dirty="0"/>
-              <a:t>Chronos is a replacement for </a:t>
+              <a:t>Chronos</a:t>
+            </a:r>
+          </a:p>
+          <a:p>
+            <a:pPr marL="0" indent="0">
+              <a:buNone/>
+            </a:pPr>
+            <a:r>
+              <a:rPr lang="en-US" altLang="zh-CN" sz="1800" dirty="0"/>
+              <a:t>Chronos</a:t>
+            </a:r>
+            <a:r>
+              <a:rPr lang="zh-CN" altLang="en-US" sz="1800" dirty="0"/>
+              <a:t>是一个运行在</a:t>
+            </a:r>
+            <a:r>
+              <a:rPr lang="en-US" altLang="zh-CN" sz="1800" dirty="0"/>
+              <a:t>Mesos</a:t>
+            </a:r>
+            <a:r>
+              <a:rPr lang="zh-CN" altLang="en-US" sz="1800" dirty="0"/>
+              <a:t>之上的具有分布式容错特性的作业调度器。在</a:t>
+            </a:r>
+            <a:r>
+              <a:rPr lang="en-US" altLang="zh-CN" sz="1800" dirty="0"/>
+              <a:t>Airbnb</a:t>
+            </a:r>
+            <a:r>
+              <a:rPr lang="zh-CN" altLang="en-US" sz="1800" dirty="0"/>
+              <a:t>公司，它是</a:t>
             </a:r>
             <a:r>
               <a:rPr lang="en-US" altLang="zh-CN" sz="1800" dirty="0" err="1"/>
               <a:t>cron</a:t>
             </a:r>
             <a:r>
+              <a:rPr lang="zh-CN" altLang="en-US" sz="1800" dirty="0"/>
+              <a:t>的替代品。与</a:t>
+            </a:r>
+            <a:r>
+              <a:rPr lang="en-US" altLang="zh-CN" sz="1800" dirty="0" err="1"/>
+              <a:t>cron</a:t>
+            </a:r>
+            <a:r>
+              <a:rPr lang="zh-CN" altLang="en-US" sz="1800" dirty="0"/>
+              <a:t>相比，</a:t>
+            </a:r>
+            <a:r>
               <a:rPr lang="en-US" altLang="zh-CN" sz="1800" dirty="0"/>
-              <a:t>. It is a distributed and fault-tolerant scheduler that runs on top of Apache Mesos that can be used for job orchestration. It supports custom Mesos executors as well as the default command executor. Thus by default, Chronos executes </a:t>
-            </a:r>
-            <a:r>
-              <a:rPr lang="en-US" altLang="zh-CN" sz="1800" dirty="0" err="1"/>
-              <a:t>sh</a:t>
+              <a:t>Chronos</a:t>
+            </a:r>
+            <a:r>
+              <a:rPr lang="zh-CN" altLang="en-US" sz="1800" dirty="0"/>
+              <a:t>在很多方面具备优势。比如，它支持</a:t>
             </a:r>
             <a:r>
               <a:rPr lang="en-US" altLang="zh-CN" sz="1800" dirty="0"/>
-              <a:t> (on most systems bash) scripts</a:t>
-            </a:r>
-            <a:endParaRPr lang="zh-CN" altLang="en-US" sz="1800" dirty="0"/>
+              <a:t>ISO8601</a:t>
+            </a:r>
+            <a:r>
+              <a:rPr lang="zh-CN" altLang="en-US" sz="1800" dirty="0"/>
+              <a:t>标准，允许更灵活地定义调度时间；</a:t>
+            </a:r>
+            <a:r>
+              <a:rPr lang="en-US" altLang="zh-CN" sz="1800" dirty="0"/>
+              <a:t>Chronos</a:t>
+            </a:r>
+            <a:r>
+              <a:rPr lang="zh-CN" altLang="en-US" sz="1800" dirty="0"/>
+              <a:t>也支持任务依赖，即一个作业的开始依赖于一些任务的完成。</a:t>
+            </a:r>
           </a:p>
         </p:txBody>
       </p:sp>
@@ -9285,3443 +13255,7 @@
 </p:sld>
 </file>
 
-<file path=ppt/slides/slide2.xml><?xml version="1.0" encoding="utf-8"?>
-<p:sld xmlns:a="http://schemas.openxmlformats.org/drawingml/2006/main" xmlns:r="http://schemas.openxmlformats.org/officeDocument/2006/relationships" xmlns:p="http://schemas.openxmlformats.org/presentationml/2006/main">
-  <p:cSld>
-    <p:spTree>
-      <p:nvGrpSpPr>
-        <p:cNvPr id="1" name=""/>
-        <p:cNvGrpSpPr/>
-        <p:nvPr/>
-      </p:nvGrpSpPr>
-      <p:grpSpPr>
-        <a:xfrm>
-          <a:off x="0" y="0"/>
-          <a:ext cx="0" cy="0"/>
-          <a:chOff x="0" y="0"/>
-          <a:chExt cx="0" cy="0"/>
-        </a:xfrm>
-      </p:grpSpPr>
-      <p:sp>
-        <p:nvSpPr>
-          <p:cNvPr id="305" name="圆形"/>
-          <p:cNvSpPr/>
-          <p:nvPr/>
-        </p:nvSpPr>
-        <p:spPr>
-          <a:xfrm>
-            <a:off x="2177389" y="4313387"/>
-            <a:ext cx="842501" cy="842501"/>
-          </a:xfrm>
-          <a:prstGeom prst="ellipse">
-            <a:avLst/>
-          </a:prstGeom>
-          <a:solidFill>
-            <a:schemeClr val="accent4">
-              <a:lumMod val="60000"/>
-              <a:lumOff val="40000"/>
-            </a:schemeClr>
-          </a:solidFill>
-          <a:ln w="12700">
-            <a:miter lim="400000"/>
-          </a:ln>
-        </p:spPr>
-        <p:txBody>
-          <a:bodyPr lIns="22860" rIns="22860" anchor="ctr"/>
-          <a:lstStyle/>
-          <a:p>
-            <a:pPr algn="ctr">
-              <a:defRPr>
-                <a:solidFill>
-                  <a:srgbClr val="FFFFFF"/>
-                </a:solidFill>
-              </a:defRPr>
-            </a:pPr>
-            <a:endParaRPr sz="900" dirty="0"/>
-          </a:p>
-        </p:txBody>
-      </p:sp>
-      <p:sp>
-        <p:nvSpPr>
-          <p:cNvPr id="306" name="圆形"/>
-          <p:cNvSpPr/>
-          <p:nvPr/>
-        </p:nvSpPr>
-        <p:spPr>
-          <a:xfrm>
-            <a:off x="9180099" y="2063954"/>
-            <a:ext cx="842501" cy="842501"/>
-          </a:xfrm>
-          <a:prstGeom prst="ellipse">
-            <a:avLst/>
-          </a:prstGeom>
-          <a:solidFill>
-            <a:srgbClr val="4285F4"/>
-          </a:solidFill>
-          <a:ln w="12700">
-            <a:miter lim="400000"/>
-          </a:ln>
-        </p:spPr>
-        <p:txBody>
-          <a:bodyPr lIns="22860" rIns="22860" anchor="ctr"/>
-          <a:lstStyle/>
-          <a:p>
-            <a:pPr algn="ctr">
-              <a:defRPr>
-                <a:solidFill>
-                  <a:srgbClr val="FFFFFF"/>
-                </a:solidFill>
-              </a:defRPr>
-            </a:pPr>
-            <a:endParaRPr sz="900"/>
-          </a:p>
-        </p:txBody>
-      </p:sp>
-      <p:sp>
-        <p:nvSpPr>
-          <p:cNvPr id="307" name="圆形"/>
-          <p:cNvSpPr/>
-          <p:nvPr/>
-        </p:nvSpPr>
-        <p:spPr>
-          <a:xfrm>
-            <a:off x="2177389" y="2063954"/>
-            <a:ext cx="842501" cy="842501"/>
-          </a:xfrm>
-          <a:prstGeom prst="ellipse">
-            <a:avLst/>
-          </a:prstGeom>
-          <a:solidFill>
-            <a:srgbClr val="37CB83"/>
-          </a:solidFill>
-          <a:ln w="12700">
-            <a:miter lim="400000"/>
-          </a:ln>
-        </p:spPr>
-        <p:txBody>
-          <a:bodyPr lIns="22860" rIns="22860" anchor="ctr"/>
-          <a:lstStyle/>
-          <a:p>
-            <a:pPr algn="ctr">
-              <a:defRPr>
-                <a:solidFill>
-                  <a:srgbClr val="FFFFFF"/>
-                </a:solidFill>
-              </a:defRPr>
-            </a:pPr>
-            <a:endParaRPr sz="900" dirty="0"/>
-          </a:p>
-        </p:txBody>
-      </p:sp>
-      <p:sp>
-        <p:nvSpPr>
-          <p:cNvPr id="321" name="圆形"/>
-          <p:cNvSpPr/>
-          <p:nvPr/>
-        </p:nvSpPr>
-        <p:spPr>
-          <a:xfrm>
-            <a:off x="5686476" y="2063954"/>
-            <a:ext cx="842501" cy="842501"/>
-          </a:xfrm>
-          <a:prstGeom prst="ellipse">
-            <a:avLst/>
-          </a:prstGeom>
-          <a:solidFill>
-            <a:schemeClr val="accent2">
-              <a:lumMod val="60000"/>
-              <a:lumOff val="40000"/>
-            </a:schemeClr>
-          </a:solidFill>
-          <a:ln w="12700">
-            <a:miter lim="400000"/>
-          </a:ln>
-        </p:spPr>
-        <p:txBody>
-          <a:bodyPr lIns="22860" rIns="22860" anchor="ctr"/>
-          <a:lstStyle/>
-          <a:p>
-            <a:pPr algn="ctr">
-              <a:defRPr>
-                <a:solidFill>
-                  <a:srgbClr val="FFFFFF"/>
-                </a:solidFill>
-              </a:defRPr>
-            </a:pPr>
-            <a:endParaRPr sz="900" dirty="0"/>
-          </a:p>
-        </p:txBody>
-      </p:sp>
-      <p:sp>
-        <p:nvSpPr>
-          <p:cNvPr id="327" name="形状"/>
-          <p:cNvSpPr/>
-          <p:nvPr/>
-        </p:nvSpPr>
-        <p:spPr>
-          <a:xfrm>
-            <a:off x="5913436" y="4549661"/>
-            <a:ext cx="388580" cy="388580"/>
-          </a:xfrm>
-          <a:custGeom>
-            <a:avLst/>
-            <a:gdLst/>
-            <a:ahLst/>
-            <a:cxnLst>
-              <a:cxn ang="0">
-                <a:pos x="wd2" y="hd2"/>
-              </a:cxn>
-              <a:cxn ang="5400000">
-                <a:pos x="wd2" y="hd2"/>
-              </a:cxn>
-              <a:cxn ang="10800000">
-                <a:pos x="wd2" y="hd2"/>
-              </a:cxn>
-              <a:cxn ang="16200000">
-                <a:pos x="wd2" y="hd2"/>
-              </a:cxn>
-            </a:cxnLst>
-            <a:rect l="0" t="0" r="r" b="b"/>
-            <a:pathLst>
-              <a:path w="21600" h="21600" extrusionOk="0">
-                <a:moveTo>
-                  <a:pt x="20618" y="19636"/>
-                </a:moveTo>
-                <a:cubicBezTo>
-                  <a:pt x="20618" y="20179"/>
-                  <a:pt x="20178" y="20619"/>
-                  <a:pt x="19636" y="20619"/>
-                </a:cubicBezTo>
-                <a:lnTo>
-                  <a:pt x="1964" y="20619"/>
-                </a:lnTo>
-                <a:cubicBezTo>
-                  <a:pt x="1421" y="20619"/>
-                  <a:pt x="982" y="20179"/>
-                  <a:pt x="982" y="19636"/>
-                </a:cubicBezTo>
-                <a:lnTo>
-                  <a:pt x="982" y="1964"/>
-                </a:lnTo>
-                <a:cubicBezTo>
-                  <a:pt x="982" y="1422"/>
-                  <a:pt x="1421" y="982"/>
-                  <a:pt x="1964" y="982"/>
-                </a:cubicBezTo>
-                <a:lnTo>
-                  <a:pt x="19636" y="982"/>
-                </a:lnTo>
-                <a:cubicBezTo>
-                  <a:pt x="20178" y="982"/>
-                  <a:pt x="20618" y="1422"/>
-                  <a:pt x="20618" y="1964"/>
-                </a:cubicBezTo>
-                <a:cubicBezTo>
-                  <a:pt x="20618" y="1964"/>
-                  <a:pt x="20618" y="19636"/>
-                  <a:pt x="20618" y="19636"/>
-                </a:cubicBezTo>
-                <a:close/>
-                <a:moveTo>
-                  <a:pt x="19636" y="0"/>
-                </a:moveTo>
-                <a:lnTo>
-                  <a:pt x="1964" y="0"/>
-                </a:lnTo>
-                <a:cubicBezTo>
-                  <a:pt x="879" y="0"/>
-                  <a:pt x="0" y="879"/>
-                  <a:pt x="0" y="1964"/>
-                </a:cubicBezTo>
-                <a:lnTo>
-                  <a:pt x="0" y="19636"/>
-                </a:lnTo>
-                <a:cubicBezTo>
-                  <a:pt x="0" y="20721"/>
-                  <a:pt x="879" y="21600"/>
-                  <a:pt x="1964" y="21600"/>
-                </a:cubicBezTo>
-                <a:lnTo>
-                  <a:pt x="19636" y="21600"/>
-                </a:lnTo>
-                <a:cubicBezTo>
-                  <a:pt x="20721" y="21600"/>
-                  <a:pt x="21600" y="20721"/>
-                  <a:pt x="21600" y="19636"/>
-                </a:cubicBezTo>
-                <a:lnTo>
-                  <a:pt x="21600" y="1964"/>
-                </a:lnTo>
-                <a:cubicBezTo>
-                  <a:pt x="21600" y="879"/>
-                  <a:pt x="20721" y="0"/>
-                  <a:pt x="19636" y="0"/>
-                </a:cubicBezTo>
-                <a:moveTo>
-                  <a:pt x="4294" y="17673"/>
-                </a:moveTo>
-                <a:lnTo>
-                  <a:pt x="8376" y="10732"/>
-                </a:lnTo>
-                <a:lnTo>
-                  <a:pt x="10838" y="14425"/>
-                </a:lnTo>
-                <a:cubicBezTo>
-                  <a:pt x="10862" y="14484"/>
-                  <a:pt x="10898" y="14536"/>
-                  <a:pt x="10942" y="14581"/>
-                </a:cubicBezTo>
-                <a:lnTo>
-                  <a:pt x="10944" y="14583"/>
-                </a:lnTo>
-                <a:cubicBezTo>
-                  <a:pt x="11033" y="14673"/>
-                  <a:pt x="11155" y="14727"/>
-                  <a:pt x="11291" y="14727"/>
-                </a:cubicBezTo>
-                <a:cubicBezTo>
-                  <a:pt x="11427" y="14727"/>
-                  <a:pt x="11549" y="14673"/>
-                  <a:pt x="11638" y="14583"/>
-                </a:cubicBezTo>
-                <a:lnTo>
-                  <a:pt x="13686" y="12536"/>
-                </a:lnTo>
-                <a:lnTo>
-                  <a:pt x="17242" y="17673"/>
-                </a:lnTo>
-                <a:cubicBezTo>
-                  <a:pt x="17242" y="17673"/>
-                  <a:pt x="4294" y="17673"/>
-                  <a:pt x="4294" y="17673"/>
-                </a:cubicBezTo>
-                <a:close/>
-                <a:moveTo>
-                  <a:pt x="18620" y="17982"/>
-                </a:moveTo>
-                <a:lnTo>
-                  <a:pt x="18617" y="17978"/>
-                </a:lnTo>
-                <a:cubicBezTo>
-                  <a:pt x="18590" y="17913"/>
-                  <a:pt x="18551" y="17858"/>
-                  <a:pt x="18501" y="17810"/>
-                </a:cubicBezTo>
-                <a:lnTo>
-                  <a:pt x="14201" y="11600"/>
-                </a:lnTo>
-                <a:lnTo>
-                  <a:pt x="14200" y="11601"/>
-                </a:lnTo>
-                <a:cubicBezTo>
-                  <a:pt x="14127" y="11420"/>
-                  <a:pt x="13952" y="11291"/>
-                  <a:pt x="13745" y="11291"/>
-                </a:cubicBezTo>
-                <a:cubicBezTo>
-                  <a:pt x="13610" y="11291"/>
-                  <a:pt x="13488" y="11346"/>
-                  <a:pt x="13398" y="11435"/>
-                </a:cubicBezTo>
-                <a:lnTo>
-                  <a:pt x="11360" y="13473"/>
-                </a:lnTo>
-                <a:lnTo>
-                  <a:pt x="8798" y="9630"/>
-                </a:lnTo>
-                <a:cubicBezTo>
-                  <a:pt x="8724" y="9453"/>
-                  <a:pt x="8550" y="9327"/>
-                  <a:pt x="8345" y="9327"/>
-                </a:cubicBezTo>
-                <a:cubicBezTo>
-                  <a:pt x="8175" y="9327"/>
-                  <a:pt x="8033" y="9420"/>
-                  <a:pt x="7945" y="9551"/>
-                </a:cubicBezTo>
-                <a:lnTo>
-                  <a:pt x="7937" y="9546"/>
-                </a:lnTo>
-                <a:lnTo>
-                  <a:pt x="3028" y="17891"/>
-                </a:lnTo>
-                <a:lnTo>
-                  <a:pt x="3036" y="17897"/>
-                </a:lnTo>
-                <a:cubicBezTo>
-                  <a:pt x="2983" y="17974"/>
-                  <a:pt x="2945" y="18063"/>
-                  <a:pt x="2945" y="18164"/>
-                </a:cubicBezTo>
-                <a:cubicBezTo>
-                  <a:pt x="2945" y="18435"/>
-                  <a:pt x="3165" y="18655"/>
-                  <a:pt x="3436" y="18655"/>
-                </a:cubicBezTo>
-                <a:lnTo>
-                  <a:pt x="18164" y="18655"/>
-                </a:lnTo>
-                <a:cubicBezTo>
-                  <a:pt x="18435" y="18655"/>
-                  <a:pt x="18655" y="18435"/>
-                  <a:pt x="18655" y="18164"/>
-                </a:cubicBezTo>
-                <a:cubicBezTo>
-                  <a:pt x="18655" y="18099"/>
-                  <a:pt x="18640" y="18039"/>
-                  <a:pt x="18618" y="17983"/>
-                </a:cubicBezTo>
-                <a:cubicBezTo>
-                  <a:pt x="18618" y="17983"/>
-                  <a:pt x="18620" y="17982"/>
-                  <a:pt x="18620" y="17982"/>
-                </a:cubicBezTo>
-                <a:close/>
-                <a:moveTo>
-                  <a:pt x="5400" y="3927"/>
-                </a:moveTo>
-                <a:cubicBezTo>
-                  <a:pt x="6213" y="3927"/>
-                  <a:pt x="6873" y="4587"/>
-                  <a:pt x="6873" y="5400"/>
-                </a:cubicBezTo>
-                <a:cubicBezTo>
-                  <a:pt x="6873" y="6214"/>
-                  <a:pt x="6213" y="6873"/>
-                  <a:pt x="5400" y="6873"/>
-                </a:cubicBezTo>
-                <a:cubicBezTo>
-                  <a:pt x="4587" y="6873"/>
-                  <a:pt x="3927" y="6214"/>
-                  <a:pt x="3927" y="5400"/>
-                </a:cubicBezTo>
-                <a:cubicBezTo>
-                  <a:pt x="3927" y="4587"/>
-                  <a:pt x="4587" y="3927"/>
-                  <a:pt x="5400" y="3927"/>
-                </a:cubicBezTo>
-                <a:moveTo>
-                  <a:pt x="5400" y="7855"/>
-                </a:moveTo>
-                <a:cubicBezTo>
-                  <a:pt x="6756" y="7855"/>
-                  <a:pt x="7855" y="6756"/>
-                  <a:pt x="7855" y="5400"/>
-                </a:cubicBezTo>
-                <a:cubicBezTo>
-                  <a:pt x="7855" y="4045"/>
-                  <a:pt x="6756" y="2945"/>
-                  <a:pt x="5400" y="2945"/>
-                </a:cubicBezTo>
-                <a:cubicBezTo>
-                  <a:pt x="4044" y="2945"/>
-                  <a:pt x="2945" y="4045"/>
-                  <a:pt x="2945" y="5400"/>
-                </a:cubicBezTo>
-                <a:cubicBezTo>
-                  <a:pt x="2945" y="6756"/>
-                  <a:pt x="4044" y="7855"/>
-                  <a:pt x="5400" y="7855"/>
-                </a:cubicBezTo>
-              </a:path>
-            </a:pathLst>
-          </a:custGeom>
-          <a:solidFill>
-            <a:srgbClr val="FFFFFF"/>
-          </a:solidFill>
-          <a:ln w="12700">
-            <a:miter lim="400000"/>
-          </a:ln>
-        </p:spPr>
-        <p:txBody>
-          <a:bodyPr lIns="22860" rIns="22860" anchor="ctr"/>
-          <a:lstStyle/>
-          <a:p>
-            <a:pPr defTabSz="227965">
-              <a:defRPr sz="2900">
-                <a:solidFill>
-                  <a:srgbClr val="FFFFFF"/>
-                </a:solidFill>
-                <a:effectLst>
-                  <a:outerShdw blurRad="38100" dist="12700" dir="5400000" rotWithShape="0">
-                    <a:srgbClr val="000000">
-                      <a:alpha val="50000"/>
-                    </a:srgbClr>
-                  </a:outerShdw>
-                </a:effectLst>
-                <a:latin typeface="Lato Light"/>
-                <a:ea typeface="Lato Light"/>
-                <a:cs typeface="Lato Light"/>
-                <a:sym typeface="Lato Light"/>
-              </a:defRPr>
-            </a:pPr>
-            <a:endParaRPr sz="1450"/>
-          </a:p>
-        </p:txBody>
-      </p:sp>
-      <p:sp>
-        <p:nvSpPr>
-          <p:cNvPr id="328" name="形状"/>
-          <p:cNvSpPr/>
-          <p:nvPr/>
-        </p:nvSpPr>
-        <p:spPr>
-          <a:xfrm>
-            <a:off x="9398325" y="2273538"/>
-            <a:ext cx="413826" cy="413826"/>
-          </a:xfrm>
-          <a:custGeom>
-            <a:avLst/>
-            <a:gdLst/>
-            <a:ahLst/>
-            <a:cxnLst>
-              <a:cxn ang="0">
-                <a:pos x="wd2" y="hd2"/>
-              </a:cxn>
-              <a:cxn ang="5400000">
-                <a:pos x="wd2" y="hd2"/>
-              </a:cxn>
-              <a:cxn ang="10800000">
-                <a:pos x="wd2" y="hd2"/>
-              </a:cxn>
-              <a:cxn ang="16200000">
-                <a:pos x="wd2" y="hd2"/>
-              </a:cxn>
-            </a:cxnLst>
-            <a:rect l="0" t="0" r="r" b="b"/>
-            <a:pathLst>
-              <a:path w="21600" h="21600" extrusionOk="0">
-                <a:moveTo>
-                  <a:pt x="20618" y="17673"/>
-                </a:moveTo>
-                <a:cubicBezTo>
-                  <a:pt x="20618" y="18215"/>
-                  <a:pt x="20178" y="18655"/>
-                  <a:pt x="19636" y="18655"/>
-                </a:cubicBezTo>
-                <a:lnTo>
-                  <a:pt x="1964" y="18655"/>
-                </a:lnTo>
-                <a:cubicBezTo>
-                  <a:pt x="1422" y="18655"/>
-                  <a:pt x="982" y="18215"/>
-                  <a:pt x="982" y="17673"/>
-                </a:cubicBezTo>
-                <a:lnTo>
-                  <a:pt x="982" y="5891"/>
-                </a:lnTo>
-                <a:cubicBezTo>
-                  <a:pt x="982" y="5349"/>
-                  <a:pt x="1422" y="4909"/>
-                  <a:pt x="1964" y="4909"/>
-                </a:cubicBezTo>
-                <a:lnTo>
-                  <a:pt x="19636" y="4909"/>
-                </a:lnTo>
-                <a:cubicBezTo>
-                  <a:pt x="20178" y="4909"/>
-                  <a:pt x="20618" y="5349"/>
-                  <a:pt x="20618" y="5891"/>
-                </a:cubicBezTo>
-                <a:cubicBezTo>
-                  <a:pt x="20618" y="5891"/>
-                  <a:pt x="20618" y="17673"/>
-                  <a:pt x="20618" y="17673"/>
-                </a:cubicBezTo>
-                <a:close/>
-                <a:moveTo>
-                  <a:pt x="19636" y="3927"/>
-                </a:moveTo>
-                <a:lnTo>
-                  <a:pt x="12476" y="3927"/>
-                </a:lnTo>
-                <a:lnTo>
-                  <a:pt x="14476" y="1927"/>
-                </a:lnTo>
-                <a:cubicBezTo>
-                  <a:pt x="14557" y="1949"/>
-                  <a:pt x="14640" y="1964"/>
-                  <a:pt x="14727" y="1964"/>
-                </a:cubicBezTo>
-                <a:cubicBezTo>
-                  <a:pt x="15269" y="1964"/>
-                  <a:pt x="15709" y="1524"/>
-                  <a:pt x="15709" y="982"/>
-                </a:cubicBezTo>
-                <a:cubicBezTo>
-                  <a:pt x="15709" y="440"/>
-                  <a:pt x="15269" y="0"/>
-                  <a:pt x="14727" y="0"/>
-                </a:cubicBezTo>
-                <a:cubicBezTo>
-                  <a:pt x="14185" y="0"/>
-                  <a:pt x="13745" y="440"/>
-                  <a:pt x="13745" y="982"/>
-                </a:cubicBezTo>
-                <a:cubicBezTo>
-                  <a:pt x="13745" y="1069"/>
-                  <a:pt x="13761" y="1153"/>
-                  <a:pt x="13782" y="1233"/>
-                </a:cubicBezTo>
-                <a:lnTo>
-                  <a:pt x="11088" y="3927"/>
-                </a:lnTo>
-                <a:lnTo>
-                  <a:pt x="10513" y="3927"/>
-                </a:lnTo>
-                <a:lnTo>
-                  <a:pt x="7818" y="1233"/>
-                </a:lnTo>
-                <a:cubicBezTo>
-                  <a:pt x="7839" y="1153"/>
-                  <a:pt x="7855" y="1069"/>
-                  <a:pt x="7855" y="982"/>
-                </a:cubicBezTo>
-                <a:cubicBezTo>
-                  <a:pt x="7855" y="440"/>
-                  <a:pt x="7415" y="0"/>
-                  <a:pt x="6873" y="0"/>
-                </a:cubicBezTo>
-                <a:cubicBezTo>
-                  <a:pt x="6331" y="0"/>
-                  <a:pt x="5891" y="440"/>
-                  <a:pt x="5891" y="982"/>
-                </a:cubicBezTo>
-                <a:cubicBezTo>
-                  <a:pt x="5891" y="1524"/>
-                  <a:pt x="6331" y="1964"/>
-                  <a:pt x="6873" y="1964"/>
-                </a:cubicBezTo>
-                <a:cubicBezTo>
-                  <a:pt x="6960" y="1964"/>
-                  <a:pt x="7043" y="1949"/>
-                  <a:pt x="7124" y="1927"/>
-                </a:cubicBezTo>
-                <a:lnTo>
-                  <a:pt x="9124" y="3927"/>
-                </a:lnTo>
-                <a:lnTo>
-                  <a:pt x="1964" y="3927"/>
-                </a:lnTo>
-                <a:cubicBezTo>
-                  <a:pt x="879" y="3927"/>
-                  <a:pt x="0" y="4806"/>
-                  <a:pt x="0" y="5891"/>
-                </a:cubicBezTo>
-                <a:lnTo>
-                  <a:pt x="0" y="17673"/>
-                </a:lnTo>
-                <a:cubicBezTo>
-                  <a:pt x="0" y="18757"/>
-                  <a:pt x="879" y="19637"/>
-                  <a:pt x="1964" y="19637"/>
-                </a:cubicBezTo>
-                <a:lnTo>
-                  <a:pt x="3927" y="19637"/>
-                </a:lnTo>
-                <a:lnTo>
-                  <a:pt x="3927" y="21109"/>
-                </a:lnTo>
-                <a:cubicBezTo>
-                  <a:pt x="3927" y="21381"/>
-                  <a:pt x="4147" y="21600"/>
-                  <a:pt x="4418" y="21600"/>
-                </a:cubicBezTo>
-                <a:cubicBezTo>
-                  <a:pt x="4689" y="21600"/>
-                  <a:pt x="4909" y="21381"/>
-                  <a:pt x="4909" y="21109"/>
-                </a:cubicBezTo>
-                <a:lnTo>
-                  <a:pt x="4909" y="20618"/>
-                </a:lnTo>
-                <a:lnTo>
-                  <a:pt x="16691" y="20618"/>
-                </a:lnTo>
-                <a:lnTo>
-                  <a:pt x="16691" y="21109"/>
-                </a:lnTo>
-                <a:cubicBezTo>
-                  <a:pt x="16691" y="21381"/>
-                  <a:pt x="16911" y="21600"/>
-                  <a:pt x="17182" y="21600"/>
-                </a:cubicBezTo>
-                <a:cubicBezTo>
-                  <a:pt x="17453" y="21600"/>
-                  <a:pt x="17673" y="21381"/>
-                  <a:pt x="17673" y="21109"/>
-                </a:cubicBezTo>
-                <a:lnTo>
-                  <a:pt x="17673" y="19637"/>
-                </a:lnTo>
-                <a:lnTo>
-                  <a:pt x="19636" y="19637"/>
-                </a:lnTo>
-                <a:cubicBezTo>
-                  <a:pt x="20721" y="19637"/>
-                  <a:pt x="21600" y="18757"/>
-                  <a:pt x="21600" y="17673"/>
-                </a:cubicBezTo>
-                <a:lnTo>
-                  <a:pt x="21600" y="5891"/>
-                </a:lnTo>
-                <a:cubicBezTo>
-                  <a:pt x="21600" y="4806"/>
-                  <a:pt x="20721" y="3927"/>
-                  <a:pt x="19636" y="3927"/>
-                </a:cubicBezTo>
-              </a:path>
-            </a:pathLst>
-          </a:custGeom>
-          <a:solidFill>
-            <a:srgbClr val="FFFFFF"/>
-          </a:solidFill>
-          <a:ln w="12700">
-            <a:miter lim="400000"/>
-          </a:ln>
-        </p:spPr>
-        <p:txBody>
-          <a:bodyPr lIns="22860" rIns="22860" anchor="ctr"/>
-          <a:lstStyle/>
-          <a:p>
-            <a:pPr defTabSz="227965">
-              <a:defRPr sz="2900">
-                <a:solidFill>
-                  <a:srgbClr val="FFFFFF"/>
-                </a:solidFill>
-                <a:effectLst>
-                  <a:outerShdw blurRad="38100" dist="12700" dir="5400000" rotWithShape="0">
-                    <a:srgbClr val="000000">
-                      <a:alpha val="50000"/>
-                    </a:srgbClr>
-                  </a:outerShdw>
-                </a:effectLst>
-                <a:latin typeface="Lato Regular"/>
-                <a:ea typeface="Lato Regular"/>
-                <a:cs typeface="Lato Regular"/>
-                <a:sym typeface="Lato Regular"/>
-              </a:defRPr>
-            </a:pPr>
-            <a:endParaRPr sz="1450"/>
-          </a:p>
-        </p:txBody>
-      </p:sp>
-      <p:sp>
-        <p:nvSpPr>
-          <p:cNvPr id="329" name="形状"/>
-          <p:cNvSpPr/>
-          <p:nvPr/>
-        </p:nvSpPr>
-        <p:spPr>
-          <a:xfrm>
-            <a:off x="9401914" y="4554179"/>
-            <a:ext cx="413826" cy="413826"/>
-          </a:xfrm>
-          <a:custGeom>
-            <a:avLst/>
-            <a:gdLst/>
-            <a:ahLst/>
-            <a:cxnLst>
-              <a:cxn ang="0">
-                <a:pos x="wd2" y="hd2"/>
-              </a:cxn>
-              <a:cxn ang="5400000">
-                <a:pos x="wd2" y="hd2"/>
-              </a:cxn>
-              <a:cxn ang="10800000">
-                <a:pos x="wd2" y="hd2"/>
-              </a:cxn>
-              <a:cxn ang="16200000">
-                <a:pos x="wd2" y="hd2"/>
-              </a:cxn>
-            </a:cxnLst>
-            <a:rect l="0" t="0" r="r" b="b"/>
-            <a:pathLst>
-              <a:path w="21600" h="21600" extrusionOk="0">
-                <a:moveTo>
-                  <a:pt x="14727" y="8836"/>
-                </a:moveTo>
-                <a:cubicBezTo>
-                  <a:pt x="15812" y="8836"/>
-                  <a:pt x="16691" y="9716"/>
-                  <a:pt x="16691" y="10800"/>
-                </a:cubicBezTo>
-                <a:cubicBezTo>
-                  <a:pt x="16691" y="11884"/>
-                  <a:pt x="15812" y="12764"/>
-                  <a:pt x="14727" y="12764"/>
-                </a:cubicBezTo>
-                <a:cubicBezTo>
-                  <a:pt x="13643" y="12764"/>
-                  <a:pt x="12764" y="11884"/>
-                  <a:pt x="12764" y="10800"/>
-                </a:cubicBezTo>
-                <a:cubicBezTo>
-                  <a:pt x="12764" y="9716"/>
-                  <a:pt x="13643" y="8836"/>
-                  <a:pt x="14727" y="8836"/>
-                </a:cubicBezTo>
-                <a:moveTo>
-                  <a:pt x="14727" y="13745"/>
-                </a:moveTo>
-                <a:cubicBezTo>
-                  <a:pt x="16354" y="13745"/>
-                  <a:pt x="17673" y="12427"/>
-                  <a:pt x="17673" y="10800"/>
-                </a:cubicBezTo>
-                <a:cubicBezTo>
-                  <a:pt x="17673" y="9174"/>
-                  <a:pt x="16354" y="7855"/>
-                  <a:pt x="14727" y="7855"/>
-                </a:cubicBezTo>
-                <a:cubicBezTo>
-                  <a:pt x="13100" y="7855"/>
-                  <a:pt x="11782" y="9174"/>
-                  <a:pt x="11782" y="10800"/>
-                </a:cubicBezTo>
-                <a:cubicBezTo>
-                  <a:pt x="11782" y="12427"/>
-                  <a:pt x="13100" y="13745"/>
-                  <a:pt x="14727" y="13745"/>
-                </a:cubicBezTo>
-                <a:moveTo>
-                  <a:pt x="6873" y="7308"/>
-                </a:moveTo>
-                <a:lnTo>
-                  <a:pt x="8442" y="9818"/>
-                </a:lnTo>
-                <a:lnTo>
-                  <a:pt x="5304" y="9818"/>
-                </a:lnTo>
-                <a:cubicBezTo>
-                  <a:pt x="5304" y="9818"/>
-                  <a:pt x="6873" y="7308"/>
-                  <a:pt x="6873" y="7308"/>
-                </a:cubicBezTo>
-                <a:close/>
-                <a:moveTo>
-                  <a:pt x="4418" y="10800"/>
-                </a:moveTo>
-                <a:lnTo>
-                  <a:pt x="9327" y="10800"/>
-                </a:lnTo>
-                <a:cubicBezTo>
-                  <a:pt x="9598" y="10800"/>
-                  <a:pt x="9818" y="10580"/>
-                  <a:pt x="9818" y="10309"/>
-                </a:cubicBezTo>
-                <a:cubicBezTo>
-                  <a:pt x="9818" y="10208"/>
-                  <a:pt x="9780" y="10120"/>
-                  <a:pt x="9728" y="10042"/>
-                </a:cubicBezTo>
-                <a:lnTo>
-                  <a:pt x="9736" y="10037"/>
-                </a:lnTo>
-                <a:lnTo>
-                  <a:pt x="7281" y="6110"/>
-                </a:lnTo>
-                <a:lnTo>
-                  <a:pt x="7274" y="6114"/>
-                </a:lnTo>
-                <a:cubicBezTo>
-                  <a:pt x="7186" y="5983"/>
-                  <a:pt x="7043" y="5891"/>
-                  <a:pt x="6873" y="5891"/>
-                </a:cubicBezTo>
-                <a:cubicBezTo>
-                  <a:pt x="6702" y="5891"/>
-                  <a:pt x="6560" y="5983"/>
-                  <a:pt x="6472" y="6114"/>
-                </a:cubicBezTo>
-                <a:lnTo>
-                  <a:pt x="6464" y="6110"/>
-                </a:lnTo>
-                <a:lnTo>
-                  <a:pt x="4010" y="10037"/>
-                </a:lnTo>
-                <a:lnTo>
-                  <a:pt x="4018" y="10042"/>
-                </a:lnTo>
-                <a:cubicBezTo>
-                  <a:pt x="3965" y="10120"/>
-                  <a:pt x="3927" y="10208"/>
-                  <a:pt x="3927" y="10309"/>
-                </a:cubicBezTo>
-                <a:cubicBezTo>
-                  <a:pt x="3927" y="10580"/>
-                  <a:pt x="4147" y="10800"/>
-                  <a:pt x="4418" y="10800"/>
-                </a:cubicBezTo>
-                <a:moveTo>
-                  <a:pt x="20618" y="2945"/>
-                </a:moveTo>
-                <a:lnTo>
-                  <a:pt x="982" y="2945"/>
-                </a:lnTo>
-                <a:lnTo>
-                  <a:pt x="982" y="1964"/>
-                </a:lnTo>
-                <a:lnTo>
-                  <a:pt x="20618" y="1964"/>
-                </a:lnTo>
-                <a:cubicBezTo>
-                  <a:pt x="20618" y="1964"/>
-                  <a:pt x="20618" y="2945"/>
-                  <a:pt x="20618" y="2945"/>
-                </a:cubicBezTo>
-                <a:close/>
-                <a:moveTo>
-                  <a:pt x="19636" y="15709"/>
-                </a:moveTo>
-                <a:lnTo>
-                  <a:pt x="1964" y="15709"/>
-                </a:lnTo>
-                <a:lnTo>
-                  <a:pt x="1964" y="3927"/>
-                </a:lnTo>
-                <a:lnTo>
-                  <a:pt x="19636" y="3927"/>
-                </a:lnTo>
-                <a:cubicBezTo>
-                  <a:pt x="19636" y="3927"/>
-                  <a:pt x="19636" y="15709"/>
-                  <a:pt x="19636" y="15709"/>
-                </a:cubicBezTo>
-                <a:close/>
-                <a:moveTo>
-                  <a:pt x="20618" y="982"/>
-                </a:moveTo>
-                <a:lnTo>
-                  <a:pt x="11782" y="982"/>
-                </a:lnTo>
-                <a:cubicBezTo>
-                  <a:pt x="11782" y="440"/>
-                  <a:pt x="11342" y="0"/>
-                  <a:pt x="10800" y="0"/>
-                </a:cubicBezTo>
-                <a:cubicBezTo>
-                  <a:pt x="10258" y="0"/>
-                  <a:pt x="9818" y="440"/>
-                  <a:pt x="9818" y="982"/>
-                </a:cubicBezTo>
-                <a:lnTo>
-                  <a:pt x="982" y="982"/>
-                </a:lnTo>
-                <a:cubicBezTo>
-                  <a:pt x="440" y="982"/>
-                  <a:pt x="0" y="1422"/>
-                  <a:pt x="0" y="1964"/>
-                </a:cubicBezTo>
-                <a:lnTo>
-                  <a:pt x="0" y="2945"/>
-                </a:lnTo>
-                <a:cubicBezTo>
-                  <a:pt x="0" y="3488"/>
-                  <a:pt x="440" y="3927"/>
-                  <a:pt x="982" y="3927"/>
-                </a:cubicBezTo>
-                <a:lnTo>
-                  <a:pt x="982" y="15709"/>
-                </a:lnTo>
-                <a:cubicBezTo>
-                  <a:pt x="982" y="16252"/>
-                  <a:pt x="1422" y="16691"/>
-                  <a:pt x="1964" y="16691"/>
-                </a:cubicBezTo>
-                <a:lnTo>
-                  <a:pt x="10309" y="16691"/>
-                </a:lnTo>
-                <a:lnTo>
-                  <a:pt x="10309" y="17960"/>
-                </a:lnTo>
-                <a:lnTo>
-                  <a:pt x="7507" y="20762"/>
-                </a:lnTo>
-                <a:cubicBezTo>
-                  <a:pt x="7419" y="20851"/>
-                  <a:pt x="7364" y="20974"/>
-                  <a:pt x="7364" y="21109"/>
-                </a:cubicBezTo>
-                <a:cubicBezTo>
-                  <a:pt x="7364" y="21380"/>
-                  <a:pt x="7584" y="21600"/>
-                  <a:pt x="7855" y="21600"/>
-                </a:cubicBezTo>
-                <a:cubicBezTo>
-                  <a:pt x="7990" y="21600"/>
-                  <a:pt x="8113" y="21545"/>
-                  <a:pt x="8202" y="21456"/>
-                </a:cubicBezTo>
-                <a:lnTo>
-                  <a:pt x="10800" y="18858"/>
-                </a:lnTo>
-                <a:lnTo>
-                  <a:pt x="13398" y="21456"/>
-                </a:lnTo>
-                <a:cubicBezTo>
-                  <a:pt x="13487" y="21545"/>
-                  <a:pt x="13610" y="21600"/>
-                  <a:pt x="13745" y="21600"/>
-                </a:cubicBezTo>
-                <a:cubicBezTo>
-                  <a:pt x="14016" y="21600"/>
-                  <a:pt x="14236" y="21380"/>
-                  <a:pt x="14236" y="21109"/>
-                </a:cubicBezTo>
-                <a:cubicBezTo>
-                  <a:pt x="14236" y="20974"/>
-                  <a:pt x="14181" y="20851"/>
-                  <a:pt x="14093" y="20762"/>
-                </a:cubicBezTo>
-                <a:lnTo>
-                  <a:pt x="11291" y="17960"/>
-                </a:lnTo>
-                <a:lnTo>
-                  <a:pt x="11291" y="16691"/>
-                </a:lnTo>
-                <a:lnTo>
-                  <a:pt x="19636" y="16691"/>
-                </a:lnTo>
-                <a:cubicBezTo>
-                  <a:pt x="20178" y="16691"/>
-                  <a:pt x="20618" y="16252"/>
-                  <a:pt x="20618" y="15709"/>
-                </a:cubicBezTo>
-                <a:lnTo>
-                  <a:pt x="20618" y="3927"/>
-                </a:lnTo>
-                <a:cubicBezTo>
-                  <a:pt x="21160" y="3927"/>
-                  <a:pt x="21600" y="3488"/>
-                  <a:pt x="21600" y="2945"/>
-                </a:cubicBezTo>
-                <a:lnTo>
-                  <a:pt x="21600" y="1964"/>
-                </a:lnTo>
-                <a:cubicBezTo>
-                  <a:pt x="21600" y="1422"/>
-                  <a:pt x="21160" y="982"/>
-                  <a:pt x="20618" y="982"/>
-                </a:cubicBezTo>
-              </a:path>
-            </a:pathLst>
-          </a:custGeom>
-          <a:solidFill>
-            <a:srgbClr val="FFFFFF"/>
-          </a:solidFill>
-          <a:ln w="12700">
-            <a:miter lim="400000"/>
-          </a:ln>
-        </p:spPr>
-        <p:txBody>
-          <a:bodyPr lIns="22860" rIns="22860" anchor="ctr"/>
-          <a:lstStyle/>
-          <a:p>
-            <a:pPr defTabSz="227965">
-              <a:defRPr sz="2900">
-                <a:solidFill>
-                  <a:srgbClr val="FFFFFF"/>
-                </a:solidFill>
-                <a:effectLst>
-                  <a:outerShdw blurRad="38100" dist="12700" dir="5400000" rotWithShape="0">
-                    <a:srgbClr val="000000">
-                      <a:alpha val="50000"/>
-                    </a:srgbClr>
-                  </a:outerShdw>
-                </a:effectLst>
-                <a:latin typeface="Lato Regular"/>
-                <a:ea typeface="Lato Regular"/>
-                <a:cs typeface="Lato Regular"/>
-                <a:sym typeface="Lato Regular"/>
-              </a:defRPr>
-            </a:pPr>
-            <a:endParaRPr sz="1450"/>
-          </a:p>
-        </p:txBody>
-      </p:sp>
-      <p:sp>
-        <p:nvSpPr>
-          <p:cNvPr id="29" name="文本框 28" descr="e7d195523061f1c0214d268728035a112e1f1a63855fa0d5B3BC3571FB2346650E40B27C71D4ADB669896543E409C0762562804D99F14164E036E91A4D200FB459B9C67F1066513BDCC2663F2655ED5A2F3E64E50905ECC13FD08E412A2449DFC0DEA4732AF4E76A12DAA23714D9A24C7EAC7F7CD8FF94AEC7D4E9162B55FEA74E289784371BE33B"/>
-          <p:cNvSpPr txBox="1"/>
-          <p:nvPr/>
-        </p:nvSpPr>
-        <p:spPr>
-          <a:xfrm>
-            <a:off x="4838894" y="515271"/>
-            <a:ext cx="2514213" cy="938719"/>
-          </a:xfrm>
-          <a:prstGeom prst="rect">
-            <a:avLst/>
-          </a:prstGeom>
-          <a:noFill/>
-        </p:spPr>
-        <p:txBody>
-          <a:bodyPr wrap="square" rtlCol="0">
-            <a:spAutoFit/>
-          </a:bodyPr>
-          <a:lstStyle/>
-          <a:p>
-            <a:pPr algn="ctr">
-              <a:lnSpc>
-                <a:spcPct val="110000"/>
-              </a:lnSpc>
-            </a:pPr>
-            <a:r>
-              <a:rPr lang="zh-CN" altLang="en-US" sz="3600" dirty="0">
-                <a:solidFill>
-                  <a:srgbClr val="282828"/>
-                </a:solidFill>
-                <a:latin typeface="微软雅黑" panose="020B0503020204020204" charset="-122"/>
-                <a:ea typeface="微软雅黑" panose="020B0503020204020204" charset="-122"/>
-                <a:sym typeface="+mn-ea"/>
-              </a:rPr>
-              <a:t>目录</a:t>
-            </a:r>
-            <a:endParaRPr lang="en-US" altLang="zh-CN" sz="3600" dirty="0">
-              <a:solidFill>
-                <a:srgbClr val="282828"/>
-              </a:solidFill>
-              <a:latin typeface="微软雅黑" panose="020B0503020204020204" charset="-122"/>
-              <a:ea typeface="微软雅黑" panose="020B0503020204020204" charset="-122"/>
-              <a:sym typeface="+mn-ea"/>
-            </a:endParaRPr>
-          </a:p>
-          <a:p>
-            <a:pPr algn="ctr">
-              <a:lnSpc>
-                <a:spcPct val="110000"/>
-              </a:lnSpc>
-            </a:pPr>
-            <a:r>
-              <a:rPr lang="en-US" altLang="zh-CN" sz="1400" dirty="0"/>
-              <a:t>CATALOG</a:t>
-            </a:r>
-            <a:endParaRPr lang="zh-CN" altLang="en-US" sz="1400" dirty="0">
-              <a:solidFill>
-                <a:srgbClr val="282828"/>
-              </a:solidFill>
-              <a:latin typeface="微软雅黑" panose="020B0503020204020204" charset="-122"/>
-              <a:ea typeface="微软雅黑" panose="020B0503020204020204" charset="-122"/>
-            </a:endParaRPr>
-          </a:p>
-        </p:txBody>
-      </p:sp>
-      <p:sp>
-        <p:nvSpPr>
-          <p:cNvPr id="32" name="文本框 31"/>
-          <p:cNvSpPr txBox="1"/>
-          <p:nvPr/>
-        </p:nvSpPr>
-        <p:spPr>
-          <a:xfrm>
-            <a:off x="1705340" y="3099033"/>
-            <a:ext cx="1786597" cy="338554"/>
-          </a:xfrm>
-          <a:prstGeom prst="rect">
-            <a:avLst/>
-          </a:prstGeom>
-          <a:noFill/>
-        </p:spPr>
-        <p:txBody>
-          <a:bodyPr wrap="square" rtlCol="0">
-            <a:spAutoFit/>
-          </a:bodyPr>
-          <a:lstStyle/>
-          <a:p>
-            <a:pPr algn="ctr"/>
-            <a:r>
-              <a:rPr lang="en-US" altLang="zh-CN" sz="1600" dirty="0">
-                <a:latin typeface="微软雅黑" panose="020B0503020204020204" charset="-122"/>
-                <a:ea typeface="微软雅黑" panose="020B0503020204020204" charset="-122"/>
-                <a:cs typeface="Open Sans" panose="020B0606030504020204" pitchFamily="34" charset="0"/>
-                <a:sym typeface="Nexa Bold" charset="0"/>
-              </a:rPr>
-              <a:t>Docker</a:t>
-            </a:r>
-            <a:r>
-              <a:rPr lang="zh-CN" altLang="en-US" sz="1600" dirty="0">
-                <a:latin typeface="微软雅黑" panose="020B0503020204020204" charset="-122"/>
-                <a:ea typeface="微软雅黑" panose="020B0503020204020204" charset="-122"/>
-                <a:cs typeface="Open Sans" panose="020B0606030504020204" pitchFamily="34" charset="0"/>
-                <a:sym typeface="Nexa Bold" charset="0"/>
-              </a:rPr>
-              <a:t>是什么？</a:t>
-            </a:r>
-            <a:endParaRPr lang="en-US" altLang="zh-CN" sz="1600" dirty="0">
-              <a:latin typeface="微软雅黑" panose="020B0503020204020204" charset="-122"/>
-              <a:ea typeface="微软雅黑" panose="020B0503020204020204" charset="-122"/>
-              <a:cs typeface="Open Sans" panose="020B0606030504020204" pitchFamily="34" charset="0"/>
-            </a:endParaRPr>
-          </a:p>
-        </p:txBody>
-      </p:sp>
-      <p:sp>
-        <p:nvSpPr>
-          <p:cNvPr id="35" name="文本框 34"/>
-          <p:cNvSpPr txBox="1"/>
-          <p:nvPr/>
-        </p:nvSpPr>
-        <p:spPr>
-          <a:xfrm>
-            <a:off x="5214428" y="3099033"/>
-            <a:ext cx="1786597" cy="584775"/>
-          </a:xfrm>
-          <a:prstGeom prst="rect">
-            <a:avLst/>
-          </a:prstGeom>
-          <a:noFill/>
-        </p:spPr>
-        <p:txBody>
-          <a:bodyPr wrap="square" rtlCol="0">
-            <a:spAutoFit/>
-          </a:bodyPr>
-          <a:lstStyle/>
-          <a:p>
-            <a:pPr algn="ctr"/>
-            <a:r>
-              <a:rPr lang="zh-CN" altLang="en-US" sz="1600" dirty="0">
-                <a:latin typeface="微软雅黑" panose="020B0503020204020204" charset="-122"/>
-                <a:ea typeface="微软雅黑" panose="020B0503020204020204" charset="-122"/>
-                <a:cs typeface="Open Sans" panose="020B0606030504020204" pitchFamily="34" charset="0"/>
-              </a:rPr>
-              <a:t>为什么使用</a:t>
-            </a:r>
-            <a:r>
-              <a:rPr lang="en-US" altLang="zh-CN" sz="1600" dirty="0">
-                <a:latin typeface="微软雅黑" panose="020B0503020204020204" charset="-122"/>
-                <a:ea typeface="微软雅黑" panose="020B0503020204020204" charset="-122"/>
-                <a:cs typeface="Open Sans" panose="020B0606030504020204" pitchFamily="34" charset="0"/>
-              </a:rPr>
-              <a:t>Docker?</a:t>
-            </a:r>
-          </a:p>
-        </p:txBody>
-      </p:sp>
-      <p:sp>
-        <p:nvSpPr>
-          <p:cNvPr id="38" name="文本框 37"/>
-          <p:cNvSpPr txBox="1"/>
-          <p:nvPr/>
-        </p:nvSpPr>
-        <p:spPr>
-          <a:xfrm>
-            <a:off x="8715528" y="3099033"/>
-            <a:ext cx="1786597" cy="338554"/>
-          </a:xfrm>
-          <a:prstGeom prst="rect">
-            <a:avLst/>
-          </a:prstGeom>
-          <a:noFill/>
-        </p:spPr>
-        <p:txBody>
-          <a:bodyPr wrap="square" rtlCol="0">
-            <a:spAutoFit/>
-          </a:bodyPr>
-          <a:lstStyle/>
-          <a:p>
-            <a:pPr algn="ctr"/>
-            <a:r>
-              <a:rPr lang="en-US" altLang="zh-CN" sz="1600" dirty="0">
-                <a:latin typeface="微软雅黑" panose="020B0503020204020204" charset="-122"/>
-                <a:ea typeface="微软雅黑" panose="020B0503020204020204" charset="-122"/>
-                <a:cs typeface="Open Sans" panose="020B0606030504020204" pitchFamily="34" charset="0"/>
-              </a:rPr>
-              <a:t>Docker</a:t>
-            </a:r>
-            <a:r>
-              <a:rPr lang="zh-CN" altLang="en-US" sz="1600" dirty="0">
-                <a:latin typeface="微软雅黑" panose="020B0503020204020204" charset="-122"/>
-                <a:ea typeface="微软雅黑" panose="020B0503020204020204" charset="-122"/>
-                <a:cs typeface="Open Sans" panose="020B0606030504020204" pitchFamily="34" charset="0"/>
-              </a:rPr>
-              <a:t>基本概念</a:t>
-            </a:r>
-            <a:endParaRPr lang="en-US" altLang="zh-CN" sz="1600" dirty="0">
-              <a:latin typeface="微软雅黑" panose="020B0503020204020204" charset="-122"/>
-              <a:ea typeface="微软雅黑" panose="020B0503020204020204" charset="-122"/>
-              <a:cs typeface="Open Sans" panose="020B0606030504020204" pitchFamily="34" charset="0"/>
-            </a:endParaRPr>
-          </a:p>
-        </p:txBody>
-      </p:sp>
-      <p:sp>
-        <p:nvSpPr>
-          <p:cNvPr id="41" name="文本框 40"/>
-          <p:cNvSpPr txBox="1"/>
-          <p:nvPr/>
-        </p:nvSpPr>
-        <p:spPr>
-          <a:xfrm>
-            <a:off x="1705340" y="5430972"/>
-            <a:ext cx="1786597" cy="338554"/>
-          </a:xfrm>
-          <a:prstGeom prst="rect">
-            <a:avLst/>
-          </a:prstGeom>
-          <a:noFill/>
-        </p:spPr>
-        <p:txBody>
-          <a:bodyPr wrap="square" rtlCol="0">
-            <a:spAutoFit/>
-          </a:bodyPr>
-          <a:lstStyle/>
-          <a:p>
-            <a:pPr algn="ctr"/>
-            <a:r>
-              <a:rPr lang="en-US" altLang="zh-CN" sz="1600" dirty="0">
-                <a:latin typeface="微软雅黑" panose="020B0503020204020204" charset="-122"/>
-                <a:ea typeface="微软雅黑" panose="020B0503020204020204" charset="-122"/>
-                <a:cs typeface="Open Sans" panose="020B0606030504020204" pitchFamily="34" charset="0"/>
-              </a:rPr>
-              <a:t>Docker</a:t>
-            </a:r>
-            <a:r>
-              <a:rPr lang="zh-CN" altLang="en-US" sz="1600" dirty="0">
-                <a:latin typeface="微软雅黑" panose="020B0503020204020204" charset="-122"/>
-                <a:ea typeface="微软雅黑" panose="020B0503020204020204" charset="-122"/>
-                <a:cs typeface="Open Sans" panose="020B0606030504020204" pitchFamily="34" charset="0"/>
-              </a:rPr>
-              <a:t>常用命令</a:t>
-            </a:r>
-            <a:endParaRPr lang="en-US" altLang="zh-CN" sz="1600" dirty="0">
-              <a:latin typeface="微软雅黑" panose="020B0503020204020204" charset="-122"/>
-              <a:ea typeface="微软雅黑" panose="020B0503020204020204" charset="-122"/>
-              <a:cs typeface="Open Sans" panose="020B0606030504020204" pitchFamily="34" charset="0"/>
-            </a:endParaRPr>
-          </a:p>
-        </p:txBody>
-      </p:sp>
-      <p:sp>
-        <p:nvSpPr>
-          <p:cNvPr id="1625" name="形状"/>
-          <p:cNvSpPr/>
-          <p:nvPr/>
-        </p:nvSpPr>
-        <p:spPr>
-          <a:xfrm>
-            <a:off x="2458873" y="2340314"/>
-            <a:ext cx="279328" cy="279328"/>
-          </a:xfrm>
-          <a:custGeom>
-            <a:avLst/>
-            <a:gdLst/>
-            <a:ahLst/>
-            <a:cxnLst>
-              <a:cxn ang="0">
-                <a:pos x="wd2" y="hd2"/>
-              </a:cxn>
-              <a:cxn ang="5400000">
-                <a:pos x="wd2" y="hd2"/>
-              </a:cxn>
-              <a:cxn ang="10800000">
-                <a:pos x="wd2" y="hd2"/>
-              </a:cxn>
-              <a:cxn ang="16200000">
-                <a:pos x="wd2" y="hd2"/>
-              </a:cxn>
-            </a:cxnLst>
-            <a:rect l="0" t="0" r="r" b="b"/>
-            <a:pathLst>
-              <a:path w="21600" h="21600" extrusionOk="0">
-                <a:moveTo>
-                  <a:pt x="12991" y="6559"/>
-                </a:moveTo>
-                <a:cubicBezTo>
-                  <a:pt x="12727" y="6341"/>
-                  <a:pt x="12420" y="6172"/>
-                  <a:pt x="12078" y="6058"/>
-                </a:cubicBezTo>
-                <a:cubicBezTo>
-                  <a:pt x="11737" y="5946"/>
-                  <a:pt x="11367" y="5889"/>
-                  <a:pt x="10978" y="5889"/>
-                </a:cubicBezTo>
-                <a:cubicBezTo>
-                  <a:pt x="10477" y="5889"/>
-                  <a:pt x="10025" y="5967"/>
-                  <a:pt x="9633" y="6120"/>
-                </a:cubicBezTo>
-                <a:cubicBezTo>
-                  <a:pt x="9239" y="6275"/>
-                  <a:pt x="8900" y="6494"/>
-                  <a:pt x="8623" y="6771"/>
-                </a:cubicBezTo>
-                <a:cubicBezTo>
-                  <a:pt x="8346" y="7049"/>
-                  <a:pt x="8133" y="7392"/>
-                  <a:pt x="7992" y="7788"/>
-                </a:cubicBezTo>
-                <a:cubicBezTo>
-                  <a:pt x="7853" y="8180"/>
-                  <a:pt x="7782" y="8620"/>
-                  <a:pt x="7782" y="9096"/>
-                </a:cubicBezTo>
-                <a:lnTo>
-                  <a:pt x="7782" y="9217"/>
-                </a:lnTo>
-                <a:lnTo>
-                  <a:pt x="8880" y="9217"/>
-                </a:lnTo>
-                <a:lnTo>
-                  <a:pt x="8877" y="9093"/>
-                </a:lnTo>
-                <a:cubicBezTo>
-                  <a:pt x="8868" y="8767"/>
-                  <a:pt x="8908" y="8461"/>
-                  <a:pt x="8993" y="8187"/>
-                </a:cubicBezTo>
-                <a:cubicBezTo>
-                  <a:pt x="9079" y="7914"/>
-                  <a:pt x="9207" y="7675"/>
-                  <a:pt x="9377" y="7473"/>
-                </a:cubicBezTo>
-                <a:cubicBezTo>
-                  <a:pt x="9545" y="7274"/>
-                  <a:pt x="9762" y="7115"/>
-                  <a:pt x="10024" y="7000"/>
-                </a:cubicBezTo>
-                <a:cubicBezTo>
-                  <a:pt x="10287" y="6884"/>
-                  <a:pt x="10594" y="6827"/>
-                  <a:pt x="10937" y="6827"/>
-                </a:cubicBezTo>
-                <a:cubicBezTo>
-                  <a:pt x="11182" y="6827"/>
-                  <a:pt x="11418" y="6868"/>
-                  <a:pt x="11639" y="6950"/>
-                </a:cubicBezTo>
-                <a:cubicBezTo>
-                  <a:pt x="11858" y="7032"/>
-                  <a:pt x="12053" y="7146"/>
-                  <a:pt x="12218" y="7289"/>
-                </a:cubicBezTo>
-                <a:cubicBezTo>
-                  <a:pt x="12381" y="7431"/>
-                  <a:pt x="12512" y="7605"/>
-                  <a:pt x="12609" y="7808"/>
-                </a:cubicBezTo>
-                <a:cubicBezTo>
-                  <a:pt x="12704" y="8011"/>
-                  <a:pt x="12752" y="8236"/>
-                  <a:pt x="12752" y="8478"/>
-                </a:cubicBezTo>
-                <a:cubicBezTo>
-                  <a:pt x="12752" y="8797"/>
-                  <a:pt x="12674" y="9089"/>
-                  <a:pt x="12519" y="9350"/>
-                </a:cubicBezTo>
-                <a:cubicBezTo>
-                  <a:pt x="12359" y="9618"/>
-                  <a:pt x="12154" y="9865"/>
-                  <a:pt x="11913" y="10082"/>
-                </a:cubicBezTo>
-                <a:cubicBezTo>
-                  <a:pt x="11624" y="10337"/>
-                  <a:pt x="11374" y="10568"/>
-                  <a:pt x="11170" y="10771"/>
-                </a:cubicBezTo>
-                <a:cubicBezTo>
-                  <a:pt x="10959" y="10979"/>
-                  <a:pt x="10789" y="11200"/>
-                  <a:pt x="10662" y="11428"/>
-                </a:cubicBezTo>
-                <a:cubicBezTo>
-                  <a:pt x="10534" y="11657"/>
-                  <a:pt x="10441" y="11916"/>
-                  <a:pt x="10385" y="12199"/>
-                </a:cubicBezTo>
-                <a:cubicBezTo>
-                  <a:pt x="10329" y="12478"/>
-                  <a:pt x="10305" y="12827"/>
-                  <a:pt x="10315" y="13237"/>
-                </a:cubicBezTo>
-                <a:lnTo>
-                  <a:pt x="10318" y="13355"/>
-                </a:lnTo>
-                <a:lnTo>
-                  <a:pt x="11407" y="13355"/>
-                </a:lnTo>
-                <a:lnTo>
-                  <a:pt x="11410" y="13237"/>
-                </a:lnTo>
-                <a:cubicBezTo>
-                  <a:pt x="11418" y="12838"/>
-                  <a:pt x="11436" y="12531"/>
-                  <a:pt x="11463" y="12322"/>
-                </a:cubicBezTo>
-                <a:cubicBezTo>
-                  <a:pt x="11488" y="12125"/>
-                  <a:pt x="11538" y="11956"/>
-                  <a:pt x="11611" y="11821"/>
-                </a:cubicBezTo>
-                <a:cubicBezTo>
-                  <a:pt x="11687" y="11684"/>
-                  <a:pt x="11803" y="11541"/>
-                  <a:pt x="11959" y="11399"/>
-                </a:cubicBezTo>
-                <a:cubicBezTo>
-                  <a:pt x="12127" y="11245"/>
-                  <a:pt x="12351" y="11031"/>
-                  <a:pt x="12630" y="10762"/>
-                </a:cubicBezTo>
-                <a:cubicBezTo>
-                  <a:pt x="12979" y="10441"/>
-                  <a:pt x="13270" y="10102"/>
-                  <a:pt x="13495" y="9753"/>
-                </a:cubicBezTo>
-                <a:cubicBezTo>
-                  <a:pt x="13729" y="9393"/>
-                  <a:pt x="13847" y="8952"/>
-                  <a:pt x="13847" y="8439"/>
-                </a:cubicBezTo>
-                <a:cubicBezTo>
-                  <a:pt x="13847" y="8038"/>
-                  <a:pt x="13770" y="7675"/>
-                  <a:pt x="13618" y="7362"/>
-                </a:cubicBezTo>
-                <a:cubicBezTo>
-                  <a:pt x="13467" y="7050"/>
-                  <a:pt x="13256" y="6780"/>
-                  <a:pt x="12991" y="6559"/>
-                </a:cubicBezTo>
-                <a:moveTo>
-                  <a:pt x="10179" y="15706"/>
-                </a:moveTo>
-                <a:lnTo>
-                  <a:pt x="11558" y="15706"/>
-                </a:lnTo>
-                <a:lnTo>
-                  <a:pt x="11558" y="14072"/>
-                </a:lnTo>
-                <a:lnTo>
-                  <a:pt x="10179" y="14072"/>
-                </a:lnTo>
-                <a:cubicBezTo>
-                  <a:pt x="10179" y="14072"/>
-                  <a:pt x="10179" y="15706"/>
-                  <a:pt x="10179" y="15706"/>
-                </a:cubicBezTo>
-                <a:close/>
-                <a:moveTo>
-                  <a:pt x="10800" y="20618"/>
-                </a:moveTo>
-                <a:cubicBezTo>
-                  <a:pt x="5377" y="20618"/>
-                  <a:pt x="982" y="16223"/>
-                  <a:pt x="982" y="10800"/>
-                </a:cubicBezTo>
-                <a:cubicBezTo>
-                  <a:pt x="982" y="5377"/>
-                  <a:pt x="5377" y="982"/>
-                  <a:pt x="10800" y="982"/>
-                </a:cubicBezTo>
-                <a:cubicBezTo>
-                  <a:pt x="16223" y="982"/>
-                  <a:pt x="20618" y="5377"/>
-                  <a:pt x="20618" y="10800"/>
-                </a:cubicBezTo>
-                <a:cubicBezTo>
-                  <a:pt x="20618" y="16223"/>
-                  <a:pt x="16223" y="20618"/>
-                  <a:pt x="10800" y="20618"/>
-                </a:cubicBezTo>
-                <a:moveTo>
-                  <a:pt x="10800" y="0"/>
-                </a:moveTo>
-                <a:cubicBezTo>
-                  <a:pt x="4835" y="0"/>
-                  <a:pt x="0" y="4836"/>
-                  <a:pt x="0" y="10800"/>
-                </a:cubicBezTo>
-                <a:cubicBezTo>
-                  <a:pt x="0" y="16764"/>
-                  <a:pt x="4835" y="21600"/>
-                  <a:pt x="10800" y="21600"/>
-                </a:cubicBezTo>
-                <a:cubicBezTo>
-                  <a:pt x="16764" y="21600"/>
-                  <a:pt x="21600" y="16764"/>
-                  <a:pt x="21600" y="10800"/>
-                </a:cubicBezTo>
-                <a:cubicBezTo>
-                  <a:pt x="21600" y="4836"/>
-                  <a:pt x="16764" y="0"/>
-                  <a:pt x="10800" y="0"/>
-                </a:cubicBezTo>
-              </a:path>
-            </a:pathLst>
-          </a:custGeom>
-          <a:solidFill>
-            <a:srgbClr val="737572"/>
-          </a:solidFill>
-          <a:ln w="12700">
-            <a:miter lim="400000"/>
-          </a:ln>
-        </p:spPr>
-        <p:txBody>
-          <a:bodyPr lIns="22860" rIns="22860" anchor="ctr"/>
-          <a:lstStyle/>
-          <a:p>
-            <a:pPr defTabSz="227965">
-              <a:defRPr sz="2900">
-                <a:solidFill>
-                  <a:srgbClr val="FFFFFF"/>
-                </a:solidFill>
-                <a:effectLst>
-                  <a:outerShdw blurRad="38100" dist="12700" dir="5400000" rotWithShape="0">
-                    <a:srgbClr val="000000">
-                      <a:alpha val="50000"/>
-                    </a:srgbClr>
-                  </a:outerShdw>
-                </a:effectLst>
-                <a:latin typeface="Gill Sans"/>
-                <a:ea typeface="Gill Sans"/>
-                <a:cs typeface="Gill Sans"/>
-                <a:sym typeface="Gill Sans"/>
-              </a:defRPr>
-            </a:pPr>
-            <a:endParaRPr sz="1450"/>
-          </a:p>
-        </p:txBody>
-      </p:sp>
-      <p:sp>
-        <p:nvSpPr>
-          <p:cNvPr id="52" name="形状">
-            <a:extLst>
-              <a:ext uri="{FF2B5EF4-FFF2-40B4-BE49-F238E27FC236}">
-                <a16:creationId xmlns:a16="http://schemas.microsoft.com/office/drawing/2014/main" id="{CD8F3C54-EA82-43B1-AE44-2F35998EDF93}"/>
-              </a:ext>
-            </a:extLst>
-          </p:cNvPr>
-          <p:cNvSpPr/>
-          <p:nvPr/>
-        </p:nvSpPr>
-        <p:spPr>
-          <a:xfrm>
-            <a:off x="5956336" y="2340314"/>
-            <a:ext cx="279328" cy="279328"/>
-          </a:xfrm>
-          <a:custGeom>
-            <a:avLst/>
-            <a:gdLst/>
-            <a:ahLst/>
-            <a:cxnLst>
-              <a:cxn ang="0">
-                <a:pos x="wd2" y="hd2"/>
-              </a:cxn>
-              <a:cxn ang="5400000">
-                <a:pos x="wd2" y="hd2"/>
-              </a:cxn>
-              <a:cxn ang="10800000">
-                <a:pos x="wd2" y="hd2"/>
-              </a:cxn>
-              <a:cxn ang="16200000">
-                <a:pos x="wd2" y="hd2"/>
-              </a:cxn>
-            </a:cxnLst>
-            <a:rect l="0" t="0" r="r" b="b"/>
-            <a:pathLst>
-              <a:path w="21600" h="21600" extrusionOk="0">
-                <a:moveTo>
-                  <a:pt x="12991" y="6559"/>
-                </a:moveTo>
-                <a:cubicBezTo>
-                  <a:pt x="12727" y="6341"/>
-                  <a:pt x="12420" y="6172"/>
-                  <a:pt x="12078" y="6058"/>
-                </a:cubicBezTo>
-                <a:cubicBezTo>
-                  <a:pt x="11737" y="5946"/>
-                  <a:pt x="11367" y="5889"/>
-                  <a:pt x="10978" y="5889"/>
-                </a:cubicBezTo>
-                <a:cubicBezTo>
-                  <a:pt x="10477" y="5889"/>
-                  <a:pt x="10025" y="5967"/>
-                  <a:pt x="9633" y="6120"/>
-                </a:cubicBezTo>
-                <a:cubicBezTo>
-                  <a:pt x="9239" y="6275"/>
-                  <a:pt x="8900" y="6494"/>
-                  <a:pt x="8623" y="6771"/>
-                </a:cubicBezTo>
-                <a:cubicBezTo>
-                  <a:pt x="8346" y="7049"/>
-                  <a:pt x="8133" y="7392"/>
-                  <a:pt x="7992" y="7788"/>
-                </a:cubicBezTo>
-                <a:cubicBezTo>
-                  <a:pt x="7853" y="8180"/>
-                  <a:pt x="7782" y="8620"/>
-                  <a:pt x="7782" y="9096"/>
-                </a:cubicBezTo>
-                <a:lnTo>
-                  <a:pt x="7782" y="9217"/>
-                </a:lnTo>
-                <a:lnTo>
-                  <a:pt x="8880" y="9217"/>
-                </a:lnTo>
-                <a:lnTo>
-                  <a:pt x="8877" y="9093"/>
-                </a:lnTo>
-                <a:cubicBezTo>
-                  <a:pt x="8868" y="8767"/>
-                  <a:pt x="8908" y="8461"/>
-                  <a:pt x="8993" y="8187"/>
-                </a:cubicBezTo>
-                <a:cubicBezTo>
-                  <a:pt x="9079" y="7914"/>
-                  <a:pt x="9207" y="7675"/>
-                  <a:pt x="9377" y="7473"/>
-                </a:cubicBezTo>
-                <a:cubicBezTo>
-                  <a:pt x="9545" y="7274"/>
-                  <a:pt x="9762" y="7115"/>
-                  <a:pt x="10024" y="7000"/>
-                </a:cubicBezTo>
-                <a:cubicBezTo>
-                  <a:pt x="10287" y="6884"/>
-                  <a:pt x="10594" y="6827"/>
-                  <a:pt x="10937" y="6827"/>
-                </a:cubicBezTo>
-                <a:cubicBezTo>
-                  <a:pt x="11182" y="6827"/>
-                  <a:pt x="11418" y="6868"/>
-                  <a:pt x="11639" y="6950"/>
-                </a:cubicBezTo>
-                <a:cubicBezTo>
-                  <a:pt x="11858" y="7032"/>
-                  <a:pt x="12053" y="7146"/>
-                  <a:pt x="12218" y="7289"/>
-                </a:cubicBezTo>
-                <a:cubicBezTo>
-                  <a:pt x="12381" y="7431"/>
-                  <a:pt x="12512" y="7605"/>
-                  <a:pt x="12609" y="7808"/>
-                </a:cubicBezTo>
-                <a:cubicBezTo>
-                  <a:pt x="12704" y="8011"/>
-                  <a:pt x="12752" y="8236"/>
-                  <a:pt x="12752" y="8478"/>
-                </a:cubicBezTo>
-                <a:cubicBezTo>
-                  <a:pt x="12752" y="8797"/>
-                  <a:pt x="12674" y="9089"/>
-                  <a:pt x="12519" y="9350"/>
-                </a:cubicBezTo>
-                <a:cubicBezTo>
-                  <a:pt x="12359" y="9618"/>
-                  <a:pt x="12154" y="9865"/>
-                  <a:pt x="11913" y="10082"/>
-                </a:cubicBezTo>
-                <a:cubicBezTo>
-                  <a:pt x="11624" y="10337"/>
-                  <a:pt x="11374" y="10568"/>
-                  <a:pt x="11170" y="10771"/>
-                </a:cubicBezTo>
-                <a:cubicBezTo>
-                  <a:pt x="10959" y="10979"/>
-                  <a:pt x="10789" y="11200"/>
-                  <a:pt x="10662" y="11428"/>
-                </a:cubicBezTo>
-                <a:cubicBezTo>
-                  <a:pt x="10534" y="11657"/>
-                  <a:pt x="10441" y="11916"/>
-                  <a:pt x="10385" y="12199"/>
-                </a:cubicBezTo>
-                <a:cubicBezTo>
-                  <a:pt x="10329" y="12478"/>
-                  <a:pt x="10305" y="12827"/>
-                  <a:pt x="10315" y="13237"/>
-                </a:cubicBezTo>
-                <a:lnTo>
-                  <a:pt x="10318" y="13355"/>
-                </a:lnTo>
-                <a:lnTo>
-                  <a:pt x="11407" y="13355"/>
-                </a:lnTo>
-                <a:lnTo>
-                  <a:pt x="11410" y="13237"/>
-                </a:lnTo>
-                <a:cubicBezTo>
-                  <a:pt x="11418" y="12838"/>
-                  <a:pt x="11436" y="12531"/>
-                  <a:pt x="11463" y="12322"/>
-                </a:cubicBezTo>
-                <a:cubicBezTo>
-                  <a:pt x="11488" y="12125"/>
-                  <a:pt x="11538" y="11956"/>
-                  <a:pt x="11611" y="11821"/>
-                </a:cubicBezTo>
-                <a:cubicBezTo>
-                  <a:pt x="11687" y="11684"/>
-                  <a:pt x="11803" y="11541"/>
-                  <a:pt x="11959" y="11399"/>
-                </a:cubicBezTo>
-                <a:cubicBezTo>
-                  <a:pt x="12127" y="11245"/>
-                  <a:pt x="12351" y="11031"/>
-                  <a:pt x="12630" y="10762"/>
-                </a:cubicBezTo>
-                <a:cubicBezTo>
-                  <a:pt x="12979" y="10441"/>
-                  <a:pt x="13270" y="10102"/>
-                  <a:pt x="13495" y="9753"/>
-                </a:cubicBezTo>
-                <a:cubicBezTo>
-                  <a:pt x="13729" y="9393"/>
-                  <a:pt x="13847" y="8952"/>
-                  <a:pt x="13847" y="8439"/>
-                </a:cubicBezTo>
-                <a:cubicBezTo>
-                  <a:pt x="13847" y="8038"/>
-                  <a:pt x="13770" y="7675"/>
-                  <a:pt x="13618" y="7362"/>
-                </a:cubicBezTo>
-                <a:cubicBezTo>
-                  <a:pt x="13467" y="7050"/>
-                  <a:pt x="13256" y="6780"/>
-                  <a:pt x="12991" y="6559"/>
-                </a:cubicBezTo>
-                <a:moveTo>
-                  <a:pt x="10179" y="15706"/>
-                </a:moveTo>
-                <a:lnTo>
-                  <a:pt x="11558" y="15706"/>
-                </a:lnTo>
-                <a:lnTo>
-                  <a:pt x="11558" y="14072"/>
-                </a:lnTo>
-                <a:lnTo>
-                  <a:pt x="10179" y="14072"/>
-                </a:lnTo>
-                <a:cubicBezTo>
-                  <a:pt x="10179" y="14072"/>
-                  <a:pt x="10179" y="15706"/>
-                  <a:pt x="10179" y="15706"/>
-                </a:cubicBezTo>
-                <a:close/>
-                <a:moveTo>
-                  <a:pt x="10800" y="20618"/>
-                </a:moveTo>
-                <a:cubicBezTo>
-                  <a:pt x="5377" y="20618"/>
-                  <a:pt x="982" y="16223"/>
-                  <a:pt x="982" y="10800"/>
-                </a:cubicBezTo>
-                <a:cubicBezTo>
-                  <a:pt x="982" y="5377"/>
-                  <a:pt x="5377" y="982"/>
-                  <a:pt x="10800" y="982"/>
-                </a:cubicBezTo>
-                <a:cubicBezTo>
-                  <a:pt x="16223" y="982"/>
-                  <a:pt x="20618" y="5377"/>
-                  <a:pt x="20618" y="10800"/>
-                </a:cubicBezTo>
-                <a:cubicBezTo>
-                  <a:pt x="20618" y="16223"/>
-                  <a:pt x="16223" y="20618"/>
-                  <a:pt x="10800" y="20618"/>
-                </a:cubicBezTo>
-                <a:moveTo>
-                  <a:pt x="10800" y="0"/>
-                </a:moveTo>
-                <a:cubicBezTo>
-                  <a:pt x="4835" y="0"/>
-                  <a:pt x="0" y="4836"/>
-                  <a:pt x="0" y="10800"/>
-                </a:cubicBezTo>
-                <a:cubicBezTo>
-                  <a:pt x="0" y="16764"/>
-                  <a:pt x="4835" y="21600"/>
-                  <a:pt x="10800" y="21600"/>
-                </a:cubicBezTo>
-                <a:cubicBezTo>
-                  <a:pt x="16764" y="21600"/>
-                  <a:pt x="21600" y="16764"/>
-                  <a:pt x="21600" y="10800"/>
-                </a:cubicBezTo>
-                <a:cubicBezTo>
-                  <a:pt x="21600" y="4836"/>
-                  <a:pt x="16764" y="0"/>
-                  <a:pt x="10800" y="0"/>
-                </a:cubicBezTo>
-              </a:path>
-            </a:pathLst>
-          </a:custGeom>
-          <a:solidFill>
-            <a:srgbClr val="737572"/>
-          </a:solidFill>
-          <a:ln w="12700">
-            <a:miter lim="400000"/>
-          </a:ln>
-        </p:spPr>
-        <p:txBody>
-          <a:bodyPr lIns="22860" rIns="22860" anchor="ctr"/>
-          <a:lstStyle/>
-          <a:p>
-            <a:pPr defTabSz="227965">
-              <a:defRPr sz="2900">
-                <a:solidFill>
-                  <a:srgbClr val="FFFFFF"/>
-                </a:solidFill>
-                <a:effectLst>
-                  <a:outerShdw blurRad="38100" dist="12700" dir="5400000" rotWithShape="0">
-                    <a:srgbClr val="000000">
-                      <a:alpha val="50000"/>
-                    </a:srgbClr>
-                  </a:outerShdw>
-                </a:effectLst>
-                <a:latin typeface="Gill Sans"/>
-                <a:ea typeface="Gill Sans"/>
-                <a:cs typeface="Gill Sans"/>
-                <a:sym typeface="Gill Sans"/>
-              </a:defRPr>
-            </a:pPr>
-            <a:endParaRPr sz="1450" dirty="0"/>
-          </a:p>
-        </p:txBody>
-      </p:sp>
-      <p:sp>
-        <p:nvSpPr>
-          <p:cNvPr id="53" name="圆形">
-            <a:extLst>
-              <a:ext uri="{FF2B5EF4-FFF2-40B4-BE49-F238E27FC236}">
-                <a16:creationId xmlns:a16="http://schemas.microsoft.com/office/drawing/2014/main" id="{933BCAB1-E63D-41BF-8A49-635321B11AF9}"/>
-              </a:ext>
-            </a:extLst>
-          </p:cNvPr>
-          <p:cNvSpPr/>
-          <p:nvPr/>
-        </p:nvSpPr>
-        <p:spPr>
-          <a:xfrm>
-            <a:off x="5686476" y="4313387"/>
-            <a:ext cx="842501" cy="842501"/>
-          </a:xfrm>
-          <a:prstGeom prst="ellipse">
-            <a:avLst/>
-          </a:prstGeom>
-          <a:solidFill>
-            <a:schemeClr val="accent5">
-              <a:lumMod val="20000"/>
-              <a:lumOff val="80000"/>
-            </a:schemeClr>
-          </a:solidFill>
-          <a:ln w="12700">
-            <a:miter lim="400000"/>
-          </a:ln>
-        </p:spPr>
-        <p:txBody>
-          <a:bodyPr lIns="22860" rIns="22860" anchor="ctr"/>
-          <a:lstStyle/>
-          <a:p>
-            <a:pPr algn="ctr">
-              <a:defRPr>
-                <a:solidFill>
-                  <a:srgbClr val="FFFFFF"/>
-                </a:solidFill>
-              </a:defRPr>
-            </a:pPr>
-            <a:endParaRPr sz="900" dirty="0"/>
-          </a:p>
-        </p:txBody>
-      </p:sp>
-      <p:sp>
-        <p:nvSpPr>
-          <p:cNvPr id="54" name="文本框 53">
-            <a:extLst>
-              <a:ext uri="{FF2B5EF4-FFF2-40B4-BE49-F238E27FC236}">
-                <a16:creationId xmlns:a16="http://schemas.microsoft.com/office/drawing/2014/main" id="{75CA3878-B532-4AA2-BE93-40E9549DBFBC}"/>
-              </a:ext>
-            </a:extLst>
-          </p:cNvPr>
-          <p:cNvSpPr txBox="1"/>
-          <p:nvPr/>
-        </p:nvSpPr>
-        <p:spPr>
-          <a:xfrm>
-            <a:off x="5214427" y="5430972"/>
-            <a:ext cx="1786597" cy="338554"/>
-          </a:xfrm>
-          <a:prstGeom prst="rect">
-            <a:avLst/>
-          </a:prstGeom>
-          <a:noFill/>
-        </p:spPr>
-        <p:txBody>
-          <a:bodyPr wrap="square" rtlCol="0">
-            <a:spAutoFit/>
-          </a:bodyPr>
-          <a:lstStyle/>
-          <a:p>
-            <a:pPr algn="ctr"/>
-            <a:r>
-              <a:rPr lang="zh-CN" altLang="en-US" sz="1600" dirty="0">
-                <a:latin typeface="微软雅黑" panose="020B0503020204020204" charset="-122"/>
-                <a:ea typeface="微软雅黑" panose="020B0503020204020204" charset="-122"/>
-                <a:cs typeface="Open Sans" panose="020B0606030504020204" pitchFamily="34" charset="0"/>
-              </a:rPr>
-              <a:t>深入理解</a:t>
-            </a:r>
-            <a:r>
-              <a:rPr lang="en-US" altLang="zh-CN" sz="1600" dirty="0">
-                <a:latin typeface="微软雅黑" panose="020B0503020204020204" charset="-122"/>
-                <a:ea typeface="微软雅黑" panose="020B0503020204020204" charset="-122"/>
-                <a:cs typeface="Open Sans" panose="020B0606030504020204" pitchFamily="34" charset="0"/>
-              </a:rPr>
-              <a:t>Docker</a:t>
-            </a:r>
-          </a:p>
-        </p:txBody>
-      </p:sp>
-      <p:sp>
-        <p:nvSpPr>
-          <p:cNvPr id="55" name="形状">
-            <a:extLst>
-              <a:ext uri="{FF2B5EF4-FFF2-40B4-BE49-F238E27FC236}">
-                <a16:creationId xmlns:a16="http://schemas.microsoft.com/office/drawing/2014/main" id="{7D26EA6A-954D-4115-AC1C-9ED9576B68FA}"/>
-              </a:ext>
-            </a:extLst>
-          </p:cNvPr>
-          <p:cNvSpPr/>
-          <p:nvPr/>
-        </p:nvSpPr>
-        <p:spPr>
-          <a:xfrm>
-            <a:off x="5967960" y="4607960"/>
-            <a:ext cx="279328" cy="279328"/>
-          </a:xfrm>
-          <a:custGeom>
-            <a:avLst/>
-            <a:gdLst/>
-            <a:ahLst/>
-            <a:cxnLst>
-              <a:cxn ang="0">
-                <a:pos x="wd2" y="hd2"/>
-              </a:cxn>
-              <a:cxn ang="5400000">
-                <a:pos x="wd2" y="hd2"/>
-              </a:cxn>
-              <a:cxn ang="10800000">
-                <a:pos x="wd2" y="hd2"/>
-              </a:cxn>
-              <a:cxn ang="16200000">
-                <a:pos x="wd2" y="hd2"/>
-              </a:cxn>
-            </a:cxnLst>
-            <a:rect l="0" t="0" r="r" b="b"/>
-            <a:pathLst>
-              <a:path w="21600" h="21600" extrusionOk="0">
-                <a:moveTo>
-                  <a:pt x="9327" y="17673"/>
-                </a:moveTo>
-                <a:cubicBezTo>
-                  <a:pt x="4718" y="17673"/>
-                  <a:pt x="982" y="13936"/>
-                  <a:pt x="982" y="9327"/>
-                </a:cubicBezTo>
-                <a:cubicBezTo>
-                  <a:pt x="982" y="4718"/>
-                  <a:pt x="4718" y="982"/>
-                  <a:pt x="9327" y="982"/>
-                </a:cubicBezTo>
-                <a:cubicBezTo>
-                  <a:pt x="13936" y="982"/>
-                  <a:pt x="17673" y="4718"/>
-                  <a:pt x="17673" y="9327"/>
-                </a:cubicBezTo>
-                <a:cubicBezTo>
-                  <a:pt x="17673" y="13936"/>
-                  <a:pt x="13936" y="17673"/>
-                  <a:pt x="9327" y="17673"/>
-                </a:cubicBezTo>
-                <a:moveTo>
-                  <a:pt x="21456" y="20762"/>
-                </a:moveTo>
-                <a:lnTo>
-                  <a:pt x="16253" y="15559"/>
-                </a:lnTo>
-                <a:cubicBezTo>
-                  <a:pt x="17741" y="13907"/>
-                  <a:pt x="18655" y="11726"/>
-                  <a:pt x="18655" y="9327"/>
-                </a:cubicBezTo>
-                <a:cubicBezTo>
-                  <a:pt x="18655" y="4176"/>
-                  <a:pt x="14479" y="0"/>
-                  <a:pt x="9327" y="0"/>
-                </a:cubicBezTo>
-                <a:cubicBezTo>
-                  <a:pt x="4176" y="0"/>
-                  <a:pt x="0" y="4176"/>
-                  <a:pt x="0" y="9327"/>
-                </a:cubicBezTo>
-                <a:cubicBezTo>
-                  <a:pt x="0" y="14479"/>
-                  <a:pt x="4176" y="18655"/>
-                  <a:pt x="9327" y="18655"/>
-                </a:cubicBezTo>
-                <a:cubicBezTo>
-                  <a:pt x="11726" y="18655"/>
-                  <a:pt x="13907" y="17742"/>
-                  <a:pt x="15559" y="16253"/>
-                </a:cubicBezTo>
-                <a:lnTo>
-                  <a:pt x="20762" y="21456"/>
-                </a:lnTo>
-                <a:cubicBezTo>
-                  <a:pt x="20851" y="21546"/>
-                  <a:pt x="20973" y="21600"/>
-                  <a:pt x="21109" y="21600"/>
-                </a:cubicBezTo>
-                <a:cubicBezTo>
-                  <a:pt x="21380" y="21600"/>
-                  <a:pt x="21600" y="21381"/>
-                  <a:pt x="21600" y="21109"/>
-                </a:cubicBezTo>
-                <a:cubicBezTo>
-                  <a:pt x="21600" y="20974"/>
-                  <a:pt x="21545" y="20851"/>
-                  <a:pt x="21456" y="20762"/>
-                </a:cubicBezTo>
-              </a:path>
-            </a:pathLst>
-          </a:custGeom>
-          <a:solidFill>
-            <a:srgbClr val="737572"/>
-          </a:solidFill>
-          <a:ln w="12700">
-            <a:miter lim="400000"/>
-          </a:ln>
-        </p:spPr>
-        <p:txBody>
-          <a:bodyPr lIns="22860" rIns="22860" anchor="ctr"/>
-          <a:lstStyle/>
-          <a:p>
-            <a:pPr defTabSz="227965">
-              <a:defRPr sz="2900">
-                <a:solidFill>
-                  <a:srgbClr val="FFFFFF"/>
-                </a:solidFill>
-                <a:effectLst>
-                  <a:outerShdw blurRad="38100" dist="12700" dir="5400000" rotWithShape="0">
-                    <a:srgbClr val="000000">
-                      <a:alpha val="50000"/>
-                    </a:srgbClr>
-                  </a:outerShdw>
-                </a:effectLst>
-                <a:latin typeface="Gill Sans"/>
-                <a:ea typeface="Gill Sans"/>
-                <a:cs typeface="Gill Sans"/>
-                <a:sym typeface="Gill Sans"/>
-              </a:defRPr>
-            </a:pPr>
-            <a:endParaRPr sz="1450"/>
-          </a:p>
-        </p:txBody>
-      </p:sp>
-      <p:sp>
-        <p:nvSpPr>
-          <p:cNvPr id="56" name="形状">
-            <a:extLst>
-              <a:ext uri="{FF2B5EF4-FFF2-40B4-BE49-F238E27FC236}">
-                <a16:creationId xmlns:a16="http://schemas.microsoft.com/office/drawing/2014/main" id="{7D252840-3532-40F1-B637-D70FB4075A25}"/>
-              </a:ext>
-            </a:extLst>
-          </p:cNvPr>
-          <p:cNvSpPr/>
-          <p:nvPr/>
-        </p:nvSpPr>
-        <p:spPr>
-          <a:xfrm>
-            <a:off x="2458873" y="4604287"/>
-            <a:ext cx="253935" cy="279328"/>
-          </a:xfrm>
-          <a:custGeom>
-            <a:avLst/>
-            <a:gdLst/>
-            <a:ahLst/>
-            <a:cxnLst>
-              <a:cxn ang="0">
-                <a:pos x="wd2" y="hd2"/>
-              </a:cxn>
-              <a:cxn ang="5400000">
-                <a:pos x="wd2" y="hd2"/>
-              </a:cxn>
-              <a:cxn ang="10800000">
-                <a:pos x="wd2" y="hd2"/>
-              </a:cxn>
-              <a:cxn ang="16200000">
-                <a:pos x="wd2" y="hd2"/>
-              </a:cxn>
-            </a:cxnLst>
-            <a:rect l="0" t="0" r="r" b="b"/>
-            <a:pathLst>
-              <a:path w="21600" h="21600" extrusionOk="0">
-                <a:moveTo>
-                  <a:pt x="20520" y="4979"/>
-                </a:moveTo>
-                <a:lnTo>
-                  <a:pt x="7560" y="6792"/>
-                </a:lnTo>
-                <a:lnTo>
-                  <a:pt x="7560" y="2876"/>
-                </a:lnTo>
-                <a:lnTo>
-                  <a:pt x="20520" y="1063"/>
-                </a:lnTo>
-                <a:cubicBezTo>
-                  <a:pt x="20520" y="1063"/>
-                  <a:pt x="20520" y="4979"/>
-                  <a:pt x="20520" y="4979"/>
-                </a:cubicBezTo>
-                <a:close/>
-                <a:moveTo>
-                  <a:pt x="18900" y="17673"/>
-                </a:moveTo>
-                <a:lnTo>
-                  <a:pt x="16740" y="17673"/>
-                </a:lnTo>
-                <a:cubicBezTo>
-                  <a:pt x="15845" y="17673"/>
-                  <a:pt x="15120" y="17014"/>
-                  <a:pt x="15120" y="16200"/>
-                </a:cubicBezTo>
-                <a:cubicBezTo>
-                  <a:pt x="15120" y="15387"/>
-                  <a:pt x="15845" y="14727"/>
-                  <a:pt x="16740" y="14727"/>
-                </a:cubicBezTo>
-                <a:lnTo>
-                  <a:pt x="18900" y="14727"/>
-                </a:lnTo>
-                <a:cubicBezTo>
-                  <a:pt x="19795" y="14727"/>
-                  <a:pt x="20520" y="15387"/>
-                  <a:pt x="20520" y="16200"/>
-                </a:cubicBezTo>
-                <a:cubicBezTo>
-                  <a:pt x="20520" y="17014"/>
-                  <a:pt x="19795" y="17673"/>
-                  <a:pt x="18900" y="17673"/>
-                </a:cubicBezTo>
-                <a:moveTo>
-                  <a:pt x="4860" y="20618"/>
-                </a:moveTo>
-                <a:lnTo>
-                  <a:pt x="2700" y="20618"/>
-                </a:lnTo>
-                <a:cubicBezTo>
-                  <a:pt x="1805" y="20618"/>
-                  <a:pt x="1080" y="19959"/>
-                  <a:pt x="1080" y="19146"/>
-                </a:cubicBezTo>
-                <a:cubicBezTo>
-                  <a:pt x="1080" y="18332"/>
-                  <a:pt x="1805" y="17673"/>
-                  <a:pt x="2700" y="17673"/>
-                </a:cubicBezTo>
-                <a:lnTo>
-                  <a:pt x="4860" y="17673"/>
-                </a:lnTo>
-                <a:cubicBezTo>
-                  <a:pt x="5755" y="17673"/>
-                  <a:pt x="6480" y="18332"/>
-                  <a:pt x="6480" y="19146"/>
-                </a:cubicBezTo>
-                <a:cubicBezTo>
-                  <a:pt x="6480" y="19959"/>
-                  <a:pt x="5755" y="20618"/>
-                  <a:pt x="4860" y="20618"/>
-                </a:cubicBezTo>
-                <a:moveTo>
-                  <a:pt x="21060" y="0"/>
-                </a:moveTo>
-                <a:cubicBezTo>
-                  <a:pt x="21031" y="0"/>
-                  <a:pt x="21006" y="11"/>
-                  <a:pt x="20980" y="15"/>
-                </a:cubicBezTo>
-                <a:lnTo>
-                  <a:pt x="20978" y="6"/>
-                </a:lnTo>
-                <a:lnTo>
-                  <a:pt x="6938" y="1969"/>
-                </a:lnTo>
-                <a:lnTo>
-                  <a:pt x="6940" y="1979"/>
-                </a:lnTo>
-                <a:cubicBezTo>
-                  <a:pt x="6681" y="2016"/>
-                  <a:pt x="6480" y="2210"/>
-                  <a:pt x="6480" y="2455"/>
-                </a:cubicBezTo>
-                <a:lnTo>
-                  <a:pt x="6480" y="17193"/>
-                </a:lnTo>
-                <a:cubicBezTo>
-                  <a:pt x="6028" y="16882"/>
-                  <a:pt x="5471" y="16691"/>
-                  <a:pt x="4860" y="16691"/>
-                </a:cubicBezTo>
-                <a:lnTo>
-                  <a:pt x="2700" y="16691"/>
-                </a:lnTo>
-                <a:cubicBezTo>
-                  <a:pt x="1209" y="16691"/>
-                  <a:pt x="0" y="17790"/>
-                  <a:pt x="0" y="19146"/>
-                </a:cubicBezTo>
-                <a:cubicBezTo>
-                  <a:pt x="0" y="20501"/>
-                  <a:pt x="1209" y="21600"/>
-                  <a:pt x="2700" y="21600"/>
-                </a:cubicBezTo>
-                <a:lnTo>
-                  <a:pt x="4860" y="21600"/>
-                </a:lnTo>
-                <a:cubicBezTo>
-                  <a:pt x="6352" y="21600"/>
-                  <a:pt x="7560" y="20501"/>
-                  <a:pt x="7560" y="19146"/>
-                </a:cubicBezTo>
-                <a:lnTo>
-                  <a:pt x="7560" y="7785"/>
-                </a:lnTo>
-                <a:lnTo>
-                  <a:pt x="20520" y="5972"/>
-                </a:lnTo>
-                <a:lnTo>
-                  <a:pt x="20520" y="14248"/>
-                </a:lnTo>
-                <a:cubicBezTo>
-                  <a:pt x="20068" y="13937"/>
-                  <a:pt x="19511" y="13745"/>
-                  <a:pt x="18900" y="13745"/>
-                </a:cubicBezTo>
-                <a:lnTo>
-                  <a:pt x="16740" y="13745"/>
-                </a:lnTo>
-                <a:cubicBezTo>
-                  <a:pt x="15249" y="13745"/>
-                  <a:pt x="14040" y="14845"/>
-                  <a:pt x="14040" y="16200"/>
-                </a:cubicBezTo>
-                <a:cubicBezTo>
-                  <a:pt x="14040" y="17556"/>
-                  <a:pt x="15249" y="18655"/>
-                  <a:pt x="16740" y="18655"/>
-                </a:cubicBezTo>
-                <a:lnTo>
-                  <a:pt x="18900" y="18655"/>
-                </a:lnTo>
-                <a:cubicBezTo>
-                  <a:pt x="20392" y="18655"/>
-                  <a:pt x="21600" y="17556"/>
-                  <a:pt x="21600" y="16200"/>
-                </a:cubicBezTo>
-                <a:lnTo>
-                  <a:pt x="21600" y="491"/>
-                </a:lnTo>
-                <a:cubicBezTo>
-                  <a:pt x="21600" y="220"/>
-                  <a:pt x="21358" y="0"/>
-                  <a:pt x="21060" y="0"/>
-                </a:cubicBezTo>
-              </a:path>
-            </a:pathLst>
-          </a:custGeom>
-          <a:solidFill>
-            <a:srgbClr val="737572"/>
-          </a:solidFill>
-          <a:ln w="12700">
-            <a:miter lim="400000"/>
-          </a:ln>
-        </p:spPr>
-        <p:txBody>
-          <a:bodyPr lIns="22860" rIns="22860" anchor="ctr"/>
-          <a:lstStyle/>
-          <a:p>
-            <a:pPr defTabSz="227965">
-              <a:defRPr sz="2900">
-                <a:solidFill>
-                  <a:srgbClr val="FFFFFF"/>
-                </a:solidFill>
-                <a:effectLst>
-                  <a:outerShdw blurRad="38100" dist="12700" dir="5400000" rotWithShape="0">
-                    <a:srgbClr val="000000">
-                      <a:alpha val="50000"/>
-                    </a:srgbClr>
-                  </a:outerShdw>
-                </a:effectLst>
-                <a:latin typeface="Gill Sans"/>
-                <a:ea typeface="Gill Sans"/>
-                <a:cs typeface="Gill Sans"/>
-                <a:sym typeface="Gill Sans"/>
-              </a:defRPr>
-            </a:pPr>
-            <a:endParaRPr sz="1450"/>
-          </a:p>
-        </p:txBody>
-      </p:sp>
-      <p:sp>
-        <p:nvSpPr>
-          <p:cNvPr id="20" name="形状">
-            <a:extLst>
-              <a:ext uri="{FF2B5EF4-FFF2-40B4-BE49-F238E27FC236}">
-                <a16:creationId xmlns:a16="http://schemas.microsoft.com/office/drawing/2014/main" id="{DEB779AE-3CDD-4BF6-ABFF-C432DE058235}"/>
-              </a:ext>
-            </a:extLst>
-          </p:cNvPr>
-          <p:cNvSpPr/>
-          <p:nvPr/>
-        </p:nvSpPr>
-        <p:spPr>
-          <a:xfrm>
-            <a:off x="9473319" y="4549661"/>
-            <a:ext cx="388580" cy="388580"/>
-          </a:xfrm>
-          <a:custGeom>
-            <a:avLst/>
-            <a:gdLst/>
-            <a:ahLst/>
-            <a:cxnLst>
-              <a:cxn ang="0">
-                <a:pos x="wd2" y="hd2"/>
-              </a:cxn>
-              <a:cxn ang="5400000">
-                <a:pos x="wd2" y="hd2"/>
-              </a:cxn>
-              <a:cxn ang="10800000">
-                <a:pos x="wd2" y="hd2"/>
-              </a:cxn>
-              <a:cxn ang="16200000">
-                <a:pos x="wd2" y="hd2"/>
-              </a:cxn>
-            </a:cxnLst>
-            <a:rect l="0" t="0" r="r" b="b"/>
-            <a:pathLst>
-              <a:path w="21600" h="21600" extrusionOk="0">
-                <a:moveTo>
-                  <a:pt x="20618" y="19636"/>
-                </a:moveTo>
-                <a:cubicBezTo>
-                  <a:pt x="20618" y="20179"/>
-                  <a:pt x="20178" y="20619"/>
-                  <a:pt x="19636" y="20619"/>
-                </a:cubicBezTo>
-                <a:lnTo>
-                  <a:pt x="1964" y="20619"/>
-                </a:lnTo>
-                <a:cubicBezTo>
-                  <a:pt x="1421" y="20619"/>
-                  <a:pt x="982" y="20179"/>
-                  <a:pt x="982" y="19636"/>
-                </a:cubicBezTo>
-                <a:lnTo>
-                  <a:pt x="982" y="1964"/>
-                </a:lnTo>
-                <a:cubicBezTo>
-                  <a:pt x="982" y="1422"/>
-                  <a:pt x="1421" y="982"/>
-                  <a:pt x="1964" y="982"/>
-                </a:cubicBezTo>
-                <a:lnTo>
-                  <a:pt x="19636" y="982"/>
-                </a:lnTo>
-                <a:cubicBezTo>
-                  <a:pt x="20178" y="982"/>
-                  <a:pt x="20618" y="1422"/>
-                  <a:pt x="20618" y="1964"/>
-                </a:cubicBezTo>
-                <a:cubicBezTo>
-                  <a:pt x="20618" y="1964"/>
-                  <a:pt x="20618" y="19636"/>
-                  <a:pt x="20618" y="19636"/>
-                </a:cubicBezTo>
-                <a:close/>
-                <a:moveTo>
-                  <a:pt x="19636" y="0"/>
-                </a:moveTo>
-                <a:lnTo>
-                  <a:pt x="1964" y="0"/>
-                </a:lnTo>
-                <a:cubicBezTo>
-                  <a:pt x="879" y="0"/>
-                  <a:pt x="0" y="879"/>
-                  <a:pt x="0" y="1964"/>
-                </a:cubicBezTo>
-                <a:lnTo>
-                  <a:pt x="0" y="19636"/>
-                </a:lnTo>
-                <a:cubicBezTo>
-                  <a:pt x="0" y="20721"/>
-                  <a:pt x="879" y="21600"/>
-                  <a:pt x="1964" y="21600"/>
-                </a:cubicBezTo>
-                <a:lnTo>
-                  <a:pt x="19636" y="21600"/>
-                </a:lnTo>
-                <a:cubicBezTo>
-                  <a:pt x="20721" y="21600"/>
-                  <a:pt x="21600" y="20721"/>
-                  <a:pt x="21600" y="19636"/>
-                </a:cubicBezTo>
-                <a:lnTo>
-                  <a:pt x="21600" y="1964"/>
-                </a:lnTo>
-                <a:cubicBezTo>
-                  <a:pt x="21600" y="879"/>
-                  <a:pt x="20721" y="0"/>
-                  <a:pt x="19636" y="0"/>
-                </a:cubicBezTo>
-                <a:moveTo>
-                  <a:pt x="4294" y="17673"/>
-                </a:moveTo>
-                <a:lnTo>
-                  <a:pt x="8376" y="10732"/>
-                </a:lnTo>
-                <a:lnTo>
-                  <a:pt x="10838" y="14425"/>
-                </a:lnTo>
-                <a:cubicBezTo>
-                  <a:pt x="10862" y="14484"/>
-                  <a:pt x="10898" y="14536"/>
-                  <a:pt x="10942" y="14581"/>
-                </a:cubicBezTo>
-                <a:lnTo>
-                  <a:pt x="10944" y="14583"/>
-                </a:lnTo>
-                <a:cubicBezTo>
-                  <a:pt x="11033" y="14673"/>
-                  <a:pt x="11155" y="14727"/>
-                  <a:pt x="11291" y="14727"/>
-                </a:cubicBezTo>
-                <a:cubicBezTo>
-                  <a:pt x="11427" y="14727"/>
-                  <a:pt x="11549" y="14673"/>
-                  <a:pt x="11638" y="14583"/>
-                </a:cubicBezTo>
-                <a:lnTo>
-                  <a:pt x="13686" y="12536"/>
-                </a:lnTo>
-                <a:lnTo>
-                  <a:pt x="17242" y="17673"/>
-                </a:lnTo>
-                <a:cubicBezTo>
-                  <a:pt x="17242" y="17673"/>
-                  <a:pt x="4294" y="17673"/>
-                  <a:pt x="4294" y="17673"/>
-                </a:cubicBezTo>
-                <a:close/>
-                <a:moveTo>
-                  <a:pt x="18620" y="17982"/>
-                </a:moveTo>
-                <a:lnTo>
-                  <a:pt x="18617" y="17978"/>
-                </a:lnTo>
-                <a:cubicBezTo>
-                  <a:pt x="18590" y="17913"/>
-                  <a:pt x="18551" y="17858"/>
-                  <a:pt x="18501" y="17810"/>
-                </a:cubicBezTo>
-                <a:lnTo>
-                  <a:pt x="14201" y="11600"/>
-                </a:lnTo>
-                <a:lnTo>
-                  <a:pt x="14200" y="11601"/>
-                </a:lnTo>
-                <a:cubicBezTo>
-                  <a:pt x="14127" y="11420"/>
-                  <a:pt x="13952" y="11291"/>
-                  <a:pt x="13745" y="11291"/>
-                </a:cubicBezTo>
-                <a:cubicBezTo>
-                  <a:pt x="13610" y="11291"/>
-                  <a:pt x="13488" y="11346"/>
-                  <a:pt x="13398" y="11435"/>
-                </a:cubicBezTo>
-                <a:lnTo>
-                  <a:pt x="11360" y="13473"/>
-                </a:lnTo>
-                <a:lnTo>
-                  <a:pt x="8798" y="9630"/>
-                </a:lnTo>
-                <a:cubicBezTo>
-                  <a:pt x="8724" y="9453"/>
-                  <a:pt x="8550" y="9327"/>
-                  <a:pt x="8345" y="9327"/>
-                </a:cubicBezTo>
-                <a:cubicBezTo>
-                  <a:pt x="8175" y="9327"/>
-                  <a:pt x="8033" y="9420"/>
-                  <a:pt x="7945" y="9551"/>
-                </a:cubicBezTo>
-                <a:lnTo>
-                  <a:pt x="7937" y="9546"/>
-                </a:lnTo>
-                <a:lnTo>
-                  <a:pt x="3028" y="17891"/>
-                </a:lnTo>
-                <a:lnTo>
-                  <a:pt x="3036" y="17897"/>
-                </a:lnTo>
-                <a:cubicBezTo>
-                  <a:pt x="2983" y="17974"/>
-                  <a:pt x="2945" y="18063"/>
-                  <a:pt x="2945" y="18164"/>
-                </a:cubicBezTo>
-                <a:cubicBezTo>
-                  <a:pt x="2945" y="18435"/>
-                  <a:pt x="3165" y="18655"/>
-                  <a:pt x="3436" y="18655"/>
-                </a:cubicBezTo>
-                <a:lnTo>
-                  <a:pt x="18164" y="18655"/>
-                </a:lnTo>
-                <a:cubicBezTo>
-                  <a:pt x="18435" y="18655"/>
-                  <a:pt x="18655" y="18435"/>
-                  <a:pt x="18655" y="18164"/>
-                </a:cubicBezTo>
-                <a:cubicBezTo>
-                  <a:pt x="18655" y="18099"/>
-                  <a:pt x="18640" y="18039"/>
-                  <a:pt x="18618" y="17983"/>
-                </a:cubicBezTo>
-                <a:cubicBezTo>
-                  <a:pt x="18618" y="17983"/>
-                  <a:pt x="18620" y="17982"/>
-                  <a:pt x="18620" y="17982"/>
-                </a:cubicBezTo>
-                <a:close/>
-                <a:moveTo>
-                  <a:pt x="5400" y="3927"/>
-                </a:moveTo>
-                <a:cubicBezTo>
-                  <a:pt x="6213" y="3927"/>
-                  <a:pt x="6873" y="4587"/>
-                  <a:pt x="6873" y="5400"/>
-                </a:cubicBezTo>
-                <a:cubicBezTo>
-                  <a:pt x="6873" y="6214"/>
-                  <a:pt x="6213" y="6873"/>
-                  <a:pt x="5400" y="6873"/>
-                </a:cubicBezTo>
-                <a:cubicBezTo>
-                  <a:pt x="4587" y="6873"/>
-                  <a:pt x="3927" y="6214"/>
-                  <a:pt x="3927" y="5400"/>
-                </a:cubicBezTo>
-                <a:cubicBezTo>
-                  <a:pt x="3927" y="4587"/>
-                  <a:pt x="4587" y="3927"/>
-                  <a:pt x="5400" y="3927"/>
-                </a:cubicBezTo>
-                <a:moveTo>
-                  <a:pt x="5400" y="7855"/>
-                </a:moveTo>
-                <a:cubicBezTo>
-                  <a:pt x="6756" y="7855"/>
-                  <a:pt x="7855" y="6756"/>
-                  <a:pt x="7855" y="5400"/>
-                </a:cubicBezTo>
-                <a:cubicBezTo>
-                  <a:pt x="7855" y="4045"/>
-                  <a:pt x="6756" y="2945"/>
-                  <a:pt x="5400" y="2945"/>
-                </a:cubicBezTo>
-                <a:cubicBezTo>
-                  <a:pt x="4044" y="2945"/>
-                  <a:pt x="2945" y="4045"/>
-                  <a:pt x="2945" y="5400"/>
-                </a:cubicBezTo>
-                <a:cubicBezTo>
-                  <a:pt x="2945" y="6756"/>
-                  <a:pt x="4044" y="7855"/>
-                  <a:pt x="5400" y="7855"/>
-                </a:cubicBezTo>
-              </a:path>
-            </a:pathLst>
-          </a:custGeom>
-          <a:solidFill>
-            <a:srgbClr val="FFFFFF"/>
-          </a:solidFill>
-          <a:ln w="12700">
-            <a:miter lim="400000"/>
-          </a:ln>
-        </p:spPr>
-        <p:txBody>
-          <a:bodyPr lIns="22860" rIns="22860" anchor="ctr"/>
-          <a:lstStyle/>
-          <a:p>
-            <a:pPr defTabSz="227965">
-              <a:defRPr sz="2900">
-                <a:solidFill>
-                  <a:srgbClr val="FFFFFF"/>
-                </a:solidFill>
-                <a:effectLst>
-                  <a:outerShdw blurRad="38100" dist="12700" dir="5400000" rotWithShape="0">
-                    <a:srgbClr val="000000">
-                      <a:alpha val="50000"/>
-                    </a:srgbClr>
-                  </a:outerShdw>
-                </a:effectLst>
-                <a:latin typeface="Lato Light"/>
-                <a:ea typeface="Lato Light"/>
-                <a:cs typeface="Lato Light"/>
-                <a:sym typeface="Lato Light"/>
-              </a:defRPr>
-            </a:pPr>
-            <a:endParaRPr sz="1450"/>
-          </a:p>
-        </p:txBody>
-      </p:sp>
-      <p:sp>
-        <p:nvSpPr>
-          <p:cNvPr id="21" name="圆形">
-            <a:extLst>
-              <a:ext uri="{FF2B5EF4-FFF2-40B4-BE49-F238E27FC236}">
-                <a16:creationId xmlns:a16="http://schemas.microsoft.com/office/drawing/2014/main" id="{DE8BF3BD-9C0A-4D7E-B658-76214874333D}"/>
-              </a:ext>
-            </a:extLst>
-          </p:cNvPr>
-          <p:cNvSpPr/>
-          <p:nvPr/>
-        </p:nvSpPr>
-        <p:spPr>
-          <a:xfrm>
-            <a:off x="9195563" y="4313386"/>
-            <a:ext cx="842501" cy="842501"/>
-          </a:xfrm>
-          <a:prstGeom prst="ellipse">
-            <a:avLst/>
-          </a:prstGeom>
-          <a:solidFill>
-            <a:schemeClr val="accent5">
-              <a:lumMod val="20000"/>
-              <a:lumOff val="80000"/>
-            </a:schemeClr>
-          </a:solidFill>
-          <a:ln w="12700">
-            <a:miter lim="400000"/>
-          </a:ln>
-        </p:spPr>
-        <p:txBody>
-          <a:bodyPr lIns="22860" rIns="22860" anchor="ctr"/>
-          <a:lstStyle/>
-          <a:p>
-            <a:pPr algn="ctr">
-              <a:defRPr>
-                <a:solidFill>
-                  <a:srgbClr val="FFFFFF"/>
-                </a:solidFill>
-              </a:defRPr>
-            </a:pPr>
-            <a:endParaRPr sz="900" dirty="0"/>
-          </a:p>
-        </p:txBody>
-      </p:sp>
-      <p:sp>
-        <p:nvSpPr>
-          <p:cNvPr id="22" name="文本框 21">
-            <a:extLst>
-              <a:ext uri="{FF2B5EF4-FFF2-40B4-BE49-F238E27FC236}">
-                <a16:creationId xmlns:a16="http://schemas.microsoft.com/office/drawing/2014/main" id="{9D061ADD-2B1D-487A-854D-14FB5F42550C}"/>
-              </a:ext>
-            </a:extLst>
-          </p:cNvPr>
-          <p:cNvSpPr txBox="1"/>
-          <p:nvPr/>
-        </p:nvSpPr>
-        <p:spPr>
-          <a:xfrm>
-            <a:off x="8630589" y="5439044"/>
-            <a:ext cx="1972448" cy="338554"/>
-          </a:xfrm>
-          <a:prstGeom prst="rect">
-            <a:avLst/>
-          </a:prstGeom>
-          <a:noFill/>
-        </p:spPr>
-        <p:txBody>
-          <a:bodyPr wrap="square" rtlCol="0">
-            <a:spAutoFit/>
-          </a:bodyPr>
-          <a:lstStyle/>
-          <a:p>
-            <a:pPr algn="ctr"/>
-            <a:r>
-              <a:rPr lang="en-US" altLang="zh-CN" sz="1600" dirty="0">
-                <a:latin typeface="微软雅黑" panose="020B0503020204020204" charset="-122"/>
-                <a:ea typeface="微软雅黑" panose="020B0503020204020204" charset="-122"/>
-                <a:cs typeface="Open Sans" panose="020B0606030504020204" pitchFamily="34" charset="0"/>
-              </a:rPr>
-              <a:t>Mesos</a:t>
-            </a:r>
-            <a:r>
-              <a:rPr lang="zh-CN" altLang="en-US" sz="1600" dirty="0">
-                <a:latin typeface="微软雅黑" panose="020B0503020204020204" charset="-122"/>
-                <a:ea typeface="微软雅黑" panose="020B0503020204020204" charset="-122"/>
-                <a:cs typeface="Open Sans" panose="020B0606030504020204" pitchFamily="34" charset="0"/>
-              </a:rPr>
-              <a:t>与</a:t>
-            </a:r>
-            <a:r>
-              <a:rPr lang="en-US" altLang="zh-CN" sz="1600" dirty="0">
-                <a:latin typeface="微软雅黑" panose="020B0503020204020204" charset="-122"/>
-                <a:ea typeface="微软雅黑" panose="020B0503020204020204" charset="-122"/>
-                <a:cs typeface="Open Sans" panose="020B0606030504020204" pitchFamily="34" charset="0"/>
-              </a:rPr>
-              <a:t>Chronos</a:t>
-            </a:r>
-          </a:p>
-        </p:txBody>
-      </p:sp>
-      <p:sp>
-        <p:nvSpPr>
-          <p:cNvPr id="24" name="形状">
-            <a:extLst>
-              <a:ext uri="{FF2B5EF4-FFF2-40B4-BE49-F238E27FC236}">
-                <a16:creationId xmlns:a16="http://schemas.microsoft.com/office/drawing/2014/main" id="{0C9CF1D6-1DBC-4B22-A6C8-B2C064CB9D97}"/>
-              </a:ext>
-            </a:extLst>
-          </p:cNvPr>
-          <p:cNvSpPr/>
-          <p:nvPr/>
-        </p:nvSpPr>
-        <p:spPr>
-          <a:xfrm>
-            <a:off x="9473319" y="4604287"/>
-            <a:ext cx="279328" cy="279328"/>
-          </a:xfrm>
-          <a:custGeom>
-            <a:avLst/>
-            <a:gdLst/>
-            <a:ahLst/>
-            <a:cxnLst>
-              <a:cxn ang="0">
-                <a:pos x="wd2" y="hd2"/>
-              </a:cxn>
-              <a:cxn ang="5400000">
-                <a:pos x="wd2" y="hd2"/>
-              </a:cxn>
-              <a:cxn ang="10800000">
-                <a:pos x="wd2" y="hd2"/>
-              </a:cxn>
-              <a:cxn ang="16200000">
-                <a:pos x="wd2" y="hd2"/>
-              </a:cxn>
-            </a:cxnLst>
-            <a:rect l="0" t="0" r="r" b="b"/>
-            <a:pathLst>
-              <a:path w="21600" h="21600" extrusionOk="0">
-                <a:moveTo>
-                  <a:pt x="17481" y="12956"/>
-                </a:moveTo>
-                <a:cubicBezTo>
-                  <a:pt x="17070" y="12258"/>
-                  <a:pt x="16576" y="11533"/>
-                  <a:pt x="16011" y="10795"/>
-                </a:cubicBezTo>
-                <a:cubicBezTo>
-                  <a:pt x="16573" y="10063"/>
-                  <a:pt x="17072" y="9339"/>
-                  <a:pt x="17481" y="8644"/>
-                </a:cubicBezTo>
-                <a:cubicBezTo>
-                  <a:pt x="19410" y="9181"/>
-                  <a:pt x="20618" y="9948"/>
-                  <a:pt x="20618" y="10800"/>
-                </a:cubicBezTo>
-                <a:cubicBezTo>
-                  <a:pt x="20618" y="11652"/>
-                  <a:pt x="19410" y="12419"/>
-                  <a:pt x="17481" y="12956"/>
-                </a:cubicBezTo>
-                <a:moveTo>
-                  <a:pt x="17742" y="17743"/>
-                </a:moveTo>
-                <a:cubicBezTo>
-                  <a:pt x="17140" y="18345"/>
-                  <a:pt x="15740" y="18028"/>
-                  <a:pt x="13996" y="17045"/>
-                </a:cubicBezTo>
-                <a:cubicBezTo>
-                  <a:pt x="14198" y="16261"/>
-                  <a:pt x="14365" y="15406"/>
-                  <a:pt x="14487" y="14488"/>
-                </a:cubicBezTo>
-                <a:cubicBezTo>
-                  <a:pt x="15405" y="14366"/>
-                  <a:pt x="16261" y="14198"/>
-                  <a:pt x="17044" y="13996"/>
-                </a:cubicBezTo>
-                <a:cubicBezTo>
-                  <a:pt x="18028" y="15740"/>
-                  <a:pt x="18345" y="17140"/>
-                  <a:pt x="17742" y="17743"/>
-                </a:cubicBezTo>
-                <a:moveTo>
-                  <a:pt x="15404" y="11561"/>
-                </a:moveTo>
-                <a:cubicBezTo>
-                  <a:pt x="15837" y="12119"/>
-                  <a:pt x="16219" y="12662"/>
-                  <a:pt x="16554" y="13185"/>
-                </a:cubicBezTo>
-                <a:cubicBezTo>
-                  <a:pt x="15950" y="13317"/>
-                  <a:pt x="15295" y="13429"/>
-                  <a:pt x="14597" y="13517"/>
-                </a:cubicBezTo>
-                <a:cubicBezTo>
-                  <a:pt x="14631" y="13155"/>
-                  <a:pt x="14655" y="12784"/>
-                  <a:pt x="14677" y="12409"/>
-                </a:cubicBezTo>
-                <a:cubicBezTo>
-                  <a:pt x="14930" y="12127"/>
-                  <a:pt x="15170" y="11844"/>
-                  <a:pt x="15404" y="11561"/>
-                </a:cubicBezTo>
-                <a:moveTo>
-                  <a:pt x="15402" y="10032"/>
-                </a:moveTo>
-                <a:cubicBezTo>
-                  <a:pt x="15170" y="9752"/>
-                  <a:pt x="14928" y="9471"/>
-                  <a:pt x="14677" y="9191"/>
-                </a:cubicBezTo>
-                <a:cubicBezTo>
-                  <a:pt x="14655" y="8817"/>
-                  <a:pt x="14631" y="8445"/>
-                  <a:pt x="14597" y="8084"/>
-                </a:cubicBezTo>
-                <a:cubicBezTo>
-                  <a:pt x="15295" y="8171"/>
-                  <a:pt x="15950" y="8283"/>
-                  <a:pt x="16554" y="8415"/>
-                </a:cubicBezTo>
-                <a:cubicBezTo>
-                  <a:pt x="16221" y="8935"/>
-                  <a:pt x="15832" y="9478"/>
-                  <a:pt x="15402" y="10032"/>
-                </a:cubicBezTo>
-                <a:moveTo>
-                  <a:pt x="17742" y="3857"/>
-                </a:moveTo>
-                <a:cubicBezTo>
-                  <a:pt x="18345" y="4460"/>
-                  <a:pt x="18028" y="5860"/>
-                  <a:pt x="17044" y="7604"/>
-                </a:cubicBezTo>
-                <a:cubicBezTo>
-                  <a:pt x="16261" y="7402"/>
-                  <a:pt x="15405" y="7234"/>
-                  <a:pt x="14487" y="7112"/>
-                </a:cubicBezTo>
-                <a:cubicBezTo>
-                  <a:pt x="14365" y="6194"/>
-                  <a:pt x="14198" y="5339"/>
-                  <a:pt x="13996" y="4555"/>
-                </a:cubicBezTo>
-                <a:cubicBezTo>
-                  <a:pt x="15740" y="3572"/>
-                  <a:pt x="17140" y="3255"/>
-                  <a:pt x="17742" y="3857"/>
-                </a:cubicBezTo>
-                <a:moveTo>
-                  <a:pt x="13718" y="12012"/>
-                </a:moveTo>
-                <a:cubicBezTo>
-                  <a:pt x="13448" y="12303"/>
-                  <a:pt x="13172" y="12593"/>
-                  <a:pt x="12882" y="12883"/>
-                </a:cubicBezTo>
-                <a:cubicBezTo>
-                  <a:pt x="12593" y="13172"/>
-                  <a:pt x="12303" y="13449"/>
-                  <a:pt x="12012" y="13719"/>
-                </a:cubicBezTo>
-                <a:cubicBezTo>
-                  <a:pt x="11614" y="13733"/>
-                  <a:pt x="11212" y="13745"/>
-                  <a:pt x="10800" y="13745"/>
-                </a:cubicBezTo>
-                <a:cubicBezTo>
-                  <a:pt x="10387" y="13745"/>
-                  <a:pt x="9985" y="13733"/>
-                  <a:pt x="9587" y="13719"/>
-                </a:cubicBezTo>
-                <a:cubicBezTo>
-                  <a:pt x="9297" y="13449"/>
-                  <a:pt x="9006" y="13172"/>
-                  <a:pt x="8717" y="12883"/>
-                </a:cubicBezTo>
-                <a:cubicBezTo>
-                  <a:pt x="8428" y="12593"/>
-                  <a:pt x="8152" y="12303"/>
-                  <a:pt x="7881" y="12012"/>
-                </a:cubicBezTo>
-                <a:cubicBezTo>
-                  <a:pt x="7866" y="11614"/>
-                  <a:pt x="7855" y="11212"/>
-                  <a:pt x="7855" y="10800"/>
-                </a:cubicBezTo>
-                <a:cubicBezTo>
-                  <a:pt x="7855" y="10388"/>
-                  <a:pt x="7866" y="9986"/>
-                  <a:pt x="7881" y="9587"/>
-                </a:cubicBezTo>
-                <a:cubicBezTo>
-                  <a:pt x="8152" y="9297"/>
-                  <a:pt x="8428" y="9007"/>
-                  <a:pt x="8717" y="8717"/>
-                </a:cubicBezTo>
-                <a:cubicBezTo>
-                  <a:pt x="9006" y="8428"/>
-                  <a:pt x="9297" y="8151"/>
-                  <a:pt x="9587" y="7881"/>
-                </a:cubicBezTo>
-                <a:cubicBezTo>
-                  <a:pt x="9985" y="7867"/>
-                  <a:pt x="10387" y="7855"/>
-                  <a:pt x="10800" y="7855"/>
-                </a:cubicBezTo>
-                <a:cubicBezTo>
-                  <a:pt x="11212" y="7855"/>
-                  <a:pt x="11614" y="7867"/>
-                  <a:pt x="12012" y="7881"/>
-                </a:cubicBezTo>
-                <a:cubicBezTo>
-                  <a:pt x="12303" y="8151"/>
-                  <a:pt x="12593" y="8428"/>
-                  <a:pt x="12882" y="8717"/>
-                </a:cubicBezTo>
-                <a:cubicBezTo>
-                  <a:pt x="13172" y="9007"/>
-                  <a:pt x="13448" y="9297"/>
-                  <a:pt x="13718" y="9587"/>
-                </a:cubicBezTo>
-                <a:cubicBezTo>
-                  <a:pt x="13733" y="9986"/>
-                  <a:pt x="13745" y="10388"/>
-                  <a:pt x="13745" y="10800"/>
-                </a:cubicBezTo>
-                <a:cubicBezTo>
-                  <a:pt x="13745" y="11212"/>
-                  <a:pt x="13733" y="11614"/>
-                  <a:pt x="13718" y="12012"/>
-                </a:cubicBezTo>
-                <a:moveTo>
-                  <a:pt x="13185" y="16555"/>
-                </a:moveTo>
-                <a:cubicBezTo>
-                  <a:pt x="12662" y="16219"/>
-                  <a:pt x="12120" y="15837"/>
-                  <a:pt x="11561" y="15404"/>
-                </a:cubicBezTo>
-                <a:cubicBezTo>
-                  <a:pt x="11844" y="15170"/>
-                  <a:pt x="12127" y="14931"/>
-                  <a:pt x="12409" y="14677"/>
-                </a:cubicBezTo>
-                <a:cubicBezTo>
-                  <a:pt x="12783" y="14655"/>
-                  <a:pt x="13155" y="14631"/>
-                  <a:pt x="13517" y="14597"/>
-                </a:cubicBezTo>
-                <a:cubicBezTo>
-                  <a:pt x="13429" y="15295"/>
-                  <a:pt x="13316" y="15950"/>
-                  <a:pt x="13185" y="16555"/>
-                </a:cubicBezTo>
-                <a:moveTo>
-                  <a:pt x="10800" y="20618"/>
-                </a:moveTo>
-                <a:cubicBezTo>
-                  <a:pt x="9948" y="20618"/>
-                  <a:pt x="9181" y="19410"/>
-                  <a:pt x="8643" y="17481"/>
-                </a:cubicBezTo>
-                <a:cubicBezTo>
-                  <a:pt x="9339" y="17072"/>
-                  <a:pt x="10062" y="16573"/>
-                  <a:pt x="10795" y="16011"/>
-                </a:cubicBezTo>
-                <a:cubicBezTo>
-                  <a:pt x="11532" y="16576"/>
-                  <a:pt x="12258" y="17070"/>
-                  <a:pt x="12957" y="17481"/>
-                </a:cubicBezTo>
-                <a:cubicBezTo>
-                  <a:pt x="12419" y="19410"/>
-                  <a:pt x="11652" y="20618"/>
-                  <a:pt x="10800" y="20618"/>
-                </a:cubicBezTo>
-                <a:moveTo>
-                  <a:pt x="8083" y="14597"/>
-                </a:moveTo>
-                <a:cubicBezTo>
-                  <a:pt x="8445" y="14631"/>
-                  <a:pt x="8816" y="14655"/>
-                  <a:pt x="9190" y="14677"/>
-                </a:cubicBezTo>
-                <a:cubicBezTo>
-                  <a:pt x="9471" y="14929"/>
-                  <a:pt x="9751" y="15170"/>
-                  <a:pt x="10032" y="15403"/>
-                </a:cubicBezTo>
-                <a:cubicBezTo>
-                  <a:pt x="9478" y="15832"/>
-                  <a:pt x="8935" y="16221"/>
-                  <a:pt x="8415" y="16555"/>
-                </a:cubicBezTo>
-                <a:cubicBezTo>
-                  <a:pt x="8283" y="15950"/>
-                  <a:pt x="8171" y="15295"/>
-                  <a:pt x="8083" y="14597"/>
-                </a:cubicBezTo>
-                <a:moveTo>
-                  <a:pt x="8415" y="5045"/>
-                </a:moveTo>
-                <a:cubicBezTo>
-                  <a:pt x="8938" y="5381"/>
-                  <a:pt x="9480" y="5762"/>
-                  <a:pt x="10038" y="6196"/>
-                </a:cubicBezTo>
-                <a:cubicBezTo>
-                  <a:pt x="9756" y="6430"/>
-                  <a:pt x="9473" y="6670"/>
-                  <a:pt x="9190" y="6924"/>
-                </a:cubicBezTo>
-                <a:cubicBezTo>
-                  <a:pt x="8816" y="6945"/>
-                  <a:pt x="8445" y="6969"/>
-                  <a:pt x="8083" y="7003"/>
-                </a:cubicBezTo>
-                <a:cubicBezTo>
-                  <a:pt x="8171" y="6305"/>
-                  <a:pt x="8283" y="5650"/>
-                  <a:pt x="8415" y="5045"/>
-                </a:cubicBezTo>
-                <a:moveTo>
-                  <a:pt x="10800" y="982"/>
-                </a:moveTo>
-                <a:cubicBezTo>
-                  <a:pt x="11652" y="982"/>
-                  <a:pt x="12419" y="2191"/>
-                  <a:pt x="12957" y="4119"/>
-                </a:cubicBezTo>
-                <a:cubicBezTo>
-                  <a:pt x="12261" y="4528"/>
-                  <a:pt x="11537" y="5027"/>
-                  <a:pt x="10804" y="5589"/>
-                </a:cubicBezTo>
-                <a:cubicBezTo>
-                  <a:pt x="10067" y="5024"/>
-                  <a:pt x="9341" y="4530"/>
-                  <a:pt x="8643" y="4119"/>
-                </a:cubicBezTo>
-                <a:cubicBezTo>
-                  <a:pt x="9181" y="2191"/>
-                  <a:pt x="9948" y="982"/>
-                  <a:pt x="10800" y="982"/>
-                </a:cubicBezTo>
-                <a:moveTo>
-                  <a:pt x="13517" y="7003"/>
-                </a:moveTo>
-                <a:cubicBezTo>
-                  <a:pt x="13155" y="6969"/>
-                  <a:pt x="12783" y="6945"/>
-                  <a:pt x="12409" y="6924"/>
-                </a:cubicBezTo>
-                <a:cubicBezTo>
-                  <a:pt x="12129" y="6671"/>
-                  <a:pt x="11848" y="6430"/>
-                  <a:pt x="11568" y="6198"/>
-                </a:cubicBezTo>
-                <a:cubicBezTo>
-                  <a:pt x="12122" y="5768"/>
-                  <a:pt x="12665" y="5379"/>
-                  <a:pt x="13185" y="5045"/>
-                </a:cubicBezTo>
-                <a:cubicBezTo>
-                  <a:pt x="13316" y="5650"/>
-                  <a:pt x="13429" y="6305"/>
-                  <a:pt x="13517" y="7003"/>
-                </a:cubicBezTo>
-                <a:moveTo>
-                  <a:pt x="7112" y="7112"/>
-                </a:moveTo>
-                <a:cubicBezTo>
-                  <a:pt x="6194" y="7234"/>
-                  <a:pt x="5339" y="7402"/>
-                  <a:pt x="4555" y="7604"/>
-                </a:cubicBezTo>
-                <a:cubicBezTo>
-                  <a:pt x="3572" y="5860"/>
-                  <a:pt x="3255" y="4460"/>
-                  <a:pt x="3858" y="3857"/>
-                </a:cubicBezTo>
-                <a:cubicBezTo>
-                  <a:pt x="4460" y="3255"/>
-                  <a:pt x="5860" y="3572"/>
-                  <a:pt x="7604" y="4555"/>
-                </a:cubicBezTo>
-                <a:cubicBezTo>
-                  <a:pt x="7402" y="5339"/>
-                  <a:pt x="7234" y="6194"/>
-                  <a:pt x="7112" y="7112"/>
-                </a:cubicBezTo>
-                <a:moveTo>
-                  <a:pt x="3858" y="17743"/>
-                </a:moveTo>
-                <a:cubicBezTo>
-                  <a:pt x="3255" y="17140"/>
-                  <a:pt x="3572" y="15740"/>
-                  <a:pt x="4555" y="13996"/>
-                </a:cubicBezTo>
-                <a:cubicBezTo>
-                  <a:pt x="5339" y="14198"/>
-                  <a:pt x="6194" y="14366"/>
-                  <a:pt x="7112" y="14488"/>
-                </a:cubicBezTo>
-                <a:cubicBezTo>
-                  <a:pt x="7234" y="15406"/>
-                  <a:pt x="7402" y="16261"/>
-                  <a:pt x="7604" y="17045"/>
-                </a:cubicBezTo>
-                <a:cubicBezTo>
-                  <a:pt x="5860" y="18028"/>
-                  <a:pt x="4460" y="18345"/>
-                  <a:pt x="3858" y="17743"/>
-                </a:cubicBezTo>
-                <a:moveTo>
-                  <a:pt x="7003" y="13517"/>
-                </a:moveTo>
-                <a:cubicBezTo>
-                  <a:pt x="6305" y="13429"/>
-                  <a:pt x="5650" y="13317"/>
-                  <a:pt x="5045" y="13185"/>
-                </a:cubicBezTo>
-                <a:cubicBezTo>
-                  <a:pt x="5379" y="12665"/>
-                  <a:pt x="5768" y="12122"/>
-                  <a:pt x="6197" y="11568"/>
-                </a:cubicBezTo>
-                <a:cubicBezTo>
-                  <a:pt x="6429" y="11848"/>
-                  <a:pt x="6671" y="12129"/>
-                  <a:pt x="6923" y="12409"/>
-                </a:cubicBezTo>
-                <a:cubicBezTo>
-                  <a:pt x="6944" y="12784"/>
-                  <a:pt x="6968" y="13155"/>
-                  <a:pt x="7003" y="13517"/>
-                </a:cubicBezTo>
-                <a:moveTo>
-                  <a:pt x="6923" y="9191"/>
-                </a:moveTo>
-                <a:cubicBezTo>
-                  <a:pt x="6669" y="9473"/>
-                  <a:pt x="6429" y="9756"/>
-                  <a:pt x="6196" y="10039"/>
-                </a:cubicBezTo>
-                <a:cubicBezTo>
-                  <a:pt x="5763" y="9481"/>
-                  <a:pt x="5381" y="8938"/>
-                  <a:pt x="5045" y="8415"/>
-                </a:cubicBezTo>
-                <a:cubicBezTo>
-                  <a:pt x="5650" y="8283"/>
-                  <a:pt x="6305" y="8171"/>
-                  <a:pt x="7003" y="8084"/>
-                </a:cubicBezTo>
-                <a:cubicBezTo>
-                  <a:pt x="6968" y="8445"/>
-                  <a:pt x="6944" y="8816"/>
-                  <a:pt x="6923" y="9191"/>
-                </a:cubicBezTo>
-                <a:moveTo>
-                  <a:pt x="982" y="10800"/>
-                </a:moveTo>
-                <a:cubicBezTo>
-                  <a:pt x="982" y="9948"/>
-                  <a:pt x="2190" y="9181"/>
-                  <a:pt x="4119" y="8644"/>
-                </a:cubicBezTo>
-                <a:cubicBezTo>
-                  <a:pt x="4530" y="9342"/>
-                  <a:pt x="5023" y="10067"/>
-                  <a:pt x="5588" y="10805"/>
-                </a:cubicBezTo>
-                <a:cubicBezTo>
-                  <a:pt x="5027" y="11537"/>
-                  <a:pt x="4528" y="12262"/>
-                  <a:pt x="4119" y="12956"/>
-                </a:cubicBezTo>
-                <a:cubicBezTo>
-                  <a:pt x="2190" y="12419"/>
-                  <a:pt x="982" y="11652"/>
-                  <a:pt x="982" y="10800"/>
-                </a:cubicBezTo>
-                <a:moveTo>
-                  <a:pt x="21600" y="10800"/>
-                </a:moveTo>
-                <a:cubicBezTo>
-                  <a:pt x="21600" y="9624"/>
-                  <a:pt x="20173" y="8571"/>
-                  <a:pt x="17918" y="7853"/>
-                </a:cubicBezTo>
-                <a:cubicBezTo>
-                  <a:pt x="19002" y="5750"/>
-                  <a:pt x="19269" y="3995"/>
-                  <a:pt x="18437" y="3163"/>
-                </a:cubicBezTo>
-                <a:cubicBezTo>
-                  <a:pt x="17605" y="2332"/>
-                  <a:pt x="15850" y="2598"/>
-                  <a:pt x="13748" y="3682"/>
-                </a:cubicBezTo>
-                <a:cubicBezTo>
-                  <a:pt x="13029" y="1427"/>
-                  <a:pt x="11976" y="0"/>
-                  <a:pt x="10800" y="0"/>
-                </a:cubicBezTo>
-                <a:cubicBezTo>
-                  <a:pt x="9623" y="0"/>
-                  <a:pt x="8571" y="1427"/>
-                  <a:pt x="7852" y="3682"/>
-                </a:cubicBezTo>
-                <a:cubicBezTo>
-                  <a:pt x="5750" y="2598"/>
-                  <a:pt x="3995" y="2332"/>
-                  <a:pt x="3163" y="3163"/>
-                </a:cubicBezTo>
-                <a:cubicBezTo>
-                  <a:pt x="2331" y="3995"/>
-                  <a:pt x="2598" y="5750"/>
-                  <a:pt x="3682" y="7853"/>
-                </a:cubicBezTo>
-                <a:cubicBezTo>
-                  <a:pt x="1426" y="8571"/>
-                  <a:pt x="0" y="9624"/>
-                  <a:pt x="0" y="10800"/>
-                </a:cubicBezTo>
-                <a:cubicBezTo>
-                  <a:pt x="0" y="11976"/>
-                  <a:pt x="1426" y="13029"/>
-                  <a:pt x="3682" y="13748"/>
-                </a:cubicBezTo>
-                <a:cubicBezTo>
-                  <a:pt x="2598" y="15851"/>
-                  <a:pt x="2331" y="17605"/>
-                  <a:pt x="3163" y="18437"/>
-                </a:cubicBezTo>
-                <a:cubicBezTo>
-                  <a:pt x="3995" y="19268"/>
-                  <a:pt x="5750" y="19002"/>
-                  <a:pt x="7852" y="17918"/>
-                </a:cubicBezTo>
-                <a:cubicBezTo>
-                  <a:pt x="8571" y="20173"/>
-                  <a:pt x="9623" y="21600"/>
-                  <a:pt x="10800" y="21600"/>
-                </a:cubicBezTo>
-                <a:cubicBezTo>
-                  <a:pt x="11976" y="21600"/>
-                  <a:pt x="13029" y="20173"/>
-                  <a:pt x="13748" y="17918"/>
-                </a:cubicBezTo>
-                <a:cubicBezTo>
-                  <a:pt x="15850" y="19002"/>
-                  <a:pt x="17605" y="19268"/>
-                  <a:pt x="18437" y="18437"/>
-                </a:cubicBezTo>
-                <a:cubicBezTo>
-                  <a:pt x="19269" y="17605"/>
-                  <a:pt x="19002" y="15851"/>
-                  <a:pt x="17918" y="13748"/>
-                </a:cubicBezTo>
-                <a:cubicBezTo>
-                  <a:pt x="20173" y="13029"/>
-                  <a:pt x="21600" y="11976"/>
-                  <a:pt x="21600" y="10800"/>
-                </a:cubicBezTo>
-                <a:moveTo>
-                  <a:pt x="10800" y="9818"/>
-                </a:moveTo>
-                <a:cubicBezTo>
-                  <a:pt x="10258" y="9818"/>
-                  <a:pt x="9818" y="10258"/>
-                  <a:pt x="9818" y="10800"/>
-                </a:cubicBezTo>
-                <a:cubicBezTo>
-                  <a:pt x="9818" y="11342"/>
-                  <a:pt x="10258" y="11782"/>
-                  <a:pt x="10800" y="11782"/>
-                </a:cubicBezTo>
-                <a:cubicBezTo>
-                  <a:pt x="11342" y="11782"/>
-                  <a:pt x="11782" y="11342"/>
-                  <a:pt x="11782" y="10800"/>
-                </a:cubicBezTo>
-                <a:cubicBezTo>
-                  <a:pt x="11782" y="10258"/>
-                  <a:pt x="11342" y="9818"/>
-                  <a:pt x="10800" y="9818"/>
-                </a:cubicBezTo>
-              </a:path>
-            </a:pathLst>
-          </a:custGeom>
-          <a:solidFill>
-            <a:srgbClr val="737572"/>
-          </a:solidFill>
-          <a:ln w="12700">
-            <a:miter lim="400000"/>
-          </a:ln>
-        </p:spPr>
-        <p:txBody>
-          <a:bodyPr lIns="22860" rIns="22860" anchor="ctr"/>
-          <a:lstStyle/>
-          <a:p>
-            <a:pPr defTabSz="227965">
-              <a:defRPr sz="2900">
-                <a:solidFill>
-                  <a:srgbClr val="FFFFFF"/>
-                </a:solidFill>
-                <a:effectLst>
-                  <a:outerShdw blurRad="38100" dist="12700" dir="5400000" rotWithShape="0">
-                    <a:srgbClr val="000000">
-                      <a:alpha val="50000"/>
-                    </a:srgbClr>
-                  </a:outerShdw>
-                </a:effectLst>
-                <a:latin typeface="Gill Sans"/>
-                <a:ea typeface="Gill Sans"/>
-                <a:cs typeface="Gill Sans"/>
-                <a:sym typeface="Gill Sans"/>
-              </a:defRPr>
-            </a:pPr>
-            <a:endParaRPr sz="1450"/>
-          </a:p>
-        </p:txBody>
-      </p:sp>
-    </p:spTree>
-  </p:cSld>
-  <p:clrMapOvr>
-    <a:masterClrMapping/>
-  </p:clrMapOvr>
-  <p:transition spd="med"/>
-</p:sld>
-</file>
-
-<file path=ppt/slides/slide20.xml><?xml version="1.0" encoding="utf-8"?>
+<file path=ppt/slides/slide21.xml><?xml version="1.0" encoding="utf-8"?>
 <p:sld xmlns:a="http://schemas.openxmlformats.org/drawingml/2006/main" xmlns:r="http://schemas.openxmlformats.org/officeDocument/2006/relationships" xmlns:p="http://schemas.openxmlformats.org/presentationml/2006/main">
   <p:cSld>
     <p:spTree>

--- a/技术分享/浅尝docker.pptx
+++ b/技术分享/浅尝docker.pptx
@@ -25,7 +25,8 @@
     <p:sldId id="300" r:id="rId19"/>
     <p:sldId id="302" r:id="rId20"/>
     <p:sldId id="292" r:id="rId21"/>
-    <p:sldId id="277" r:id="rId22"/>
+    <p:sldId id="304" r:id="rId22"/>
+    <p:sldId id="277" r:id="rId23"/>
   </p:sldIdLst>
   <p:sldSz cx="12192000" cy="6858000"/>
   <p:notesSz cx="6858000" cy="9144000"/>
@@ -144,6 +145,10 @@
 </p:cmAuthorLst>
 </file>
 
+<file path=ppt/revisionInfo.xml><?xml version="1.0" encoding="utf-8"?>
+<p1510:revInfo xmlns:a="http://schemas.openxmlformats.org/drawingml/2006/main" xmlns:r="http://schemas.openxmlformats.org/officeDocument/2006/relationships" xmlns:p1510="http://schemas.microsoft.com/office/powerpoint/2015/10/main"/>
+</file>
+
 <file path=ppt/slideLayouts/slideLayout1.xml><?xml version="1.0" encoding="utf-8"?>
 <p:sldLayout xmlns:a="http://schemas.openxmlformats.org/drawingml/2006/main" xmlns:r="http://schemas.openxmlformats.org/officeDocument/2006/relationships" xmlns:p="http://schemas.openxmlformats.org/presentationml/2006/main" type="title" preserve="1">
   <p:cSld name="标题幻灯片">
@@ -273,7 +278,7 @@
           <a:p>
             <a:fld id="{5F4A20D9-F5E9-F742-AD7A-FDCE7EDE5BD5}" type="datetimeFigureOut">
               <a:rPr kumimoji="1" lang="zh-CN" altLang="en-US" smtClean="0"/>
-              <a:t>2019/2/28</a:t>
+              <a:t>2019/3/1</a:t>
             </a:fld>
             <a:endParaRPr kumimoji="1" lang="zh-CN" altLang="en-US"/>
           </a:p>
@@ -436,7 +441,7 @@
           <a:p>
             <a:fld id="{5F4A20D9-F5E9-F742-AD7A-FDCE7EDE5BD5}" type="datetimeFigureOut">
               <a:rPr kumimoji="1" lang="zh-CN" altLang="en-US" smtClean="0"/>
-              <a:t>2019/2/28</a:t>
+              <a:t>2019/3/1</a:t>
             </a:fld>
             <a:endParaRPr kumimoji="1" lang="zh-CN" altLang="en-US"/>
           </a:p>
@@ -609,7 +614,7 @@
           <a:p>
             <a:fld id="{5F4A20D9-F5E9-F742-AD7A-FDCE7EDE5BD5}" type="datetimeFigureOut">
               <a:rPr kumimoji="1" lang="zh-CN" altLang="en-US" smtClean="0"/>
-              <a:t>2019/2/28</a:t>
+              <a:t>2019/3/1</a:t>
             </a:fld>
             <a:endParaRPr kumimoji="1" lang="zh-CN" altLang="en-US"/>
           </a:p>
@@ -825,7 +830,7 @@
           <a:p>
             <a:fld id="{5F4A20D9-F5E9-F742-AD7A-FDCE7EDE5BD5}" type="datetimeFigureOut">
               <a:rPr kumimoji="1" lang="zh-CN" altLang="en-US" smtClean="0"/>
-              <a:t>2019/2/28</a:t>
+              <a:t>2019/3/1</a:t>
             </a:fld>
             <a:endParaRPr kumimoji="1" lang="zh-CN" altLang="en-US"/>
           </a:p>
@@ -1065,7 +1070,7 @@
           <a:p>
             <a:fld id="{5F4A20D9-F5E9-F742-AD7A-FDCE7EDE5BD5}" type="datetimeFigureOut">
               <a:rPr kumimoji="1" lang="zh-CN" altLang="en-US" smtClean="0"/>
-              <a:t>2019/2/28</a:t>
+              <a:t>2019/3/1</a:t>
             </a:fld>
             <a:endParaRPr kumimoji="1" lang="zh-CN" altLang="en-US"/>
           </a:p>
@@ -1289,7 +1294,7 @@
           <a:p>
             <a:fld id="{5F4A20D9-F5E9-F742-AD7A-FDCE7EDE5BD5}" type="datetimeFigureOut">
               <a:rPr kumimoji="1" lang="zh-CN" altLang="en-US" smtClean="0"/>
-              <a:t>2019/2/28</a:t>
+              <a:t>2019/3/1</a:t>
             </a:fld>
             <a:endParaRPr kumimoji="1" lang="zh-CN" altLang="en-US"/>
           </a:p>
@@ -1648,7 +1653,7 @@
           <a:p>
             <a:fld id="{5F4A20D9-F5E9-F742-AD7A-FDCE7EDE5BD5}" type="datetimeFigureOut">
               <a:rPr kumimoji="1" lang="zh-CN" altLang="en-US" smtClean="0"/>
-              <a:t>2019/2/28</a:t>
+              <a:t>2019/3/1</a:t>
             </a:fld>
             <a:endParaRPr kumimoji="1" lang="zh-CN" altLang="en-US"/>
           </a:p>
@@ -1760,7 +1765,7 @@
           <a:p>
             <a:fld id="{5F4A20D9-F5E9-F742-AD7A-FDCE7EDE5BD5}" type="datetimeFigureOut">
               <a:rPr kumimoji="1" lang="zh-CN" altLang="en-US" smtClean="0"/>
-              <a:t>2019/2/28</a:t>
+              <a:t>2019/3/1</a:t>
             </a:fld>
             <a:endParaRPr kumimoji="1" lang="zh-CN" altLang="en-US"/>
           </a:p>
@@ -1850,7 +1855,7 @@
           <a:p>
             <a:fld id="{5F4A20D9-F5E9-F742-AD7A-FDCE7EDE5BD5}" type="datetimeFigureOut">
               <a:rPr kumimoji="1" lang="zh-CN" altLang="en-US" smtClean="0"/>
-              <a:t>2019/2/28</a:t>
+              <a:t>2019/3/1</a:t>
             </a:fld>
             <a:endParaRPr kumimoji="1" lang="zh-CN" altLang="en-US"/>
           </a:p>
@@ -2120,7 +2125,7 @@
           <a:p>
             <a:fld id="{5F4A20D9-F5E9-F742-AD7A-FDCE7EDE5BD5}" type="datetimeFigureOut">
               <a:rPr kumimoji="1" lang="zh-CN" altLang="en-US" smtClean="0"/>
-              <a:t>2019/2/28</a:t>
+              <a:t>2019/3/1</a:t>
             </a:fld>
             <a:endParaRPr kumimoji="1" lang="zh-CN" altLang="en-US"/>
           </a:p>
@@ -2367,7 +2372,7 @@
           <a:p>
             <a:fld id="{5F4A20D9-F5E9-F742-AD7A-FDCE7EDE5BD5}" type="datetimeFigureOut">
               <a:rPr kumimoji="1" lang="zh-CN" altLang="en-US" smtClean="0"/>
-              <a:t>2019/2/28</a:t>
+              <a:t>2019/3/1</a:t>
             </a:fld>
             <a:endParaRPr kumimoji="1" lang="zh-CN" altLang="en-US"/>
           </a:p>
@@ -2573,7 +2578,7 @@
           <a:p>
             <a:fld id="{5F4A20D9-F5E9-F742-AD7A-FDCE7EDE5BD5}" type="datetimeFigureOut">
               <a:rPr kumimoji="1" lang="zh-CN" altLang="en-US" smtClean="0"/>
-              <a:t>2019/2/28</a:t>
+              <a:t>2019/3/1</a:t>
             </a:fld>
             <a:endParaRPr kumimoji="1" lang="zh-CN" altLang="en-US"/>
           </a:p>
@@ -3680,8 +3685,8 @@
         </p:nvSpPr>
         <p:spPr>
           <a:xfrm>
-            <a:off x="838200" y="1825625"/>
-            <a:ext cx="10515600" cy="3727887"/>
+            <a:off x="815865" y="1221618"/>
+            <a:ext cx="10515600" cy="4650676"/>
           </a:xfrm>
         </p:spPr>
         <p:txBody>
@@ -3958,6 +3963,27 @@
               <a:rPr lang="zh-CN" altLang="en-US" sz="1800" dirty="0"/>
               <a:t>关键字。</a:t>
             </a:r>
+            <a:endParaRPr lang="en-US" altLang="zh-CN" sz="1800" dirty="0"/>
+          </a:p>
+          <a:p>
+            <a:pPr marL="0" indent="0">
+              <a:buNone/>
+            </a:pPr>
+            <a:endParaRPr lang="en-US" altLang="zh-CN" sz="1800" dirty="0"/>
+          </a:p>
+          <a:p>
+            <a:pPr marL="0" indent="0">
+              <a:buNone/>
+            </a:pPr>
+            <a:r>
+              <a:rPr lang="zh-CN" altLang="en-US" sz="1800" dirty="0"/>
+              <a:t>官方文档：</a:t>
+            </a:r>
+            <a:r>
+              <a:rPr lang="en-US" altLang="zh-CN" sz="1800" dirty="0"/>
+              <a:t>https://docs.docker.com/engine/reference/commandline/run/</a:t>
+            </a:r>
+            <a:endParaRPr lang="zh-CN" altLang="en-US" sz="1800" dirty="0"/>
           </a:p>
           <a:p>
             <a:pPr marL="0" indent="0">
@@ -6039,7 +6065,7 @@
         </p:blipFill>
         <p:spPr>
           <a:xfrm>
-            <a:off x="838200" y="3580511"/>
+            <a:off x="838200" y="3595338"/>
             <a:ext cx="7240398" cy="1853312"/>
           </a:xfrm>
           <a:prstGeom prst="rect">
@@ -8603,43 +8629,6 @@
             </a:pPr>
             <a:endParaRPr lang="zh-CN" altLang="en-US" sz="1800" dirty="0"/>
           </a:p>
-          <a:p>
-            <a:pPr marL="0" indent="0">
-              <a:buNone/>
-            </a:pPr>
-            <a:r>
-              <a:rPr lang="zh-CN" altLang="en-US" sz="1800" dirty="0"/>
-              <a:t>我们可以通过给</a:t>
-            </a:r>
-            <a:r>
-              <a:rPr lang="en-US" altLang="zh-CN" sz="1800" dirty="0"/>
-              <a:t>docker run </a:t>
-            </a:r>
-            <a:r>
-              <a:rPr lang="zh-CN" altLang="en-US" sz="1800" dirty="0"/>
-              <a:t>命令传参来控制分配容器的资源。</a:t>
-            </a:r>
-            <a:r>
-              <a:rPr lang="en-US" altLang="zh-CN" sz="1800" dirty="0"/>
-              <a:t>Docker run </a:t>
-            </a:r>
-            <a:r>
-              <a:rPr lang="zh-CN" altLang="en-US" sz="1800" dirty="0"/>
-              <a:t>命令中 </a:t>
-            </a:r>
-            <a:r>
-              <a:rPr lang="en-US" altLang="zh-CN" sz="1800" dirty="0" err="1"/>
-              <a:t>cgroups</a:t>
-            </a:r>
-            <a:r>
-              <a:rPr lang="en-US" altLang="zh-CN" sz="1800" dirty="0"/>
-              <a:t> </a:t>
-            </a:r>
-            <a:r>
-              <a:rPr lang="zh-CN" altLang="en-US" sz="1800" dirty="0"/>
-              <a:t>相关命令如下</a:t>
-            </a:r>
-          </a:p>
         </p:txBody>
       </p:sp>
       <p:grpSp>
@@ -9256,14 +9245,80 @@
         </p:blipFill>
         <p:spPr>
           <a:xfrm>
-            <a:off x="1370011" y="1204912"/>
-            <a:ext cx="7799383" cy="5095331"/>
+            <a:off x="796954" y="1855939"/>
+            <a:ext cx="6854033" cy="4477735"/>
           </a:xfrm>
           <a:prstGeom prst="rect">
             <a:avLst/>
           </a:prstGeom>
         </p:spPr>
       </p:pic>
+      <p:sp>
+        <p:nvSpPr>
+          <p:cNvPr id="2" name="文本框 1">
+            <a:extLst>
+              <a:ext uri="{FF2B5EF4-FFF2-40B4-BE49-F238E27FC236}">
+                <a16:creationId xmlns:a16="http://schemas.microsoft.com/office/drawing/2014/main" id="{7B70BCD9-0716-451E-9EC2-9C67CBF9F55C}"/>
+              </a:ext>
+            </a:extLst>
+          </p:cNvPr>
+          <p:cNvSpPr txBox="1"/>
+          <p:nvPr/>
+        </p:nvSpPr>
+        <p:spPr>
+          <a:xfrm>
+            <a:off x="620785" y="1034110"/>
+            <a:ext cx="9336946" cy="646331"/>
+          </a:xfrm>
+          <a:prstGeom prst="rect">
+            <a:avLst/>
+          </a:prstGeom>
+          <a:noFill/>
+        </p:spPr>
+        <p:txBody>
+          <a:bodyPr wrap="square" rtlCol="0">
+            <a:spAutoFit/>
+          </a:bodyPr>
+          <a:lstStyle/>
+          <a:p>
+            <a:r>
+              <a:rPr lang="zh-CN" altLang="en-US" dirty="0"/>
+              <a:t>我们可以通过给</a:t>
+            </a:r>
+            <a:r>
+              <a:rPr lang="en-US" altLang="zh-CN" dirty="0"/>
+              <a:t>docker run </a:t>
+            </a:r>
+            <a:r>
+              <a:rPr lang="zh-CN" altLang="en-US" dirty="0"/>
+              <a:t>命令传参来控制分配容器的资源。</a:t>
+            </a:r>
+            <a:endParaRPr lang="en-US" altLang="zh-CN" dirty="0"/>
+          </a:p>
+          <a:p>
+            <a:r>
+              <a:rPr lang="en-US" altLang="zh-CN" dirty="0"/>
+              <a:t>Docker run </a:t>
+            </a:r>
+            <a:r>
+              <a:rPr lang="zh-CN" altLang="en-US" dirty="0"/>
+              <a:t>命令中 </a:t>
+            </a:r>
+            <a:r>
+              <a:rPr lang="en-US" altLang="zh-CN" dirty="0" err="1"/>
+              <a:t>cgroups</a:t>
+            </a:r>
+            <a:r>
+              <a:rPr lang="en-US" altLang="zh-CN" dirty="0"/>
+              <a:t> </a:t>
+            </a:r>
+            <a:r>
+              <a:rPr lang="zh-CN" altLang="en-US" dirty="0"/>
+              <a:t>相关命令如下</a:t>
+            </a:r>
+          </a:p>
+        </p:txBody>
+      </p:sp>
     </p:spTree>
     <p:extLst>
       <p:ext uri="{BB962C8B-B14F-4D97-AF65-F5344CB8AC3E}">
@@ -12776,23 +12831,23 @@
             </a:r>
             <a:r>
               <a:rPr lang="zh-CN" altLang="en-US" sz="1800" dirty="0"/>
-              <a:t>是一个开源的分布式弹性资源管理系统。目前，</a:t>
+              <a:t>是一个集群管理平台。 可以理解为是一种分布式系统的</a:t>
             </a:r>
             <a:r>
               <a:rPr lang="en-US" altLang="zh-CN" sz="1800" dirty="0"/>
-              <a:t>Twitter</a:t>
+              <a:t>kernel</a:t>
             </a:r>
             <a:r>
               <a:rPr lang="zh-CN" altLang="en-US" sz="1800" dirty="0"/>
-              <a:t>、</a:t>
+              <a:t>，负责集群资源的分配，这里的资源指的是</a:t>
             </a:r>
             <a:r>
               <a:rPr lang="en-US" altLang="zh-CN" sz="1800" dirty="0"/>
-              <a:t>Apple</a:t>
+              <a:t>CPU</a:t>
             </a:r>
             <a:r>
               <a:rPr lang="zh-CN" altLang="en-US" sz="1800" dirty="0"/>
-              <a:t>等公司在大量使用</a:t>
+              <a:t>资源， 内存资源， 存储资源， 网络资源等。 在</a:t>
             </a:r>
             <a:r>
               <a:rPr lang="en-US" altLang="zh-CN" sz="1800" dirty="0"/>
@@ -12800,15 +12855,55 @@
             </a:r>
             <a:r>
               <a:rPr lang="zh-CN" altLang="en-US" sz="1800" dirty="0"/>
-              <a:t>管理集群资源。国内也有一些公司在使用</a:t>
+              <a:t>可以运行</a:t>
             </a:r>
             <a:r>
               <a:rPr lang="en-US" altLang="zh-CN" sz="1800" dirty="0"/>
-              <a:t>Mesos</a:t>
+              <a:t>Spark</a:t>
             </a:r>
             <a:r>
               <a:rPr lang="zh-CN" altLang="en-US" sz="1800" dirty="0"/>
-              <a:t>，比如豆瓣、爱奇艺等。</a:t>
+              <a:t>， </a:t>
+            </a:r>
+            <a:r>
+              <a:rPr lang="en-US" altLang="zh-CN" sz="1800" dirty="0"/>
+              <a:t>Storm</a:t>
+            </a:r>
+            <a:r>
+              <a:rPr lang="zh-CN" altLang="en-US" sz="1800" dirty="0"/>
+              <a:t>， </a:t>
+            </a:r>
+            <a:r>
+              <a:rPr lang="en-US" altLang="zh-CN" sz="1800" dirty="0"/>
+              <a:t>Hadoop</a:t>
+            </a:r>
+            <a:r>
+              <a:rPr lang="zh-CN" altLang="en-US" sz="1800" dirty="0"/>
+              <a:t>， </a:t>
+            </a:r>
+            <a:r>
+              <a:rPr lang="en-US" altLang="zh-CN" sz="1800" dirty="0"/>
+              <a:t>Marathon</a:t>
+            </a:r>
+            <a:r>
+              <a:rPr lang="zh-CN" altLang="en-US" sz="1800" dirty="0"/>
+              <a:t>，</a:t>
+            </a:r>
+            <a:r>
+              <a:rPr lang="en-US" altLang="zh-CN" sz="1800" dirty="0"/>
+              <a:t>Chronos</a:t>
+            </a:r>
+            <a:r>
+              <a:rPr lang="zh-CN" altLang="en-US" sz="1800" dirty="0"/>
+              <a:t>等多种</a:t>
+            </a:r>
+            <a:r>
+              <a:rPr lang="en-US" altLang="zh-CN" sz="1800" dirty="0"/>
+              <a:t>Framework</a:t>
+            </a:r>
+            <a:r>
+              <a:rPr lang="zh-CN" altLang="en-US" sz="1800" dirty="0"/>
+              <a:t>（框架）。 </a:t>
             </a:r>
           </a:p>
           <a:p>
@@ -12821,23 +12916,23 @@
             </a:r>
             <a:r>
               <a:rPr lang="zh-CN" altLang="en-US" sz="1800" dirty="0"/>
-              <a:t>是仿照</a:t>
+              <a:t>的架构主要有</a:t>
             </a:r>
             <a:r>
               <a:rPr lang="en-US" altLang="zh-CN" sz="1800" dirty="0"/>
-              <a:t>Google</a:t>
+              <a:t>Masters</a:t>
             </a:r>
             <a:r>
               <a:rPr lang="zh-CN" altLang="en-US" sz="1800" dirty="0"/>
-              <a:t>内部的资源管理系统</a:t>
+              <a:t>（主节点）， </a:t>
             </a:r>
             <a:r>
               <a:rPr lang="en-US" altLang="zh-CN" sz="1800" dirty="0"/>
-              <a:t>Borg</a:t>
+              <a:t>Slaves</a:t>
             </a:r>
             <a:r>
               <a:rPr lang="zh-CN" altLang="en-US" sz="1800" dirty="0"/>
-              <a:t>实现的。</a:t>
+              <a:t>（从节点）， 和 及在</a:t>
             </a:r>
             <a:r>
               <a:rPr lang="en-US" altLang="zh-CN" sz="1800" dirty="0"/>
@@ -12845,31 +12940,53 @@
             </a:r>
             <a:r>
               <a:rPr lang="zh-CN" altLang="en-US" sz="1800" dirty="0"/>
-              <a:t>对</a:t>
+              <a:t>上运行的</a:t>
             </a:r>
             <a:r>
               <a:rPr lang="en-US" altLang="zh-CN" sz="1800" dirty="0"/>
-              <a:t>Docker</a:t>
+              <a:t>Framework</a:t>
             </a:r>
             <a:r>
               <a:rPr lang="zh-CN" altLang="en-US" sz="1800" dirty="0"/>
-              <a:t>的支持较好，其采用的资源分配算法叫做</a:t>
-            </a:r>
-            <a:r>
-              <a:rPr lang="en-US" altLang="zh-CN" sz="1800" dirty="0"/>
-              <a:t>DRF</a:t>
-            </a:r>
-            <a:r>
-              <a:rPr lang="zh-CN" altLang="en-US" sz="1800" dirty="0"/>
-              <a:t>。</a:t>
-            </a:r>
-            <a:endParaRPr lang="en-US" altLang="zh-CN" sz="1800" dirty="0"/>
+              <a:t>（框架）组成。 各个部分的分工如下：</a:t>
+            </a:r>
           </a:p>
           <a:p>
             <a:pPr marL="0" indent="0">
               <a:buNone/>
             </a:pPr>
-            <a:endParaRPr lang="en-US" altLang="zh-CN" sz="1800" dirty="0"/>
+            <a:r>
+              <a:rPr lang="en-US" altLang="zh-CN" sz="1800" dirty="0"/>
+              <a:t>Master</a:t>
+            </a:r>
+            <a:r>
+              <a:rPr lang="zh-CN" altLang="en-US" sz="1800" dirty="0"/>
+              <a:t>： 负责处理</a:t>
+            </a:r>
+            <a:r>
+              <a:rPr lang="en-US" altLang="zh-CN" sz="1800" dirty="0"/>
+              <a:t>Slave</a:t>
+            </a:r>
+            <a:r>
+              <a:rPr lang="zh-CN" altLang="en-US" sz="1800" dirty="0"/>
+              <a:t>节点和</a:t>
+            </a:r>
+            <a:r>
+              <a:rPr lang="en-US" altLang="zh-CN" sz="1800" dirty="0"/>
+              <a:t>Framework</a:t>
+            </a:r>
+            <a:r>
+              <a:rPr lang="zh-CN" altLang="en-US" sz="1800" dirty="0"/>
+              <a:t>间的资源通讯， 根据指定的策略来决定分配多少资源给</a:t>
+            </a:r>
+            <a:r>
+              <a:rPr lang="en-US" altLang="zh-CN" sz="1800" dirty="0"/>
+              <a:t>framework</a:t>
+            </a:r>
+            <a:r>
+              <a:rPr lang="zh-CN" altLang="en-US" sz="1800" dirty="0"/>
+              <a:t>。 </a:t>
+            </a:r>
           </a:p>
           <a:p>
             <a:pPr marL="0" indent="0">
@@ -12877,7 +12994,19 @@
             </a:pPr>
             <a:r>
               <a:rPr lang="en-US" altLang="zh-CN" sz="1800" dirty="0"/>
-              <a:t>Chronos</a:t>
+              <a:t>Slave:  </a:t>
+            </a:r>
+            <a:r>
+              <a:rPr lang="zh-CN" altLang="en-US" sz="1800" dirty="0"/>
+              <a:t>启动本地进程， 同时向</a:t>
+            </a:r>
+            <a:r>
+              <a:rPr lang="en-US" altLang="zh-CN" sz="1800" dirty="0"/>
+              <a:t>Master</a:t>
+            </a:r>
+            <a:r>
+              <a:rPr lang="zh-CN" altLang="en-US" sz="1800" dirty="0"/>
+              <a:t>报告有哪些资源可用。 </a:t>
             </a:r>
           </a:p>
           <a:p>
@@ -12886,67 +13015,51 @@
             </a:pPr>
             <a:r>
               <a:rPr lang="en-US" altLang="zh-CN" sz="1800" dirty="0"/>
-              <a:t>Chronos</a:t>
+              <a:t>Framework</a:t>
             </a:r>
             <a:r>
               <a:rPr lang="zh-CN" altLang="en-US" sz="1800" dirty="0"/>
-              <a:t>是一个运行在</a:t>
+              <a:t>： 接收来自</a:t>
             </a:r>
             <a:r>
               <a:rPr lang="en-US" altLang="zh-CN" sz="1800" dirty="0"/>
-              <a:t>Mesos</a:t>
+              <a:t>Master</a:t>
             </a:r>
             <a:r>
               <a:rPr lang="zh-CN" altLang="en-US" sz="1800" dirty="0"/>
-              <a:t>之上的具有分布式容错特性的作业调度器。在</a:t>
+              <a:t>提供的</a:t>
             </a:r>
             <a:r>
               <a:rPr lang="en-US" altLang="zh-CN" sz="1800" dirty="0"/>
-              <a:t>Airbnb</a:t>
+              <a:t>Slave</a:t>
             </a:r>
             <a:r>
               <a:rPr lang="zh-CN" altLang="en-US" sz="1800" dirty="0"/>
-              <a:t>公司，它是</a:t>
-            </a:r>
-            <a:r>
-              <a:rPr lang="en-US" altLang="zh-CN" sz="1800" dirty="0" err="1"/>
-              <a:t>cron</a:t>
+              <a:t>节点的资源（如</a:t>
+            </a:r>
+            <a:r>
+              <a:rPr lang="en-US" altLang="zh-CN" sz="1800" dirty="0"/>
+              <a:t>CPU</a:t>
             </a:r>
             <a:r>
               <a:rPr lang="zh-CN" altLang="en-US" sz="1800" dirty="0"/>
-              <a:t>的替代品。与</a:t>
-            </a:r>
-            <a:r>
-              <a:rPr lang="en-US" altLang="zh-CN" sz="1800" dirty="0" err="1"/>
-              <a:t>cron</a:t>
+              <a:t>和内存）， </a:t>
+            </a:r>
+            <a:r>
+              <a:rPr lang="en-US" altLang="zh-CN" sz="1800" dirty="0"/>
+              <a:t>Framework</a:t>
             </a:r>
             <a:r>
               <a:rPr lang="zh-CN" altLang="en-US" sz="1800" dirty="0"/>
-              <a:t>相比，</a:t>
+              <a:t>由调度器（负责监控和管理</a:t>
             </a:r>
             <a:r>
               <a:rPr lang="en-US" altLang="zh-CN" sz="1800" dirty="0"/>
-              <a:t>Chronos</a:t>
+              <a:t>Slave</a:t>
             </a:r>
             <a:r>
               <a:rPr lang="zh-CN" altLang="en-US" sz="1800" dirty="0"/>
-              <a:t>在很多方面具备优势。比如，它支持</a:t>
-            </a:r>
-            <a:r>
-              <a:rPr lang="en-US" altLang="zh-CN" sz="1800" dirty="0"/>
-              <a:t>ISO8601</a:t>
-            </a:r>
-            <a:r>
-              <a:rPr lang="zh-CN" altLang="en-US" sz="1800" dirty="0"/>
-              <a:t>标准，允许更灵活地定义调度时间；</a:t>
-            </a:r>
-            <a:r>
-              <a:rPr lang="en-US" altLang="zh-CN" sz="1800" dirty="0"/>
-              <a:t>Chronos</a:t>
-            </a:r>
-            <a:r>
-              <a:rPr lang="zh-CN" altLang="en-US" sz="1800" dirty="0"/>
-              <a:t>也支持任务依赖，即一个作业的开始依赖于一些任务的完成。</a:t>
+              <a:t>的状态）和执行器（负责在服务器执行应用程序代码）组成。 </a:t>
             </a:r>
           </a:p>
         </p:txBody>
@@ -13256,6 +13369,434 @@
 </file>
 
 <file path=ppt/slides/slide21.xml><?xml version="1.0" encoding="utf-8"?>
+<p:sld xmlns:a="http://schemas.openxmlformats.org/drawingml/2006/main" xmlns:r="http://schemas.openxmlformats.org/officeDocument/2006/relationships" xmlns:p="http://schemas.openxmlformats.org/presentationml/2006/main">
+  <p:cSld>
+    <p:spTree>
+      <p:nvGrpSpPr>
+        <p:cNvPr id="1" name=""/>
+        <p:cNvGrpSpPr/>
+        <p:nvPr/>
+      </p:nvGrpSpPr>
+      <p:grpSpPr>
+        <a:xfrm>
+          <a:off x="0" y="0"/>
+          <a:ext cx="0" cy="0"/>
+          <a:chOff x="0" y="0"/>
+          <a:chExt cx="0" cy="0"/>
+        </a:xfrm>
+      </p:grpSpPr>
+      <p:sp>
+        <p:nvSpPr>
+          <p:cNvPr id="12" name="内容占位符 2">
+            <a:extLst>
+              <a:ext uri="{FF2B5EF4-FFF2-40B4-BE49-F238E27FC236}">
+                <a16:creationId xmlns:a16="http://schemas.microsoft.com/office/drawing/2014/main" id="{CF38C418-3F3E-4E5A-BACF-C4067006D4C9}"/>
+              </a:ext>
+            </a:extLst>
+          </p:cNvPr>
+          <p:cNvSpPr>
+            <a:spLocks noGrp="1"/>
+          </p:cNvSpPr>
+          <p:nvPr>
+            <p:ph idx="1"/>
+          </p:nvPr>
+        </p:nvSpPr>
+        <p:spPr>
+          <a:xfrm>
+            <a:off x="838200" y="1825625"/>
+            <a:ext cx="10515600" cy="3727887"/>
+          </a:xfrm>
+        </p:spPr>
+        <p:txBody>
+          <a:bodyPr>
+            <a:normAutofit/>
+          </a:bodyPr>
+          <a:lstStyle/>
+          <a:p>
+            <a:pPr marL="0" indent="0">
+              <a:buNone/>
+            </a:pPr>
+            <a:r>
+              <a:rPr lang="en-US" altLang="zh-CN" sz="1800" dirty="0"/>
+              <a:t>Chronos</a:t>
+            </a:r>
+          </a:p>
+          <a:p>
+            <a:pPr marL="0" indent="0">
+              <a:buNone/>
+            </a:pPr>
+            <a:r>
+              <a:rPr lang="en-US" altLang="zh-CN" sz="1800" dirty="0"/>
+              <a:t>Chronos</a:t>
+            </a:r>
+            <a:r>
+              <a:rPr lang="zh-CN" altLang="en-US" sz="1800" dirty="0"/>
+              <a:t>是一个运行在</a:t>
+            </a:r>
+            <a:r>
+              <a:rPr lang="en-US" altLang="zh-CN" sz="1800" dirty="0"/>
+              <a:t>Mesos</a:t>
+            </a:r>
+            <a:r>
+              <a:rPr lang="zh-CN" altLang="en-US" sz="1800" dirty="0"/>
+              <a:t>之上的具有分布式容错特性的作业调度器。在</a:t>
+            </a:r>
+            <a:r>
+              <a:rPr lang="en-US" altLang="zh-CN" sz="1800" dirty="0"/>
+              <a:t>Airbnb</a:t>
+            </a:r>
+            <a:r>
+              <a:rPr lang="zh-CN" altLang="en-US" sz="1800" dirty="0"/>
+              <a:t>公司，它是</a:t>
+            </a:r>
+            <a:r>
+              <a:rPr lang="en-US" altLang="zh-CN" sz="1800" dirty="0" err="1"/>
+              <a:t>cron</a:t>
+            </a:r>
+            <a:r>
+              <a:rPr lang="zh-CN" altLang="en-US" sz="1800" dirty="0"/>
+              <a:t>的替代品。与</a:t>
+            </a:r>
+            <a:r>
+              <a:rPr lang="en-US" altLang="zh-CN" sz="1800" dirty="0" err="1"/>
+              <a:t>cron</a:t>
+            </a:r>
+            <a:r>
+              <a:rPr lang="zh-CN" altLang="en-US" sz="1800" dirty="0"/>
+              <a:t>相比，</a:t>
+            </a:r>
+            <a:r>
+              <a:rPr lang="en-US" altLang="zh-CN" sz="1800" dirty="0"/>
+              <a:t>Chronos</a:t>
+            </a:r>
+            <a:r>
+              <a:rPr lang="zh-CN" altLang="en-US" sz="1800" dirty="0"/>
+              <a:t>在很多方面具备优势。比如，它支持</a:t>
+            </a:r>
+            <a:r>
+              <a:rPr lang="en-US" altLang="zh-CN" sz="1800" dirty="0"/>
+              <a:t>ISO8601</a:t>
+            </a:r>
+            <a:r>
+              <a:rPr lang="zh-CN" altLang="en-US" sz="1800" dirty="0"/>
+              <a:t>标准，允许更灵活地定义调度时间；</a:t>
+            </a:r>
+            <a:r>
+              <a:rPr lang="en-US" altLang="zh-CN" sz="1800" dirty="0"/>
+              <a:t>Chronos</a:t>
+            </a:r>
+            <a:r>
+              <a:rPr lang="zh-CN" altLang="en-US" sz="1800" dirty="0"/>
+              <a:t>也支持任务依赖，即一个作业的开始依赖于一些任务的完成。</a:t>
+            </a:r>
+          </a:p>
+        </p:txBody>
+      </p:sp>
+      <p:grpSp>
+        <p:nvGrpSpPr>
+          <p:cNvPr id="13" name="组 54">
+            <a:extLst>
+              <a:ext uri="{FF2B5EF4-FFF2-40B4-BE49-F238E27FC236}">
+                <a16:creationId xmlns:a16="http://schemas.microsoft.com/office/drawing/2014/main" id="{D19BE295-A942-4BBF-BB44-AD1555283094}"/>
+              </a:ext>
+            </a:extLst>
+          </p:cNvPr>
+          <p:cNvGrpSpPr/>
+          <p:nvPr/>
+        </p:nvGrpSpPr>
+        <p:grpSpPr>
+          <a:xfrm>
+            <a:off x="409732" y="301493"/>
+            <a:ext cx="11372537" cy="479113"/>
+            <a:chOff x="353962" y="302459"/>
+            <a:chExt cx="11372537" cy="479113"/>
+          </a:xfrm>
+        </p:grpSpPr>
+        <p:grpSp>
+          <p:nvGrpSpPr>
+            <p:cNvPr id="14" name="组 55">
+              <a:extLst>
+                <a:ext uri="{FF2B5EF4-FFF2-40B4-BE49-F238E27FC236}">
+                  <a16:creationId xmlns:a16="http://schemas.microsoft.com/office/drawing/2014/main" id="{47B60E6F-8636-4A02-8208-4A39196956E7}"/>
+                </a:ext>
+              </a:extLst>
+            </p:cNvPr>
+            <p:cNvGrpSpPr/>
+            <p:nvPr/>
+          </p:nvGrpSpPr>
+          <p:grpSpPr>
+            <a:xfrm>
+              <a:off x="11253359" y="334716"/>
+              <a:ext cx="473140" cy="446856"/>
+              <a:chOff x="11186437" y="397002"/>
+              <a:chExt cx="473140" cy="446856"/>
+            </a:xfrm>
+          </p:grpSpPr>
+          <p:sp>
+            <p:nvSpPr>
+              <p:cNvPr id="18" name="椭圆 17">
+                <a:extLst>
+                  <a:ext uri="{FF2B5EF4-FFF2-40B4-BE49-F238E27FC236}">
+                    <a16:creationId xmlns:a16="http://schemas.microsoft.com/office/drawing/2014/main" id="{0E70BD41-A6A2-4B51-803C-2AD0BE62C1F0}"/>
+                  </a:ext>
+                </a:extLst>
+              </p:cNvPr>
+              <p:cNvSpPr/>
+              <p:nvPr/>
+            </p:nvSpPr>
+            <p:spPr>
+              <a:xfrm>
+                <a:off x="11208773" y="397002"/>
+                <a:ext cx="450804" cy="446856"/>
+              </a:xfrm>
+              <a:prstGeom prst="ellipse">
+                <a:avLst/>
+              </a:prstGeom>
+              <a:solidFill>
+                <a:srgbClr val="37CB83"/>
+              </a:solidFill>
+              <a:ln>
+                <a:noFill/>
+              </a:ln>
+            </p:spPr>
+            <p:style>
+              <a:lnRef idx="2">
+                <a:schemeClr val="accent1">
+                  <a:shade val="50000"/>
+                </a:schemeClr>
+              </a:lnRef>
+              <a:fillRef idx="1">
+                <a:schemeClr val="accent1"/>
+              </a:fillRef>
+              <a:effectRef idx="0">
+                <a:schemeClr val="accent1"/>
+              </a:effectRef>
+              <a:fontRef idx="minor">
+                <a:schemeClr val="lt1"/>
+              </a:fontRef>
+            </p:style>
+            <p:txBody>
+              <a:bodyPr rtlCol="0" anchor="ctr" anchorCtr="1"/>
+              <a:lstStyle/>
+              <a:p>
+                <a:pPr algn="ctr"/>
+                <a:endParaRPr kumimoji="1" lang="zh-CN" altLang="en-US"/>
+              </a:p>
+            </p:txBody>
+          </p:sp>
+          <p:sp>
+            <p:nvSpPr>
+              <p:cNvPr id="19" name="文本框 18">
+                <a:extLst>
+                  <a:ext uri="{FF2B5EF4-FFF2-40B4-BE49-F238E27FC236}">
+                    <a16:creationId xmlns:a16="http://schemas.microsoft.com/office/drawing/2014/main" id="{02A6EE7B-3AC2-421B-A8DF-8F0BD717747D}"/>
+                  </a:ext>
+                </a:extLst>
+              </p:cNvPr>
+              <p:cNvSpPr txBox="1"/>
+              <p:nvPr/>
+            </p:nvSpPr>
+            <p:spPr>
+              <a:xfrm>
+                <a:off x="11186437" y="435764"/>
+                <a:ext cx="473139" cy="369332"/>
+              </a:xfrm>
+              <a:prstGeom prst="rect">
+                <a:avLst/>
+              </a:prstGeom>
+              <a:noFill/>
+            </p:spPr>
+            <p:txBody>
+              <a:bodyPr wrap="square" rtlCol="0" anchor="ctr" anchorCtr="1">
+                <a:spAutoFit/>
+              </a:bodyPr>
+              <a:lstStyle/>
+              <a:p>
+                <a:pPr algn="ctr"/>
+                <a:r>
+                  <a:rPr kumimoji="1" lang="en-US" altLang="zh-CN" dirty="0">
+                    <a:solidFill>
+                      <a:schemeClr val="bg1"/>
+                    </a:solidFill>
+                    <a:latin typeface="Arial" panose="020B0604020202020204" pitchFamily="34" charset="0"/>
+                    <a:ea typeface="Arial" panose="020B0604020202020204" pitchFamily="34" charset="0"/>
+                    <a:cs typeface="Arial" panose="020B0604020202020204" pitchFamily="34" charset="0"/>
+                  </a:rPr>
+                  <a:t>12</a:t>
+                </a:r>
+                <a:endParaRPr kumimoji="1" lang="zh-CN" altLang="en-US" dirty="0">
+                  <a:solidFill>
+                    <a:schemeClr val="bg1"/>
+                  </a:solidFill>
+                  <a:latin typeface="Arial" panose="020B0604020202020204" pitchFamily="34" charset="0"/>
+                  <a:ea typeface="Arial" panose="020B0604020202020204" pitchFamily="34" charset="0"/>
+                  <a:cs typeface="Arial" panose="020B0604020202020204" pitchFamily="34" charset="0"/>
+                </a:endParaRPr>
+              </a:p>
+            </p:txBody>
+          </p:sp>
+        </p:grpSp>
+        <p:pic>
+          <p:nvPicPr>
+            <p:cNvPr id="15" name="图片 14">
+              <a:extLst>
+                <a:ext uri="{FF2B5EF4-FFF2-40B4-BE49-F238E27FC236}">
+                  <a16:creationId xmlns:a16="http://schemas.microsoft.com/office/drawing/2014/main" id="{CD3CE44F-0B74-4963-B8C8-51473C008B10}"/>
+                </a:ext>
+              </a:extLst>
+            </p:cNvPr>
+            <p:cNvPicPr>
+              <a:picLocks noChangeAspect="1"/>
+            </p:cNvPicPr>
+            <p:nvPr/>
+          </p:nvPicPr>
+          <p:blipFill>
+            <a:blip r:embed="rId2">
+              <a:extLst>
+                <a:ext uri="{28A0092B-C50C-407E-A947-70E740481C1C}">
+                  <a14:useLocalDpi xmlns:a14="http://schemas.microsoft.com/office/drawing/2010/main" val="0"/>
+                </a:ext>
+              </a:extLst>
+            </a:blip>
+            <a:stretch>
+              <a:fillRect/>
+            </a:stretch>
+          </p:blipFill>
+          <p:spPr>
+            <a:xfrm>
+              <a:off x="353962" y="302459"/>
+              <a:ext cx="1364639" cy="461720"/>
+            </a:xfrm>
+            <a:prstGeom prst="rect">
+              <a:avLst/>
+            </a:prstGeom>
+          </p:spPr>
+        </p:pic>
+        <p:cxnSp>
+          <p:nvCxnSpPr>
+            <p:cNvPr id="16" name="直线连接符 57">
+              <a:extLst>
+                <a:ext uri="{FF2B5EF4-FFF2-40B4-BE49-F238E27FC236}">
+                  <a16:creationId xmlns:a16="http://schemas.microsoft.com/office/drawing/2014/main" id="{F5512990-78BC-4E4F-B626-9450ABCF3168}"/>
+                </a:ext>
+              </a:extLst>
+            </p:cNvPr>
+            <p:cNvCxnSpPr/>
+            <p:nvPr/>
+          </p:nvCxnSpPr>
+          <p:spPr>
+            <a:xfrm>
+              <a:off x="1877960" y="397002"/>
+              <a:ext cx="0" cy="272634"/>
+            </a:xfrm>
+            <a:prstGeom prst="line">
+              <a:avLst/>
+            </a:prstGeom>
+            <a:ln w="15875">
+              <a:solidFill>
+                <a:srgbClr val="282828">
+                  <a:alpha val="21000"/>
+                </a:srgbClr>
+              </a:solidFill>
+            </a:ln>
+          </p:spPr>
+          <p:style>
+            <a:lnRef idx="1">
+              <a:schemeClr val="accent1"/>
+            </a:lnRef>
+            <a:fillRef idx="0">
+              <a:schemeClr val="accent1"/>
+            </a:fillRef>
+            <a:effectRef idx="0">
+              <a:schemeClr val="accent1"/>
+            </a:effectRef>
+            <a:fontRef idx="minor">
+              <a:schemeClr val="tx1"/>
+            </a:fontRef>
+          </p:style>
+        </p:cxnSp>
+        <p:sp>
+          <p:nvSpPr>
+            <p:cNvPr id="17" name="矩形 16">
+              <a:extLst>
+                <a:ext uri="{FF2B5EF4-FFF2-40B4-BE49-F238E27FC236}">
+                  <a16:creationId xmlns:a16="http://schemas.microsoft.com/office/drawing/2014/main" id="{DF4E283F-F1D4-448A-9FCA-0851D2FCBE95}"/>
+                </a:ext>
+              </a:extLst>
+            </p:cNvPr>
+            <p:cNvSpPr/>
+            <p:nvPr/>
+          </p:nvSpPr>
+          <p:spPr>
+            <a:xfrm>
+              <a:off x="1965495" y="334716"/>
+              <a:ext cx="3162652" cy="369332"/>
+            </a:xfrm>
+            <a:prstGeom prst="rect">
+              <a:avLst/>
+            </a:prstGeom>
+          </p:spPr>
+          <p:txBody>
+            <a:bodyPr wrap="square">
+              <a:spAutoFit/>
+            </a:bodyPr>
+            <a:lstStyle/>
+            <a:p>
+              <a:r>
+                <a:rPr lang="en-US" altLang="zh-CN" dirty="0">
+                  <a:solidFill>
+                    <a:schemeClr val="bg1">
+                      <a:lumMod val="50000"/>
+                    </a:schemeClr>
+                  </a:solidFill>
+                </a:rPr>
+                <a:t>Mesos</a:t>
+              </a:r>
+              <a:r>
+                <a:rPr lang="zh-CN" altLang="en-US" dirty="0">
+                  <a:solidFill>
+                    <a:schemeClr val="bg1">
+                      <a:lumMod val="50000"/>
+                    </a:schemeClr>
+                  </a:solidFill>
+                </a:rPr>
+                <a:t>与</a:t>
+              </a:r>
+              <a:r>
+                <a:rPr lang="en-US" altLang="zh-CN" dirty="0">
+                  <a:solidFill>
+                    <a:schemeClr val="bg1">
+                      <a:lumMod val="50000"/>
+                    </a:schemeClr>
+                  </a:solidFill>
+                </a:rPr>
+                <a:t>Chronos</a:t>
+              </a:r>
+              <a:endParaRPr lang="zh-CN" altLang="en-US" dirty="0">
+                <a:solidFill>
+                  <a:schemeClr val="bg1">
+                    <a:lumMod val="50000"/>
+                  </a:schemeClr>
+                </a:solidFill>
+              </a:endParaRPr>
+            </a:p>
+          </p:txBody>
+        </p:sp>
+      </p:grpSp>
+    </p:spTree>
+    <p:extLst>
+      <p:ext uri="{BB962C8B-B14F-4D97-AF65-F5344CB8AC3E}">
+        <p14:creationId xmlns:p14="http://schemas.microsoft.com/office/powerpoint/2010/main" val="2047810624"/>
+      </p:ext>
+    </p:extLst>
+  </p:cSld>
+  <p:clrMapOvr>
+    <a:masterClrMapping/>
+  </p:clrMapOvr>
+</p:sld>
+</file>
+
+<file path=ppt/slides/slide22.xml><?xml version="1.0" encoding="utf-8"?>
 <p:sld xmlns:a="http://schemas.openxmlformats.org/drawingml/2006/main" xmlns:r="http://schemas.openxmlformats.org/officeDocument/2006/relationships" xmlns:p="http://schemas.openxmlformats.org/presentationml/2006/main">
   <p:cSld>
     <p:spTree>
@@ -13784,8 +14325,8 @@
         </p:nvSpPr>
         <p:spPr>
           <a:xfrm>
-            <a:off x="2010561" y="2007066"/>
-            <a:ext cx="8170877" cy="3416320"/>
+            <a:off x="1933730" y="2007066"/>
+            <a:ext cx="8170877" cy="1200329"/>
           </a:xfrm>
           <a:prstGeom prst="rect">
             <a:avLst/>
@@ -13800,16 +14341,15 @@
           <a:p>
             <a:r>
               <a:rPr lang="en-US" altLang="zh-CN" dirty="0"/>
-              <a:t>Docker is a computer program that performs operating-system-level virtualization, also known as “containerization”. It was first released in 2013 and is developed by Docker, Inc.</a:t>
-            </a:r>
-          </a:p>
-          <a:p>
-            <a:endParaRPr lang="en-US" altLang="zh-CN" dirty="0"/>
-          </a:p>
-          <a:p>
+              <a:t>Docker is a computer program that performs operating-system-level virtualization, also known as “</a:t>
+            </a:r>
+            <a:r>
+              <a:rPr lang="en-US" altLang="zh-CN" dirty="0" err="1"/>
+              <a:t>containerization”.It</a:t>
+            </a:r>
             <a:r>
               <a:rPr lang="en-US" altLang="zh-CN" dirty="0"/>
-              <a:t>Docker is used to run software packages called "containers". Containers are isolated from each other and bundle their own application, tools, libraries and configuration files; they can communicate with each other through well-defined channels. All containers are run by a single operating system kernel and are thus more lightweight than virtual machines. Containers are created from "images" that specify their precise contents. Images are often created by combining and modifying standard images downloaded from public repositories.</a:t>
+              <a:t> was first released in 2013 and is developed by Docker, Inc.</a:t>
             </a:r>
           </a:p>
           <a:p>
